--- a/assets/ppt/lex/lex3-regexps-are-trees.pptx
+++ b/assets/ppt/lex/lex3-regexps-are-trees.pptx
@@ -220,6 +220,11 @@
       </a:defRPr>
     </a:lvl9pPr>
   </p:defaultTextStyle>
+  <p:extLst>
+    <p:ext uri="{EFAFB233-063F-42B5-8137-9DF3F51BA10A}">
+      <p15:sldGuideLst xmlns:p15="http://schemas.microsoft.com/office/powerpoint/2012/main"/>
+    </p:ext>
+  </p:extLst>
 </p:presentation>
 </file>
 
@@ -19761,7 +19766,7 @@
               <a:buChar char="•"/>
             </a:pPr>
             <a:r>
-              <a:rPr lang="en-US" sz="2800" b="0" i="0" u="none" strike="noStrike" cap="none">
+              <a:rPr lang="en-US" sz="2800" b="0" i="0" u="none" strike="noStrike" cap="none" dirty="0">
                 <a:solidFill>
                   <a:schemeClr val="dk1"/>
                 </a:solidFill>
@@ -19792,7 +19797,7 @@
               <a:buChar char="–"/>
             </a:pPr>
             <a:r>
-              <a:rPr lang="en-US" sz="2000" b="0" i="0" u="none" strike="noStrike" cap="none">
+              <a:rPr lang="en-US" sz="2000" b="0" i="0" u="none" strike="noStrike" cap="none" dirty="0">
                 <a:solidFill>
                   <a:schemeClr val="dk1"/>
                 </a:solidFill>
@@ -19801,7 +19806,55 @@
                 <a:cs typeface="Calibri"/>
                 <a:sym typeface="Calibri"/>
               </a:rPr>
-              <a:t>E.g. is aa|bc equal to a(a|b)c or ((aa)|b)c?</a:t>
+              <a:t>E.g. is </a:t>
+            </a:r>
+            <a:r>
+              <a:rPr lang="en-US" sz="2000" b="0" i="0" u="none" strike="noStrike" cap="none" dirty="0" err="1">
+                <a:solidFill>
+                  <a:schemeClr val="dk1"/>
+                </a:solidFill>
+                <a:latin typeface="Calibri"/>
+                <a:ea typeface="Calibri"/>
+                <a:cs typeface="Calibri"/>
+                <a:sym typeface="Calibri"/>
+              </a:rPr>
+              <a:t>aa|bc</a:t>
+            </a:r>
+            <a:r>
+              <a:rPr lang="en-US" sz="2000" b="0" i="0" u="none" strike="noStrike" cap="none" dirty="0">
+                <a:solidFill>
+                  <a:schemeClr val="dk1"/>
+                </a:solidFill>
+                <a:latin typeface="Calibri"/>
+                <a:ea typeface="Calibri"/>
+                <a:cs typeface="Calibri"/>
+                <a:sym typeface="Calibri"/>
+              </a:rPr>
+              <a:t> equal to a(</a:t>
+            </a:r>
+            <a:r>
+              <a:rPr lang="en-US" sz="2000" b="0" i="0" u="none" strike="noStrike" cap="none" dirty="0" err="1">
+                <a:solidFill>
+                  <a:schemeClr val="dk1"/>
+                </a:solidFill>
+                <a:latin typeface="Calibri"/>
+                <a:ea typeface="Calibri"/>
+                <a:cs typeface="Calibri"/>
+                <a:sym typeface="Calibri"/>
+              </a:rPr>
+              <a:t>a|b</a:t>
+            </a:r>
+            <a:r>
+              <a:rPr lang="en-US" sz="2000" b="0" i="0" u="none" strike="noStrike" cap="none" dirty="0">
+                <a:solidFill>
+                  <a:schemeClr val="dk1"/>
+                </a:solidFill>
+                <a:latin typeface="Calibri"/>
+                <a:ea typeface="Calibri"/>
+                <a:cs typeface="Calibri"/>
+                <a:sym typeface="Calibri"/>
+              </a:rPr>
+              <a:t>)c or ((aa)|b)c   ?</a:t>
             </a:r>
           </a:p>
           <a:p>
@@ -19823,7 +19876,7 @@
               <a:buChar char="•"/>
             </a:pPr>
             <a:r>
-              <a:rPr lang="en-US" sz="2800" b="0" i="0" u="none" strike="noStrike" cap="none">
+              <a:rPr lang="en-US" sz="2800" b="0" i="0" u="none" strike="noStrike" cap="none" dirty="0">
                 <a:solidFill>
                   <a:schemeClr val="dk1"/>
                 </a:solidFill>
@@ -19832,7 +19885,31 @@
                 <a:cs typeface="Calibri"/>
                 <a:sym typeface="Calibri"/>
               </a:rPr>
-              <a:t>Avoid such cases of ambiguity - provide explicit arguments for each regexp operator</a:t>
+              <a:t>Avoid such cases of ambiguity - provide explicit arguments for each </a:t>
+            </a:r>
+            <a:r>
+              <a:rPr lang="en-US" sz="2800" b="0" i="0" u="none" strike="noStrike" cap="none" dirty="0" err="1">
+                <a:solidFill>
+                  <a:schemeClr val="dk1"/>
+                </a:solidFill>
+                <a:latin typeface="Calibri"/>
+                <a:ea typeface="Calibri"/>
+                <a:cs typeface="Calibri"/>
+                <a:sym typeface="Calibri"/>
+              </a:rPr>
+              <a:t>regexp</a:t>
+            </a:r>
+            <a:r>
+              <a:rPr lang="en-US" sz="2800" b="0" i="0" u="none" strike="noStrike" cap="none" dirty="0">
+                <a:solidFill>
+                  <a:schemeClr val="dk1"/>
+                </a:solidFill>
+                <a:latin typeface="Calibri"/>
+                <a:ea typeface="Calibri"/>
+                <a:cs typeface="Calibri"/>
+                <a:sym typeface="Calibri"/>
+              </a:rPr>
+              <a:t> operator</a:t>
             </a:r>
           </a:p>
           <a:p>
@@ -19854,7 +19931,7 @@
               <a:buChar char="–"/>
             </a:pPr>
             <a:r>
-              <a:rPr lang="en-US" sz="2400" b="0" i="0" u="none" strike="noStrike" cap="none">
+              <a:rPr lang="en-US" sz="2400" b="0" i="0" u="none" strike="noStrike" cap="none" dirty="0">
                 <a:solidFill>
                   <a:schemeClr val="dk1"/>
                 </a:solidFill>
@@ -19885,7 +19962,7 @@
               <a:buChar char="•"/>
             </a:pPr>
             <a:r>
-              <a:rPr lang="en-US" sz="2800" b="0" i="0" u="none" strike="noStrike" cap="none">
+              <a:rPr lang="en-US" sz="2800" b="0" i="0" u="none" strike="noStrike" cap="none" dirty="0">
                 <a:solidFill>
                   <a:schemeClr val="dk1"/>
                 </a:solidFill>
@@ -19894,7 +19971,31 @@
                 <a:cs typeface="Calibri"/>
                 <a:sym typeface="Calibri"/>
               </a:rPr>
-              <a:t>Remove ambiguity with an explicit regexp tree</a:t>
+              <a:t>Remove ambiguity with an explicit </a:t>
+            </a:r>
+            <a:r>
+              <a:rPr lang="en-US" sz="2800" b="0" i="0" u="none" strike="noStrike" cap="none" dirty="0" err="1">
+                <a:solidFill>
+                  <a:schemeClr val="dk1"/>
+                </a:solidFill>
+                <a:latin typeface="Calibri"/>
+                <a:ea typeface="Calibri"/>
+                <a:cs typeface="Calibri"/>
+                <a:sym typeface="Calibri"/>
+              </a:rPr>
+              <a:t>regexp</a:t>
+            </a:r>
+            <a:r>
+              <a:rPr lang="en-US" sz="2800" b="0" i="0" u="none" strike="noStrike" cap="none" dirty="0">
+                <a:solidFill>
+                  <a:schemeClr val="dk1"/>
+                </a:solidFill>
+                <a:latin typeface="Calibri"/>
+                <a:ea typeface="Calibri"/>
+                <a:cs typeface="Calibri"/>
+                <a:sym typeface="Calibri"/>
+              </a:rPr>
+              <a:t> tree</a:t>
             </a:r>
           </a:p>
         </p:txBody>
@@ -22050,7 +22151,7 @@
         <p:spPr>
           <a:xfrm>
             <a:off x="4290392" y="5445223"/>
-            <a:ext cx="3809999" cy="659160"/>
+            <a:ext cx="4569128" cy="659160"/>
           </a:xfrm>
           <a:prstGeom prst="rect">
             <a:avLst/>
@@ -22081,7 +22182,7 @@
               <a:buNone/>
             </a:pPr>
             <a:r>
-              <a:rPr lang="en-US" sz="4000" b="1">
+              <a:rPr lang="en-US" sz="4000" b="1" dirty="0">
                 <a:solidFill>
                   <a:srgbClr val="FF0000"/>
                 </a:solidFill>
@@ -22090,7 +22191,7 @@
                 <a:cs typeface="Calibri"/>
                 <a:sym typeface="Calibri"/>
               </a:rPr>
-              <a:t>0(10)*1|(01)*  ??</a:t>
+              <a:t>(0(10)*1)|(01)*  ??</a:t>
             </a:r>
           </a:p>
         </p:txBody>
@@ -22250,7 +22351,7 @@
         <p:spPr>
           <a:xfrm>
             <a:off x="685800" y="1981200"/>
-            <a:ext cx="3810000" cy="2599500"/>
+            <a:ext cx="3810000" cy="3992880"/>
           </a:xfrm>
           <a:prstGeom prst="rect">
             <a:avLst/>
@@ -22290,8 +22391,75 @@
                 <a:cs typeface="Calibri"/>
                 <a:sym typeface="Calibri"/>
               </a:rPr>
-              <a:t>0(10)*1|(01)*</a:t>
+              <a:t>(</a:t>
             </a:r>
+            <a:r>
+              <a:rPr lang="en-US" sz="2800" b="0" i="0" u="none" strike="noStrike" cap="none" dirty="0">
+                <a:solidFill>
+                  <a:schemeClr val="accent2">
+                    <a:lumMod val="60000"/>
+                    <a:lumOff val="40000"/>
+                  </a:schemeClr>
+                </a:solidFill>
+                <a:latin typeface="Calibri"/>
+                <a:ea typeface="Calibri"/>
+                <a:cs typeface="Calibri"/>
+                <a:sym typeface="Calibri"/>
+              </a:rPr>
+              <a:t>0(10)*</a:t>
+            </a:r>
+            <a:r>
+              <a:rPr lang="en-US" sz="2800" b="0" i="0" u="none" strike="noStrike" cap="none" dirty="0">
+                <a:solidFill>
+                  <a:schemeClr val="dk1"/>
+                </a:solidFill>
+                <a:latin typeface="Calibri"/>
+                <a:ea typeface="Calibri"/>
+                <a:cs typeface="Calibri"/>
+                <a:sym typeface="Calibri"/>
+              </a:rPr>
+              <a:t>1)|(01)*</a:t>
+            </a:r>
+          </a:p>
+          <a:p>
+            <a:pPr indent="-342900"/>
+            <a:r>
+              <a:rPr lang="en-US" dirty="0">
+                <a:solidFill>
+                  <a:schemeClr val="tx1"/>
+                </a:solidFill>
+              </a:rPr>
+              <a:t>(</a:t>
+            </a:r>
+            <a:r>
+              <a:rPr lang="en-US" dirty="0">
+                <a:solidFill>
+                  <a:srgbClr val="C00000"/>
+                </a:solidFill>
+              </a:rPr>
+              <a:t>01(01)*</a:t>
+            </a:r>
+            <a:r>
+              <a:rPr lang="en-US" dirty="0">
+                <a:solidFill>
+                  <a:schemeClr val="tx1"/>
+                </a:solidFill>
+              </a:rPr>
+              <a:t>)</a:t>
+            </a:r>
+            <a:r>
+              <a:rPr lang="en-US" dirty="0"/>
+              <a:t>|(01)*</a:t>
+            </a:r>
+            <a:endParaRPr lang="en-US" sz="2800" b="0" i="0" u="none" strike="noStrike" cap="none" dirty="0">
+              <a:solidFill>
+                <a:schemeClr val="dk1"/>
+              </a:solidFill>
+              <a:latin typeface="Calibri"/>
+              <a:ea typeface="Calibri"/>
+              <a:cs typeface="Calibri"/>
+              <a:sym typeface="Calibri"/>
+            </a:endParaRPr>
           </a:p>
           <a:p>
             <a:pPr marL="342900" marR="0" lvl="0" indent="-342900" algn="l" rtl="0">
@@ -22311,14 +22479,144 @@
             <a:r>
               <a:rPr lang="en-US" sz="2800" b="0" i="0" u="none" strike="noStrike" cap="none" dirty="0">
                 <a:solidFill>
-                  <a:schemeClr val="dk1"/>
+                  <a:schemeClr val="tx1"/>
                 </a:solidFill>
                 <a:latin typeface="Calibri"/>
                 <a:ea typeface="Calibri"/>
                 <a:cs typeface="Calibri"/>
                 <a:sym typeface="Calibri"/>
               </a:rPr>
-              <a:t>(01)(01)*|(01)*</a:t>
+              <a:t>(</a:t>
+            </a:r>
+            <a:r>
+              <a:rPr lang="en-US" sz="2800" b="0" i="0" u="none" strike="noStrike" cap="none" dirty="0">
+                <a:solidFill>
+                  <a:schemeClr val="accent2">
+                    <a:lumMod val="60000"/>
+                    <a:lumOff val="40000"/>
+                  </a:schemeClr>
+                </a:solidFill>
+                <a:latin typeface="Calibri"/>
+                <a:ea typeface="Calibri"/>
+                <a:cs typeface="Calibri"/>
+                <a:sym typeface="Calibri"/>
+              </a:rPr>
+              <a:t>01</a:t>
+            </a:r>
+            <a:r>
+              <a:rPr lang="en-US" sz="2800" b="0" i="0" u="none" strike="noStrike" cap="none" dirty="0">
+                <a:solidFill>
+                  <a:schemeClr val="dk1"/>
+                </a:solidFill>
+                <a:latin typeface="Calibri"/>
+                <a:ea typeface="Calibri"/>
+                <a:cs typeface="Calibri"/>
+                <a:sym typeface="Calibri"/>
+              </a:rPr>
+              <a:t>(01)*)|(01)*</a:t>
+            </a:r>
+          </a:p>
+          <a:p>
+            <a:pPr indent="-342900"/>
+            <a:r>
+              <a:rPr lang="en-US" dirty="0">
+                <a:solidFill>
+                  <a:schemeClr val="tx1"/>
+                </a:solidFill>
+              </a:rPr>
+              <a:t>(</a:t>
+            </a:r>
+            <a:r>
+              <a:rPr lang="en-US" dirty="0">
+                <a:solidFill>
+                  <a:srgbClr val="C00000"/>
+                </a:solidFill>
+              </a:rPr>
+              <a:t>(01)</a:t>
+            </a:r>
+            <a:r>
+              <a:rPr lang="en-US" dirty="0"/>
+              <a:t>(01)*)|(01)*</a:t>
+            </a:r>
+            <a:endParaRPr lang="en-US" sz="2800" b="0" i="0" u="none" strike="noStrike" cap="none" dirty="0">
+              <a:solidFill>
+                <a:schemeClr val="dk1"/>
+              </a:solidFill>
+              <a:latin typeface="Calibri"/>
+              <a:ea typeface="Calibri"/>
+              <a:cs typeface="Calibri"/>
+              <a:sym typeface="Calibri"/>
+            </a:endParaRPr>
+          </a:p>
+          <a:p>
+            <a:pPr indent="-342900"/>
+            <a:r>
+              <a:rPr lang="en-US" dirty="0">
+                <a:solidFill>
+                  <a:schemeClr val="tx1"/>
+                </a:solidFill>
+              </a:rPr>
+              <a:t>(</a:t>
+            </a:r>
+            <a:r>
+              <a:rPr lang="en-US" dirty="0">
+                <a:solidFill>
+                  <a:schemeClr val="accent2">
+                    <a:lumMod val="60000"/>
+                    <a:lumOff val="40000"/>
+                  </a:schemeClr>
+                </a:solidFill>
+              </a:rPr>
+              <a:t>(01)(01)*</a:t>
+            </a:r>
+            <a:r>
+              <a:rPr lang="en-US" dirty="0">
+                <a:solidFill>
+                  <a:schemeClr val="tx1"/>
+                </a:solidFill>
+              </a:rPr>
+              <a:t>)|(</a:t>
+            </a:r>
+            <a:r>
+              <a:rPr lang="en-US" dirty="0"/>
+              <a:t>01)*</a:t>
+            </a:r>
+          </a:p>
+          <a:p>
+            <a:pPr indent="-342900"/>
+            <a:r>
+              <a:rPr lang="en-US" dirty="0">
+                <a:solidFill>
+                  <a:srgbClr val="C00000"/>
+                </a:solidFill>
+              </a:rPr>
+              <a:t>(01)+</a:t>
+            </a:r>
+            <a:r>
+              <a:rPr lang="en-US" dirty="0">
+                <a:solidFill>
+                  <a:schemeClr val="tx1"/>
+                </a:solidFill>
+              </a:rPr>
+              <a:t>|(</a:t>
+            </a:r>
+            <a:r>
+              <a:rPr lang="en-US" dirty="0"/>
+              <a:t>01)*</a:t>
+            </a:r>
+          </a:p>
+          <a:p>
+            <a:pPr indent="-342900"/>
+            <a:r>
+              <a:rPr lang="en-US" dirty="0">
+                <a:solidFill>
+                  <a:schemeClr val="accent2">
+                    <a:lumMod val="60000"/>
+                    <a:lumOff val="40000"/>
+                  </a:schemeClr>
+                </a:solidFill>
+              </a:rPr>
+              <a:t>(01)+|(01)*</a:t>
             </a:r>
           </a:p>
           <a:p>
@@ -22339,35 +22637,7 @@
             <a:r>
               <a:rPr lang="en-US" sz="2800" b="0" i="0" u="none" strike="noStrike" cap="none" dirty="0">
                 <a:solidFill>
-                  <a:schemeClr val="dk1"/>
-                </a:solidFill>
-                <a:latin typeface="Calibri"/>
-                <a:ea typeface="Calibri"/>
-                <a:cs typeface="Calibri"/>
-                <a:sym typeface="Calibri"/>
-              </a:rPr>
-              <a:t>(01)(01)*</a:t>
-            </a:r>
-          </a:p>
-          <a:p>
-            <a:pPr marL="342900" marR="0" lvl="0" indent="-342900" algn="l" rtl="0">
-              <a:spcBef>
-                <a:spcPts val="560"/>
-              </a:spcBef>
-              <a:spcAft>
-                <a:spcPts val="0"/>
-              </a:spcAft>
-              <a:buClr>
-                <a:schemeClr val="dk1"/>
-              </a:buClr>
-              <a:buSzPct val="100000"/>
-              <a:buFont typeface="Calibri"/>
-              <a:buChar char="•"/>
-            </a:pPr>
-            <a:r>
-              <a:rPr lang="en-US" sz="2800" b="0" i="0" u="none" strike="noStrike" cap="none" dirty="0">
-                <a:solidFill>
-                  <a:schemeClr val="dk1"/>
+                  <a:srgbClr val="C00000"/>
                 </a:solidFill>
                 <a:latin typeface="Calibri"/>
                 <a:ea typeface="Calibri"/>
@@ -22391,8 +22661,8 @@
         </p:nvSpPr>
         <p:spPr>
           <a:xfrm>
-            <a:off x="4648200" y="1981200"/>
-            <a:ext cx="3810000" cy="2599500"/>
+            <a:off x="4267200" y="1981200"/>
+            <a:ext cx="4191000" cy="3992880"/>
           </a:xfrm>
           <a:prstGeom prst="rect">
             <a:avLst/>
@@ -22425,14 +22695,41 @@
             <a:r>
               <a:rPr lang="en-US" sz="2800" b="0" i="0" u="none" strike="noStrike" cap="none" dirty="0">
                 <a:solidFill>
-                  <a:schemeClr val="dk1"/>
+                  <a:srgbClr val="C00000"/>
                 </a:solidFill>
                 <a:latin typeface="Calibri"/>
                 <a:ea typeface="Calibri"/>
                 <a:cs typeface="Calibri"/>
                 <a:sym typeface="Calibri"/>
               </a:rPr>
-              <a:t>(RS)*R == R(SR)*</a:t>
+              <a:t>(RS)*R </a:t>
+            </a:r>
+            <a:r>
+              <a:rPr lang="en-US" sz="2800" b="0" i="0" u="none" strike="noStrike" cap="none" dirty="0">
+                <a:solidFill>
+                  <a:schemeClr val="dk1"/>
+                </a:solidFill>
+                <a:latin typeface="Calibri"/>
+                <a:ea typeface="Calibri"/>
+                <a:cs typeface="Calibri"/>
+                <a:sym typeface="Calibri"/>
+              </a:rPr>
+              <a:t>== </a:t>
+            </a:r>
+            <a:r>
+              <a:rPr lang="en-US" sz="2800" b="0" i="0" u="none" strike="noStrike" cap="none" dirty="0">
+                <a:solidFill>
+                  <a:schemeClr val="accent2">
+                    <a:lumMod val="60000"/>
+                    <a:lumOff val="40000"/>
+                  </a:schemeClr>
+                </a:solidFill>
+                <a:latin typeface="Calibri"/>
+                <a:ea typeface="Calibri"/>
+                <a:cs typeface="Calibri"/>
+                <a:sym typeface="Calibri"/>
+              </a:rPr>
+              <a:t>R(SR)*</a:t>
             </a:r>
           </a:p>
           <a:p>
@@ -22450,87 +22747,7 @@
               <a:buFont typeface="Calibri"/>
               <a:buChar char="•"/>
             </a:pPr>
-            <a:r>
-              <a:rPr lang="en-US" sz="2800" b="0" i="0" u="none" strike="noStrike" cap="none" dirty="0">
-                <a:solidFill>
-                  <a:schemeClr val="dk1"/>
-                </a:solidFill>
-                <a:latin typeface="Calibri"/>
-                <a:ea typeface="Calibri"/>
-                <a:cs typeface="Calibri"/>
-                <a:sym typeface="Calibri"/>
-              </a:rPr>
-              <a:t>RS == (RS)</a:t>
-            </a:r>
-          </a:p>
-          <a:p>
-            <a:pPr marL="342900" marR="0" lvl="0" indent="-342900" algn="l" rtl="0">
-              <a:spcBef>
-                <a:spcPts val="560"/>
-              </a:spcBef>
-              <a:spcAft>
-                <a:spcPts val="0"/>
-              </a:spcAft>
-              <a:buClr>
-                <a:schemeClr val="dk1"/>
-              </a:buClr>
-              <a:buSzPct val="100000"/>
-              <a:buFont typeface="Calibri"/>
-              <a:buChar char="•"/>
-            </a:pPr>
-            <a:r>
-              <a:rPr lang="en-US" sz="2800" b="0" i="0" u="none" strike="noStrike" cap="none" dirty="0">
-                <a:solidFill>
-                  <a:schemeClr val="dk1"/>
-                </a:solidFill>
-                <a:latin typeface="Calibri"/>
-                <a:ea typeface="Calibri"/>
-                <a:cs typeface="Calibri"/>
-                <a:sym typeface="Calibri"/>
-              </a:rPr>
-              <a:t>R == R|R</a:t>
-            </a:r>
-          </a:p>
-          <a:p>
-            <a:pPr marL="342900" marR="0" lvl="0" indent="-342900" algn="l" rtl="0">
-              <a:spcBef>
-                <a:spcPts val="560"/>
-              </a:spcBef>
-              <a:spcAft>
-                <a:spcPts val="0"/>
-              </a:spcAft>
-              <a:buClr>
-                <a:schemeClr val="dk1"/>
-              </a:buClr>
-              <a:buSzPct val="100000"/>
-              <a:buFont typeface="Calibri"/>
-              <a:buChar char="•"/>
-            </a:pPr>
-            <a:r>
-              <a:rPr lang="en-US" sz="2800" b="0" i="0" u="none" strike="noStrike" cap="none" dirty="0">
-                <a:solidFill>
-                  <a:schemeClr val="dk1"/>
-                </a:solidFill>
-                <a:latin typeface="Calibri"/>
-                <a:ea typeface="Calibri"/>
-                <a:cs typeface="Calibri"/>
-                <a:sym typeface="Calibri"/>
-              </a:rPr>
-              <a:t>R* == RR*| </a:t>
-            </a:r>
-            <a:r>
-              <a:rPr lang="en-US" sz="2800" b="1" i="0" u="none" strike="noStrike" cap="none" dirty="0" err="1">
-                <a:solidFill>
-                  <a:schemeClr val="dk1"/>
-                </a:solidFill>
-                <a:latin typeface="Calibri"/>
-                <a:ea typeface="Calibri"/>
-                <a:cs typeface="Calibri"/>
-                <a:sym typeface="Calibri"/>
-              </a:rPr>
-              <a:t>ε</a:t>
-            </a:r>
-            <a:endParaRPr lang="en-US" sz="2800" b="1" i="0" u="none" strike="noStrike" cap="none" dirty="0">
+            <a:endParaRPr lang="en-US" sz="2800" b="0" i="0" u="none" strike="noStrike" cap="none" dirty="0">
               <a:solidFill>
                 <a:schemeClr val="dk1"/>
               </a:solidFill>
@@ -22540,99 +22757,229 @@
               <a:sym typeface="Calibri"/>
             </a:endParaRPr>
           </a:p>
-        </p:txBody>
-      </p:sp>
-      <p:sp>
-        <p:nvSpPr>
-          <p:cNvPr id="221" name="Shape 221"/>
-          <p:cNvSpPr txBox="1"/>
-          <p:nvPr/>
-        </p:nvSpPr>
-        <p:spPr>
-          <a:xfrm>
-            <a:off x="1611150" y="4840175"/>
-            <a:ext cx="5921700" cy="622800"/>
-          </a:xfrm>
-          <a:prstGeom prst="rect">
-            <a:avLst/>
-          </a:prstGeom>
-          <a:noFill/>
-          <a:ln>
-            <a:noFill/>
-          </a:ln>
-        </p:spPr>
-        <p:txBody>
-          <a:bodyPr lIns="91425" tIns="91425" rIns="91425" bIns="91425" anchor="t" anchorCtr="0">
-            <a:noAutofit/>
-          </a:bodyPr>
-          <a:lstStyle/>
           <a:p>
-            <a:pPr lvl="0">
-              <a:spcBef>
-                <a:spcPts val="0"/>
-              </a:spcBef>
-              <a:buNone/>
+            <a:pPr marL="342900" marR="0" lvl="0" indent="-342900" algn="l" rtl="0">
+              <a:spcBef>
+                <a:spcPts val="560"/>
+              </a:spcBef>
+              <a:spcAft>
+                <a:spcPts val="0"/>
+              </a:spcAft>
+              <a:buClr>
+                <a:schemeClr val="dk1"/>
+              </a:buClr>
+              <a:buSzPct val="100000"/>
+              <a:buFont typeface="Calibri"/>
+              <a:buChar char="•"/>
             </a:pPr>
             <a:r>
-              <a:rPr lang="en-US" sz="2400">
+              <a:rPr lang="en-US" sz="2800" b="0" i="0" u="none" strike="noStrike" cap="none" dirty="0">
+                <a:solidFill>
+                  <a:schemeClr val="accent2">
+                    <a:lumMod val="60000"/>
+                    <a:lumOff val="40000"/>
+                  </a:schemeClr>
+                </a:solidFill>
                 <a:latin typeface="Calibri"/>
                 <a:ea typeface="Calibri"/>
                 <a:cs typeface="Calibri"/>
                 <a:sym typeface="Calibri"/>
               </a:rPr>
-              <a:t>There is a better way! To be revealed later …</a:t>
+              <a:t>RS</a:t>
+            </a:r>
+            <a:r>
+              <a:rPr lang="en-US" sz="2800" b="0" i="0" u="none" strike="noStrike" cap="none" dirty="0">
+                <a:solidFill>
+                  <a:schemeClr val="dk1"/>
+                </a:solidFill>
+                <a:latin typeface="Calibri"/>
+                <a:ea typeface="Calibri"/>
+                <a:cs typeface="Calibri"/>
+                <a:sym typeface="Calibri"/>
+              </a:rPr>
+              <a:t> == </a:t>
+            </a:r>
+            <a:r>
+              <a:rPr lang="en-US" sz="2800" b="0" i="0" u="none" strike="noStrike" cap="none" dirty="0">
+                <a:solidFill>
+                  <a:srgbClr val="C00000"/>
+                </a:solidFill>
+                <a:latin typeface="Calibri"/>
+                <a:ea typeface="Calibri"/>
+                <a:cs typeface="Calibri"/>
+                <a:sym typeface="Calibri"/>
+              </a:rPr>
+              <a:t>(RS)</a:t>
             </a:r>
           </a:p>
-        </p:txBody>
-      </p:sp>
-      <p:sp>
-        <p:nvSpPr>
-          <p:cNvPr id="222" name="Shape 222"/>
-          <p:cNvSpPr txBox="1"/>
-          <p:nvPr/>
-        </p:nvSpPr>
-        <p:spPr>
-          <a:xfrm>
-            <a:off x="419850" y="5544287"/>
-            <a:ext cx="8304300" cy="622800"/>
-          </a:xfrm>
-          <a:prstGeom prst="rect">
-            <a:avLst/>
-          </a:prstGeom>
-          <a:noFill/>
-          <a:ln>
-            <a:noFill/>
-          </a:ln>
-        </p:spPr>
-        <p:txBody>
-          <a:bodyPr lIns="91425" tIns="91425" rIns="91425" bIns="91425" anchor="t" anchorCtr="0">
-            <a:noAutofit/>
-          </a:bodyPr>
-          <a:lstStyle/>
           <a:p>
-            <a:pPr lvl="0">
-              <a:spcBef>
-                <a:spcPts val="0"/>
-              </a:spcBef>
+            <a:pPr marL="342900" marR="0" lvl="0" indent="-342900" algn="l" rtl="0">
+              <a:spcBef>
+                <a:spcPts val="560"/>
+              </a:spcBef>
+              <a:spcAft>
+                <a:spcPts val="0"/>
+              </a:spcAft>
               <a:buClr>
                 <a:schemeClr val="dk1"/>
               </a:buClr>
-              <a:buSzPct val="45833"/>
-              <a:buFont typeface="Arial"/>
-              <a:buNone/>
+              <a:buSzPct val="100000"/>
+              <a:buFont typeface="Calibri"/>
+              <a:buChar char="•"/>
+            </a:pPr>
+            <a:endParaRPr lang="en-US" sz="2800" b="0" i="0" u="none" strike="noStrike" cap="none" dirty="0">
+              <a:solidFill>
+                <a:schemeClr val="dk1"/>
+              </a:solidFill>
+              <a:latin typeface="Calibri"/>
+              <a:ea typeface="Calibri"/>
+              <a:cs typeface="Calibri"/>
+              <a:sym typeface="Calibri"/>
+            </a:endParaRPr>
+          </a:p>
+          <a:p>
+            <a:pPr marL="342900" marR="0" lvl="0" indent="-342900" algn="l" rtl="0">
+              <a:spcBef>
+                <a:spcPts val="560"/>
+              </a:spcBef>
+              <a:spcAft>
+                <a:spcPts val="0"/>
+              </a:spcAft>
+              <a:buClr>
+                <a:schemeClr val="dk1"/>
+              </a:buClr>
+              <a:buSzPct val="100000"/>
+              <a:buFont typeface="Calibri"/>
+              <a:buChar char="•"/>
             </a:pPr>
             <a:r>
-              <a:rPr lang="en-US" sz="2400">
-                <a:solidFill>
-                  <a:schemeClr val="dk1"/>
+              <a:rPr lang="en-US" sz="2800" b="0" i="0" u="none" strike="noStrike" cap="none" dirty="0">
+                <a:solidFill>
+                  <a:srgbClr val="C00000"/>
                 </a:solidFill>
                 <a:latin typeface="Calibri"/>
                 <a:ea typeface="Calibri"/>
                 <a:cs typeface="Calibri"/>
                 <a:sym typeface="Calibri"/>
               </a:rPr>
-              <a:t>(if you are impatient, web search for “DFA to regular expression”)</a:t>
+              <a:t>R+</a:t>
             </a:r>
+            <a:r>
+              <a:rPr lang="en-US" sz="2800" b="0" i="0" u="none" strike="noStrike" cap="none" dirty="0">
+                <a:solidFill>
+                  <a:schemeClr val="dk1"/>
+                </a:solidFill>
+                <a:latin typeface="Calibri"/>
+                <a:ea typeface="Calibri"/>
+                <a:cs typeface="Calibri"/>
+                <a:sym typeface="Calibri"/>
+              </a:rPr>
+              <a:t> == </a:t>
+            </a:r>
+            <a:r>
+              <a:rPr lang="en-US" sz="2800" b="0" i="0" u="none" strike="noStrike" cap="none" dirty="0">
+                <a:solidFill>
+                  <a:schemeClr val="accent2">
+                    <a:lumMod val="60000"/>
+                    <a:lumOff val="40000"/>
+                  </a:schemeClr>
+                </a:solidFill>
+                <a:latin typeface="Calibri"/>
+                <a:ea typeface="Calibri"/>
+                <a:cs typeface="Calibri"/>
+                <a:sym typeface="Calibri"/>
+              </a:rPr>
+              <a:t>RR*</a:t>
+            </a:r>
+          </a:p>
+          <a:p>
+            <a:pPr marL="342900" marR="0" lvl="0" indent="-342900" algn="l" rtl="0">
+              <a:spcBef>
+                <a:spcPts val="560"/>
+              </a:spcBef>
+              <a:spcAft>
+                <a:spcPts val="0"/>
+              </a:spcAft>
+              <a:buClr>
+                <a:schemeClr val="dk1"/>
+              </a:buClr>
+              <a:buSzPct val="100000"/>
+              <a:buFont typeface="Calibri"/>
+              <a:buChar char="•"/>
+            </a:pPr>
+            <a:endParaRPr lang="en-US" sz="2800" b="0" i="0" u="none" strike="noStrike" cap="none" dirty="0">
+              <a:solidFill>
+                <a:schemeClr val="dk1"/>
+              </a:solidFill>
+              <a:latin typeface="Calibri"/>
+              <a:ea typeface="Calibri"/>
+              <a:cs typeface="Calibri"/>
+              <a:sym typeface="Calibri"/>
+            </a:endParaRPr>
+          </a:p>
+          <a:p>
+            <a:pPr marL="342900" marR="0" lvl="0" indent="-342900" algn="l" rtl="0">
+              <a:spcBef>
+                <a:spcPts val="560"/>
+              </a:spcBef>
+              <a:spcAft>
+                <a:spcPts val="0"/>
+              </a:spcAft>
+              <a:buClr>
+                <a:schemeClr val="dk1"/>
+              </a:buClr>
+              <a:buSzPct val="100000"/>
+              <a:buFont typeface="Calibri"/>
+              <a:buChar char="•"/>
+            </a:pPr>
+            <a:r>
+              <a:rPr lang="en-US" sz="2800" b="0" i="0" u="none" strike="noStrike" cap="none" dirty="0">
+                <a:solidFill>
+                  <a:schemeClr val="accent2">
+                    <a:lumMod val="60000"/>
+                    <a:lumOff val="40000"/>
+                  </a:schemeClr>
+                </a:solidFill>
+                <a:latin typeface="Calibri"/>
+                <a:ea typeface="Calibri"/>
+                <a:cs typeface="Calibri"/>
+                <a:sym typeface="Calibri"/>
+              </a:rPr>
+              <a:t>R+|R* </a:t>
+            </a:r>
+            <a:r>
+              <a:rPr lang="en-US" sz="2800" b="0" i="0" u="none" strike="noStrike" cap="none" dirty="0">
+                <a:solidFill>
+                  <a:schemeClr val="dk1"/>
+                </a:solidFill>
+                <a:latin typeface="Calibri"/>
+                <a:ea typeface="Calibri"/>
+                <a:cs typeface="Calibri"/>
+                <a:sym typeface="Calibri"/>
+              </a:rPr>
+              <a:t>== (RR*)|R* == </a:t>
+            </a:r>
+            <a:r>
+              <a:rPr lang="en-US" sz="2800" b="0" i="0" u="none" strike="noStrike" cap="none" dirty="0">
+                <a:solidFill>
+                  <a:srgbClr val="C00000"/>
+                </a:solidFill>
+                <a:latin typeface="Calibri"/>
+                <a:ea typeface="Calibri"/>
+                <a:cs typeface="Calibri"/>
+                <a:sym typeface="Calibri"/>
+              </a:rPr>
+              <a:t>R*</a:t>
+            </a:r>
+            <a:endParaRPr lang="en-US" sz="2800" b="1" i="0" u="none" strike="noStrike" cap="none" dirty="0">
+              <a:solidFill>
+                <a:srgbClr val="C00000"/>
+              </a:solidFill>
+              <a:latin typeface="Calibri"/>
+              <a:ea typeface="Calibri"/>
+              <a:cs typeface="Calibri"/>
+              <a:sym typeface="Calibri"/>
+            </a:endParaRPr>
           </a:p>
         </p:txBody>
       </p:sp>

--- a/assets/ppt/lex/lex3-regexps-are-trees.pptx
+++ b/assets/ppt/lex/lex3-regexps-are-trees.pptx
@@ -5,15 +5,17 @@
     <p:sldMasterId id="2147483673" r:id="rId1"/>
   </p:sldMasterIdLst>
   <p:notesMasterIdLst>
-    <p:notesMasterId r:id="rId8"/>
+    <p:notesMasterId r:id="rId10"/>
   </p:notesMasterIdLst>
   <p:sldIdLst>
     <p:sldId id="256" r:id="rId2"/>
-    <p:sldId id="262" r:id="rId3"/>
-    <p:sldId id="258" r:id="rId4"/>
-    <p:sldId id="259" r:id="rId5"/>
-    <p:sldId id="260" r:id="rId6"/>
-    <p:sldId id="261" r:id="rId7"/>
+    <p:sldId id="264" r:id="rId3"/>
+    <p:sldId id="262" r:id="rId4"/>
+    <p:sldId id="258" r:id="rId5"/>
+    <p:sldId id="265" r:id="rId6"/>
+    <p:sldId id="266" r:id="rId7"/>
+    <p:sldId id="260" r:id="rId8"/>
+    <p:sldId id="261" r:id="rId9"/>
   </p:sldIdLst>
   <p:sldSz cx="9144000" cy="5143500" type="screen16x9"/>
   <p:notesSz cx="6858000" cy="9144000"/>
@@ -1359,7 +1361,7 @@
                 <a:cs typeface="Calibri"/>
                 <a:sym typeface="Calibri"/>
               </a:rPr>
-              <a:t>3</a:t>
+              <a:t>4</a:t>
             </a:fld>
             <a:endParaRPr lang="en-US" sz="1200" b="0" i="0" u="none" strike="noStrike" cap="none">
               <a:solidFill>
@@ -1482,190 +1484,6 @@
   <p:cSld>
     <p:spTree>
       <p:nvGrpSpPr>
-        <p:cNvPr id="1" name="Shape 164"/>
-        <p:cNvGrpSpPr/>
-        <p:nvPr/>
-      </p:nvGrpSpPr>
-      <p:grpSpPr>
-        <a:xfrm>
-          <a:off x="0" y="0"/>
-          <a:ext cx="0" cy="0"/>
-          <a:chOff x="0" y="0"/>
-          <a:chExt cx="0" cy="0"/>
-        </a:xfrm>
-      </p:grpSpPr>
-      <p:sp>
-        <p:nvSpPr>
-          <p:cNvPr id="165" name="Shape 165"/>
-          <p:cNvSpPr txBox="1">
-            <a:spLocks noGrp="1"/>
-          </p:cNvSpPr>
-          <p:nvPr>
-            <p:ph type="sldNum" idx="12"/>
-          </p:nvPr>
-        </p:nvSpPr>
-        <p:spPr>
-          <a:xfrm>
-            <a:off x="3886200" y="8686800"/>
-            <a:ext cx="2971799" cy="457200"/>
-          </a:xfrm>
-          <a:prstGeom prst="rect">
-            <a:avLst/>
-          </a:prstGeom>
-          <a:noFill/>
-          <a:ln>
-            <a:noFill/>
-          </a:ln>
-        </p:spPr>
-        <p:txBody>
-          <a:bodyPr lIns="91425" tIns="45700" rIns="91425" bIns="45700" anchor="b" anchorCtr="0">
-            <a:noAutofit/>
-          </a:bodyPr>
-          <a:lstStyle/>
-          <a:p>
-            <a:pPr marL="0" marR="0" lvl="0" indent="0" algn="r" rtl="0">
-              <a:spcBef>
-                <a:spcPts val="0"/>
-              </a:spcBef>
-              <a:spcAft>
-                <a:spcPts val="0"/>
-              </a:spcAft>
-              <a:buSzPct val="25000"/>
-              <a:buNone/>
-            </a:pPr>
-            <a:fld id="{00000000-1234-1234-1234-123412341234}" type="slidenum">
-              <a:rPr lang="en-US" sz="1200">
-                <a:solidFill>
-                  <a:schemeClr val="dk1"/>
-                </a:solidFill>
-                <a:latin typeface="Calibri"/>
-                <a:ea typeface="Calibri"/>
-                <a:cs typeface="Calibri"/>
-                <a:sym typeface="Calibri"/>
-              </a:rPr>
-              <a:t>4</a:t>
-            </a:fld>
-            <a:endParaRPr lang="en-US" sz="1200">
-              <a:solidFill>
-                <a:schemeClr val="dk1"/>
-              </a:solidFill>
-              <a:latin typeface="Calibri"/>
-              <a:ea typeface="Calibri"/>
-              <a:cs typeface="Calibri"/>
-              <a:sym typeface="Calibri"/>
-            </a:endParaRPr>
-          </a:p>
-        </p:txBody>
-      </p:sp>
-      <p:sp>
-        <p:nvSpPr>
-          <p:cNvPr id="166" name="Shape 166"/>
-          <p:cNvSpPr>
-            <a:spLocks noGrp="1" noRot="1" noChangeAspect="1"/>
-          </p:cNvSpPr>
-          <p:nvPr>
-            <p:ph type="sldImg" idx="2"/>
-          </p:nvPr>
-        </p:nvSpPr>
-        <p:spPr>
-          <a:xfrm>
-            <a:off x="381000" y="685800"/>
-            <a:ext cx="6096000" cy="3429000"/>
-          </a:xfrm>
-          <a:custGeom>
-            <a:avLst/>
-            <a:gdLst/>
-            <a:ahLst/>
-            <a:cxnLst/>
-            <a:rect l="0" t="0" r="0" b="0"/>
-            <a:pathLst>
-              <a:path w="120000" h="120000" extrusionOk="0">
-                <a:moveTo>
-                  <a:pt x="0" y="0"/>
-                </a:moveTo>
-                <a:lnTo>
-                  <a:pt x="120000" y="0"/>
-                </a:lnTo>
-                <a:lnTo>
-                  <a:pt x="120000" y="120000"/>
-                </a:lnTo>
-                <a:lnTo>
-                  <a:pt x="0" y="120000"/>
-                </a:lnTo>
-                <a:close/>
-              </a:path>
-            </a:pathLst>
-          </a:custGeom>
-          <a:noFill/>
-          <a:ln>
-            <a:noFill/>
-          </a:ln>
-        </p:spPr>
-      </p:sp>
-      <p:sp>
-        <p:nvSpPr>
-          <p:cNvPr id="167" name="Shape 167"/>
-          <p:cNvSpPr txBox="1">
-            <a:spLocks noGrp="1"/>
-          </p:cNvSpPr>
-          <p:nvPr>
-            <p:ph type="body" idx="1"/>
-          </p:nvPr>
-        </p:nvSpPr>
-        <p:spPr>
-          <a:xfrm>
-            <a:off x="914400" y="4343400"/>
-            <a:ext cx="5029199" cy="4114800"/>
-          </a:xfrm>
-          <a:prstGeom prst="rect">
-            <a:avLst/>
-          </a:prstGeom>
-          <a:noFill/>
-          <a:ln>
-            <a:noFill/>
-          </a:ln>
-        </p:spPr>
-        <p:txBody>
-          <a:bodyPr lIns="91425" tIns="45700" rIns="91425" bIns="45700" anchor="t" anchorCtr="0">
-            <a:noAutofit/>
-          </a:bodyPr>
-          <a:lstStyle/>
-          <a:p>
-            <a:pPr marL="0" marR="0" lvl="0" indent="0" algn="l" rtl="0">
-              <a:spcBef>
-                <a:spcPts val="0"/>
-              </a:spcBef>
-              <a:spcAft>
-                <a:spcPts val="0"/>
-              </a:spcAft>
-              <a:buSzPct val="25000"/>
-              <a:buNone/>
-            </a:pPr>
-            <a:endParaRPr sz="1200" b="0" i="0" u="none" strike="noStrike" cap="none">
-              <a:solidFill>
-                <a:schemeClr val="dk1"/>
-              </a:solidFill>
-              <a:latin typeface="Calibri"/>
-              <a:ea typeface="Calibri"/>
-              <a:cs typeface="Calibri"/>
-              <a:sym typeface="Calibri"/>
-            </a:endParaRPr>
-          </a:p>
-        </p:txBody>
-      </p:sp>
-    </p:spTree>
-  </p:cSld>
-  <p:clrMapOvr>
-    <a:masterClrMapping/>
-  </p:clrMapOvr>
-</p:notes>
-</file>
-
-<file path=ppt/notesSlides/notesSlide4.xml><?xml version="1.0" encoding="utf-8"?>
-<p:notes xmlns:a="http://schemas.openxmlformats.org/drawingml/2006/main" xmlns:r="http://schemas.openxmlformats.org/officeDocument/2006/relationships" xmlns:p="http://schemas.openxmlformats.org/presentationml/2006/main" showMasterSp="0" showMasterPhAnim="0">
-  <p:cSld>
-    <p:spTree>
-      <p:nvGrpSpPr>
         <p:cNvPr id="1" name="Shape 202"/>
         <p:cNvGrpSpPr/>
         <p:nvPr/>
@@ -1727,7 +1545,7 @@
                 <a:cs typeface="Calibri"/>
                 <a:sym typeface="Calibri"/>
               </a:rPr>
-              <a:t>5</a:t>
+              <a:t>7</a:t>
             </a:fld>
             <a:endParaRPr lang="en-US" sz="1200">
               <a:solidFill>
@@ -1861,7 +1679,7 @@
 </p:notes>
 </file>
 
-<file path=ppt/notesSlides/notesSlide5.xml><?xml version="1.0" encoding="utf-8"?>
+<file path=ppt/notesSlides/notesSlide4.xml><?xml version="1.0" encoding="utf-8"?>
 <p:notes xmlns:a="http://schemas.openxmlformats.org/drawingml/2006/main" xmlns:r="http://schemas.openxmlformats.org/officeDocument/2006/relationships" xmlns:p="http://schemas.openxmlformats.org/presentationml/2006/main" showMasterSp="0" showMasterPhAnim="0">
   <p:cSld>
     <p:spTree>
@@ -1927,7 +1745,7 @@
                 <a:cs typeface="Calibri"/>
                 <a:sym typeface="Calibri"/>
               </a:rPr>
-              <a:t>6</a:t>
+              <a:t>8</a:t>
             </a:fld>
             <a:endParaRPr lang="en-US" sz="1200">
               <a:solidFill>
@@ -6781,6 +6599,474 @@
       </p:grpSpPr>
       <p:sp>
         <p:nvSpPr>
+          <p:cNvPr id="3" name="Slide Number Placeholder 2">
+            <a:extLst>
+              <a:ext uri="{FF2B5EF4-FFF2-40B4-BE49-F238E27FC236}">
+                <a16:creationId xmlns:a16="http://schemas.microsoft.com/office/drawing/2014/main" id="{B541DD03-F1E5-2048-AF96-7C93F844841D}"/>
+              </a:ext>
+            </a:extLst>
+          </p:cNvPr>
+          <p:cNvSpPr>
+            <a:spLocks noGrp="1"/>
+          </p:cNvSpPr>
+          <p:nvPr>
+            <p:ph type="sldNum" sz="quarter" idx="12"/>
+          </p:nvPr>
+        </p:nvSpPr>
+        <p:spPr/>
+        <p:txBody>
+          <a:bodyPr/>
+          <a:lstStyle/>
+          <a:p>
+            <a:fld id="{7B252BF6-6A9C-D04A-BBE8-37A07D64A1C3}" type="slidenum">
+              <a:rPr lang="en-US" smtClean="0"/>
+              <a:t>2</a:t>
+            </a:fld>
+            <a:endParaRPr lang="en-US"/>
+          </a:p>
+        </p:txBody>
+      </p:sp>
+      <p:sp>
+        <p:nvSpPr>
+          <p:cNvPr id="4" name="TextBox 3">
+            <a:extLst>
+              <a:ext uri="{FF2B5EF4-FFF2-40B4-BE49-F238E27FC236}">
+                <a16:creationId xmlns:a16="http://schemas.microsoft.com/office/drawing/2014/main" id="{2D58BF63-F6B0-4849-A898-CA6CA0BC72D0}"/>
+              </a:ext>
+            </a:extLst>
+          </p:cNvPr>
+          <p:cNvSpPr txBox="1"/>
+          <p:nvPr/>
+        </p:nvSpPr>
+        <p:spPr>
+          <a:xfrm>
+            <a:off x="7607808" y="4435023"/>
+            <a:ext cx="1371600" cy="307777"/>
+          </a:xfrm>
+          <a:prstGeom prst="rect">
+            <a:avLst/>
+          </a:prstGeom>
+          <a:noFill/>
+        </p:spPr>
+        <p:txBody>
+          <a:bodyPr wrap="square" rtlCol="0">
+            <a:spAutoFit/>
+          </a:bodyPr>
+          <a:lstStyle/>
+          <a:p>
+            <a:r>
+              <a:rPr lang="en-US" dirty="0" err="1">
+                <a:latin typeface="Consolas" panose="020B0609020204030204" pitchFamily="49" charset="0"/>
+                <a:cs typeface="Consolas" panose="020B0609020204030204" pitchFamily="49" charset="0"/>
+              </a:rPr>
+              <a:t>xkcd.com</a:t>
+            </a:r>
+            <a:r>
+              <a:rPr lang="en-US" dirty="0">
+                <a:latin typeface="Consolas" panose="020B0609020204030204" pitchFamily="49" charset="0"/>
+                <a:cs typeface="Consolas" panose="020B0609020204030204" pitchFamily="49" charset="0"/>
+              </a:rPr>
+              <a:t>/208</a:t>
+            </a:r>
+          </a:p>
+        </p:txBody>
+      </p:sp>
+      <p:pic>
+        <p:nvPicPr>
+          <p:cNvPr id="6" name="Picture 5" descr="A close up of a logo&#10;&#10;Description automatically generated">
+            <a:extLst>
+              <a:ext uri="{FF2B5EF4-FFF2-40B4-BE49-F238E27FC236}">
+                <a16:creationId xmlns:a16="http://schemas.microsoft.com/office/drawing/2014/main" id="{E994611D-A0C0-8144-ADAF-E65080E5ED1C}"/>
+              </a:ext>
+            </a:extLst>
+          </p:cNvPr>
+          <p:cNvPicPr>
+            <a:picLocks noChangeAspect="1"/>
+          </p:cNvPicPr>
+          <p:nvPr/>
+        </p:nvPicPr>
+        <p:blipFill>
+          <a:blip r:embed="rId2"/>
+          <a:stretch>
+            <a:fillRect/>
+          </a:stretch>
+        </p:blipFill>
+        <p:spPr>
+          <a:xfrm>
+            <a:off x="708485" y="102393"/>
+            <a:ext cx="3877564" cy="2184305"/>
+          </a:xfrm>
+          <a:prstGeom prst="rect">
+            <a:avLst/>
+          </a:prstGeom>
+        </p:spPr>
+      </p:pic>
+      <p:pic>
+        <p:nvPicPr>
+          <p:cNvPr id="8" name="Picture 7" descr="A close up of a logo&#10;&#10;Description automatically generated">
+            <a:extLst>
+              <a:ext uri="{FF2B5EF4-FFF2-40B4-BE49-F238E27FC236}">
+                <a16:creationId xmlns:a16="http://schemas.microsoft.com/office/drawing/2014/main" id="{7BC2EE48-D630-4F4A-AE6D-93D9D89879B6}"/>
+              </a:ext>
+            </a:extLst>
+          </p:cNvPr>
+          <p:cNvPicPr>
+            <a:picLocks noChangeAspect="1"/>
+          </p:cNvPicPr>
+          <p:nvPr/>
+        </p:nvPicPr>
+        <p:blipFill>
+          <a:blip r:embed="rId3"/>
+          <a:stretch>
+            <a:fillRect/>
+          </a:stretch>
+        </p:blipFill>
+        <p:spPr>
+          <a:xfrm>
+            <a:off x="4718304" y="102393"/>
+            <a:ext cx="2802969" cy="2183806"/>
+          </a:xfrm>
+          <a:prstGeom prst="rect">
+            <a:avLst/>
+          </a:prstGeom>
+        </p:spPr>
+      </p:pic>
+      <p:pic>
+        <p:nvPicPr>
+          <p:cNvPr id="10" name="Picture 9" descr="A close up of a logo&#10;&#10;Description automatically generated">
+            <a:extLst>
+              <a:ext uri="{FF2B5EF4-FFF2-40B4-BE49-F238E27FC236}">
+                <a16:creationId xmlns:a16="http://schemas.microsoft.com/office/drawing/2014/main" id="{A3DEBF48-2FD1-EC4E-8111-ACCD3F63BC4E}"/>
+              </a:ext>
+            </a:extLst>
+          </p:cNvPr>
+          <p:cNvPicPr>
+            <a:picLocks noChangeAspect="1"/>
+          </p:cNvPicPr>
+          <p:nvPr/>
+        </p:nvPicPr>
+        <p:blipFill>
+          <a:blip r:embed="rId4"/>
+          <a:stretch>
+            <a:fillRect/>
+          </a:stretch>
+        </p:blipFill>
+        <p:spPr>
+          <a:xfrm>
+            <a:off x="708485" y="2428861"/>
+            <a:ext cx="6812788" cy="2313939"/>
+          </a:xfrm>
+          <a:prstGeom prst="rect">
+            <a:avLst/>
+          </a:prstGeom>
+        </p:spPr>
+      </p:pic>
+      <p:sp>
+        <p:nvSpPr>
+          <p:cNvPr id="11" name="Rounded Rectangular Callout 10">
+            <a:extLst>
+              <a:ext uri="{FF2B5EF4-FFF2-40B4-BE49-F238E27FC236}">
+                <a16:creationId xmlns:a16="http://schemas.microsoft.com/office/drawing/2014/main" id="{CC34415E-E634-4645-BD9B-D1AE448D0D84}"/>
+              </a:ext>
+            </a:extLst>
+          </p:cNvPr>
+          <p:cNvSpPr/>
+          <p:nvPr/>
+        </p:nvSpPr>
+        <p:spPr>
+          <a:xfrm>
+            <a:off x="7296912" y="493776"/>
+            <a:ext cx="1682496" cy="530352"/>
+          </a:xfrm>
+          <a:prstGeom prst="wedgeRoundRectCallout">
+            <a:avLst>
+              <a:gd name="adj1" fmla="val 39570"/>
+              <a:gd name="adj2" fmla="val 75223"/>
+              <a:gd name="adj3" fmla="val 16667"/>
+            </a:avLst>
+          </a:prstGeom>
+        </p:spPr>
+        <p:style>
+          <a:lnRef idx="2">
+            <a:schemeClr val="accent1">
+              <a:shade val="50000"/>
+            </a:schemeClr>
+          </a:lnRef>
+          <a:fillRef idx="1">
+            <a:schemeClr val="accent1"/>
+          </a:fillRef>
+          <a:effectRef idx="0">
+            <a:schemeClr val="accent1"/>
+          </a:effectRef>
+          <a:fontRef idx="minor">
+            <a:schemeClr val="lt1"/>
+          </a:fontRef>
+        </p:style>
+        <p:txBody>
+          <a:bodyPr rtlCol="0" anchor="ctr"/>
+          <a:lstStyle/>
+          <a:p>
+            <a:pPr algn="ctr"/>
+            <a:r>
+              <a:rPr lang="en-US" dirty="0"/>
+              <a:t>Nope! You don’t know </a:t>
+            </a:r>
+            <a:r>
+              <a:rPr lang="en-US" dirty="0" err="1"/>
+              <a:t>regexps</a:t>
+            </a:r>
+            <a:r>
+              <a:rPr lang="en-US" dirty="0"/>
+              <a:t> (yet)!</a:t>
+            </a:r>
+          </a:p>
+        </p:txBody>
+      </p:sp>
+    </p:spTree>
+    <p:extLst>
+      <p:ext uri="{BB962C8B-B14F-4D97-AF65-F5344CB8AC3E}">
+        <p14:creationId xmlns:p14="http://schemas.microsoft.com/office/powerpoint/2010/main" val="2532726805"/>
+      </p:ext>
+    </p:extLst>
+  </p:cSld>
+  <p:clrMapOvr>
+    <a:masterClrMapping/>
+  </p:clrMapOvr>
+  <p:timing>
+    <p:tnLst>
+      <p:par>
+        <p:cTn id="1" dur="indefinite" restart="never" nodeType="tmRoot">
+          <p:childTnLst>
+            <p:seq concurrent="1" nextAc="seek">
+              <p:cTn id="2" dur="indefinite" nodeType="mainSeq">
+                <p:childTnLst>
+                  <p:par>
+                    <p:cTn id="3" fill="hold">
+                      <p:stCondLst>
+                        <p:cond delay="indefinite"/>
+                      </p:stCondLst>
+                      <p:childTnLst>
+                        <p:par>
+                          <p:cTn id="4" fill="hold">
+                            <p:stCondLst>
+                              <p:cond delay="0"/>
+                            </p:stCondLst>
+                            <p:childTnLst>
+                              <p:par>
+                                <p:cTn id="5" presetID="1" presetClass="entr" presetSubtype="0" fill="hold" nodeType="clickEffect">
+                                  <p:stCondLst>
+                                    <p:cond delay="0"/>
+                                  </p:stCondLst>
+                                  <p:childTnLst>
+                                    <p:set>
+                                      <p:cBhvr>
+                                        <p:cTn id="6" dur="1" fill="hold">
+                                          <p:stCondLst>
+                                            <p:cond delay="0"/>
+                                          </p:stCondLst>
+                                        </p:cTn>
+                                        <p:tgtEl>
+                                          <p:spTgt spid="6"/>
+                                        </p:tgtEl>
+                                        <p:attrNameLst>
+                                          <p:attrName>style.visibility</p:attrName>
+                                        </p:attrNameLst>
+                                      </p:cBhvr>
+                                      <p:to>
+                                        <p:strVal val="visible"/>
+                                      </p:to>
+                                    </p:set>
+                                  </p:childTnLst>
+                                </p:cTn>
+                              </p:par>
+                            </p:childTnLst>
+                          </p:cTn>
+                        </p:par>
+                      </p:childTnLst>
+                    </p:cTn>
+                  </p:par>
+                  <p:par>
+                    <p:cTn id="7" fill="hold">
+                      <p:stCondLst>
+                        <p:cond delay="indefinite"/>
+                      </p:stCondLst>
+                      <p:childTnLst>
+                        <p:par>
+                          <p:cTn id="8" fill="hold">
+                            <p:stCondLst>
+                              <p:cond delay="0"/>
+                            </p:stCondLst>
+                            <p:childTnLst>
+                              <p:par>
+                                <p:cTn id="9" presetID="1" presetClass="entr" presetSubtype="0" fill="hold" nodeType="clickEffect">
+                                  <p:stCondLst>
+                                    <p:cond delay="0"/>
+                                  </p:stCondLst>
+                                  <p:childTnLst>
+                                    <p:set>
+                                      <p:cBhvr>
+                                        <p:cTn id="10" dur="1" fill="hold">
+                                          <p:stCondLst>
+                                            <p:cond delay="0"/>
+                                          </p:stCondLst>
+                                        </p:cTn>
+                                        <p:tgtEl>
+                                          <p:spTgt spid="8"/>
+                                        </p:tgtEl>
+                                        <p:attrNameLst>
+                                          <p:attrName>style.visibility</p:attrName>
+                                        </p:attrNameLst>
+                                      </p:cBhvr>
+                                      <p:to>
+                                        <p:strVal val="visible"/>
+                                      </p:to>
+                                    </p:set>
+                                  </p:childTnLst>
+                                </p:cTn>
+                              </p:par>
+                            </p:childTnLst>
+                          </p:cTn>
+                        </p:par>
+                      </p:childTnLst>
+                    </p:cTn>
+                  </p:par>
+                  <p:par>
+                    <p:cTn id="11" fill="hold">
+                      <p:stCondLst>
+                        <p:cond delay="indefinite"/>
+                      </p:stCondLst>
+                      <p:childTnLst>
+                        <p:par>
+                          <p:cTn id="12" fill="hold">
+                            <p:stCondLst>
+                              <p:cond delay="0"/>
+                            </p:stCondLst>
+                            <p:childTnLst>
+                              <p:par>
+                                <p:cTn id="13" presetID="1" presetClass="entr" presetSubtype="0" fill="hold" nodeType="clickEffect">
+                                  <p:stCondLst>
+                                    <p:cond delay="0"/>
+                                  </p:stCondLst>
+                                  <p:childTnLst>
+                                    <p:set>
+                                      <p:cBhvr>
+                                        <p:cTn id="14" dur="1" fill="hold">
+                                          <p:stCondLst>
+                                            <p:cond delay="0"/>
+                                          </p:stCondLst>
+                                        </p:cTn>
+                                        <p:tgtEl>
+                                          <p:spTgt spid="10"/>
+                                        </p:tgtEl>
+                                        <p:attrNameLst>
+                                          <p:attrName>style.visibility</p:attrName>
+                                        </p:attrNameLst>
+                                      </p:cBhvr>
+                                      <p:to>
+                                        <p:strVal val="visible"/>
+                                      </p:to>
+                                    </p:set>
+                                  </p:childTnLst>
+                                </p:cTn>
+                              </p:par>
+                            </p:childTnLst>
+                          </p:cTn>
+                        </p:par>
+                      </p:childTnLst>
+                    </p:cTn>
+                  </p:par>
+                  <p:par>
+                    <p:cTn id="15" fill="hold">
+                      <p:stCondLst>
+                        <p:cond delay="indefinite"/>
+                      </p:stCondLst>
+                      <p:childTnLst>
+                        <p:par>
+                          <p:cTn id="16" fill="hold">
+                            <p:stCondLst>
+                              <p:cond delay="0"/>
+                            </p:stCondLst>
+                            <p:childTnLst>
+                              <p:par>
+                                <p:cTn id="17" presetID="1" presetClass="entr" presetSubtype="0" fill="hold" grpId="0" nodeType="clickEffect">
+                                  <p:stCondLst>
+                                    <p:cond delay="0"/>
+                                  </p:stCondLst>
+                                  <p:childTnLst>
+                                    <p:set>
+                                      <p:cBhvr>
+                                        <p:cTn id="18" dur="1" fill="hold">
+                                          <p:stCondLst>
+                                            <p:cond delay="0"/>
+                                          </p:stCondLst>
+                                        </p:cTn>
+                                        <p:tgtEl>
+                                          <p:spTgt spid="11"/>
+                                        </p:tgtEl>
+                                        <p:attrNameLst>
+                                          <p:attrName>style.visibility</p:attrName>
+                                        </p:attrNameLst>
+                                      </p:cBhvr>
+                                      <p:to>
+                                        <p:strVal val="visible"/>
+                                      </p:to>
+                                    </p:set>
+                                  </p:childTnLst>
+                                </p:cTn>
+                              </p:par>
+                            </p:childTnLst>
+                          </p:cTn>
+                        </p:par>
+                      </p:childTnLst>
+                    </p:cTn>
+                  </p:par>
+                </p:childTnLst>
+              </p:cTn>
+              <p:prevCondLst>
+                <p:cond evt="onPrev" delay="0">
+                  <p:tgtEl>
+                    <p:sldTgt/>
+                  </p:tgtEl>
+                </p:cond>
+              </p:prevCondLst>
+              <p:nextCondLst>
+                <p:cond evt="onNext" delay="0">
+                  <p:tgtEl>
+                    <p:sldTgt/>
+                  </p:tgtEl>
+                </p:cond>
+              </p:nextCondLst>
+            </p:seq>
+          </p:childTnLst>
+        </p:cTn>
+      </p:par>
+    </p:tnLst>
+    <p:bldLst>
+      <p:bldP spid="11" grpId="0" animBg="1"/>
+    </p:bldLst>
+  </p:timing>
+</p:sld>
+</file>
+
+<file path=ppt/slides/slide3.xml><?xml version="1.0" encoding="utf-8"?>
+<p:sld xmlns:a="http://schemas.openxmlformats.org/drawingml/2006/main" xmlns:r="http://schemas.openxmlformats.org/officeDocument/2006/relationships" xmlns:p="http://schemas.openxmlformats.org/presentationml/2006/main">
+  <p:cSld>
+    <p:spTree>
+      <p:nvGrpSpPr>
+        <p:cNvPr id="1" name=""/>
+        <p:cNvGrpSpPr/>
+        <p:nvPr/>
+      </p:nvGrpSpPr>
+      <p:grpSpPr>
+        <a:xfrm>
+          <a:off x="0" y="0"/>
+          <a:ext cx="0" cy="0"/>
+          <a:chOff x="0" y="0"/>
+          <a:chExt cx="0" cy="0"/>
+        </a:xfrm>
+      </p:grpSpPr>
+      <p:sp>
+        <p:nvSpPr>
           <p:cNvPr id="2" name="Title 1">
             <a:extLst>
               <a:ext uri="{FF2B5EF4-FFF2-40B4-BE49-F238E27FC236}">
@@ -6820,7 +7106,7 @@
 </p:sld>
 </file>
 
-<file path=ppt/slides/slide3.xml><?xml version="1.0" encoding="utf-8"?>
+<file path=ppt/slides/slide4.xml><?xml version="1.0" encoding="utf-8"?>
 <p:sld xmlns:a="http://schemas.openxmlformats.org/drawingml/2006/main" xmlns:r="http://schemas.openxmlformats.org/officeDocument/2006/relationships" xmlns:p="http://schemas.openxmlformats.org/presentationml/2006/main">
   <p:cSld>
     <p:spTree>
@@ -6866,238 +7152,8 @@
               <a:buSzPct val="25000"/>
             </a:pPr>
             <a:r>
-              <a:rPr lang="en-US"/>
-              <a:t>Regular Expressions: Definition</a:t>
-            </a:r>
-          </a:p>
-        </p:txBody>
-      </p:sp>
-      <p:sp>
-        <p:nvSpPr>
-          <p:cNvPr id="163" name="Shape 163"/>
-          <p:cNvSpPr txBox="1">
-            <a:spLocks noGrp="1"/>
-          </p:cNvSpPr>
-          <p:nvPr>
-            <p:ph idx="1"/>
-          </p:nvPr>
-        </p:nvSpPr>
-        <p:spPr>
-          <a:prstGeom prst="rect">
-            <a:avLst/>
-          </a:prstGeom>
-          <a:noFill/>
-          <a:ln>
-            <a:noFill/>
-          </a:ln>
-        </p:spPr>
-        <p:txBody>
-          <a:bodyPr lIns="68569" tIns="34275" rIns="68569" bIns="34275" anchor="t" anchorCtr="0">
-            <a:noAutofit/>
-          </a:bodyPr>
-          <a:lstStyle/>
-          <a:p>
-            <a:pPr indent="-257175">
-              <a:lnSpc>
-                <a:spcPct val="100000"/>
-              </a:lnSpc>
-              <a:spcBef>
-                <a:spcPts val="600"/>
-              </a:spcBef>
-              <a:spcAft>
-                <a:spcPts val="0"/>
-              </a:spcAft>
-            </a:pPr>
-            <a:r>
-              <a:rPr lang="en-US" sz="2100" dirty="0" err="1"/>
-              <a:t>Regexp</a:t>
-            </a:r>
-            <a:r>
-              <a:rPr lang="en-US" sz="2100" dirty="0"/>
-              <a:t> operators are applied recursively </a:t>
-            </a:r>
-          </a:p>
-          <a:p>
-            <a:pPr indent="-257175">
-              <a:lnSpc>
-                <a:spcPct val="100000"/>
-              </a:lnSpc>
-              <a:spcBef>
-                <a:spcPts val="600"/>
-              </a:spcBef>
-              <a:spcAft>
-                <a:spcPts val="0"/>
-              </a:spcAft>
-            </a:pPr>
-            <a:r>
-              <a:rPr lang="en-US" sz="2100" dirty="0"/>
-              <a:t>The order of operator application can be ambiguous</a:t>
-            </a:r>
-          </a:p>
-          <a:p>
-            <a:pPr lvl="1" indent="-214313">
-              <a:lnSpc>
-                <a:spcPct val="100000"/>
-              </a:lnSpc>
-              <a:spcBef>
-                <a:spcPts val="600"/>
-              </a:spcBef>
-              <a:spcAft>
-                <a:spcPts val="0"/>
-              </a:spcAft>
-            </a:pPr>
-            <a:r>
-              <a:rPr lang="en-US" sz="1500" dirty="0"/>
-              <a:t>E.g. is </a:t>
-            </a:r>
-            <a:r>
-              <a:rPr lang="en-US" sz="1500" dirty="0" err="1">
-                <a:latin typeface="Consolas" panose="020B0609020204030204" pitchFamily="49" charset="0"/>
-                <a:cs typeface="Consolas" panose="020B0609020204030204" pitchFamily="49" charset="0"/>
-              </a:rPr>
-              <a:t>aa|bc</a:t>
-            </a:r>
-            <a:r>
-              <a:rPr lang="en-US" sz="1500" dirty="0">
-                <a:latin typeface="Consolas" panose="020B0609020204030204" pitchFamily="49" charset="0"/>
-                <a:cs typeface="Consolas" panose="020B0609020204030204" pitchFamily="49" charset="0"/>
-              </a:rPr>
-              <a:t> </a:t>
-            </a:r>
-            <a:r>
-              <a:rPr lang="en-US" sz="1500" dirty="0"/>
-              <a:t>equal to </a:t>
-            </a:r>
-            <a:r>
-              <a:rPr lang="en-US" sz="1500" dirty="0">
-                <a:latin typeface="Consolas" panose="020B0609020204030204" pitchFamily="49" charset="0"/>
-                <a:cs typeface="Consolas" panose="020B0609020204030204" pitchFamily="49" charset="0"/>
-              </a:rPr>
-              <a:t>a(</a:t>
-            </a:r>
-            <a:r>
-              <a:rPr lang="en-US" sz="1500" dirty="0" err="1">
-                <a:latin typeface="Consolas" panose="020B0609020204030204" pitchFamily="49" charset="0"/>
-                <a:cs typeface="Consolas" panose="020B0609020204030204" pitchFamily="49" charset="0"/>
-              </a:rPr>
-              <a:t>a|b</a:t>
-            </a:r>
-            <a:r>
-              <a:rPr lang="en-US" sz="1500" dirty="0">
-                <a:latin typeface="Consolas" panose="020B0609020204030204" pitchFamily="49" charset="0"/>
-                <a:cs typeface="Consolas" panose="020B0609020204030204" pitchFamily="49" charset="0"/>
-              </a:rPr>
-              <a:t>)c</a:t>
-            </a:r>
-            <a:r>
-              <a:rPr lang="en-US" sz="1500" dirty="0"/>
-              <a:t> or </a:t>
-            </a:r>
-            <a:r>
-              <a:rPr lang="en-US" sz="1500" dirty="0">
-                <a:latin typeface="Consolas" panose="020B0609020204030204" pitchFamily="49" charset="0"/>
-                <a:cs typeface="Consolas" panose="020B0609020204030204" pitchFamily="49" charset="0"/>
-              </a:rPr>
-              <a:t>((aa)|b)c </a:t>
-            </a:r>
-            <a:r>
-              <a:rPr lang="en-US" sz="1500" dirty="0"/>
-              <a:t>?</a:t>
-            </a:r>
-          </a:p>
-          <a:p>
-            <a:pPr indent="-257175">
-              <a:lnSpc>
-                <a:spcPct val="100000"/>
-              </a:lnSpc>
-              <a:spcBef>
-                <a:spcPts val="600"/>
-              </a:spcBef>
-              <a:spcAft>
-                <a:spcPts val="0"/>
-              </a:spcAft>
-            </a:pPr>
-            <a:r>
-              <a:rPr lang="en-US" sz="2100" dirty="0"/>
-              <a:t>Two approaches to solve this problem:</a:t>
-            </a:r>
-          </a:p>
-          <a:p>
-            <a:pPr lvl="1" indent="-257175">
-              <a:lnSpc>
-                <a:spcPct val="100000"/>
-              </a:lnSpc>
-              <a:spcBef>
-                <a:spcPts val="600"/>
-              </a:spcBef>
-              <a:spcAft>
-                <a:spcPts val="0"/>
-              </a:spcAft>
-            </a:pPr>
-            <a:r>
               <a:rPr lang="en-US" dirty="0"/>
-              <a:t>Ambiguity is handled using precedence and associativity</a:t>
-            </a:r>
-          </a:p>
-          <a:p>
-            <a:pPr lvl="1" indent="-257175">
-              <a:lnSpc>
-                <a:spcPct val="100000"/>
-              </a:lnSpc>
-              <a:spcBef>
-                <a:spcPts val="600"/>
-              </a:spcBef>
-              <a:spcAft>
-                <a:spcPts val="0"/>
-              </a:spcAft>
-            </a:pPr>
-            <a:r>
-              <a:rPr lang="en-US" dirty="0"/>
-              <a:t>Avoid ambiguity by providing explicit arguments for each </a:t>
-            </a:r>
-            <a:r>
-              <a:rPr lang="en-US" dirty="0" err="1"/>
-              <a:t>regexp</a:t>
-            </a:r>
-            <a:r>
-              <a:rPr lang="en-US" dirty="0"/>
-              <a:t> operator. Remove ambiguity with an explicit </a:t>
-            </a:r>
-            <a:r>
-              <a:rPr lang="en-US" dirty="0" err="1"/>
-              <a:t>regexp</a:t>
-            </a:r>
-            <a:r>
-              <a:rPr lang="en-US" dirty="0"/>
-              <a:t> tree.</a:t>
-            </a:r>
-          </a:p>
-          <a:p>
-            <a:pPr lvl="1" indent="-214313">
-              <a:lnSpc>
-                <a:spcPct val="100000"/>
-              </a:lnSpc>
-              <a:spcBef>
-                <a:spcPts val="600"/>
-              </a:spcBef>
-              <a:spcAft>
-                <a:spcPts val="0"/>
-              </a:spcAft>
-            </a:pPr>
-            <a:r>
-              <a:rPr lang="en-US" sz="1800" dirty="0"/>
-              <a:t>For convenience, for examples on this page, let us use the symbol </a:t>
-            </a:r>
-            <a:r>
-              <a:rPr lang="en-US" sz="1800" dirty="0">
-                <a:latin typeface="Consolas" panose="020B0609020204030204" pitchFamily="49" charset="0"/>
-                <a:cs typeface="Consolas" panose="020B0609020204030204" pitchFamily="49" charset="0"/>
-              </a:rPr>
-              <a:t>⋅</a:t>
-            </a:r>
-            <a:r>
-              <a:rPr lang="en-US" sz="1800" dirty="0"/>
-              <a:t> to denote the operator for concatenation instead of the empty string</a:t>
+              <a:t>Regular Expressions are ambiguous</a:t>
             </a:r>
           </a:p>
         </p:txBody>
@@ -7143,9 +7199,9 @@
               <a:pPr algn="r">
                 <a:buSzPct val="25000"/>
               </a:pPr>
-              <a:t>3</a:t>
+              <a:t>4</a:t>
             </a:fld>
-            <a:endParaRPr lang="en-US" sz="1050">
+            <a:endParaRPr lang="en-US" sz="1050" dirty="0">
               <a:solidFill>
                 <a:schemeClr val="dk1"/>
               </a:solidFill>
@@ -7157,20 +7213,1676 @@
           </a:p>
         </p:txBody>
       </p:sp>
+      <p:sp>
+        <p:nvSpPr>
+          <p:cNvPr id="4" name="TextBox 3">
+            <a:extLst>
+              <a:ext uri="{FF2B5EF4-FFF2-40B4-BE49-F238E27FC236}">
+                <a16:creationId xmlns:a16="http://schemas.microsoft.com/office/drawing/2014/main" id="{D924D959-C502-1148-853C-F7276A0AB503}"/>
+              </a:ext>
+            </a:extLst>
+          </p:cNvPr>
+          <p:cNvSpPr txBox="1"/>
+          <p:nvPr/>
+        </p:nvSpPr>
+        <p:spPr>
+          <a:xfrm>
+            <a:off x="628650" y="2450144"/>
+            <a:ext cx="1042416" cy="461665"/>
+          </a:xfrm>
+          <a:prstGeom prst="rect">
+            <a:avLst/>
+          </a:prstGeom>
+          <a:solidFill>
+            <a:schemeClr val="accent5">
+              <a:lumMod val="20000"/>
+              <a:lumOff val="80000"/>
+            </a:schemeClr>
+          </a:solidFill>
+        </p:spPr>
+        <p:txBody>
+          <a:bodyPr wrap="square" rtlCol="0">
+            <a:spAutoFit/>
+          </a:bodyPr>
+          <a:lstStyle/>
+          <a:p>
+            <a:r>
+              <a:rPr lang="en-US" sz="2400" dirty="0" err="1">
+                <a:latin typeface="Consolas" panose="020B0609020204030204" pitchFamily="49" charset="0"/>
+                <a:cs typeface="Consolas" panose="020B0609020204030204" pitchFamily="49" charset="0"/>
+              </a:rPr>
+              <a:t>ac|bc</a:t>
+            </a:r>
+            <a:endParaRPr lang="en-US" sz="2400" dirty="0">
+              <a:latin typeface="Consolas" panose="020B0609020204030204" pitchFamily="49" charset="0"/>
+              <a:cs typeface="Consolas" panose="020B0609020204030204" pitchFamily="49" charset="0"/>
+            </a:endParaRPr>
+          </a:p>
+        </p:txBody>
+      </p:sp>
+      <p:sp>
+        <p:nvSpPr>
+          <p:cNvPr id="8" name="TextBox 7">
+            <a:extLst>
+              <a:ext uri="{FF2B5EF4-FFF2-40B4-BE49-F238E27FC236}">
+                <a16:creationId xmlns:a16="http://schemas.microsoft.com/office/drawing/2014/main" id="{198BE7BA-C352-6348-A876-138473725B95}"/>
+              </a:ext>
+            </a:extLst>
+          </p:cNvPr>
+          <p:cNvSpPr txBox="1"/>
+          <p:nvPr/>
+        </p:nvSpPr>
+        <p:spPr>
+          <a:xfrm>
+            <a:off x="2783586" y="1164964"/>
+            <a:ext cx="2087880" cy="461665"/>
+          </a:xfrm>
+          <a:prstGeom prst="rect">
+            <a:avLst/>
+          </a:prstGeom>
+          <a:solidFill>
+            <a:schemeClr val="accent5">
+              <a:lumMod val="20000"/>
+              <a:lumOff val="80000"/>
+            </a:schemeClr>
+          </a:solidFill>
+        </p:spPr>
+        <p:txBody>
+          <a:bodyPr wrap="square" rtlCol="0">
+            <a:spAutoFit/>
+          </a:bodyPr>
+          <a:lstStyle/>
+          <a:p>
+            <a:r>
+              <a:rPr lang="en-US" sz="2400" dirty="0">
+                <a:latin typeface="Consolas" panose="020B0609020204030204" pitchFamily="49" charset="0"/>
+                <a:cs typeface="Consolas" panose="020B0609020204030204" pitchFamily="49" charset="0"/>
+              </a:rPr>
+              <a:t>(((ac)|b)c)</a:t>
+            </a:r>
+          </a:p>
+        </p:txBody>
+      </p:sp>
+      <p:sp>
+        <p:nvSpPr>
+          <p:cNvPr id="9" name="TextBox 8">
+            <a:extLst>
+              <a:ext uri="{FF2B5EF4-FFF2-40B4-BE49-F238E27FC236}">
+                <a16:creationId xmlns:a16="http://schemas.microsoft.com/office/drawing/2014/main" id="{3E934BCE-8AA8-C94B-A5A5-61D0E6C2B754}"/>
+              </a:ext>
+            </a:extLst>
+          </p:cNvPr>
+          <p:cNvSpPr txBox="1"/>
+          <p:nvPr/>
+        </p:nvSpPr>
+        <p:spPr>
+          <a:xfrm>
+            <a:off x="2783586" y="1950123"/>
+            <a:ext cx="2087880" cy="461665"/>
+          </a:xfrm>
+          <a:prstGeom prst="rect">
+            <a:avLst/>
+          </a:prstGeom>
+          <a:solidFill>
+            <a:schemeClr val="accent5">
+              <a:lumMod val="20000"/>
+              <a:lumOff val="80000"/>
+            </a:schemeClr>
+          </a:solidFill>
+        </p:spPr>
+        <p:txBody>
+          <a:bodyPr wrap="square" rtlCol="0">
+            <a:spAutoFit/>
+          </a:bodyPr>
+          <a:lstStyle/>
+          <a:p>
+            <a:r>
+              <a:rPr lang="en-US" sz="2400" dirty="0">
+                <a:latin typeface="Consolas" panose="020B0609020204030204" pitchFamily="49" charset="0"/>
+                <a:cs typeface="Consolas" panose="020B0609020204030204" pitchFamily="49" charset="0"/>
+              </a:rPr>
+              <a:t>(a((</a:t>
+            </a:r>
+            <a:r>
+              <a:rPr lang="en-US" sz="2400" dirty="0" err="1">
+                <a:latin typeface="Consolas" panose="020B0609020204030204" pitchFamily="49" charset="0"/>
+                <a:cs typeface="Consolas" panose="020B0609020204030204" pitchFamily="49" charset="0"/>
+              </a:rPr>
+              <a:t>c|b</a:t>
+            </a:r>
+            <a:r>
+              <a:rPr lang="en-US" sz="2400" dirty="0">
+                <a:latin typeface="Consolas" panose="020B0609020204030204" pitchFamily="49" charset="0"/>
+                <a:cs typeface="Consolas" panose="020B0609020204030204" pitchFamily="49" charset="0"/>
+              </a:rPr>
+              <a:t>)c))</a:t>
+            </a:r>
+          </a:p>
+        </p:txBody>
+      </p:sp>
+      <p:sp>
+        <p:nvSpPr>
+          <p:cNvPr id="10" name="TextBox 9">
+            <a:extLst>
+              <a:ext uri="{FF2B5EF4-FFF2-40B4-BE49-F238E27FC236}">
+                <a16:creationId xmlns:a16="http://schemas.microsoft.com/office/drawing/2014/main" id="{2B3D3D26-16A2-364D-A7C0-3C20D6CE41A2}"/>
+              </a:ext>
+            </a:extLst>
+          </p:cNvPr>
+          <p:cNvSpPr txBox="1"/>
+          <p:nvPr/>
+        </p:nvSpPr>
+        <p:spPr>
+          <a:xfrm>
+            <a:off x="2783586" y="2735282"/>
+            <a:ext cx="2087880" cy="461665"/>
+          </a:xfrm>
+          <a:prstGeom prst="rect">
+            <a:avLst/>
+          </a:prstGeom>
+          <a:solidFill>
+            <a:schemeClr val="accent5">
+              <a:lumMod val="20000"/>
+              <a:lumOff val="80000"/>
+            </a:schemeClr>
+          </a:solidFill>
+        </p:spPr>
+        <p:txBody>
+          <a:bodyPr wrap="square" rtlCol="0">
+            <a:spAutoFit/>
+          </a:bodyPr>
+          <a:lstStyle/>
+          <a:p>
+            <a:r>
+              <a:rPr lang="en-US" sz="2400" dirty="0">
+                <a:latin typeface="Consolas" panose="020B0609020204030204" pitchFamily="49" charset="0"/>
+                <a:cs typeface="Consolas" panose="020B0609020204030204" pitchFamily="49" charset="0"/>
+              </a:rPr>
+              <a:t>(a(c|(</a:t>
+            </a:r>
+            <a:r>
+              <a:rPr lang="en-US" sz="2400" dirty="0" err="1">
+                <a:latin typeface="Consolas" panose="020B0609020204030204" pitchFamily="49" charset="0"/>
+                <a:cs typeface="Consolas" panose="020B0609020204030204" pitchFamily="49" charset="0"/>
+              </a:rPr>
+              <a:t>bc</a:t>
+            </a:r>
+            <a:r>
+              <a:rPr lang="en-US" sz="2400" dirty="0">
+                <a:latin typeface="Consolas" panose="020B0609020204030204" pitchFamily="49" charset="0"/>
+                <a:cs typeface="Consolas" panose="020B0609020204030204" pitchFamily="49" charset="0"/>
+              </a:rPr>
+              <a:t>)))</a:t>
+            </a:r>
+          </a:p>
+        </p:txBody>
+      </p:sp>
+      <p:sp>
+        <p:nvSpPr>
+          <p:cNvPr id="11" name="TextBox 10">
+            <a:extLst>
+              <a:ext uri="{FF2B5EF4-FFF2-40B4-BE49-F238E27FC236}">
+                <a16:creationId xmlns:a16="http://schemas.microsoft.com/office/drawing/2014/main" id="{9248CA06-A621-794E-94ED-6952A6392EAE}"/>
+              </a:ext>
+            </a:extLst>
+          </p:cNvPr>
+          <p:cNvSpPr txBox="1"/>
+          <p:nvPr/>
+        </p:nvSpPr>
+        <p:spPr>
+          <a:xfrm>
+            <a:off x="2783586" y="3520441"/>
+            <a:ext cx="2087880" cy="461665"/>
+          </a:xfrm>
+          <a:prstGeom prst="rect">
+            <a:avLst/>
+          </a:prstGeom>
+          <a:solidFill>
+            <a:schemeClr val="accent5">
+              <a:lumMod val="20000"/>
+              <a:lumOff val="80000"/>
+            </a:schemeClr>
+          </a:solidFill>
+        </p:spPr>
+        <p:txBody>
+          <a:bodyPr wrap="square" rtlCol="0">
+            <a:spAutoFit/>
+          </a:bodyPr>
+          <a:lstStyle/>
+          <a:p>
+            <a:r>
+              <a:rPr lang="en-US" sz="2400" dirty="0">
+                <a:latin typeface="Consolas" panose="020B0609020204030204" pitchFamily="49" charset="0"/>
+                <a:cs typeface="Consolas" panose="020B0609020204030204" pitchFamily="49" charset="0"/>
+              </a:rPr>
+              <a:t>((a(</a:t>
+            </a:r>
+            <a:r>
+              <a:rPr lang="en-US" sz="2400" dirty="0" err="1">
+                <a:latin typeface="Consolas" panose="020B0609020204030204" pitchFamily="49" charset="0"/>
+                <a:cs typeface="Consolas" panose="020B0609020204030204" pitchFamily="49" charset="0"/>
+              </a:rPr>
+              <a:t>c|b</a:t>
+            </a:r>
+            <a:r>
+              <a:rPr lang="en-US" sz="2400" dirty="0">
+                <a:latin typeface="Consolas" panose="020B0609020204030204" pitchFamily="49" charset="0"/>
+                <a:cs typeface="Consolas" panose="020B0609020204030204" pitchFamily="49" charset="0"/>
+              </a:rPr>
+              <a:t>))c)</a:t>
+            </a:r>
+          </a:p>
+        </p:txBody>
+      </p:sp>
+      <p:sp>
+        <p:nvSpPr>
+          <p:cNvPr id="12" name="TextBox 11">
+            <a:extLst>
+              <a:ext uri="{FF2B5EF4-FFF2-40B4-BE49-F238E27FC236}">
+                <a16:creationId xmlns:a16="http://schemas.microsoft.com/office/drawing/2014/main" id="{62391CE0-45CB-594F-92E7-1EAF55DCF5DC}"/>
+              </a:ext>
+            </a:extLst>
+          </p:cNvPr>
+          <p:cNvSpPr txBox="1"/>
+          <p:nvPr/>
+        </p:nvSpPr>
+        <p:spPr>
+          <a:xfrm>
+            <a:off x="2783586" y="4305598"/>
+            <a:ext cx="2087880" cy="461665"/>
+          </a:xfrm>
+          <a:prstGeom prst="rect">
+            <a:avLst/>
+          </a:prstGeom>
+          <a:solidFill>
+            <a:schemeClr val="accent5">
+              <a:lumMod val="20000"/>
+              <a:lumOff val="80000"/>
+            </a:schemeClr>
+          </a:solidFill>
+        </p:spPr>
+        <p:txBody>
+          <a:bodyPr wrap="square" rtlCol="0">
+            <a:spAutoFit/>
+          </a:bodyPr>
+          <a:lstStyle/>
+          <a:p>
+            <a:r>
+              <a:rPr lang="en-US" sz="2400" dirty="0">
+                <a:latin typeface="Consolas" panose="020B0609020204030204" pitchFamily="49" charset="0"/>
+                <a:cs typeface="Consolas" panose="020B0609020204030204" pitchFamily="49" charset="0"/>
+              </a:rPr>
+              <a:t>((ac)|(</a:t>
+            </a:r>
+            <a:r>
+              <a:rPr lang="en-US" sz="2400" dirty="0" err="1">
+                <a:latin typeface="Consolas" panose="020B0609020204030204" pitchFamily="49" charset="0"/>
+                <a:cs typeface="Consolas" panose="020B0609020204030204" pitchFamily="49" charset="0"/>
+              </a:rPr>
+              <a:t>bc</a:t>
+            </a:r>
+            <a:r>
+              <a:rPr lang="en-US" sz="2400" dirty="0">
+                <a:latin typeface="Consolas" panose="020B0609020204030204" pitchFamily="49" charset="0"/>
+                <a:cs typeface="Consolas" panose="020B0609020204030204" pitchFamily="49" charset="0"/>
+              </a:rPr>
+              <a:t>))</a:t>
+            </a:r>
+          </a:p>
+        </p:txBody>
+      </p:sp>
+      <p:cxnSp>
+        <p:nvCxnSpPr>
+          <p:cNvPr id="6" name="Curved Connector 5">
+            <a:extLst>
+              <a:ext uri="{FF2B5EF4-FFF2-40B4-BE49-F238E27FC236}">
+                <a16:creationId xmlns:a16="http://schemas.microsoft.com/office/drawing/2014/main" id="{1AB00DC0-11A1-044F-9740-7BFC13B4E550}"/>
+              </a:ext>
+            </a:extLst>
+          </p:cNvPr>
+          <p:cNvCxnSpPr>
+            <a:stCxn id="4" idx="3"/>
+            <a:endCxn id="8" idx="1"/>
+          </p:cNvCxnSpPr>
+          <p:nvPr/>
+        </p:nvCxnSpPr>
+        <p:spPr>
+          <a:xfrm flipV="1">
+            <a:off x="1671066" y="1395797"/>
+            <a:ext cx="1112520" cy="1285180"/>
+          </a:xfrm>
+          <a:prstGeom prst="curvedConnector3">
+            <a:avLst/>
+          </a:prstGeom>
+          <a:ln>
+            <a:tailEnd type="triangle"/>
+          </a:ln>
+        </p:spPr>
+        <p:style>
+          <a:lnRef idx="1">
+            <a:schemeClr val="dk1"/>
+          </a:lnRef>
+          <a:fillRef idx="0">
+            <a:schemeClr val="dk1"/>
+          </a:fillRef>
+          <a:effectRef idx="0">
+            <a:schemeClr val="dk1"/>
+          </a:effectRef>
+          <a:fontRef idx="minor">
+            <a:schemeClr val="tx1"/>
+          </a:fontRef>
+        </p:style>
+      </p:cxnSp>
+      <p:cxnSp>
+        <p:nvCxnSpPr>
+          <p:cNvPr id="15" name="Curved Connector 14">
+            <a:extLst>
+              <a:ext uri="{FF2B5EF4-FFF2-40B4-BE49-F238E27FC236}">
+                <a16:creationId xmlns:a16="http://schemas.microsoft.com/office/drawing/2014/main" id="{1708424B-DAFC-CF4C-9191-2AA6D5F73F47}"/>
+              </a:ext>
+            </a:extLst>
+          </p:cNvPr>
+          <p:cNvCxnSpPr>
+            <a:cxnSpLocks/>
+            <a:endCxn id="9" idx="1"/>
+          </p:cNvCxnSpPr>
+          <p:nvPr/>
+        </p:nvCxnSpPr>
+        <p:spPr>
+          <a:xfrm flipV="1">
+            <a:off x="1671066" y="2180956"/>
+            <a:ext cx="1112520" cy="500022"/>
+          </a:xfrm>
+          <a:prstGeom prst="curvedConnector3">
+            <a:avLst/>
+          </a:prstGeom>
+          <a:ln>
+            <a:tailEnd type="triangle"/>
+          </a:ln>
+        </p:spPr>
+        <p:style>
+          <a:lnRef idx="1">
+            <a:schemeClr val="dk1"/>
+          </a:lnRef>
+          <a:fillRef idx="0">
+            <a:schemeClr val="dk1"/>
+          </a:fillRef>
+          <a:effectRef idx="0">
+            <a:schemeClr val="dk1"/>
+          </a:effectRef>
+          <a:fontRef idx="minor">
+            <a:schemeClr val="tx1"/>
+          </a:fontRef>
+        </p:style>
+      </p:cxnSp>
+      <p:cxnSp>
+        <p:nvCxnSpPr>
+          <p:cNvPr id="16" name="Curved Connector 15">
+            <a:extLst>
+              <a:ext uri="{FF2B5EF4-FFF2-40B4-BE49-F238E27FC236}">
+                <a16:creationId xmlns:a16="http://schemas.microsoft.com/office/drawing/2014/main" id="{7EA1873A-5CD2-B546-B719-C1B1E2A2DDD0}"/>
+              </a:ext>
+            </a:extLst>
+          </p:cNvPr>
+          <p:cNvCxnSpPr>
+            <a:cxnSpLocks/>
+            <a:stCxn id="4" idx="3"/>
+            <a:endCxn id="10" idx="1"/>
+          </p:cNvCxnSpPr>
+          <p:nvPr/>
+        </p:nvCxnSpPr>
+        <p:spPr>
+          <a:xfrm>
+            <a:off x="1671066" y="2680977"/>
+            <a:ext cx="1112520" cy="285138"/>
+          </a:xfrm>
+          <a:prstGeom prst="curvedConnector3">
+            <a:avLst/>
+          </a:prstGeom>
+          <a:ln>
+            <a:tailEnd type="triangle"/>
+          </a:ln>
+        </p:spPr>
+        <p:style>
+          <a:lnRef idx="1">
+            <a:schemeClr val="dk1"/>
+          </a:lnRef>
+          <a:fillRef idx="0">
+            <a:schemeClr val="dk1"/>
+          </a:fillRef>
+          <a:effectRef idx="0">
+            <a:schemeClr val="dk1"/>
+          </a:effectRef>
+          <a:fontRef idx="minor">
+            <a:schemeClr val="tx1"/>
+          </a:fontRef>
+        </p:style>
+      </p:cxnSp>
+      <p:cxnSp>
+        <p:nvCxnSpPr>
+          <p:cNvPr id="17" name="Curved Connector 16">
+            <a:extLst>
+              <a:ext uri="{FF2B5EF4-FFF2-40B4-BE49-F238E27FC236}">
+                <a16:creationId xmlns:a16="http://schemas.microsoft.com/office/drawing/2014/main" id="{82CFB917-CB47-A84B-8E04-81C82D390667}"/>
+              </a:ext>
+            </a:extLst>
+          </p:cNvPr>
+          <p:cNvCxnSpPr>
+            <a:cxnSpLocks/>
+            <a:endCxn id="11" idx="1"/>
+          </p:cNvCxnSpPr>
+          <p:nvPr/>
+        </p:nvCxnSpPr>
+        <p:spPr>
+          <a:xfrm>
+            <a:off x="1671066" y="2659567"/>
+            <a:ext cx="1112520" cy="1091707"/>
+          </a:xfrm>
+          <a:prstGeom prst="curvedConnector3">
+            <a:avLst/>
+          </a:prstGeom>
+          <a:ln>
+            <a:tailEnd type="triangle"/>
+          </a:ln>
+        </p:spPr>
+        <p:style>
+          <a:lnRef idx="1">
+            <a:schemeClr val="dk1"/>
+          </a:lnRef>
+          <a:fillRef idx="0">
+            <a:schemeClr val="dk1"/>
+          </a:fillRef>
+          <a:effectRef idx="0">
+            <a:schemeClr val="dk1"/>
+          </a:effectRef>
+          <a:fontRef idx="minor">
+            <a:schemeClr val="tx1"/>
+          </a:fontRef>
+        </p:style>
+      </p:cxnSp>
+      <p:cxnSp>
+        <p:nvCxnSpPr>
+          <p:cNvPr id="18" name="Curved Connector 17">
+            <a:extLst>
+              <a:ext uri="{FF2B5EF4-FFF2-40B4-BE49-F238E27FC236}">
+                <a16:creationId xmlns:a16="http://schemas.microsoft.com/office/drawing/2014/main" id="{28C3FB41-8324-2F45-A666-023D35D542C2}"/>
+              </a:ext>
+            </a:extLst>
+          </p:cNvPr>
+          <p:cNvCxnSpPr>
+            <a:cxnSpLocks/>
+            <a:stCxn id="4" idx="3"/>
+            <a:endCxn id="12" idx="1"/>
+          </p:cNvCxnSpPr>
+          <p:nvPr/>
+        </p:nvCxnSpPr>
+        <p:spPr>
+          <a:xfrm>
+            <a:off x="1671066" y="2680977"/>
+            <a:ext cx="1112520" cy="1855454"/>
+          </a:xfrm>
+          <a:prstGeom prst="curvedConnector3">
+            <a:avLst>
+              <a:gd name="adj1" fmla="val 50000"/>
+            </a:avLst>
+          </a:prstGeom>
+          <a:ln>
+            <a:tailEnd type="triangle"/>
+          </a:ln>
+        </p:spPr>
+        <p:style>
+          <a:lnRef idx="1">
+            <a:schemeClr val="dk1"/>
+          </a:lnRef>
+          <a:fillRef idx="0">
+            <a:schemeClr val="dk1"/>
+          </a:fillRef>
+          <a:effectRef idx="0">
+            <a:schemeClr val="dk1"/>
+          </a:effectRef>
+          <a:fontRef idx="minor">
+            <a:schemeClr val="tx1"/>
+          </a:fontRef>
+        </p:style>
+      </p:cxnSp>
+      <p:sp>
+        <p:nvSpPr>
+          <p:cNvPr id="25" name="Rectangle 24">
+            <a:extLst>
+              <a:ext uri="{FF2B5EF4-FFF2-40B4-BE49-F238E27FC236}">
+                <a16:creationId xmlns:a16="http://schemas.microsoft.com/office/drawing/2014/main" id="{B1B6E3A1-6FC4-1045-9F9B-DA30BFE32863}"/>
+              </a:ext>
+            </a:extLst>
+          </p:cNvPr>
+          <p:cNvSpPr/>
+          <p:nvPr/>
+        </p:nvSpPr>
+        <p:spPr>
+          <a:xfrm>
+            <a:off x="5458206" y="1186159"/>
+            <a:ext cx="3057144" cy="273844"/>
+          </a:xfrm>
+          <a:prstGeom prst="rect">
+            <a:avLst/>
+          </a:prstGeom>
+          <a:solidFill>
+            <a:schemeClr val="accent5">
+              <a:lumMod val="50000"/>
+            </a:schemeClr>
+          </a:solidFill>
+        </p:spPr>
+        <p:style>
+          <a:lnRef idx="2">
+            <a:schemeClr val="dk1">
+              <a:shade val="50000"/>
+            </a:schemeClr>
+          </a:lnRef>
+          <a:fillRef idx="1">
+            <a:schemeClr val="dk1"/>
+          </a:fillRef>
+          <a:effectRef idx="0">
+            <a:schemeClr val="dk1"/>
+          </a:effectRef>
+          <a:fontRef idx="minor">
+            <a:schemeClr val="lt1"/>
+          </a:fontRef>
+        </p:style>
+        <p:txBody>
+          <a:bodyPr rtlCol="0" anchor="ctr"/>
+          <a:lstStyle/>
+          <a:p>
+            <a:pPr algn="ctr"/>
+            <a:r>
+              <a:rPr lang="en-US" dirty="0" err="1"/>
+              <a:t>Regexp</a:t>
+            </a:r>
+            <a:r>
+              <a:rPr lang="en-US" dirty="0"/>
+              <a:t> operator precedence rules</a:t>
+            </a:r>
+          </a:p>
+        </p:txBody>
+      </p:sp>
+      <p:sp>
+        <p:nvSpPr>
+          <p:cNvPr id="27" name="Rectangle 26">
+            <a:extLst>
+              <a:ext uri="{FF2B5EF4-FFF2-40B4-BE49-F238E27FC236}">
+                <a16:creationId xmlns:a16="http://schemas.microsoft.com/office/drawing/2014/main" id="{93CEB905-A926-B148-B8D9-A395CDDDA78E}"/>
+              </a:ext>
+            </a:extLst>
+          </p:cNvPr>
+          <p:cNvSpPr/>
+          <p:nvPr/>
+        </p:nvSpPr>
+        <p:spPr>
+          <a:xfrm>
+            <a:off x="5458206" y="1529088"/>
+            <a:ext cx="3057144" cy="945121"/>
+          </a:xfrm>
+          <a:prstGeom prst="rect">
+            <a:avLst/>
+          </a:prstGeom>
+        </p:spPr>
+        <p:style>
+          <a:lnRef idx="2">
+            <a:schemeClr val="dk1">
+              <a:shade val="50000"/>
+            </a:schemeClr>
+          </a:lnRef>
+          <a:fillRef idx="1">
+            <a:schemeClr val="dk1"/>
+          </a:fillRef>
+          <a:effectRef idx="0">
+            <a:schemeClr val="dk1"/>
+          </a:effectRef>
+          <a:fontRef idx="minor">
+            <a:schemeClr val="lt1"/>
+          </a:fontRef>
+        </p:style>
+        <p:txBody>
+          <a:bodyPr rtlCol="0" anchor="ctr"/>
+          <a:lstStyle/>
+          <a:p>
+            <a:pPr marL="342900" indent="-342900">
+              <a:buAutoNum type="arabicPeriod"/>
+            </a:pPr>
+            <a:r>
+              <a:rPr lang="en-US" dirty="0"/>
+              <a:t>Grouping using parentheses </a:t>
+            </a:r>
+            <a:r>
+              <a:rPr lang="en-US" dirty="0">
+                <a:latin typeface="Consolas" panose="020B0609020204030204" pitchFamily="49" charset="0"/>
+                <a:cs typeface="Consolas" panose="020B0609020204030204" pitchFamily="49" charset="0"/>
+              </a:rPr>
+              <a:t>()</a:t>
+            </a:r>
+          </a:p>
+          <a:p>
+            <a:pPr marL="342900" indent="-342900">
+              <a:buAutoNum type="arabicPeriod"/>
+            </a:pPr>
+            <a:r>
+              <a:rPr lang="en-US" dirty="0"/>
+              <a:t>Unary operator </a:t>
+            </a:r>
+            <a:r>
+              <a:rPr lang="en-US" dirty="0">
+                <a:latin typeface="Consolas" panose="020B0609020204030204" pitchFamily="49" charset="0"/>
+                <a:cs typeface="Consolas" panose="020B0609020204030204" pitchFamily="49" charset="0"/>
+              </a:rPr>
+              <a:t>*</a:t>
+            </a:r>
+          </a:p>
+          <a:p>
+            <a:pPr marL="342900" indent="-342900">
+              <a:buAutoNum type="arabicPeriod"/>
+            </a:pPr>
+            <a:r>
+              <a:rPr lang="en-US" dirty="0"/>
+              <a:t>Binary operator for concatenation</a:t>
+            </a:r>
+          </a:p>
+          <a:p>
+            <a:pPr marL="342900" indent="-342900">
+              <a:buAutoNum type="arabicPeriod"/>
+            </a:pPr>
+            <a:r>
+              <a:rPr lang="en-US" dirty="0"/>
+              <a:t>Binary operator for alternation </a:t>
+            </a:r>
+            <a:r>
+              <a:rPr lang="en-US" dirty="0">
+                <a:latin typeface="Consolas" panose="020B0609020204030204" pitchFamily="49" charset="0"/>
+                <a:cs typeface="Consolas" panose="020B0609020204030204" pitchFamily="49" charset="0"/>
+              </a:rPr>
+              <a:t>|</a:t>
+            </a:r>
+          </a:p>
+        </p:txBody>
+      </p:sp>
+      <p:sp>
+        <p:nvSpPr>
+          <p:cNvPr id="28" name="5-Point Star 27">
+            <a:extLst>
+              <a:ext uri="{FF2B5EF4-FFF2-40B4-BE49-F238E27FC236}">
+                <a16:creationId xmlns:a16="http://schemas.microsoft.com/office/drawing/2014/main" id="{40CC447B-7D97-9549-A464-03D3D1F35CF3}"/>
+              </a:ext>
+            </a:extLst>
+          </p:cNvPr>
+          <p:cNvSpPr/>
+          <p:nvPr/>
+        </p:nvSpPr>
+        <p:spPr>
+          <a:xfrm>
+            <a:off x="4791456" y="4187952"/>
+            <a:ext cx="265176" cy="265176"/>
+          </a:xfrm>
+          <a:prstGeom prst="star5">
+            <a:avLst/>
+          </a:prstGeom>
+        </p:spPr>
+        <p:style>
+          <a:lnRef idx="2">
+            <a:schemeClr val="accent1">
+              <a:shade val="50000"/>
+            </a:schemeClr>
+          </a:lnRef>
+          <a:fillRef idx="1">
+            <a:schemeClr val="accent1"/>
+          </a:fillRef>
+          <a:effectRef idx="0">
+            <a:schemeClr val="accent1"/>
+          </a:effectRef>
+          <a:fontRef idx="minor">
+            <a:schemeClr val="lt1"/>
+          </a:fontRef>
+        </p:style>
+        <p:txBody>
+          <a:bodyPr rtlCol="0" anchor="ctr"/>
+          <a:lstStyle/>
+          <a:p>
+            <a:pPr algn="ctr"/>
+            <a:endParaRPr lang="en-US"/>
+          </a:p>
+        </p:txBody>
+      </p:sp>
+      <p:sp>
+        <p:nvSpPr>
+          <p:cNvPr id="29" name="Rounded Rectangular Callout 28">
+            <a:extLst>
+              <a:ext uri="{FF2B5EF4-FFF2-40B4-BE49-F238E27FC236}">
+                <a16:creationId xmlns:a16="http://schemas.microsoft.com/office/drawing/2014/main" id="{FC19697C-7F88-B046-8B64-3102C6DAEFB0}"/>
+              </a:ext>
+            </a:extLst>
+          </p:cNvPr>
+          <p:cNvSpPr/>
+          <p:nvPr/>
+        </p:nvSpPr>
+        <p:spPr>
+          <a:xfrm>
+            <a:off x="5395341" y="2904339"/>
+            <a:ext cx="3338322" cy="811105"/>
+          </a:xfrm>
+          <a:prstGeom prst="wedgeRoundRectCallout">
+            <a:avLst>
+              <a:gd name="adj1" fmla="val -58267"/>
+              <a:gd name="adj2" fmla="val -37984"/>
+              <a:gd name="adj3" fmla="val 16667"/>
+            </a:avLst>
+          </a:prstGeom>
+        </p:spPr>
+        <p:style>
+          <a:lnRef idx="2">
+            <a:schemeClr val="accent1">
+              <a:shade val="50000"/>
+            </a:schemeClr>
+          </a:lnRef>
+          <a:fillRef idx="1">
+            <a:schemeClr val="accent1"/>
+          </a:fillRef>
+          <a:effectRef idx="0">
+            <a:schemeClr val="accent1"/>
+          </a:effectRef>
+          <a:fontRef idx="minor">
+            <a:schemeClr val="lt1"/>
+          </a:fontRef>
+        </p:style>
+        <p:txBody>
+          <a:bodyPr rtlCol="0" anchor="ctr"/>
+          <a:lstStyle/>
+          <a:p>
+            <a:r>
+              <a:rPr lang="en-US" dirty="0"/>
+              <a:t>Q: Find the smallest set of strings that can find the above operator precedence rules for the </a:t>
+            </a:r>
+            <a:r>
+              <a:rPr lang="en-US" dirty="0" err="1"/>
+              <a:t>regexp</a:t>
+            </a:r>
+            <a:r>
+              <a:rPr lang="en-US" dirty="0"/>
+              <a:t> </a:t>
+            </a:r>
+            <a:r>
+              <a:rPr lang="en-US" dirty="0" err="1">
+                <a:latin typeface="Consolas" panose="020B0609020204030204" pitchFamily="49" charset="0"/>
+                <a:cs typeface="Consolas" panose="020B0609020204030204" pitchFamily="49" charset="0"/>
+              </a:rPr>
+              <a:t>ac|bc</a:t>
+            </a:r>
+            <a:r>
+              <a:rPr lang="en-US" dirty="0"/>
+              <a:t>. </a:t>
+            </a:r>
+          </a:p>
+        </p:txBody>
+      </p:sp>
+      <p:sp>
+        <p:nvSpPr>
+          <p:cNvPr id="30" name="Rectangle 29">
+            <a:extLst>
+              <a:ext uri="{FF2B5EF4-FFF2-40B4-BE49-F238E27FC236}">
+                <a16:creationId xmlns:a16="http://schemas.microsoft.com/office/drawing/2014/main" id="{E0999CD0-3BB8-F743-AEAD-CB5D929937B7}"/>
+              </a:ext>
+            </a:extLst>
+          </p:cNvPr>
+          <p:cNvSpPr/>
+          <p:nvPr/>
+        </p:nvSpPr>
+        <p:spPr>
+          <a:xfrm>
+            <a:off x="5425821" y="3830775"/>
+            <a:ext cx="3307842" cy="699971"/>
+          </a:xfrm>
+          <a:prstGeom prst="rect">
+            <a:avLst/>
+          </a:prstGeom>
+          <a:solidFill>
+            <a:schemeClr val="bg1">
+              <a:lumMod val="50000"/>
+            </a:schemeClr>
+          </a:solidFill>
+        </p:spPr>
+        <p:style>
+          <a:lnRef idx="2">
+            <a:schemeClr val="accent1">
+              <a:shade val="50000"/>
+            </a:schemeClr>
+          </a:lnRef>
+          <a:fillRef idx="1">
+            <a:schemeClr val="accent1"/>
+          </a:fillRef>
+          <a:effectRef idx="0">
+            <a:schemeClr val="accent1"/>
+          </a:effectRef>
+          <a:fontRef idx="minor">
+            <a:schemeClr val="lt1"/>
+          </a:fontRef>
+        </p:style>
+        <p:txBody>
+          <a:bodyPr rtlCol="0" anchor="ctr"/>
+          <a:lstStyle/>
+          <a:p>
+            <a:r>
+              <a:rPr lang="en-US" dirty="0"/>
+              <a:t>Hint: Compare the matching on input strings between the original </a:t>
+            </a:r>
+            <a:r>
+              <a:rPr lang="en-US" dirty="0" err="1"/>
+              <a:t>regexp</a:t>
+            </a:r>
+            <a:r>
+              <a:rPr lang="en-US" dirty="0"/>
+              <a:t> </a:t>
+            </a:r>
+            <a:r>
+              <a:rPr lang="en-US" dirty="0" err="1">
+                <a:latin typeface="Consolas" panose="020B0609020204030204" pitchFamily="49" charset="0"/>
+                <a:cs typeface="Consolas" panose="020B0609020204030204" pitchFamily="49" charset="0"/>
+              </a:rPr>
+              <a:t>ac|bc</a:t>
+            </a:r>
+            <a:r>
+              <a:rPr lang="en-US" dirty="0">
+                <a:latin typeface="Consolas" panose="020B0609020204030204" pitchFamily="49" charset="0"/>
+                <a:cs typeface="Consolas" panose="020B0609020204030204" pitchFamily="49" charset="0"/>
+              </a:rPr>
+              <a:t> </a:t>
+            </a:r>
+            <a:r>
+              <a:rPr lang="en-US" dirty="0"/>
+              <a:t>and the 5 unambiguous </a:t>
+            </a:r>
+            <a:r>
+              <a:rPr lang="en-US" dirty="0" err="1"/>
+              <a:t>regexps</a:t>
+            </a:r>
+            <a:r>
+              <a:rPr lang="en-US" dirty="0"/>
+              <a:t>.</a:t>
+            </a:r>
+          </a:p>
+        </p:txBody>
+      </p:sp>
     </p:spTree>
   </p:cSld>
   <p:clrMapOvr>
     <a:masterClrMapping/>
   </p:clrMapOvr>
+  <p:timing>
+    <p:tnLst>
+      <p:par>
+        <p:cTn id="1" dur="indefinite" restart="never" nodeType="tmRoot">
+          <p:childTnLst>
+            <p:seq concurrent="1" nextAc="seek">
+              <p:cTn id="2" dur="indefinite" nodeType="mainSeq">
+                <p:childTnLst>
+                  <p:par>
+                    <p:cTn id="3" fill="hold">
+                      <p:stCondLst>
+                        <p:cond delay="indefinite"/>
+                      </p:stCondLst>
+                      <p:childTnLst>
+                        <p:par>
+                          <p:cTn id="4" fill="hold">
+                            <p:stCondLst>
+                              <p:cond delay="0"/>
+                            </p:stCondLst>
+                            <p:childTnLst>
+                              <p:par>
+                                <p:cTn id="5" presetID="1" presetClass="entr" presetSubtype="0" fill="hold" nodeType="clickEffect">
+                                  <p:stCondLst>
+                                    <p:cond delay="0"/>
+                                  </p:stCondLst>
+                                  <p:childTnLst>
+                                    <p:set>
+                                      <p:cBhvr>
+                                        <p:cTn id="6" dur="1" fill="hold">
+                                          <p:stCondLst>
+                                            <p:cond delay="0"/>
+                                          </p:stCondLst>
+                                        </p:cTn>
+                                        <p:tgtEl>
+                                          <p:spTgt spid="6"/>
+                                        </p:tgtEl>
+                                        <p:attrNameLst>
+                                          <p:attrName>style.visibility</p:attrName>
+                                        </p:attrNameLst>
+                                      </p:cBhvr>
+                                      <p:to>
+                                        <p:strVal val="visible"/>
+                                      </p:to>
+                                    </p:set>
+                                  </p:childTnLst>
+                                </p:cTn>
+                              </p:par>
+                            </p:childTnLst>
+                          </p:cTn>
+                        </p:par>
+                      </p:childTnLst>
+                    </p:cTn>
+                  </p:par>
+                  <p:par>
+                    <p:cTn id="7" fill="hold">
+                      <p:stCondLst>
+                        <p:cond delay="indefinite"/>
+                      </p:stCondLst>
+                      <p:childTnLst>
+                        <p:par>
+                          <p:cTn id="8" fill="hold">
+                            <p:stCondLst>
+                              <p:cond delay="0"/>
+                            </p:stCondLst>
+                            <p:childTnLst>
+                              <p:par>
+                                <p:cTn id="9" presetID="1" presetClass="entr" presetSubtype="0" fill="hold" grpId="0" nodeType="clickEffect">
+                                  <p:stCondLst>
+                                    <p:cond delay="0"/>
+                                  </p:stCondLst>
+                                  <p:childTnLst>
+                                    <p:set>
+                                      <p:cBhvr>
+                                        <p:cTn id="10" dur="1" fill="hold">
+                                          <p:stCondLst>
+                                            <p:cond delay="0"/>
+                                          </p:stCondLst>
+                                        </p:cTn>
+                                        <p:tgtEl>
+                                          <p:spTgt spid="8"/>
+                                        </p:tgtEl>
+                                        <p:attrNameLst>
+                                          <p:attrName>style.visibility</p:attrName>
+                                        </p:attrNameLst>
+                                      </p:cBhvr>
+                                      <p:to>
+                                        <p:strVal val="visible"/>
+                                      </p:to>
+                                    </p:set>
+                                  </p:childTnLst>
+                                </p:cTn>
+                              </p:par>
+                            </p:childTnLst>
+                          </p:cTn>
+                        </p:par>
+                      </p:childTnLst>
+                    </p:cTn>
+                  </p:par>
+                  <p:par>
+                    <p:cTn id="11" fill="hold">
+                      <p:stCondLst>
+                        <p:cond delay="indefinite"/>
+                      </p:stCondLst>
+                      <p:childTnLst>
+                        <p:par>
+                          <p:cTn id="12" fill="hold">
+                            <p:stCondLst>
+                              <p:cond delay="0"/>
+                            </p:stCondLst>
+                            <p:childTnLst>
+                              <p:par>
+                                <p:cTn id="13" presetID="1" presetClass="entr" presetSubtype="0" fill="hold" nodeType="clickEffect">
+                                  <p:stCondLst>
+                                    <p:cond delay="0"/>
+                                  </p:stCondLst>
+                                  <p:childTnLst>
+                                    <p:set>
+                                      <p:cBhvr>
+                                        <p:cTn id="14" dur="1" fill="hold">
+                                          <p:stCondLst>
+                                            <p:cond delay="0"/>
+                                          </p:stCondLst>
+                                        </p:cTn>
+                                        <p:tgtEl>
+                                          <p:spTgt spid="15"/>
+                                        </p:tgtEl>
+                                        <p:attrNameLst>
+                                          <p:attrName>style.visibility</p:attrName>
+                                        </p:attrNameLst>
+                                      </p:cBhvr>
+                                      <p:to>
+                                        <p:strVal val="visible"/>
+                                      </p:to>
+                                    </p:set>
+                                  </p:childTnLst>
+                                </p:cTn>
+                              </p:par>
+                            </p:childTnLst>
+                          </p:cTn>
+                        </p:par>
+                      </p:childTnLst>
+                    </p:cTn>
+                  </p:par>
+                  <p:par>
+                    <p:cTn id="15" fill="hold">
+                      <p:stCondLst>
+                        <p:cond delay="indefinite"/>
+                      </p:stCondLst>
+                      <p:childTnLst>
+                        <p:par>
+                          <p:cTn id="16" fill="hold">
+                            <p:stCondLst>
+                              <p:cond delay="0"/>
+                            </p:stCondLst>
+                            <p:childTnLst>
+                              <p:par>
+                                <p:cTn id="17" presetID="1" presetClass="entr" presetSubtype="0" fill="hold" grpId="0" nodeType="clickEffect">
+                                  <p:stCondLst>
+                                    <p:cond delay="0"/>
+                                  </p:stCondLst>
+                                  <p:childTnLst>
+                                    <p:set>
+                                      <p:cBhvr>
+                                        <p:cTn id="18" dur="1" fill="hold">
+                                          <p:stCondLst>
+                                            <p:cond delay="0"/>
+                                          </p:stCondLst>
+                                        </p:cTn>
+                                        <p:tgtEl>
+                                          <p:spTgt spid="9"/>
+                                        </p:tgtEl>
+                                        <p:attrNameLst>
+                                          <p:attrName>style.visibility</p:attrName>
+                                        </p:attrNameLst>
+                                      </p:cBhvr>
+                                      <p:to>
+                                        <p:strVal val="visible"/>
+                                      </p:to>
+                                    </p:set>
+                                  </p:childTnLst>
+                                </p:cTn>
+                              </p:par>
+                            </p:childTnLst>
+                          </p:cTn>
+                        </p:par>
+                      </p:childTnLst>
+                    </p:cTn>
+                  </p:par>
+                  <p:par>
+                    <p:cTn id="19" fill="hold">
+                      <p:stCondLst>
+                        <p:cond delay="indefinite"/>
+                      </p:stCondLst>
+                      <p:childTnLst>
+                        <p:par>
+                          <p:cTn id="20" fill="hold">
+                            <p:stCondLst>
+                              <p:cond delay="0"/>
+                            </p:stCondLst>
+                            <p:childTnLst>
+                              <p:par>
+                                <p:cTn id="21" presetID="1" presetClass="entr" presetSubtype="0" fill="hold" nodeType="clickEffect">
+                                  <p:stCondLst>
+                                    <p:cond delay="0"/>
+                                  </p:stCondLst>
+                                  <p:childTnLst>
+                                    <p:set>
+                                      <p:cBhvr>
+                                        <p:cTn id="22" dur="1" fill="hold">
+                                          <p:stCondLst>
+                                            <p:cond delay="0"/>
+                                          </p:stCondLst>
+                                        </p:cTn>
+                                        <p:tgtEl>
+                                          <p:spTgt spid="16"/>
+                                        </p:tgtEl>
+                                        <p:attrNameLst>
+                                          <p:attrName>style.visibility</p:attrName>
+                                        </p:attrNameLst>
+                                      </p:cBhvr>
+                                      <p:to>
+                                        <p:strVal val="visible"/>
+                                      </p:to>
+                                    </p:set>
+                                  </p:childTnLst>
+                                </p:cTn>
+                              </p:par>
+                            </p:childTnLst>
+                          </p:cTn>
+                        </p:par>
+                      </p:childTnLst>
+                    </p:cTn>
+                  </p:par>
+                  <p:par>
+                    <p:cTn id="23" fill="hold">
+                      <p:stCondLst>
+                        <p:cond delay="indefinite"/>
+                      </p:stCondLst>
+                      <p:childTnLst>
+                        <p:par>
+                          <p:cTn id="24" fill="hold">
+                            <p:stCondLst>
+                              <p:cond delay="0"/>
+                            </p:stCondLst>
+                            <p:childTnLst>
+                              <p:par>
+                                <p:cTn id="25" presetID="1" presetClass="entr" presetSubtype="0" fill="hold" grpId="0" nodeType="clickEffect">
+                                  <p:stCondLst>
+                                    <p:cond delay="0"/>
+                                  </p:stCondLst>
+                                  <p:childTnLst>
+                                    <p:set>
+                                      <p:cBhvr>
+                                        <p:cTn id="26" dur="1" fill="hold">
+                                          <p:stCondLst>
+                                            <p:cond delay="0"/>
+                                          </p:stCondLst>
+                                        </p:cTn>
+                                        <p:tgtEl>
+                                          <p:spTgt spid="10"/>
+                                        </p:tgtEl>
+                                        <p:attrNameLst>
+                                          <p:attrName>style.visibility</p:attrName>
+                                        </p:attrNameLst>
+                                      </p:cBhvr>
+                                      <p:to>
+                                        <p:strVal val="visible"/>
+                                      </p:to>
+                                    </p:set>
+                                  </p:childTnLst>
+                                </p:cTn>
+                              </p:par>
+                            </p:childTnLst>
+                          </p:cTn>
+                        </p:par>
+                      </p:childTnLst>
+                    </p:cTn>
+                  </p:par>
+                  <p:par>
+                    <p:cTn id="27" fill="hold">
+                      <p:stCondLst>
+                        <p:cond delay="indefinite"/>
+                      </p:stCondLst>
+                      <p:childTnLst>
+                        <p:par>
+                          <p:cTn id="28" fill="hold">
+                            <p:stCondLst>
+                              <p:cond delay="0"/>
+                            </p:stCondLst>
+                            <p:childTnLst>
+                              <p:par>
+                                <p:cTn id="29" presetID="1" presetClass="entr" presetSubtype="0" fill="hold" nodeType="clickEffect">
+                                  <p:stCondLst>
+                                    <p:cond delay="0"/>
+                                  </p:stCondLst>
+                                  <p:childTnLst>
+                                    <p:set>
+                                      <p:cBhvr>
+                                        <p:cTn id="30" dur="1" fill="hold">
+                                          <p:stCondLst>
+                                            <p:cond delay="0"/>
+                                          </p:stCondLst>
+                                        </p:cTn>
+                                        <p:tgtEl>
+                                          <p:spTgt spid="17"/>
+                                        </p:tgtEl>
+                                        <p:attrNameLst>
+                                          <p:attrName>style.visibility</p:attrName>
+                                        </p:attrNameLst>
+                                      </p:cBhvr>
+                                      <p:to>
+                                        <p:strVal val="visible"/>
+                                      </p:to>
+                                    </p:set>
+                                  </p:childTnLst>
+                                </p:cTn>
+                              </p:par>
+                            </p:childTnLst>
+                          </p:cTn>
+                        </p:par>
+                      </p:childTnLst>
+                    </p:cTn>
+                  </p:par>
+                  <p:par>
+                    <p:cTn id="31" fill="hold">
+                      <p:stCondLst>
+                        <p:cond delay="indefinite"/>
+                      </p:stCondLst>
+                      <p:childTnLst>
+                        <p:par>
+                          <p:cTn id="32" fill="hold">
+                            <p:stCondLst>
+                              <p:cond delay="0"/>
+                            </p:stCondLst>
+                            <p:childTnLst>
+                              <p:par>
+                                <p:cTn id="33" presetID="1" presetClass="entr" presetSubtype="0" fill="hold" grpId="0" nodeType="clickEffect">
+                                  <p:stCondLst>
+                                    <p:cond delay="0"/>
+                                  </p:stCondLst>
+                                  <p:childTnLst>
+                                    <p:set>
+                                      <p:cBhvr>
+                                        <p:cTn id="34" dur="1" fill="hold">
+                                          <p:stCondLst>
+                                            <p:cond delay="0"/>
+                                          </p:stCondLst>
+                                        </p:cTn>
+                                        <p:tgtEl>
+                                          <p:spTgt spid="11"/>
+                                        </p:tgtEl>
+                                        <p:attrNameLst>
+                                          <p:attrName>style.visibility</p:attrName>
+                                        </p:attrNameLst>
+                                      </p:cBhvr>
+                                      <p:to>
+                                        <p:strVal val="visible"/>
+                                      </p:to>
+                                    </p:set>
+                                  </p:childTnLst>
+                                </p:cTn>
+                              </p:par>
+                            </p:childTnLst>
+                          </p:cTn>
+                        </p:par>
+                      </p:childTnLst>
+                    </p:cTn>
+                  </p:par>
+                  <p:par>
+                    <p:cTn id="35" fill="hold">
+                      <p:stCondLst>
+                        <p:cond delay="indefinite"/>
+                      </p:stCondLst>
+                      <p:childTnLst>
+                        <p:par>
+                          <p:cTn id="36" fill="hold">
+                            <p:stCondLst>
+                              <p:cond delay="0"/>
+                            </p:stCondLst>
+                            <p:childTnLst>
+                              <p:par>
+                                <p:cTn id="37" presetID="1" presetClass="entr" presetSubtype="0" fill="hold" nodeType="clickEffect">
+                                  <p:stCondLst>
+                                    <p:cond delay="0"/>
+                                  </p:stCondLst>
+                                  <p:childTnLst>
+                                    <p:set>
+                                      <p:cBhvr>
+                                        <p:cTn id="38" dur="1" fill="hold">
+                                          <p:stCondLst>
+                                            <p:cond delay="0"/>
+                                          </p:stCondLst>
+                                        </p:cTn>
+                                        <p:tgtEl>
+                                          <p:spTgt spid="18"/>
+                                        </p:tgtEl>
+                                        <p:attrNameLst>
+                                          <p:attrName>style.visibility</p:attrName>
+                                        </p:attrNameLst>
+                                      </p:cBhvr>
+                                      <p:to>
+                                        <p:strVal val="visible"/>
+                                      </p:to>
+                                    </p:set>
+                                  </p:childTnLst>
+                                </p:cTn>
+                              </p:par>
+                            </p:childTnLst>
+                          </p:cTn>
+                        </p:par>
+                      </p:childTnLst>
+                    </p:cTn>
+                  </p:par>
+                  <p:par>
+                    <p:cTn id="39" fill="hold">
+                      <p:stCondLst>
+                        <p:cond delay="indefinite"/>
+                      </p:stCondLst>
+                      <p:childTnLst>
+                        <p:par>
+                          <p:cTn id="40" fill="hold">
+                            <p:stCondLst>
+                              <p:cond delay="0"/>
+                            </p:stCondLst>
+                            <p:childTnLst>
+                              <p:par>
+                                <p:cTn id="41" presetID="1" presetClass="entr" presetSubtype="0" fill="hold" grpId="0" nodeType="clickEffect">
+                                  <p:stCondLst>
+                                    <p:cond delay="0"/>
+                                  </p:stCondLst>
+                                  <p:childTnLst>
+                                    <p:set>
+                                      <p:cBhvr>
+                                        <p:cTn id="42" dur="1" fill="hold">
+                                          <p:stCondLst>
+                                            <p:cond delay="0"/>
+                                          </p:stCondLst>
+                                        </p:cTn>
+                                        <p:tgtEl>
+                                          <p:spTgt spid="12"/>
+                                        </p:tgtEl>
+                                        <p:attrNameLst>
+                                          <p:attrName>style.visibility</p:attrName>
+                                        </p:attrNameLst>
+                                      </p:cBhvr>
+                                      <p:to>
+                                        <p:strVal val="visible"/>
+                                      </p:to>
+                                    </p:set>
+                                  </p:childTnLst>
+                                </p:cTn>
+                              </p:par>
+                            </p:childTnLst>
+                          </p:cTn>
+                        </p:par>
+                      </p:childTnLst>
+                    </p:cTn>
+                  </p:par>
+                  <p:par>
+                    <p:cTn id="43" fill="hold">
+                      <p:stCondLst>
+                        <p:cond delay="indefinite"/>
+                      </p:stCondLst>
+                      <p:childTnLst>
+                        <p:par>
+                          <p:cTn id="44" fill="hold">
+                            <p:stCondLst>
+                              <p:cond delay="0"/>
+                            </p:stCondLst>
+                            <p:childTnLst>
+                              <p:par>
+                                <p:cTn id="45" presetID="1" presetClass="entr" presetSubtype="0" fill="hold" grpId="0" nodeType="clickEffect">
+                                  <p:stCondLst>
+                                    <p:cond delay="0"/>
+                                  </p:stCondLst>
+                                  <p:childTnLst>
+                                    <p:set>
+                                      <p:cBhvr>
+                                        <p:cTn id="46" dur="1" fill="hold">
+                                          <p:stCondLst>
+                                            <p:cond delay="0"/>
+                                          </p:stCondLst>
+                                        </p:cTn>
+                                        <p:tgtEl>
+                                          <p:spTgt spid="25"/>
+                                        </p:tgtEl>
+                                        <p:attrNameLst>
+                                          <p:attrName>style.visibility</p:attrName>
+                                        </p:attrNameLst>
+                                      </p:cBhvr>
+                                      <p:to>
+                                        <p:strVal val="visible"/>
+                                      </p:to>
+                                    </p:set>
+                                  </p:childTnLst>
+                                </p:cTn>
+                              </p:par>
+                            </p:childTnLst>
+                          </p:cTn>
+                        </p:par>
+                      </p:childTnLst>
+                    </p:cTn>
+                  </p:par>
+                  <p:par>
+                    <p:cTn id="47" fill="hold">
+                      <p:stCondLst>
+                        <p:cond delay="indefinite"/>
+                      </p:stCondLst>
+                      <p:childTnLst>
+                        <p:par>
+                          <p:cTn id="48" fill="hold">
+                            <p:stCondLst>
+                              <p:cond delay="0"/>
+                            </p:stCondLst>
+                            <p:childTnLst>
+                              <p:par>
+                                <p:cTn id="49" presetID="1" presetClass="entr" presetSubtype="0" fill="hold" grpId="0" nodeType="clickEffect">
+                                  <p:stCondLst>
+                                    <p:cond delay="0"/>
+                                  </p:stCondLst>
+                                  <p:childTnLst>
+                                    <p:set>
+                                      <p:cBhvr>
+                                        <p:cTn id="50" dur="1" fill="hold">
+                                          <p:stCondLst>
+                                            <p:cond delay="0"/>
+                                          </p:stCondLst>
+                                        </p:cTn>
+                                        <p:tgtEl>
+                                          <p:spTgt spid="27"/>
+                                        </p:tgtEl>
+                                        <p:attrNameLst>
+                                          <p:attrName>style.visibility</p:attrName>
+                                        </p:attrNameLst>
+                                      </p:cBhvr>
+                                      <p:to>
+                                        <p:strVal val="visible"/>
+                                      </p:to>
+                                    </p:set>
+                                  </p:childTnLst>
+                                </p:cTn>
+                              </p:par>
+                            </p:childTnLst>
+                          </p:cTn>
+                        </p:par>
+                      </p:childTnLst>
+                    </p:cTn>
+                  </p:par>
+                  <p:par>
+                    <p:cTn id="51" fill="hold">
+                      <p:stCondLst>
+                        <p:cond delay="indefinite"/>
+                      </p:stCondLst>
+                      <p:childTnLst>
+                        <p:par>
+                          <p:cTn id="52" fill="hold">
+                            <p:stCondLst>
+                              <p:cond delay="0"/>
+                            </p:stCondLst>
+                            <p:childTnLst>
+                              <p:par>
+                                <p:cTn id="53" presetID="1" presetClass="entr" presetSubtype="0" fill="hold" grpId="0" nodeType="clickEffect">
+                                  <p:stCondLst>
+                                    <p:cond delay="0"/>
+                                  </p:stCondLst>
+                                  <p:childTnLst>
+                                    <p:set>
+                                      <p:cBhvr>
+                                        <p:cTn id="54" dur="1" fill="hold">
+                                          <p:stCondLst>
+                                            <p:cond delay="0"/>
+                                          </p:stCondLst>
+                                        </p:cTn>
+                                        <p:tgtEl>
+                                          <p:spTgt spid="28"/>
+                                        </p:tgtEl>
+                                        <p:attrNameLst>
+                                          <p:attrName>style.visibility</p:attrName>
+                                        </p:attrNameLst>
+                                      </p:cBhvr>
+                                      <p:to>
+                                        <p:strVal val="visible"/>
+                                      </p:to>
+                                    </p:set>
+                                  </p:childTnLst>
+                                </p:cTn>
+                              </p:par>
+                            </p:childTnLst>
+                          </p:cTn>
+                        </p:par>
+                      </p:childTnLst>
+                    </p:cTn>
+                  </p:par>
+                  <p:par>
+                    <p:cTn id="55" fill="hold">
+                      <p:stCondLst>
+                        <p:cond delay="indefinite"/>
+                      </p:stCondLst>
+                      <p:childTnLst>
+                        <p:par>
+                          <p:cTn id="56" fill="hold">
+                            <p:stCondLst>
+                              <p:cond delay="0"/>
+                            </p:stCondLst>
+                            <p:childTnLst>
+                              <p:par>
+                                <p:cTn id="57" presetID="1" presetClass="entr" presetSubtype="0" fill="hold" grpId="1" nodeType="clickEffect">
+                                  <p:stCondLst>
+                                    <p:cond delay="0"/>
+                                  </p:stCondLst>
+                                  <p:childTnLst>
+                                    <p:set>
+                                      <p:cBhvr>
+                                        <p:cTn id="58" dur="1" fill="hold">
+                                          <p:stCondLst>
+                                            <p:cond delay="0"/>
+                                          </p:stCondLst>
+                                        </p:cTn>
+                                        <p:tgtEl>
+                                          <p:spTgt spid="28"/>
+                                        </p:tgtEl>
+                                        <p:attrNameLst>
+                                          <p:attrName>style.visibility</p:attrName>
+                                        </p:attrNameLst>
+                                      </p:cBhvr>
+                                      <p:to>
+                                        <p:strVal val="visible"/>
+                                      </p:to>
+                                    </p:set>
+                                  </p:childTnLst>
+                                </p:cTn>
+                              </p:par>
+                            </p:childTnLst>
+                          </p:cTn>
+                        </p:par>
+                      </p:childTnLst>
+                    </p:cTn>
+                  </p:par>
+                  <p:par>
+                    <p:cTn id="59" fill="hold">
+                      <p:stCondLst>
+                        <p:cond delay="indefinite"/>
+                      </p:stCondLst>
+                      <p:childTnLst>
+                        <p:par>
+                          <p:cTn id="60" fill="hold">
+                            <p:stCondLst>
+                              <p:cond delay="0"/>
+                            </p:stCondLst>
+                            <p:childTnLst>
+                              <p:par>
+                                <p:cTn id="61" presetID="1" presetClass="entr" presetSubtype="0" fill="hold" grpId="0" nodeType="clickEffect">
+                                  <p:stCondLst>
+                                    <p:cond delay="0"/>
+                                  </p:stCondLst>
+                                  <p:childTnLst>
+                                    <p:set>
+                                      <p:cBhvr>
+                                        <p:cTn id="62" dur="1" fill="hold">
+                                          <p:stCondLst>
+                                            <p:cond delay="0"/>
+                                          </p:stCondLst>
+                                        </p:cTn>
+                                        <p:tgtEl>
+                                          <p:spTgt spid="29"/>
+                                        </p:tgtEl>
+                                        <p:attrNameLst>
+                                          <p:attrName>style.visibility</p:attrName>
+                                        </p:attrNameLst>
+                                      </p:cBhvr>
+                                      <p:to>
+                                        <p:strVal val="visible"/>
+                                      </p:to>
+                                    </p:set>
+                                  </p:childTnLst>
+                                </p:cTn>
+                              </p:par>
+                            </p:childTnLst>
+                          </p:cTn>
+                        </p:par>
+                      </p:childTnLst>
+                    </p:cTn>
+                  </p:par>
+                  <p:par>
+                    <p:cTn id="63" fill="hold">
+                      <p:stCondLst>
+                        <p:cond delay="indefinite"/>
+                      </p:stCondLst>
+                      <p:childTnLst>
+                        <p:par>
+                          <p:cTn id="64" fill="hold">
+                            <p:stCondLst>
+                              <p:cond delay="0"/>
+                            </p:stCondLst>
+                            <p:childTnLst>
+                              <p:par>
+                                <p:cTn id="65" presetID="1" presetClass="entr" presetSubtype="0" fill="hold" grpId="0" nodeType="clickEffect">
+                                  <p:stCondLst>
+                                    <p:cond delay="0"/>
+                                  </p:stCondLst>
+                                  <p:childTnLst>
+                                    <p:set>
+                                      <p:cBhvr>
+                                        <p:cTn id="66" dur="1" fill="hold">
+                                          <p:stCondLst>
+                                            <p:cond delay="0"/>
+                                          </p:stCondLst>
+                                        </p:cTn>
+                                        <p:tgtEl>
+                                          <p:spTgt spid="30"/>
+                                        </p:tgtEl>
+                                        <p:attrNameLst>
+                                          <p:attrName>style.visibility</p:attrName>
+                                        </p:attrNameLst>
+                                      </p:cBhvr>
+                                      <p:to>
+                                        <p:strVal val="visible"/>
+                                      </p:to>
+                                    </p:set>
+                                  </p:childTnLst>
+                                </p:cTn>
+                              </p:par>
+                            </p:childTnLst>
+                          </p:cTn>
+                        </p:par>
+                      </p:childTnLst>
+                    </p:cTn>
+                  </p:par>
+                </p:childTnLst>
+              </p:cTn>
+              <p:prevCondLst>
+                <p:cond evt="onPrev" delay="0">
+                  <p:tgtEl>
+                    <p:sldTgt/>
+                  </p:tgtEl>
+                </p:cond>
+              </p:prevCondLst>
+              <p:nextCondLst>
+                <p:cond evt="onNext" delay="0">
+                  <p:tgtEl>
+                    <p:sldTgt/>
+                  </p:tgtEl>
+                </p:cond>
+              </p:nextCondLst>
+            </p:seq>
+          </p:childTnLst>
+        </p:cTn>
+      </p:par>
+    </p:tnLst>
+    <p:bldLst>
+      <p:bldP spid="8" grpId="0" animBg="1"/>
+      <p:bldP spid="9" grpId="0" animBg="1"/>
+      <p:bldP spid="10" grpId="0" animBg="1"/>
+      <p:bldP spid="11" grpId="0" animBg="1"/>
+      <p:bldP spid="12" grpId="0" animBg="1"/>
+      <p:bldP spid="25" grpId="0" animBg="1"/>
+      <p:bldP spid="27" grpId="0" animBg="1"/>
+      <p:bldP spid="28" grpId="0" animBg="1"/>
+      <p:bldP spid="28" grpId="1" animBg="1"/>
+      <p:bldP spid="29" grpId="0" animBg="1"/>
+      <p:bldP spid="30" grpId="0" animBg="1"/>
+    </p:bldLst>
+  </p:timing>
 </p:sld>
 </file>
 
-<file path=ppt/slides/slide4.xml><?xml version="1.0" encoding="utf-8"?>
+<file path=ppt/slides/slide5.xml><?xml version="1.0" encoding="utf-8"?>
 <p:sld xmlns:a="http://schemas.openxmlformats.org/drawingml/2006/main" xmlns:r="http://schemas.openxmlformats.org/officeDocument/2006/relationships" xmlns:p="http://schemas.openxmlformats.org/presentationml/2006/main">
   <p:cSld>
     <p:spTree>
       <p:nvGrpSpPr>
-        <p:cNvPr id="1" name="Shape 168"/>
+        <p:cNvPr id="1" name=""/>
         <p:cNvGrpSpPr/>
         <p:nvPr/>
       </p:nvGrpSpPr>
@@ -7184,1436 +8896,67 @@
       </p:grpSpPr>
       <p:sp>
         <p:nvSpPr>
-          <p:cNvPr id="170" name="Shape 170"/>
-          <p:cNvSpPr txBox="1">
+          <p:cNvPr id="2" name="Title 1">
+            <a:extLst>
+              <a:ext uri="{FF2B5EF4-FFF2-40B4-BE49-F238E27FC236}">
+                <a16:creationId xmlns:a16="http://schemas.microsoft.com/office/drawing/2014/main" id="{9E8A6218-A678-694F-A9E0-2ECFC74E0579}"/>
+              </a:ext>
+            </a:extLst>
+          </p:cNvPr>
+          <p:cNvSpPr>
             <a:spLocks noGrp="1"/>
           </p:cNvSpPr>
           <p:nvPr>
             <p:ph type="title"/>
           </p:nvPr>
         </p:nvSpPr>
-        <p:spPr>
-          <a:prstGeom prst="rect">
-            <a:avLst/>
-          </a:prstGeom>
-          <a:noFill/>
-          <a:ln>
-            <a:noFill/>
-          </a:ln>
-        </p:spPr>
+        <p:spPr/>
         <p:txBody>
-          <a:bodyPr lIns="68569" tIns="34275" rIns="68569" bIns="34275" anchor="ctr" anchorCtr="0">
-            <a:noAutofit/>
-          </a:bodyPr>
+          <a:bodyPr/>
           <a:lstStyle/>
           <a:p>
-            <a:pPr>
-              <a:buSzPct val="25000"/>
-            </a:pPr>
-            <a:r>
-              <a:rPr lang="en-US"/>
-              <a:t>Regular Expressions: Definition</a:t>
+            <a:r>
+              <a:rPr lang="en-US" dirty="0"/>
+              <a:t>Regular expressions are trees</a:t>
             </a:r>
           </a:p>
         </p:txBody>
       </p:sp>
       <p:sp>
         <p:nvSpPr>
-          <p:cNvPr id="171" name="Shape 171"/>
-          <p:cNvSpPr txBox="1">
-            <a:spLocks noGrp="1"/>
-          </p:cNvSpPr>
-          <p:nvPr>
-            <p:ph sz="half" idx="1"/>
-          </p:nvPr>
-        </p:nvSpPr>
-        <p:spPr>
-          <a:xfrm>
-            <a:off x="628650" y="1369219"/>
-            <a:ext cx="4722470" cy="3263504"/>
-          </a:xfrm>
-          <a:prstGeom prst="rect">
-            <a:avLst/>
-          </a:prstGeom>
-          <a:noFill/>
-          <a:ln>
-            <a:noFill/>
-          </a:ln>
-        </p:spPr>
-        <p:txBody>
-          <a:bodyPr lIns="68569" tIns="34275" rIns="68569" bIns="34275" anchor="t" anchorCtr="0">
-            <a:noAutofit/>
-          </a:bodyPr>
-          <a:lstStyle/>
-          <a:p>
-            <a:pPr indent="-257175">
-              <a:lnSpc>
-                <a:spcPct val="100000"/>
-              </a:lnSpc>
-              <a:spcBef>
-                <a:spcPts val="600"/>
-              </a:spcBef>
-            </a:pPr>
-            <a:r>
-              <a:rPr lang="en-US" sz="1800" dirty="0"/>
-              <a:t>Remove ambiguity with an explicit </a:t>
-            </a:r>
-            <a:r>
-              <a:rPr lang="en-US" sz="1800" dirty="0" err="1"/>
-              <a:t>regexp</a:t>
-            </a:r>
-            <a:r>
-              <a:rPr lang="en-US" sz="1800" dirty="0"/>
-              <a:t> tree</a:t>
-            </a:r>
-          </a:p>
-          <a:p>
-            <a:pPr lvl="1" indent="-214313">
-              <a:lnSpc>
-                <a:spcPct val="100000"/>
-              </a:lnSpc>
-              <a:spcBef>
-                <a:spcPts val="600"/>
-              </a:spcBef>
-              <a:buSzPct val="25000"/>
-              <a:buNone/>
-            </a:pPr>
-            <a:r>
-              <a:rPr lang="en-US" dirty="0">
-                <a:latin typeface="Consolas" panose="020B0609020204030204" pitchFamily="49" charset="0"/>
-                <a:cs typeface="Consolas" panose="020B0609020204030204" pitchFamily="49" charset="0"/>
-              </a:rPr>
-              <a:t>a(</a:t>
-            </a:r>
-            <a:r>
-              <a:rPr lang="en-US" dirty="0" err="1">
-                <a:latin typeface="Consolas" panose="020B0609020204030204" pitchFamily="49" charset="0"/>
-                <a:cs typeface="Consolas" panose="020B0609020204030204" pitchFamily="49" charset="0"/>
-              </a:rPr>
-              <a:t>a|b</a:t>
-            </a:r>
-            <a:r>
-              <a:rPr lang="en-US" dirty="0">
-                <a:latin typeface="Consolas" panose="020B0609020204030204" pitchFamily="49" charset="0"/>
-                <a:cs typeface="Consolas" panose="020B0609020204030204" pitchFamily="49" charset="0"/>
-              </a:rPr>
-              <a:t>)c </a:t>
-            </a:r>
-            <a:r>
-              <a:rPr lang="en-US" dirty="0"/>
-              <a:t>is written as </a:t>
-            </a:r>
-            <a:r>
-              <a:rPr lang="en-US" dirty="0">
-                <a:latin typeface="Consolas" panose="020B0609020204030204" pitchFamily="49" charset="0"/>
-                <a:cs typeface="Consolas" panose="020B0609020204030204" pitchFamily="49" charset="0"/>
-              </a:rPr>
-              <a:t>(⋅(⋅a(|ab))c) </a:t>
-            </a:r>
-          </a:p>
-          <a:p>
-            <a:pPr lvl="1" indent="-214313">
-              <a:lnSpc>
-                <a:spcPct val="100000"/>
-              </a:lnSpc>
-              <a:spcBef>
-                <a:spcPts val="600"/>
-              </a:spcBef>
-              <a:buSzPct val="25000"/>
-              <a:buNone/>
-            </a:pPr>
-            <a:r>
-              <a:rPr lang="en-US" dirty="0"/>
-              <a:t>or in postfix: </a:t>
-            </a:r>
-            <a:r>
-              <a:rPr lang="en-US" dirty="0" err="1">
-                <a:latin typeface="Consolas" panose="020B0609020204030204" pitchFamily="49" charset="0"/>
-                <a:cs typeface="Consolas" panose="020B0609020204030204" pitchFamily="49" charset="0"/>
-              </a:rPr>
-              <a:t>aab</a:t>
-            </a:r>
-            <a:r>
-              <a:rPr lang="en-US" dirty="0">
-                <a:latin typeface="Consolas" panose="020B0609020204030204" pitchFamily="49" charset="0"/>
-                <a:cs typeface="Consolas" panose="020B0609020204030204" pitchFamily="49" charset="0"/>
-              </a:rPr>
-              <a:t>|⋅c⋅</a:t>
-            </a:r>
-            <a:endParaRPr dirty="0"/>
-          </a:p>
-          <a:p>
-            <a:pPr lvl="1" indent="-214313">
-              <a:lnSpc>
-                <a:spcPct val="100000"/>
-              </a:lnSpc>
-              <a:spcBef>
-                <a:spcPts val="600"/>
-              </a:spcBef>
-              <a:buSzPct val="25000"/>
-              <a:buNone/>
-            </a:pPr>
-            <a:r>
-              <a:rPr lang="en-US" dirty="0">
-                <a:latin typeface="Consolas" panose="020B0609020204030204" pitchFamily="49" charset="0"/>
-                <a:cs typeface="Consolas" panose="020B0609020204030204" pitchFamily="49" charset="0"/>
-              </a:rPr>
-              <a:t>((aa)|b)c </a:t>
-            </a:r>
-            <a:r>
-              <a:rPr lang="en-US" dirty="0"/>
-              <a:t>is written as </a:t>
-            </a:r>
-            <a:r>
-              <a:rPr lang="en-US" dirty="0">
-                <a:latin typeface="Consolas" panose="020B0609020204030204" pitchFamily="49" charset="0"/>
-                <a:cs typeface="Consolas" panose="020B0609020204030204" pitchFamily="49" charset="0"/>
-              </a:rPr>
-              <a:t>(⋅(|(⋅aa)b)c) </a:t>
-            </a:r>
-          </a:p>
-          <a:p>
-            <a:pPr lvl="1" indent="-214313">
-              <a:lnSpc>
-                <a:spcPct val="100000"/>
-              </a:lnSpc>
-              <a:spcBef>
-                <a:spcPts val="600"/>
-              </a:spcBef>
-              <a:buSzPct val="25000"/>
-              <a:buNone/>
-            </a:pPr>
-            <a:r>
-              <a:rPr lang="en-US" dirty="0"/>
-              <a:t>or in postfix: </a:t>
-            </a:r>
-            <a:r>
-              <a:rPr lang="en-US" dirty="0" err="1">
-                <a:latin typeface="Consolas" panose="020B0609020204030204" pitchFamily="49" charset="0"/>
-                <a:cs typeface="Consolas" panose="020B0609020204030204" pitchFamily="49" charset="0"/>
-              </a:rPr>
-              <a:t>aa⋅b|c</a:t>
-            </a:r>
-            <a:r>
-              <a:rPr lang="en-US" dirty="0">
-                <a:latin typeface="Consolas" panose="020B0609020204030204" pitchFamily="49" charset="0"/>
-                <a:cs typeface="Consolas" panose="020B0609020204030204" pitchFamily="49" charset="0"/>
-              </a:rPr>
-              <a:t>⋅</a:t>
-            </a:r>
-          </a:p>
-          <a:p>
-            <a:pPr indent="-257175">
-              <a:lnSpc>
-                <a:spcPct val="100000"/>
-              </a:lnSpc>
-              <a:spcBef>
-                <a:spcPts val="600"/>
-              </a:spcBef>
-            </a:pPr>
-            <a:r>
-              <a:rPr lang="en-US" sz="1800" dirty="0"/>
-              <a:t>All operators </a:t>
-            </a:r>
-            <a:r>
-              <a:rPr lang="en-US" sz="1800" dirty="0">
-                <a:latin typeface="Consolas" panose="020B0609020204030204" pitchFamily="49" charset="0"/>
-                <a:cs typeface="Consolas" panose="020B0609020204030204" pitchFamily="49" charset="0"/>
-              </a:rPr>
-              <a:t>⋅|* </a:t>
-            </a:r>
-            <a:r>
-              <a:rPr lang="en-US" sz="1800" dirty="0">
-                <a:cs typeface="Consolas" panose="020B0609020204030204" pitchFamily="49" charset="0"/>
-              </a:rPr>
-              <a:t>are commutative we can use left associativity:</a:t>
-            </a:r>
-          </a:p>
-          <a:p>
-            <a:pPr marL="0" indent="0">
-              <a:lnSpc>
-                <a:spcPct val="100000"/>
-              </a:lnSpc>
-              <a:spcBef>
-                <a:spcPts val="600"/>
-              </a:spcBef>
-              <a:buNone/>
-            </a:pPr>
-            <a:r>
-              <a:rPr lang="en-US" sz="1800" dirty="0">
-                <a:latin typeface="Consolas" panose="020B0609020204030204" pitchFamily="49" charset="0"/>
-                <a:cs typeface="Consolas" panose="020B0609020204030204" pitchFamily="49" charset="0"/>
-              </a:rPr>
-              <a:t>  a**</a:t>
-            </a:r>
-            <a:r>
-              <a:rPr lang="en-US" sz="1800" dirty="0">
-                <a:cs typeface="Consolas" panose="020B0609020204030204" pitchFamily="49" charset="0"/>
-              </a:rPr>
-              <a:t> is written as (*(</a:t>
-            </a:r>
-            <a:r>
-              <a:rPr lang="en-US" sz="1800" dirty="0">
-                <a:latin typeface="Consolas" panose="020B0609020204030204" pitchFamily="49" charset="0"/>
-                <a:cs typeface="Consolas" panose="020B0609020204030204" pitchFamily="49" charset="0"/>
-              </a:rPr>
-              <a:t>*a))</a:t>
-            </a:r>
-          </a:p>
-          <a:p>
-            <a:pPr marL="0" indent="0">
-              <a:lnSpc>
-                <a:spcPct val="100000"/>
-              </a:lnSpc>
-              <a:spcBef>
-                <a:spcPts val="600"/>
-              </a:spcBef>
-              <a:buNone/>
-            </a:pPr>
-            <a:r>
-              <a:rPr lang="en-US" sz="1800" dirty="0">
-                <a:latin typeface="Consolas" panose="020B0609020204030204" pitchFamily="49" charset="0"/>
-                <a:cs typeface="Consolas" panose="020B0609020204030204" pitchFamily="49" charset="0"/>
-              </a:rPr>
-              <a:t>  </a:t>
-            </a:r>
-            <a:r>
-              <a:rPr lang="en-US" sz="1800" dirty="0" err="1">
-                <a:latin typeface="Consolas" panose="020B0609020204030204" pitchFamily="49" charset="0"/>
-                <a:cs typeface="Consolas" panose="020B0609020204030204" pitchFamily="49" charset="0"/>
-              </a:rPr>
-              <a:t>abc</a:t>
-            </a:r>
-            <a:r>
-              <a:rPr lang="en-US" sz="1800" dirty="0">
-                <a:cs typeface="Consolas" panose="020B0609020204030204" pitchFamily="49" charset="0"/>
-              </a:rPr>
-              <a:t> is written as (</a:t>
-            </a:r>
-            <a:r>
-              <a:rPr lang="en-US" sz="1800" dirty="0">
-                <a:latin typeface="Consolas" panose="020B0609020204030204" pitchFamily="49" charset="0"/>
-                <a:cs typeface="Consolas" panose="020B0609020204030204" pitchFamily="49" charset="0"/>
-              </a:rPr>
-              <a:t>⋅</a:t>
-            </a:r>
-            <a:r>
-              <a:rPr lang="en-US" sz="1800" dirty="0">
-                <a:cs typeface="Consolas" panose="020B0609020204030204" pitchFamily="49" charset="0"/>
-              </a:rPr>
-              <a:t>(</a:t>
-            </a:r>
-            <a:r>
-              <a:rPr lang="en-US" sz="1800" dirty="0">
-                <a:latin typeface="Consolas" panose="020B0609020204030204" pitchFamily="49" charset="0"/>
-                <a:cs typeface="Consolas" panose="020B0609020204030204" pitchFamily="49" charset="0"/>
-              </a:rPr>
-              <a:t>⋅ab)c)</a:t>
-            </a:r>
-            <a:endParaRPr lang="en-US" sz="1800" dirty="0"/>
-          </a:p>
-        </p:txBody>
-      </p:sp>
-      <p:sp>
-        <p:nvSpPr>
-          <p:cNvPr id="169" name="Shape 169"/>
-          <p:cNvSpPr txBox="1">
+          <p:cNvPr id="3" name="Slide Number Placeholder 2">
+            <a:extLst>
+              <a:ext uri="{FF2B5EF4-FFF2-40B4-BE49-F238E27FC236}">
+                <a16:creationId xmlns:a16="http://schemas.microsoft.com/office/drawing/2014/main" id="{D775C194-F7F7-444B-BF0A-A0ED82A4464A}"/>
+              </a:ext>
+            </a:extLst>
+          </p:cNvPr>
+          <p:cNvSpPr>
             <a:spLocks noGrp="1"/>
           </p:cNvSpPr>
           <p:nvPr>
             <p:ph type="sldNum" sz="quarter" idx="12"/>
           </p:nvPr>
         </p:nvSpPr>
-        <p:spPr>
-          <a:prstGeom prst="rect">
-            <a:avLst/>
-          </a:prstGeom>
-          <a:noFill/>
-          <a:ln>
-            <a:noFill/>
-          </a:ln>
-        </p:spPr>
+        <p:spPr/>
         <p:txBody>
-          <a:bodyPr lIns="68569" tIns="34275" rIns="68569" bIns="34275" anchor="t" anchorCtr="0">
-            <a:noAutofit/>
-          </a:bodyPr>
+          <a:bodyPr/>
           <a:lstStyle/>
           <a:p>
-            <a:pPr algn="r">
-              <a:buSzPct val="25000"/>
-            </a:pPr>
-            <a:fld id="{00000000-1234-1234-1234-123412341234}" type="slidenum">
-              <a:rPr lang="en-US" sz="1050">
-                <a:solidFill>
-                  <a:schemeClr val="dk1"/>
-                </a:solidFill>
-                <a:latin typeface="Calibri"/>
-                <a:ea typeface="Calibri"/>
-                <a:cs typeface="Calibri"/>
-                <a:sym typeface="Calibri"/>
-              </a:rPr>
-              <a:pPr algn="r">
-                <a:buSzPct val="25000"/>
-              </a:pPr>
-              <a:t>4</a:t>
+            <a:fld id="{7B252BF6-6A9C-D04A-BBE8-37A07D64A1C3}" type="slidenum">
+              <a:rPr lang="en-US" smtClean="0"/>
+              <a:t>5</a:t>
             </a:fld>
-            <a:endParaRPr lang="en-US" sz="1050">
-              <a:solidFill>
-                <a:schemeClr val="dk1"/>
-              </a:solidFill>
-              <a:latin typeface="Calibri"/>
-              <a:ea typeface="Calibri"/>
-              <a:cs typeface="Calibri"/>
-              <a:sym typeface="Calibri"/>
-            </a:endParaRPr>
+            <a:endParaRPr lang="en-US"/>
           </a:p>
         </p:txBody>
       </p:sp>
       <p:grpSp>
         <p:nvGrpSpPr>
-          <p:cNvPr id="172" name="Shape 172"/>
-          <p:cNvGrpSpPr/>
-          <p:nvPr/>
-        </p:nvGrpSpPr>
-        <p:grpSpPr>
-          <a:xfrm>
-            <a:off x="5499576" y="1003747"/>
-            <a:ext cx="1137047" cy="1558528"/>
-            <a:chOff x="5714999" y="1828800"/>
-            <a:chExt cx="1516063" cy="2078037"/>
-          </a:xfrm>
-        </p:grpSpPr>
-        <p:sp>
-          <p:nvSpPr>
-            <p:cNvPr id="173" name="Shape 173"/>
-            <p:cNvSpPr txBox="1"/>
-            <p:nvPr/>
-          </p:nvSpPr>
-          <p:spPr>
-            <a:xfrm>
-              <a:off x="6934200" y="2409825"/>
-              <a:ext cx="296862" cy="396875"/>
-            </a:xfrm>
-            <a:prstGeom prst="rect">
-              <a:avLst/>
-            </a:prstGeom>
-            <a:noFill/>
-            <a:ln>
-              <a:noFill/>
-            </a:ln>
-          </p:spPr>
-          <p:txBody>
-            <a:bodyPr lIns="68569" tIns="34275" rIns="68569" bIns="34275" anchor="t" anchorCtr="0">
-              <a:noAutofit/>
-            </a:bodyPr>
-            <a:lstStyle/>
-            <a:p>
-              <a:pPr>
-                <a:buSzPct val="25000"/>
-              </a:pPr>
-              <a:r>
-                <a:rPr lang="en-US" sz="1800">
-                  <a:solidFill>
-                    <a:schemeClr val="dk1"/>
-                  </a:solidFill>
-                  <a:latin typeface="Calibri"/>
-                  <a:ea typeface="Calibri"/>
-                  <a:cs typeface="Calibri"/>
-                  <a:sym typeface="Calibri"/>
-                </a:rPr>
-                <a:t>c</a:t>
-              </a:r>
-            </a:p>
-          </p:txBody>
-        </p:sp>
-        <p:sp>
-          <p:nvSpPr>
-            <p:cNvPr id="174" name="Shape 174"/>
-            <p:cNvSpPr txBox="1"/>
-            <p:nvPr/>
-          </p:nvSpPr>
-          <p:spPr>
-            <a:xfrm>
-              <a:off x="6400800" y="2913062"/>
-              <a:ext cx="303212" cy="400050"/>
-            </a:xfrm>
-            <a:prstGeom prst="rect">
-              <a:avLst/>
-            </a:prstGeom>
-            <a:noFill/>
-            <a:ln>
-              <a:noFill/>
-            </a:ln>
-          </p:spPr>
-          <p:txBody>
-            <a:bodyPr lIns="68569" tIns="34275" rIns="68569" bIns="34275" anchor="t" anchorCtr="0">
-              <a:noAutofit/>
-            </a:bodyPr>
-            <a:lstStyle/>
-            <a:p>
-              <a:pPr>
-                <a:buSzPct val="25000"/>
-              </a:pPr>
-              <a:r>
-                <a:rPr lang="en-US" sz="1800">
-                  <a:solidFill>
-                    <a:schemeClr val="dk1"/>
-                  </a:solidFill>
-                  <a:latin typeface="Calibri"/>
-                  <a:ea typeface="Calibri"/>
-                  <a:cs typeface="Calibri"/>
-                  <a:sym typeface="Calibri"/>
-                </a:rPr>
-                <a:t>|</a:t>
-              </a:r>
-            </a:p>
-          </p:txBody>
-        </p:sp>
-        <p:sp>
-          <p:nvSpPr>
-            <p:cNvPr id="175" name="Shape 175"/>
-            <p:cNvSpPr txBox="1"/>
-            <p:nvPr/>
-          </p:nvSpPr>
-          <p:spPr>
-            <a:xfrm>
-              <a:off x="6096000" y="3506787"/>
-              <a:ext cx="307975" cy="400050"/>
-            </a:xfrm>
-            <a:prstGeom prst="rect">
-              <a:avLst/>
-            </a:prstGeom>
-            <a:noFill/>
-            <a:ln>
-              <a:noFill/>
-            </a:ln>
-          </p:spPr>
-          <p:txBody>
-            <a:bodyPr lIns="68569" tIns="34275" rIns="68569" bIns="34275" anchor="t" anchorCtr="0">
-              <a:noAutofit/>
-            </a:bodyPr>
-            <a:lstStyle/>
-            <a:p>
-              <a:pPr>
-                <a:buSzPct val="25000"/>
-              </a:pPr>
-              <a:r>
-                <a:rPr lang="en-US" sz="1800">
-                  <a:solidFill>
-                    <a:schemeClr val="dk1"/>
-                  </a:solidFill>
-                  <a:latin typeface="Calibri"/>
-                  <a:ea typeface="Calibri"/>
-                  <a:cs typeface="Calibri"/>
-                  <a:sym typeface="Calibri"/>
-                </a:rPr>
-                <a:t>a</a:t>
-              </a:r>
-            </a:p>
-          </p:txBody>
-        </p:sp>
-        <p:sp>
-          <p:nvSpPr>
-            <p:cNvPr id="176" name="Shape 176"/>
-            <p:cNvSpPr txBox="1"/>
-            <p:nvPr/>
-          </p:nvSpPr>
-          <p:spPr>
-            <a:xfrm>
-              <a:off x="6629399" y="3505200"/>
-              <a:ext cx="319087" cy="400050"/>
-            </a:xfrm>
-            <a:prstGeom prst="rect">
-              <a:avLst/>
-            </a:prstGeom>
-            <a:noFill/>
-            <a:ln>
-              <a:noFill/>
-            </a:ln>
-          </p:spPr>
-          <p:txBody>
-            <a:bodyPr lIns="68569" tIns="34275" rIns="68569" bIns="34275" anchor="t" anchorCtr="0">
-              <a:noAutofit/>
-            </a:bodyPr>
-            <a:lstStyle/>
-            <a:p>
-              <a:pPr>
-                <a:buSzPct val="25000"/>
-              </a:pPr>
-              <a:r>
-                <a:rPr lang="en-US" sz="1800">
-                  <a:solidFill>
-                    <a:schemeClr val="dk1"/>
-                  </a:solidFill>
-                  <a:latin typeface="Calibri"/>
-                  <a:ea typeface="Calibri"/>
-                  <a:cs typeface="Calibri"/>
-                  <a:sym typeface="Calibri"/>
-                </a:rPr>
-                <a:t>b</a:t>
-              </a:r>
-            </a:p>
-          </p:txBody>
-        </p:sp>
-        <p:cxnSp>
-          <p:nvCxnSpPr>
-            <p:cNvPr id="177" name="Shape 177"/>
-            <p:cNvCxnSpPr>
-              <a:stCxn id="174" idx="2"/>
-              <a:endCxn id="176" idx="0"/>
-            </p:cNvCxnSpPr>
-            <p:nvPr/>
-          </p:nvCxnSpPr>
-          <p:spPr>
-            <a:xfrm>
-              <a:off x="6552406" y="3313112"/>
-              <a:ext cx="236399" cy="192000"/>
-            </a:xfrm>
-            <a:prstGeom prst="straightConnector1">
-              <a:avLst/>
-            </a:prstGeom>
-            <a:noFill/>
-            <a:ln w="9525" cap="flat" cmpd="sng">
-              <a:solidFill>
-                <a:schemeClr val="dk1"/>
-              </a:solidFill>
-              <a:prstDash val="solid"/>
-              <a:round/>
-              <a:headEnd type="none" w="med" len="med"/>
-              <a:tailEnd type="none" w="med" len="med"/>
-            </a:ln>
-          </p:spPr>
-        </p:cxnSp>
-        <p:sp>
-          <p:nvSpPr>
-            <p:cNvPr id="178" name="Shape 178"/>
-            <p:cNvSpPr txBox="1"/>
-            <p:nvPr/>
-          </p:nvSpPr>
-          <p:spPr>
-            <a:xfrm>
-              <a:off x="6096000" y="2408237"/>
-              <a:ext cx="247650" cy="396875"/>
-            </a:xfrm>
-            <a:prstGeom prst="rect">
-              <a:avLst/>
-            </a:prstGeom>
-            <a:noFill/>
-            <a:ln>
-              <a:noFill/>
-            </a:ln>
-          </p:spPr>
-          <p:txBody>
-            <a:bodyPr lIns="68569" tIns="34275" rIns="68569" bIns="34275" anchor="t" anchorCtr="0">
-              <a:noAutofit/>
-            </a:bodyPr>
-            <a:lstStyle/>
-            <a:p>
-              <a:pPr>
-                <a:buSzPct val="25000"/>
-              </a:pPr>
-              <a:r>
-                <a:rPr lang="en-US" sz="1800">
-                  <a:solidFill>
-                    <a:schemeClr val="dk1"/>
-                  </a:solidFill>
-                  <a:latin typeface="Calibri"/>
-                  <a:ea typeface="Calibri"/>
-                  <a:cs typeface="Calibri"/>
-                  <a:sym typeface="Calibri"/>
-                </a:rPr>
-                <a:t>⋅</a:t>
-              </a:r>
-            </a:p>
-          </p:txBody>
-        </p:sp>
-        <p:sp>
-          <p:nvSpPr>
-            <p:cNvPr id="179" name="Shape 179"/>
-            <p:cNvSpPr txBox="1"/>
-            <p:nvPr/>
-          </p:nvSpPr>
-          <p:spPr>
-            <a:xfrm>
-              <a:off x="5714999" y="2913062"/>
-              <a:ext cx="307975" cy="400050"/>
-            </a:xfrm>
-            <a:prstGeom prst="rect">
-              <a:avLst/>
-            </a:prstGeom>
-            <a:noFill/>
-            <a:ln>
-              <a:noFill/>
-            </a:ln>
-          </p:spPr>
-          <p:txBody>
-            <a:bodyPr lIns="68569" tIns="34275" rIns="68569" bIns="34275" anchor="t" anchorCtr="0">
-              <a:noAutofit/>
-            </a:bodyPr>
-            <a:lstStyle/>
-            <a:p>
-              <a:pPr>
-                <a:buSzPct val="25000"/>
-              </a:pPr>
-              <a:r>
-                <a:rPr lang="en-US" sz="1800">
-                  <a:solidFill>
-                    <a:schemeClr val="dk1"/>
-                  </a:solidFill>
-                  <a:latin typeface="Calibri"/>
-                  <a:ea typeface="Calibri"/>
-                  <a:cs typeface="Calibri"/>
-                  <a:sym typeface="Calibri"/>
-                </a:rPr>
-                <a:t>a</a:t>
-              </a:r>
-            </a:p>
-          </p:txBody>
-        </p:sp>
-        <p:sp>
-          <p:nvSpPr>
-            <p:cNvPr id="180" name="Shape 180"/>
-            <p:cNvSpPr txBox="1"/>
-            <p:nvPr/>
-          </p:nvSpPr>
-          <p:spPr>
-            <a:xfrm>
-              <a:off x="6553199" y="1828800"/>
-              <a:ext cx="247650" cy="396875"/>
-            </a:xfrm>
-            <a:prstGeom prst="rect">
-              <a:avLst/>
-            </a:prstGeom>
-            <a:noFill/>
-            <a:ln>
-              <a:noFill/>
-            </a:ln>
-          </p:spPr>
-          <p:txBody>
-            <a:bodyPr lIns="68569" tIns="34275" rIns="68569" bIns="34275" anchor="t" anchorCtr="0">
-              <a:noAutofit/>
-            </a:bodyPr>
-            <a:lstStyle/>
-            <a:p>
-              <a:pPr>
-                <a:buSzPct val="25000"/>
-              </a:pPr>
-              <a:r>
-                <a:rPr lang="en-US" sz="1800">
-                  <a:solidFill>
-                    <a:schemeClr val="dk1"/>
-                  </a:solidFill>
-                  <a:latin typeface="Calibri"/>
-                  <a:ea typeface="Calibri"/>
-                  <a:cs typeface="Calibri"/>
-                  <a:sym typeface="Calibri"/>
-                </a:rPr>
-                <a:t>⋅</a:t>
-              </a:r>
-            </a:p>
-          </p:txBody>
-        </p:sp>
-        <p:cxnSp>
-          <p:nvCxnSpPr>
-            <p:cNvPr id="181" name="Shape 181"/>
-            <p:cNvCxnSpPr>
-              <a:stCxn id="180" idx="2"/>
-              <a:endCxn id="178" idx="0"/>
-            </p:cNvCxnSpPr>
-            <p:nvPr/>
-          </p:nvCxnSpPr>
-          <p:spPr>
-            <a:xfrm flipH="1">
-              <a:off x="6219824" y="2225675"/>
-              <a:ext cx="457200" cy="182700"/>
-            </a:xfrm>
-            <a:prstGeom prst="straightConnector1">
-              <a:avLst/>
-            </a:prstGeom>
-            <a:noFill/>
-            <a:ln w="9525" cap="flat" cmpd="sng">
-              <a:solidFill>
-                <a:schemeClr val="dk2"/>
-              </a:solidFill>
-              <a:prstDash val="solid"/>
-              <a:round/>
-              <a:headEnd type="none" w="lg" len="lg"/>
-              <a:tailEnd type="none" w="lg" len="lg"/>
-            </a:ln>
-          </p:spPr>
-        </p:cxnSp>
-        <p:cxnSp>
-          <p:nvCxnSpPr>
-            <p:cNvPr id="182" name="Shape 182"/>
-            <p:cNvCxnSpPr>
-              <a:stCxn id="180" idx="2"/>
-              <a:endCxn id="173" idx="0"/>
-            </p:cNvCxnSpPr>
-            <p:nvPr/>
-          </p:nvCxnSpPr>
-          <p:spPr>
-            <a:xfrm>
-              <a:off x="6677024" y="2225675"/>
-              <a:ext cx="405600" cy="184200"/>
-            </a:xfrm>
-            <a:prstGeom prst="straightConnector1">
-              <a:avLst/>
-            </a:prstGeom>
-            <a:noFill/>
-            <a:ln w="9525" cap="flat" cmpd="sng">
-              <a:solidFill>
-                <a:schemeClr val="dk2"/>
-              </a:solidFill>
-              <a:prstDash val="solid"/>
-              <a:round/>
-              <a:headEnd type="none" w="lg" len="lg"/>
-              <a:tailEnd type="none" w="lg" len="lg"/>
-            </a:ln>
-          </p:spPr>
-        </p:cxnSp>
-        <p:cxnSp>
-          <p:nvCxnSpPr>
-            <p:cNvPr id="183" name="Shape 183"/>
-            <p:cNvCxnSpPr>
-              <a:stCxn id="178" idx="2"/>
-              <a:endCxn id="179" idx="0"/>
-            </p:cNvCxnSpPr>
-            <p:nvPr/>
-          </p:nvCxnSpPr>
-          <p:spPr>
-            <a:xfrm flipH="1">
-              <a:off x="5869125" y="2805112"/>
-              <a:ext cx="350700" cy="108000"/>
-            </a:xfrm>
-            <a:prstGeom prst="straightConnector1">
-              <a:avLst/>
-            </a:prstGeom>
-            <a:noFill/>
-            <a:ln w="9525" cap="flat" cmpd="sng">
-              <a:solidFill>
-                <a:schemeClr val="dk2"/>
-              </a:solidFill>
-              <a:prstDash val="solid"/>
-              <a:round/>
-              <a:headEnd type="none" w="lg" len="lg"/>
-              <a:tailEnd type="none" w="lg" len="lg"/>
-            </a:ln>
-          </p:spPr>
-        </p:cxnSp>
-        <p:cxnSp>
-          <p:nvCxnSpPr>
-            <p:cNvPr id="184" name="Shape 184"/>
-            <p:cNvCxnSpPr>
-              <a:stCxn id="178" idx="2"/>
-              <a:endCxn id="174" idx="0"/>
-            </p:cNvCxnSpPr>
-            <p:nvPr/>
-          </p:nvCxnSpPr>
-          <p:spPr>
-            <a:xfrm>
-              <a:off x="6219825" y="2805112"/>
-              <a:ext cx="332700" cy="108000"/>
-            </a:xfrm>
-            <a:prstGeom prst="straightConnector1">
-              <a:avLst/>
-            </a:prstGeom>
-            <a:noFill/>
-            <a:ln w="9525" cap="flat" cmpd="sng">
-              <a:solidFill>
-                <a:schemeClr val="dk2"/>
-              </a:solidFill>
-              <a:prstDash val="solid"/>
-              <a:round/>
-              <a:headEnd type="none" w="lg" len="lg"/>
-              <a:tailEnd type="none" w="lg" len="lg"/>
-            </a:ln>
-          </p:spPr>
-        </p:cxnSp>
-        <p:cxnSp>
-          <p:nvCxnSpPr>
-            <p:cNvPr id="185" name="Shape 185"/>
-            <p:cNvCxnSpPr>
-              <a:cxnSpLocks/>
-              <a:stCxn id="174" idx="2"/>
-              <a:endCxn id="175" idx="0"/>
-            </p:cNvCxnSpPr>
-            <p:nvPr/>
-          </p:nvCxnSpPr>
-          <p:spPr>
-            <a:xfrm flipH="1">
-              <a:off x="6249988" y="3313113"/>
-              <a:ext cx="302419" cy="193673"/>
-            </a:xfrm>
-            <a:prstGeom prst="straightConnector1">
-              <a:avLst/>
-            </a:prstGeom>
-            <a:noFill/>
-            <a:ln w="9525" cap="flat" cmpd="sng">
-              <a:solidFill>
-                <a:schemeClr val="dk2"/>
-              </a:solidFill>
-              <a:prstDash val="solid"/>
-              <a:round/>
-              <a:headEnd type="none" w="lg" len="lg"/>
-              <a:tailEnd type="none" w="lg" len="lg"/>
-            </a:ln>
-          </p:spPr>
-        </p:cxnSp>
-        <p:cxnSp>
-          <p:nvCxnSpPr>
-            <p:cNvPr id="186" name="Shape 186"/>
-            <p:cNvCxnSpPr>
-              <a:stCxn id="174" idx="2"/>
-              <a:endCxn id="176" idx="0"/>
-            </p:cNvCxnSpPr>
-            <p:nvPr/>
-          </p:nvCxnSpPr>
-          <p:spPr>
-            <a:xfrm>
-              <a:off x="6552406" y="3313112"/>
-              <a:ext cx="236399" cy="192000"/>
-            </a:xfrm>
-            <a:prstGeom prst="straightConnector1">
-              <a:avLst/>
-            </a:prstGeom>
-            <a:noFill/>
-            <a:ln w="9525" cap="flat" cmpd="sng">
-              <a:solidFill>
-                <a:schemeClr val="dk2"/>
-              </a:solidFill>
-              <a:prstDash val="solid"/>
-              <a:round/>
-              <a:headEnd type="none" w="lg" len="lg"/>
-              <a:tailEnd type="none" w="lg" len="lg"/>
-            </a:ln>
-          </p:spPr>
-        </p:cxnSp>
-      </p:grpSp>
-      <p:grpSp>
-        <p:nvGrpSpPr>
-          <p:cNvPr id="187" name="Shape 187"/>
-          <p:cNvGrpSpPr/>
-          <p:nvPr/>
-        </p:nvGrpSpPr>
-        <p:grpSpPr>
-          <a:xfrm>
-            <a:off x="7049381" y="984379"/>
-            <a:ext cx="1463568" cy="1551112"/>
-            <a:chOff x="6096002" y="4243750"/>
-            <a:chExt cx="1951424" cy="2068149"/>
-          </a:xfrm>
-        </p:grpSpPr>
-        <p:sp>
-          <p:nvSpPr>
-            <p:cNvPr id="188" name="Shape 188"/>
-            <p:cNvSpPr txBox="1"/>
-            <p:nvPr/>
-          </p:nvSpPr>
-          <p:spPr>
-            <a:xfrm>
-              <a:off x="6400801" y="5334000"/>
-              <a:ext cx="247651" cy="396875"/>
-            </a:xfrm>
-            <a:prstGeom prst="rect">
-              <a:avLst/>
-            </a:prstGeom>
-            <a:noFill/>
-            <a:ln>
-              <a:noFill/>
-            </a:ln>
-          </p:spPr>
-          <p:txBody>
-            <a:bodyPr lIns="68569" tIns="34275" rIns="68569" bIns="34275" anchor="t" anchorCtr="0">
-              <a:noAutofit/>
-            </a:bodyPr>
-            <a:lstStyle/>
-            <a:p>
-              <a:pPr>
-                <a:buSzPct val="25000"/>
-              </a:pPr>
-              <a:r>
-                <a:rPr lang="en-US" sz="1800" dirty="0">
-                  <a:solidFill>
-                    <a:schemeClr val="dk1"/>
-                  </a:solidFill>
-                  <a:latin typeface="Calibri"/>
-                  <a:ea typeface="Calibri"/>
-                  <a:cs typeface="Calibri"/>
-                  <a:sym typeface="Calibri"/>
-                </a:rPr>
-                <a:t>⋅</a:t>
-              </a:r>
-            </a:p>
-          </p:txBody>
-        </p:sp>
-        <p:sp>
-          <p:nvSpPr>
-            <p:cNvPr id="189" name="Shape 189"/>
-            <p:cNvSpPr txBox="1"/>
-            <p:nvPr/>
-          </p:nvSpPr>
-          <p:spPr>
-            <a:xfrm>
-              <a:off x="6096002" y="5911850"/>
-              <a:ext cx="307975" cy="400049"/>
-            </a:xfrm>
-            <a:prstGeom prst="rect">
-              <a:avLst/>
-            </a:prstGeom>
-            <a:noFill/>
-            <a:ln>
-              <a:noFill/>
-            </a:ln>
-          </p:spPr>
-          <p:txBody>
-            <a:bodyPr lIns="68569" tIns="34275" rIns="68569" bIns="34275" anchor="t" anchorCtr="0">
-              <a:noAutofit/>
-            </a:bodyPr>
-            <a:lstStyle/>
-            <a:p>
-              <a:pPr>
-                <a:buSzPct val="25000"/>
-              </a:pPr>
-              <a:r>
-                <a:rPr lang="en-US" sz="1800">
-                  <a:solidFill>
-                    <a:schemeClr val="dk1"/>
-                  </a:solidFill>
-                  <a:latin typeface="Calibri"/>
-                  <a:ea typeface="Calibri"/>
-                  <a:cs typeface="Calibri"/>
-                  <a:sym typeface="Calibri"/>
-                </a:rPr>
-                <a:t>a</a:t>
-              </a:r>
-            </a:p>
-          </p:txBody>
-        </p:sp>
-        <p:sp>
-          <p:nvSpPr>
-            <p:cNvPr id="190" name="Shape 190"/>
-            <p:cNvSpPr txBox="1"/>
-            <p:nvPr/>
-          </p:nvSpPr>
-          <p:spPr>
-            <a:xfrm>
-              <a:off x="6629401" y="5910262"/>
-              <a:ext cx="307975" cy="400049"/>
-            </a:xfrm>
-            <a:prstGeom prst="rect">
-              <a:avLst/>
-            </a:prstGeom>
-            <a:noFill/>
-            <a:ln>
-              <a:noFill/>
-            </a:ln>
-          </p:spPr>
-          <p:txBody>
-            <a:bodyPr lIns="68569" tIns="34275" rIns="68569" bIns="34275" anchor="t" anchorCtr="0">
-              <a:noAutofit/>
-            </a:bodyPr>
-            <a:lstStyle/>
-            <a:p>
-              <a:pPr>
-                <a:buSzPct val="25000"/>
-              </a:pPr>
-              <a:r>
-                <a:rPr lang="en-US" sz="1800">
-                  <a:solidFill>
-                    <a:schemeClr val="dk1"/>
-                  </a:solidFill>
-                  <a:latin typeface="Calibri"/>
-                  <a:ea typeface="Calibri"/>
-                  <a:cs typeface="Calibri"/>
-                  <a:sym typeface="Calibri"/>
-                </a:rPr>
-                <a:t>a</a:t>
-              </a:r>
-            </a:p>
-          </p:txBody>
-        </p:sp>
-        <p:sp>
-          <p:nvSpPr>
-            <p:cNvPr id="191" name="Shape 191"/>
-            <p:cNvSpPr txBox="1"/>
-            <p:nvPr/>
-          </p:nvSpPr>
-          <p:spPr>
-            <a:xfrm>
-              <a:off x="6781802" y="4800600"/>
-              <a:ext cx="303212" cy="400049"/>
-            </a:xfrm>
-            <a:prstGeom prst="rect">
-              <a:avLst/>
-            </a:prstGeom>
-            <a:noFill/>
-            <a:ln>
-              <a:noFill/>
-            </a:ln>
-          </p:spPr>
-          <p:txBody>
-            <a:bodyPr lIns="68569" tIns="34275" rIns="68569" bIns="34275" anchor="t" anchorCtr="0">
-              <a:noAutofit/>
-            </a:bodyPr>
-            <a:lstStyle/>
-            <a:p>
-              <a:pPr>
-                <a:buSzPct val="25000"/>
-              </a:pPr>
-              <a:r>
-                <a:rPr lang="en-US" sz="1800" dirty="0">
-                  <a:solidFill>
-                    <a:schemeClr val="dk1"/>
-                  </a:solidFill>
-                  <a:latin typeface="Calibri"/>
-                  <a:ea typeface="Calibri"/>
-                  <a:cs typeface="Calibri"/>
-                  <a:sym typeface="Calibri"/>
-                </a:rPr>
-                <a:t>|</a:t>
-              </a:r>
-            </a:p>
-          </p:txBody>
-        </p:sp>
-        <p:sp>
-          <p:nvSpPr>
-            <p:cNvPr id="192" name="Shape 192"/>
-            <p:cNvSpPr txBox="1"/>
-            <p:nvPr/>
-          </p:nvSpPr>
-          <p:spPr>
-            <a:xfrm>
-              <a:off x="7162802" y="5510349"/>
-              <a:ext cx="319200" cy="399900"/>
-            </a:xfrm>
-            <a:prstGeom prst="rect">
-              <a:avLst/>
-            </a:prstGeom>
-            <a:noFill/>
-            <a:ln>
-              <a:noFill/>
-            </a:ln>
-          </p:spPr>
-          <p:txBody>
-            <a:bodyPr lIns="68569" tIns="34275" rIns="68569" bIns="34275" anchor="t" anchorCtr="0">
-              <a:noAutofit/>
-            </a:bodyPr>
-            <a:lstStyle/>
-            <a:p>
-              <a:pPr>
-                <a:buSzPct val="25000"/>
-              </a:pPr>
-              <a:r>
-                <a:rPr lang="en-US" sz="1800">
-                  <a:solidFill>
-                    <a:schemeClr val="dk1"/>
-                  </a:solidFill>
-                  <a:latin typeface="Calibri"/>
-                  <a:ea typeface="Calibri"/>
-                  <a:cs typeface="Calibri"/>
-                  <a:sym typeface="Calibri"/>
-                </a:rPr>
-                <a:t>b</a:t>
-              </a:r>
-            </a:p>
-          </p:txBody>
-        </p:sp>
-        <p:sp>
-          <p:nvSpPr>
-            <p:cNvPr id="193" name="Shape 193"/>
-            <p:cNvSpPr txBox="1"/>
-            <p:nvPr/>
-          </p:nvSpPr>
-          <p:spPr>
-            <a:xfrm>
-              <a:off x="7750426" y="4802187"/>
-              <a:ext cx="297000" cy="396900"/>
-            </a:xfrm>
-            <a:prstGeom prst="rect">
-              <a:avLst/>
-            </a:prstGeom>
-            <a:noFill/>
-            <a:ln>
-              <a:noFill/>
-            </a:ln>
-          </p:spPr>
-          <p:txBody>
-            <a:bodyPr lIns="68569" tIns="34275" rIns="68569" bIns="34275" anchor="t" anchorCtr="0">
-              <a:noAutofit/>
-            </a:bodyPr>
-            <a:lstStyle/>
-            <a:p>
-              <a:pPr>
-                <a:buSzPct val="25000"/>
-              </a:pPr>
-              <a:r>
-                <a:rPr lang="en-US" sz="1800">
-                  <a:solidFill>
-                    <a:schemeClr val="dk1"/>
-                  </a:solidFill>
-                  <a:latin typeface="Calibri"/>
-                  <a:ea typeface="Calibri"/>
-                  <a:cs typeface="Calibri"/>
-                  <a:sym typeface="Calibri"/>
-                </a:rPr>
-                <a:t>c</a:t>
-              </a:r>
-            </a:p>
-          </p:txBody>
-        </p:sp>
-        <p:sp>
-          <p:nvSpPr>
-            <p:cNvPr id="194" name="Shape 194"/>
-            <p:cNvSpPr txBox="1"/>
-            <p:nvPr/>
-          </p:nvSpPr>
-          <p:spPr>
-            <a:xfrm>
-              <a:off x="7324001" y="4243750"/>
-              <a:ext cx="247800" cy="396900"/>
-            </a:xfrm>
-            <a:prstGeom prst="rect">
-              <a:avLst/>
-            </a:prstGeom>
-            <a:noFill/>
-            <a:ln>
-              <a:noFill/>
-            </a:ln>
-          </p:spPr>
-          <p:txBody>
-            <a:bodyPr lIns="68569" tIns="34275" rIns="68569" bIns="34275" anchor="t" anchorCtr="0">
-              <a:noAutofit/>
-            </a:bodyPr>
-            <a:lstStyle/>
-            <a:p>
-              <a:pPr>
-                <a:buSzPct val="25000"/>
-              </a:pPr>
-              <a:r>
-                <a:rPr lang="en-US" sz="1800">
-                  <a:solidFill>
-                    <a:schemeClr val="dk1"/>
-                  </a:solidFill>
-                  <a:latin typeface="Calibri"/>
-                  <a:ea typeface="Calibri"/>
-                  <a:cs typeface="Calibri"/>
-                  <a:sym typeface="Calibri"/>
-                </a:rPr>
-                <a:t>⋅</a:t>
-              </a:r>
-            </a:p>
-          </p:txBody>
-        </p:sp>
-        <p:cxnSp>
-          <p:nvCxnSpPr>
-            <p:cNvPr id="195" name="Shape 195"/>
-            <p:cNvCxnSpPr>
-              <a:stCxn id="194" idx="2"/>
-              <a:endCxn id="191" idx="0"/>
-            </p:cNvCxnSpPr>
-            <p:nvPr/>
-          </p:nvCxnSpPr>
-          <p:spPr>
-            <a:xfrm flipH="1">
-              <a:off x="6933401" y="4640650"/>
-              <a:ext cx="514500" cy="159900"/>
-            </a:xfrm>
-            <a:prstGeom prst="straightConnector1">
-              <a:avLst/>
-            </a:prstGeom>
-            <a:noFill/>
-            <a:ln w="9525" cap="flat" cmpd="sng">
-              <a:solidFill>
-                <a:schemeClr val="dk2"/>
-              </a:solidFill>
-              <a:prstDash val="solid"/>
-              <a:round/>
-              <a:headEnd type="none" w="lg" len="lg"/>
-              <a:tailEnd type="none" w="lg" len="lg"/>
-            </a:ln>
-          </p:spPr>
-        </p:cxnSp>
-        <p:cxnSp>
-          <p:nvCxnSpPr>
-            <p:cNvPr id="196" name="Shape 196"/>
-            <p:cNvCxnSpPr>
-              <a:stCxn id="194" idx="2"/>
-              <a:endCxn id="193" idx="0"/>
-            </p:cNvCxnSpPr>
-            <p:nvPr/>
-          </p:nvCxnSpPr>
-          <p:spPr>
-            <a:xfrm>
-              <a:off x="7447901" y="4640650"/>
-              <a:ext cx="450900" cy="161400"/>
-            </a:xfrm>
-            <a:prstGeom prst="straightConnector1">
-              <a:avLst/>
-            </a:prstGeom>
-            <a:noFill/>
-            <a:ln w="9525" cap="flat" cmpd="sng">
-              <a:solidFill>
-                <a:schemeClr val="dk2"/>
-              </a:solidFill>
-              <a:prstDash val="solid"/>
-              <a:round/>
-              <a:headEnd type="none" w="lg" len="lg"/>
-              <a:tailEnd type="none" w="lg" len="lg"/>
-            </a:ln>
-          </p:spPr>
-        </p:cxnSp>
-        <p:cxnSp>
-          <p:nvCxnSpPr>
-            <p:cNvPr id="197" name="Shape 197"/>
-            <p:cNvCxnSpPr>
-              <a:cxnSpLocks/>
-              <a:stCxn id="191" idx="2"/>
-              <a:endCxn id="188" idx="0"/>
-            </p:cNvCxnSpPr>
-            <p:nvPr/>
-          </p:nvCxnSpPr>
-          <p:spPr>
-            <a:xfrm flipH="1">
-              <a:off x="6524626" y="5200650"/>
-              <a:ext cx="408783" cy="133351"/>
-            </a:xfrm>
-            <a:prstGeom prst="straightConnector1">
-              <a:avLst/>
-            </a:prstGeom>
-            <a:noFill/>
-            <a:ln w="9525" cap="flat" cmpd="sng">
-              <a:solidFill>
-                <a:schemeClr val="dk2"/>
-              </a:solidFill>
-              <a:prstDash val="solid"/>
-              <a:round/>
-              <a:headEnd type="none" w="lg" len="lg"/>
-              <a:tailEnd type="none" w="lg" len="lg"/>
-            </a:ln>
-          </p:spPr>
-        </p:cxnSp>
-        <p:cxnSp>
-          <p:nvCxnSpPr>
-            <p:cNvPr id="198" name="Shape 198"/>
-            <p:cNvCxnSpPr>
-              <a:stCxn id="192" idx="0"/>
-              <a:endCxn id="192" idx="0"/>
-            </p:cNvCxnSpPr>
-            <p:nvPr/>
-          </p:nvCxnSpPr>
-          <p:spPr>
-            <a:xfrm>
-              <a:off x="7322402" y="5510349"/>
-              <a:ext cx="0" cy="0"/>
-            </a:xfrm>
-            <a:prstGeom prst="straightConnector1">
-              <a:avLst/>
-            </a:prstGeom>
-            <a:noFill/>
-            <a:ln w="9525" cap="flat" cmpd="sng">
-              <a:solidFill>
-                <a:schemeClr val="dk2"/>
-              </a:solidFill>
-              <a:prstDash val="solid"/>
-              <a:round/>
-              <a:headEnd type="none" w="lg" len="lg"/>
-              <a:tailEnd type="none" w="lg" len="lg"/>
-            </a:ln>
-          </p:spPr>
-        </p:cxnSp>
-        <p:cxnSp>
-          <p:nvCxnSpPr>
-            <p:cNvPr id="199" name="Shape 199"/>
-            <p:cNvCxnSpPr>
-              <a:stCxn id="191" idx="2"/>
-              <a:endCxn id="192" idx="0"/>
-            </p:cNvCxnSpPr>
-            <p:nvPr/>
-          </p:nvCxnSpPr>
-          <p:spPr>
-            <a:xfrm>
-              <a:off x="6933408" y="5200650"/>
-              <a:ext cx="389100" cy="309600"/>
-            </a:xfrm>
-            <a:prstGeom prst="straightConnector1">
-              <a:avLst/>
-            </a:prstGeom>
-            <a:noFill/>
-            <a:ln w="9525" cap="flat" cmpd="sng">
-              <a:solidFill>
-                <a:schemeClr val="dk2"/>
-              </a:solidFill>
-              <a:prstDash val="solid"/>
-              <a:round/>
-              <a:headEnd type="none" w="lg" len="lg"/>
-              <a:tailEnd type="none" w="lg" len="lg"/>
-            </a:ln>
-          </p:spPr>
-        </p:cxnSp>
-        <p:cxnSp>
-          <p:nvCxnSpPr>
-            <p:cNvPr id="200" name="Shape 200"/>
-            <p:cNvCxnSpPr>
-              <a:stCxn id="188" idx="2"/>
-              <a:endCxn id="189" idx="0"/>
-            </p:cNvCxnSpPr>
-            <p:nvPr/>
-          </p:nvCxnSpPr>
-          <p:spPr>
-            <a:xfrm flipH="1">
-              <a:off x="6250126" y="5730874"/>
-              <a:ext cx="274500" cy="180900"/>
-            </a:xfrm>
-            <a:prstGeom prst="straightConnector1">
-              <a:avLst/>
-            </a:prstGeom>
-            <a:noFill/>
-            <a:ln w="9525" cap="flat" cmpd="sng">
-              <a:solidFill>
-                <a:schemeClr val="dk2"/>
-              </a:solidFill>
-              <a:prstDash val="solid"/>
-              <a:round/>
-              <a:headEnd type="none" w="lg" len="lg"/>
-              <a:tailEnd type="none" w="lg" len="lg"/>
-            </a:ln>
-          </p:spPr>
-        </p:cxnSp>
-        <p:cxnSp>
-          <p:nvCxnSpPr>
-            <p:cNvPr id="201" name="Shape 201"/>
-            <p:cNvCxnSpPr>
-              <a:endCxn id="190" idx="0"/>
-            </p:cNvCxnSpPr>
-            <p:nvPr/>
-          </p:nvCxnSpPr>
-          <p:spPr>
-            <a:xfrm>
-              <a:off x="6524489" y="5730862"/>
-              <a:ext cx="258899" cy="179400"/>
-            </a:xfrm>
-            <a:prstGeom prst="straightConnector1">
-              <a:avLst/>
-            </a:prstGeom>
-            <a:noFill/>
-            <a:ln w="9525" cap="flat" cmpd="sng">
-              <a:solidFill>
-                <a:schemeClr val="dk2"/>
-              </a:solidFill>
-              <a:prstDash val="solid"/>
-              <a:round/>
-              <a:headEnd type="none" w="lg" len="lg"/>
-              <a:tailEnd type="none" w="lg" len="lg"/>
-            </a:ln>
-          </p:spPr>
-        </p:cxnSp>
-      </p:grpSp>
-      <p:grpSp>
-        <p:nvGrpSpPr>
-          <p:cNvPr id="13" name="Group 12">
+          <p:cNvPr id="74" name="Group 73">
             <a:extLst>
               <a:ext uri="{FF2B5EF4-FFF2-40B4-BE49-F238E27FC236}">
-                <a16:creationId xmlns:a16="http://schemas.microsoft.com/office/drawing/2014/main" id="{9D3C523D-418C-6147-8134-778F420EA5E5}"/>
+                <a16:creationId xmlns:a16="http://schemas.microsoft.com/office/drawing/2014/main" id="{FFB8180C-45C2-4D4A-8A4B-F1953433CE34}"/>
               </a:ext>
             </a:extLst>
           </p:cNvPr>
@@ -8622,18 +8965,18 @@
         </p:nvGrpSpPr>
         <p:grpSpPr>
           <a:xfrm>
-            <a:off x="5957462" y="3233589"/>
-            <a:ext cx="249390" cy="1390495"/>
-            <a:chOff x="5957462" y="3233589"/>
-            <a:chExt cx="249390" cy="1390495"/>
+            <a:off x="744420" y="1304714"/>
+            <a:ext cx="1783117" cy="3468442"/>
+            <a:chOff x="1421076" y="1324661"/>
+            <a:chExt cx="1783117" cy="3468442"/>
           </a:xfrm>
         </p:grpSpPr>
         <p:sp>
           <p:nvSpPr>
-            <p:cNvPr id="46" name="Shape 193">
+            <p:cNvPr id="4" name="TextBox 3">
               <a:extLst>
                 <a:ext uri="{FF2B5EF4-FFF2-40B4-BE49-F238E27FC236}">
-                  <a16:creationId xmlns:a16="http://schemas.microsoft.com/office/drawing/2014/main" id="{E0824B49-5E81-7941-A276-8172597B0E2E}"/>
+                  <a16:creationId xmlns:a16="http://schemas.microsoft.com/office/drawing/2014/main" id="{F35B2E8F-ED16-754F-B72E-98BCAA4696A9}"/>
                 </a:ext>
               </a:extLst>
             </p:cNvPr>
@@ -8642,47 +8985,984 @@
           </p:nvSpPr>
           <p:spPr>
             <a:xfrm>
-              <a:off x="5984102" y="3797891"/>
-              <a:ext cx="222750" cy="297675"/>
+              <a:off x="1760522" y="3280039"/>
+              <a:ext cx="1032887" cy="461665"/>
             </a:xfrm>
             <a:prstGeom prst="rect">
               <a:avLst/>
             </a:prstGeom>
-            <a:noFill/>
-            <a:ln>
-              <a:noFill/>
-            </a:ln>
+            <a:solidFill>
+              <a:schemeClr val="accent5">
+                <a:lumMod val="20000"/>
+                <a:lumOff val="80000"/>
+              </a:schemeClr>
+            </a:solidFill>
           </p:spPr>
           <p:txBody>
-            <a:bodyPr lIns="68569" tIns="34275" rIns="68569" bIns="34275" anchor="t" anchorCtr="0">
-              <a:noAutofit/>
+            <a:bodyPr wrap="square" rtlCol="0">
+              <a:spAutoFit/>
             </a:bodyPr>
             <a:lstStyle/>
             <a:p>
-              <a:pPr>
-                <a:buSzPct val="25000"/>
-              </a:pPr>
               <a:r>
-                <a:rPr lang="en-US" sz="1800" dirty="0">
-                  <a:solidFill>
-                    <a:schemeClr val="dk1"/>
-                  </a:solidFill>
-                  <a:latin typeface="Calibri"/>
-                  <a:ea typeface="Calibri"/>
-                  <a:cs typeface="Calibri"/>
-                  <a:sym typeface="Calibri"/>
+                <a:rPr lang="en-US" sz="2400" dirty="0" err="1">
+                  <a:latin typeface="Consolas" panose="020B0609020204030204" pitchFamily="49" charset="0"/>
+                  <a:cs typeface="Consolas" panose="020B0609020204030204" pitchFamily="49" charset="0"/>
                 </a:rPr>
-                <a:t>*</a:t>
+                <a:t>ac|bc</a:t>
+              </a:r>
+              <a:endParaRPr lang="en-US" sz="2400" dirty="0">
+                <a:latin typeface="Consolas" panose="020B0609020204030204" pitchFamily="49" charset="0"/>
+                <a:cs typeface="Consolas" panose="020B0609020204030204" pitchFamily="49" charset="0"/>
+              </a:endParaRPr>
+            </a:p>
+          </p:txBody>
+        </p:sp>
+        <p:grpSp>
+          <p:nvGrpSpPr>
+            <p:cNvPr id="35" name="Group 34">
+              <a:extLst>
+                <a:ext uri="{FF2B5EF4-FFF2-40B4-BE49-F238E27FC236}">
+                  <a16:creationId xmlns:a16="http://schemas.microsoft.com/office/drawing/2014/main" id="{96A7CDE1-1617-D342-BE2E-7B6B5B300A6C}"/>
+                </a:ext>
+              </a:extLst>
+            </p:cNvPr>
+            <p:cNvGrpSpPr/>
+            <p:nvPr/>
+          </p:nvGrpSpPr>
+          <p:grpSpPr>
+            <a:xfrm>
+              <a:off x="1421076" y="1324661"/>
+              <a:ext cx="1702207" cy="1347180"/>
+              <a:chOff x="3407898" y="1901543"/>
+              <a:chExt cx="1702207" cy="1347180"/>
+            </a:xfrm>
+          </p:grpSpPr>
+          <p:sp>
+            <p:nvSpPr>
+              <p:cNvPr id="6" name="Shape 188">
+                <a:extLst>
+                  <a:ext uri="{FF2B5EF4-FFF2-40B4-BE49-F238E27FC236}">
+                    <a16:creationId xmlns:a16="http://schemas.microsoft.com/office/drawing/2014/main" id="{EA46820A-8D89-FA45-A0EB-20EE5A722850}"/>
+                  </a:ext>
+                </a:extLst>
+              </p:cNvPr>
+              <p:cNvSpPr txBox="1"/>
+              <p:nvPr/>
+            </p:nvSpPr>
+            <p:spPr>
+              <a:xfrm>
+                <a:off x="3636497" y="2515299"/>
+                <a:ext cx="185738" cy="297656"/>
+              </a:xfrm>
+              <a:prstGeom prst="rect">
+                <a:avLst/>
+              </a:prstGeom>
+              <a:noFill/>
+              <a:ln>
+                <a:noFill/>
+              </a:ln>
+            </p:spPr>
+            <p:txBody>
+              <a:bodyPr lIns="68569" tIns="34275" rIns="68569" bIns="34275" anchor="t" anchorCtr="0">
+                <a:noAutofit/>
+              </a:bodyPr>
+              <a:lstStyle/>
+              <a:p>
+                <a:pPr>
+                  <a:buSzPct val="25000"/>
+                </a:pPr>
+                <a:r>
+                  <a:rPr lang="en-US" sz="2000" dirty="0">
+                    <a:solidFill>
+                      <a:schemeClr val="dk1"/>
+                    </a:solidFill>
+                    <a:latin typeface="Consolas" panose="020B0609020204030204" pitchFamily="49" charset="0"/>
+                    <a:ea typeface="Calibri"/>
+                    <a:cs typeface="Consolas" panose="020B0609020204030204" pitchFamily="49" charset="0"/>
+                    <a:sym typeface="Calibri"/>
+                  </a:rPr>
+                  <a:t>⋅</a:t>
+                </a:r>
+              </a:p>
+            </p:txBody>
+          </p:sp>
+          <p:sp>
+            <p:nvSpPr>
+              <p:cNvPr id="7" name="Shape 189">
+                <a:extLst>
+                  <a:ext uri="{FF2B5EF4-FFF2-40B4-BE49-F238E27FC236}">
+                    <a16:creationId xmlns:a16="http://schemas.microsoft.com/office/drawing/2014/main" id="{D0A8D95C-7E2F-7B4F-B164-D22FF9678EE1}"/>
+                  </a:ext>
+                </a:extLst>
+              </p:cNvPr>
+              <p:cNvSpPr txBox="1"/>
+              <p:nvPr/>
+            </p:nvSpPr>
+            <p:spPr>
+              <a:xfrm>
+                <a:off x="3407898" y="2948686"/>
+                <a:ext cx="230981" cy="300037"/>
+              </a:xfrm>
+              <a:prstGeom prst="rect">
+                <a:avLst/>
+              </a:prstGeom>
+              <a:noFill/>
+              <a:ln>
+                <a:noFill/>
+              </a:ln>
+            </p:spPr>
+            <p:txBody>
+              <a:bodyPr lIns="68569" tIns="34275" rIns="68569" bIns="34275" anchor="t" anchorCtr="0">
+                <a:noAutofit/>
+              </a:bodyPr>
+              <a:lstStyle/>
+              <a:p>
+                <a:pPr>
+                  <a:buSzPct val="25000"/>
+                </a:pPr>
+                <a:r>
+                  <a:rPr lang="en-US" sz="2000" dirty="0">
+                    <a:solidFill>
+                      <a:schemeClr val="dk1"/>
+                    </a:solidFill>
+                    <a:latin typeface="Consolas" panose="020B0609020204030204" pitchFamily="49" charset="0"/>
+                    <a:ea typeface="Calibri"/>
+                    <a:cs typeface="Consolas" panose="020B0609020204030204" pitchFamily="49" charset="0"/>
+                    <a:sym typeface="Calibri"/>
+                  </a:rPr>
+                  <a:t>a</a:t>
+                </a:r>
+              </a:p>
+            </p:txBody>
+          </p:sp>
+          <p:sp>
+            <p:nvSpPr>
+              <p:cNvPr id="8" name="Shape 190">
+                <a:extLst>
+                  <a:ext uri="{FF2B5EF4-FFF2-40B4-BE49-F238E27FC236}">
+                    <a16:creationId xmlns:a16="http://schemas.microsoft.com/office/drawing/2014/main" id="{C356466D-40FB-8945-A735-3442320ADB13}"/>
+                  </a:ext>
+                </a:extLst>
+              </p:cNvPr>
+              <p:cNvSpPr txBox="1"/>
+              <p:nvPr/>
+            </p:nvSpPr>
+            <p:spPr>
+              <a:xfrm>
+                <a:off x="3807947" y="2947495"/>
+                <a:ext cx="230981" cy="300037"/>
+              </a:xfrm>
+              <a:prstGeom prst="rect">
+                <a:avLst/>
+              </a:prstGeom>
+              <a:noFill/>
+              <a:ln>
+                <a:noFill/>
+              </a:ln>
+            </p:spPr>
+            <p:txBody>
+              <a:bodyPr lIns="68569" tIns="34275" rIns="68569" bIns="34275" anchor="t" anchorCtr="0">
+                <a:noAutofit/>
+              </a:bodyPr>
+              <a:lstStyle/>
+              <a:p>
+                <a:pPr>
+                  <a:buSzPct val="25000"/>
+                </a:pPr>
+                <a:r>
+                  <a:rPr lang="en-US" sz="2000" dirty="0">
+                    <a:solidFill>
+                      <a:schemeClr val="dk1"/>
+                    </a:solidFill>
+                    <a:latin typeface="Consolas" panose="020B0609020204030204" pitchFamily="49" charset="0"/>
+                    <a:ea typeface="Calibri"/>
+                    <a:cs typeface="Consolas" panose="020B0609020204030204" pitchFamily="49" charset="0"/>
+                    <a:sym typeface="Calibri"/>
+                  </a:rPr>
+                  <a:t>c</a:t>
+                </a:r>
+              </a:p>
+            </p:txBody>
+          </p:sp>
+          <p:sp>
+            <p:nvSpPr>
+              <p:cNvPr id="9" name="Shape 191">
+                <a:extLst>
+                  <a:ext uri="{FF2B5EF4-FFF2-40B4-BE49-F238E27FC236}">
+                    <a16:creationId xmlns:a16="http://schemas.microsoft.com/office/drawing/2014/main" id="{A74686EC-B3D0-C149-B3C4-226C649ABE1B}"/>
+                  </a:ext>
+                </a:extLst>
+              </p:cNvPr>
+              <p:cNvSpPr txBox="1"/>
+              <p:nvPr/>
+            </p:nvSpPr>
+            <p:spPr>
+              <a:xfrm>
+                <a:off x="4133956" y="1901543"/>
+                <a:ext cx="252195" cy="387840"/>
+              </a:xfrm>
+              <a:prstGeom prst="rect">
+                <a:avLst/>
+              </a:prstGeom>
+              <a:noFill/>
+              <a:ln>
+                <a:noFill/>
+              </a:ln>
+            </p:spPr>
+            <p:txBody>
+              <a:bodyPr lIns="68569" tIns="34275" rIns="68569" bIns="34275" anchor="t" anchorCtr="0">
+                <a:noAutofit/>
+              </a:bodyPr>
+              <a:lstStyle/>
+              <a:p>
+                <a:pPr>
+                  <a:buSzPct val="25000"/>
+                </a:pPr>
+                <a:r>
+                  <a:rPr lang="en-US" sz="2000" dirty="0">
+                    <a:solidFill>
+                      <a:schemeClr val="dk1"/>
+                    </a:solidFill>
+                    <a:latin typeface="Consolas" panose="020B0609020204030204" pitchFamily="49" charset="0"/>
+                    <a:ea typeface="Calibri"/>
+                    <a:cs typeface="Consolas" panose="020B0609020204030204" pitchFamily="49" charset="0"/>
+                    <a:sym typeface="Calibri"/>
+                  </a:rPr>
+                  <a:t>|</a:t>
+                </a:r>
+              </a:p>
+            </p:txBody>
+          </p:sp>
+          <p:cxnSp>
+            <p:nvCxnSpPr>
+              <p:cNvPr id="15" name="Shape 197">
+                <a:extLst>
+                  <a:ext uri="{FF2B5EF4-FFF2-40B4-BE49-F238E27FC236}">
+                    <a16:creationId xmlns:a16="http://schemas.microsoft.com/office/drawing/2014/main" id="{77019DF5-4DCA-1D48-9F55-1AA213D42889}"/>
+                  </a:ext>
+                </a:extLst>
+              </p:cNvPr>
+              <p:cNvCxnSpPr>
+                <a:cxnSpLocks/>
+                <a:stCxn id="9" idx="2"/>
+                <a:endCxn id="6" idx="0"/>
+              </p:cNvCxnSpPr>
+              <p:nvPr/>
+            </p:nvCxnSpPr>
+            <p:spPr>
+              <a:xfrm flipH="1">
+                <a:off x="3729366" y="2289383"/>
+                <a:ext cx="530688" cy="225916"/>
+              </a:xfrm>
+              <a:prstGeom prst="straightConnector1">
+                <a:avLst/>
+              </a:prstGeom>
+              <a:noFill/>
+              <a:ln w="9525" cap="flat" cmpd="sng">
+                <a:solidFill>
+                  <a:schemeClr val="dk2"/>
+                </a:solidFill>
+                <a:prstDash val="solid"/>
+                <a:round/>
+                <a:headEnd type="none" w="lg" len="lg"/>
+                <a:tailEnd type="none" w="lg" len="lg"/>
+              </a:ln>
+            </p:spPr>
+          </p:cxnSp>
+          <p:cxnSp>
+            <p:nvCxnSpPr>
+              <p:cNvPr id="16" name="Shape 198">
+                <a:extLst>
+                  <a:ext uri="{FF2B5EF4-FFF2-40B4-BE49-F238E27FC236}">
+                    <a16:creationId xmlns:a16="http://schemas.microsoft.com/office/drawing/2014/main" id="{0BE30963-A167-4B4D-A09C-ED9C26304651}"/>
+                  </a:ext>
+                </a:extLst>
+              </p:cNvPr>
+              <p:cNvCxnSpPr>
+                <a:cxnSpLocks/>
+              </p:cNvCxnSpPr>
+              <p:nvPr/>
+            </p:nvCxnSpPr>
+            <p:spPr>
+              <a:xfrm>
+                <a:off x="4384951" y="2432767"/>
+                <a:ext cx="0" cy="0"/>
+              </a:xfrm>
+              <a:prstGeom prst="straightConnector1">
+                <a:avLst/>
+              </a:prstGeom>
+              <a:noFill/>
+              <a:ln w="9525" cap="flat" cmpd="sng">
+                <a:solidFill>
+                  <a:schemeClr val="dk2"/>
+                </a:solidFill>
+                <a:prstDash val="solid"/>
+                <a:round/>
+                <a:headEnd type="none" w="lg" len="lg"/>
+                <a:tailEnd type="none" w="lg" len="lg"/>
+              </a:ln>
+            </p:spPr>
+          </p:cxnSp>
+          <p:cxnSp>
+            <p:nvCxnSpPr>
+              <p:cNvPr id="17" name="Shape 199">
+                <a:extLst>
+                  <a:ext uri="{FF2B5EF4-FFF2-40B4-BE49-F238E27FC236}">
+                    <a16:creationId xmlns:a16="http://schemas.microsoft.com/office/drawing/2014/main" id="{9195FA54-87DB-254B-AA89-7A1CB4765490}"/>
+                  </a:ext>
+                </a:extLst>
+              </p:cNvPr>
+              <p:cNvCxnSpPr>
+                <a:cxnSpLocks/>
+                <a:stCxn id="9" idx="2"/>
+                <a:endCxn id="23" idx="0"/>
+              </p:cNvCxnSpPr>
+              <p:nvPr/>
+            </p:nvCxnSpPr>
+            <p:spPr>
+              <a:xfrm>
+                <a:off x="4260054" y="2289383"/>
+                <a:ext cx="540489" cy="219151"/>
+              </a:xfrm>
+              <a:prstGeom prst="straightConnector1">
+                <a:avLst/>
+              </a:prstGeom>
+              <a:noFill/>
+              <a:ln w="9525" cap="flat" cmpd="sng">
+                <a:solidFill>
+                  <a:schemeClr val="dk2"/>
+                </a:solidFill>
+                <a:prstDash val="solid"/>
+                <a:round/>
+                <a:headEnd type="none" w="lg" len="lg"/>
+                <a:tailEnd type="none" w="lg" len="lg"/>
+              </a:ln>
+            </p:spPr>
+          </p:cxnSp>
+          <p:cxnSp>
+            <p:nvCxnSpPr>
+              <p:cNvPr id="18" name="Shape 200">
+                <a:extLst>
+                  <a:ext uri="{FF2B5EF4-FFF2-40B4-BE49-F238E27FC236}">
+                    <a16:creationId xmlns:a16="http://schemas.microsoft.com/office/drawing/2014/main" id="{1B44AAAD-F9A5-5B4A-AFFA-7C7C9E89F2D6}"/>
+                  </a:ext>
+                </a:extLst>
+              </p:cNvPr>
+              <p:cNvCxnSpPr>
+                <a:stCxn id="6" idx="2"/>
+                <a:endCxn id="7" idx="0"/>
+              </p:cNvCxnSpPr>
+              <p:nvPr/>
+            </p:nvCxnSpPr>
+            <p:spPr>
+              <a:xfrm flipH="1">
+                <a:off x="3523491" y="2812954"/>
+                <a:ext cx="205875" cy="135675"/>
+              </a:xfrm>
+              <a:prstGeom prst="straightConnector1">
+                <a:avLst/>
+              </a:prstGeom>
+              <a:noFill/>
+              <a:ln w="9525" cap="flat" cmpd="sng">
+                <a:solidFill>
+                  <a:schemeClr val="dk2"/>
+                </a:solidFill>
+                <a:prstDash val="solid"/>
+                <a:round/>
+                <a:headEnd type="none" w="lg" len="lg"/>
+                <a:tailEnd type="none" w="lg" len="lg"/>
+              </a:ln>
+            </p:spPr>
+          </p:cxnSp>
+          <p:cxnSp>
+            <p:nvCxnSpPr>
+              <p:cNvPr id="19" name="Shape 201">
+                <a:extLst>
+                  <a:ext uri="{FF2B5EF4-FFF2-40B4-BE49-F238E27FC236}">
+                    <a16:creationId xmlns:a16="http://schemas.microsoft.com/office/drawing/2014/main" id="{CBAA50FA-0E50-A44C-8162-F42B2E3E1E48}"/>
+                  </a:ext>
+                </a:extLst>
+              </p:cNvPr>
+              <p:cNvCxnSpPr>
+                <a:endCxn id="8" idx="0"/>
+              </p:cNvCxnSpPr>
+              <p:nvPr/>
+            </p:nvCxnSpPr>
+            <p:spPr>
+              <a:xfrm>
+                <a:off x="3729263" y="2812945"/>
+                <a:ext cx="194174" cy="134550"/>
+              </a:xfrm>
+              <a:prstGeom prst="straightConnector1">
+                <a:avLst/>
+              </a:prstGeom>
+              <a:noFill/>
+              <a:ln w="9525" cap="flat" cmpd="sng">
+                <a:solidFill>
+                  <a:schemeClr val="dk2"/>
+                </a:solidFill>
+                <a:prstDash val="solid"/>
+                <a:round/>
+                <a:headEnd type="none" w="lg" len="lg"/>
+                <a:tailEnd type="none" w="lg" len="lg"/>
+              </a:ln>
+            </p:spPr>
+          </p:cxnSp>
+          <p:sp>
+            <p:nvSpPr>
+              <p:cNvPr id="23" name="Shape 188">
+                <a:extLst>
+                  <a:ext uri="{FF2B5EF4-FFF2-40B4-BE49-F238E27FC236}">
+                    <a16:creationId xmlns:a16="http://schemas.microsoft.com/office/drawing/2014/main" id="{DB5EC6CA-8965-AB43-9EC5-86112C382C8D}"/>
+                  </a:ext>
+                </a:extLst>
+              </p:cNvPr>
+              <p:cNvSpPr txBox="1"/>
+              <p:nvPr/>
+            </p:nvSpPr>
+            <p:spPr>
+              <a:xfrm>
+                <a:off x="4707674" y="2508534"/>
+                <a:ext cx="185738" cy="297656"/>
+              </a:xfrm>
+              <a:prstGeom prst="rect">
+                <a:avLst/>
+              </a:prstGeom>
+              <a:noFill/>
+              <a:ln>
+                <a:noFill/>
+              </a:ln>
+            </p:spPr>
+            <p:txBody>
+              <a:bodyPr lIns="68569" tIns="34275" rIns="68569" bIns="34275" anchor="t" anchorCtr="0">
+                <a:noAutofit/>
+              </a:bodyPr>
+              <a:lstStyle/>
+              <a:p>
+                <a:pPr>
+                  <a:buSzPct val="25000"/>
+                </a:pPr>
+                <a:r>
+                  <a:rPr lang="en-US" sz="2000" dirty="0">
+                    <a:solidFill>
+                      <a:schemeClr val="dk1"/>
+                    </a:solidFill>
+                    <a:latin typeface="Consolas" panose="020B0609020204030204" pitchFamily="49" charset="0"/>
+                    <a:ea typeface="Calibri"/>
+                    <a:cs typeface="Consolas" panose="020B0609020204030204" pitchFamily="49" charset="0"/>
+                    <a:sym typeface="Calibri"/>
+                  </a:rPr>
+                  <a:t>⋅</a:t>
+                </a:r>
+              </a:p>
+            </p:txBody>
+          </p:sp>
+          <p:sp>
+            <p:nvSpPr>
+              <p:cNvPr id="24" name="Shape 189">
+                <a:extLst>
+                  <a:ext uri="{FF2B5EF4-FFF2-40B4-BE49-F238E27FC236}">
+                    <a16:creationId xmlns:a16="http://schemas.microsoft.com/office/drawing/2014/main" id="{E38ADE82-6058-AA4B-903C-DBDA47F42E71}"/>
+                  </a:ext>
+                </a:extLst>
+              </p:cNvPr>
+              <p:cNvSpPr txBox="1"/>
+              <p:nvPr/>
+            </p:nvSpPr>
+            <p:spPr>
+              <a:xfrm>
+                <a:off x="4479075" y="2941921"/>
+                <a:ext cx="230981" cy="300037"/>
+              </a:xfrm>
+              <a:prstGeom prst="rect">
+                <a:avLst/>
+              </a:prstGeom>
+              <a:noFill/>
+              <a:ln>
+                <a:noFill/>
+              </a:ln>
+            </p:spPr>
+            <p:txBody>
+              <a:bodyPr lIns="68569" tIns="34275" rIns="68569" bIns="34275" anchor="t" anchorCtr="0">
+                <a:noAutofit/>
+              </a:bodyPr>
+              <a:lstStyle/>
+              <a:p>
+                <a:pPr>
+                  <a:buSzPct val="25000"/>
+                </a:pPr>
+                <a:r>
+                  <a:rPr lang="en-US" sz="2000" dirty="0">
+                    <a:solidFill>
+                      <a:schemeClr val="dk1"/>
+                    </a:solidFill>
+                    <a:latin typeface="Consolas" panose="020B0609020204030204" pitchFamily="49" charset="0"/>
+                    <a:ea typeface="Calibri"/>
+                    <a:cs typeface="Consolas" panose="020B0609020204030204" pitchFamily="49" charset="0"/>
+                    <a:sym typeface="Calibri"/>
+                  </a:rPr>
+                  <a:t>b</a:t>
+                </a:r>
+              </a:p>
+            </p:txBody>
+          </p:sp>
+          <p:sp>
+            <p:nvSpPr>
+              <p:cNvPr id="25" name="Shape 190">
+                <a:extLst>
+                  <a:ext uri="{FF2B5EF4-FFF2-40B4-BE49-F238E27FC236}">
+                    <a16:creationId xmlns:a16="http://schemas.microsoft.com/office/drawing/2014/main" id="{1B1D9409-1F2B-594D-926D-681FC0E5E956}"/>
+                  </a:ext>
+                </a:extLst>
+              </p:cNvPr>
+              <p:cNvSpPr txBox="1"/>
+              <p:nvPr/>
+            </p:nvSpPr>
+            <p:spPr>
+              <a:xfrm>
+                <a:off x="4879124" y="2940730"/>
+                <a:ext cx="230981" cy="300037"/>
+              </a:xfrm>
+              <a:prstGeom prst="rect">
+                <a:avLst/>
+              </a:prstGeom>
+              <a:noFill/>
+              <a:ln>
+                <a:noFill/>
+              </a:ln>
+            </p:spPr>
+            <p:txBody>
+              <a:bodyPr lIns="68569" tIns="34275" rIns="68569" bIns="34275" anchor="t" anchorCtr="0">
+                <a:noAutofit/>
+              </a:bodyPr>
+              <a:lstStyle/>
+              <a:p>
+                <a:pPr>
+                  <a:buSzPct val="25000"/>
+                </a:pPr>
+                <a:r>
+                  <a:rPr lang="en-US" sz="2000" dirty="0">
+                    <a:solidFill>
+                      <a:schemeClr val="dk1"/>
+                    </a:solidFill>
+                    <a:latin typeface="Consolas" panose="020B0609020204030204" pitchFamily="49" charset="0"/>
+                    <a:ea typeface="Calibri"/>
+                    <a:cs typeface="Consolas" panose="020B0609020204030204" pitchFamily="49" charset="0"/>
+                    <a:sym typeface="Calibri"/>
+                  </a:rPr>
+                  <a:t>c</a:t>
+                </a:r>
+              </a:p>
+            </p:txBody>
+          </p:sp>
+          <p:cxnSp>
+            <p:nvCxnSpPr>
+              <p:cNvPr id="26" name="Shape 200">
+                <a:extLst>
+                  <a:ext uri="{FF2B5EF4-FFF2-40B4-BE49-F238E27FC236}">
+                    <a16:creationId xmlns:a16="http://schemas.microsoft.com/office/drawing/2014/main" id="{DEBAFF45-41B3-B147-AFCD-B54884456227}"/>
+                  </a:ext>
+                </a:extLst>
+              </p:cNvPr>
+              <p:cNvCxnSpPr>
+                <a:stCxn id="23" idx="2"/>
+                <a:endCxn id="24" idx="0"/>
+              </p:cNvCxnSpPr>
+              <p:nvPr/>
+            </p:nvCxnSpPr>
+            <p:spPr>
+              <a:xfrm flipH="1">
+                <a:off x="4594668" y="2806189"/>
+                <a:ext cx="205875" cy="135675"/>
+              </a:xfrm>
+              <a:prstGeom prst="straightConnector1">
+                <a:avLst/>
+              </a:prstGeom>
+              <a:noFill/>
+              <a:ln w="9525" cap="flat" cmpd="sng">
+                <a:solidFill>
+                  <a:schemeClr val="dk2"/>
+                </a:solidFill>
+                <a:prstDash val="solid"/>
+                <a:round/>
+                <a:headEnd type="none" w="lg" len="lg"/>
+                <a:tailEnd type="none" w="lg" len="lg"/>
+              </a:ln>
+            </p:spPr>
+          </p:cxnSp>
+          <p:cxnSp>
+            <p:nvCxnSpPr>
+              <p:cNvPr id="27" name="Shape 201">
+                <a:extLst>
+                  <a:ext uri="{FF2B5EF4-FFF2-40B4-BE49-F238E27FC236}">
+                    <a16:creationId xmlns:a16="http://schemas.microsoft.com/office/drawing/2014/main" id="{B2A65B6F-2606-D244-BEBB-C41762DAD1FB}"/>
+                  </a:ext>
+                </a:extLst>
+              </p:cNvPr>
+              <p:cNvCxnSpPr>
+                <a:endCxn id="25" idx="0"/>
+              </p:cNvCxnSpPr>
+              <p:nvPr/>
+            </p:nvCxnSpPr>
+            <p:spPr>
+              <a:xfrm>
+                <a:off x="4800440" y="2806180"/>
+                <a:ext cx="194174" cy="134550"/>
+              </a:xfrm>
+              <a:prstGeom prst="straightConnector1">
+                <a:avLst/>
+              </a:prstGeom>
+              <a:noFill/>
+              <a:ln w="9525" cap="flat" cmpd="sng">
+                <a:solidFill>
+                  <a:schemeClr val="dk2"/>
+                </a:solidFill>
+                <a:prstDash val="solid"/>
+                <a:round/>
+                <a:headEnd type="none" w="lg" len="lg"/>
+                <a:tailEnd type="none" w="lg" len="lg"/>
+              </a:ln>
+            </p:spPr>
+          </p:cxnSp>
+        </p:grpSp>
+        <p:sp>
+          <p:nvSpPr>
+            <p:cNvPr id="70" name="Rounded Rectangular Callout 69">
+              <a:extLst>
+                <a:ext uri="{FF2B5EF4-FFF2-40B4-BE49-F238E27FC236}">
+                  <a16:creationId xmlns:a16="http://schemas.microsoft.com/office/drawing/2014/main" id="{818B856B-51A1-6340-9D32-17121AFF84D6}"/>
+                </a:ext>
+              </a:extLst>
+            </p:cNvPr>
+            <p:cNvSpPr/>
+            <p:nvPr/>
+          </p:nvSpPr>
+          <p:spPr>
+            <a:xfrm>
+              <a:off x="1421076" y="4369240"/>
+              <a:ext cx="1783117" cy="423863"/>
+            </a:xfrm>
+            <a:prstGeom prst="wedgeRoundRectCallout">
+              <a:avLst>
+                <a:gd name="adj1" fmla="val -6474"/>
+                <a:gd name="adj2" fmla="val -135972"/>
+                <a:gd name="adj3" fmla="val 16667"/>
+              </a:avLst>
+            </a:prstGeom>
+          </p:spPr>
+          <p:style>
+            <a:lnRef idx="2">
+              <a:schemeClr val="accent1">
+                <a:shade val="50000"/>
+              </a:schemeClr>
+            </a:lnRef>
+            <a:fillRef idx="1">
+              <a:schemeClr val="accent1"/>
+            </a:fillRef>
+            <a:effectRef idx="0">
+              <a:schemeClr val="accent1"/>
+            </a:effectRef>
+            <a:fontRef idx="minor">
+              <a:schemeClr val="lt1"/>
+            </a:fontRef>
+          </p:style>
+          <p:txBody>
+            <a:bodyPr rtlCol="0" anchor="ctr"/>
+            <a:lstStyle/>
+            <a:p>
+              <a:pPr algn="ctr"/>
+              <a:r>
+                <a:rPr lang="en-US" sz="2000" dirty="0">
+                  <a:latin typeface="Consolas" panose="020B0609020204030204" pitchFamily="49" charset="0"/>
+                  <a:cs typeface="Consolas" panose="020B0609020204030204" pitchFamily="49" charset="0"/>
+                </a:rPr>
+                <a:t>((ac)|(</a:t>
+              </a:r>
+              <a:r>
+                <a:rPr lang="en-US" sz="2000" dirty="0" err="1">
+                  <a:latin typeface="Consolas" panose="020B0609020204030204" pitchFamily="49" charset="0"/>
+                  <a:cs typeface="Consolas" panose="020B0609020204030204" pitchFamily="49" charset="0"/>
+                </a:rPr>
+                <a:t>bc</a:t>
+              </a:r>
+              <a:r>
+                <a:rPr lang="en-US" sz="2000" dirty="0">
+                  <a:latin typeface="Consolas" panose="020B0609020204030204" pitchFamily="49" charset="0"/>
+                  <a:cs typeface="Consolas" panose="020B0609020204030204" pitchFamily="49" charset="0"/>
+                </a:rPr>
+                <a:t>))</a:t>
               </a:r>
             </a:p>
           </p:txBody>
         </p:sp>
+      </p:grpSp>
+      <p:grpSp>
+        <p:nvGrpSpPr>
+          <p:cNvPr id="75" name="Group 74">
+            <a:extLst>
+              <a:ext uri="{FF2B5EF4-FFF2-40B4-BE49-F238E27FC236}">
+                <a16:creationId xmlns:a16="http://schemas.microsoft.com/office/drawing/2014/main" id="{3349D020-4567-7E4F-B5DA-0709C5AD8044}"/>
+              </a:ext>
+            </a:extLst>
+          </p:cNvPr>
+          <p:cNvGrpSpPr/>
+          <p:nvPr/>
+        </p:nvGrpSpPr>
+        <p:grpSpPr>
+          <a:xfrm>
+            <a:off x="3532551" y="1262123"/>
+            <a:ext cx="1243729" cy="3510133"/>
+            <a:chOff x="4209207" y="1282070"/>
+            <a:chExt cx="1243729" cy="3510133"/>
+          </a:xfrm>
+        </p:grpSpPr>
+        <p:grpSp>
+          <p:nvGrpSpPr>
+            <p:cNvPr id="64" name="Group 63">
+              <a:extLst>
+                <a:ext uri="{FF2B5EF4-FFF2-40B4-BE49-F238E27FC236}">
+                  <a16:creationId xmlns:a16="http://schemas.microsoft.com/office/drawing/2014/main" id="{283D6AAD-7476-1041-9FEF-2E84F5FE403F}"/>
+                </a:ext>
+              </a:extLst>
+            </p:cNvPr>
+            <p:cNvGrpSpPr/>
+            <p:nvPr/>
+          </p:nvGrpSpPr>
+          <p:grpSpPr>
+            <a:xfrm>
+              <a:off x="4721217" y="1282070"/>
+              <a:ext cx="252195" cy="1390495"/>
+              <a:chOff x="4553310" y="1380135"/>
+              <a:chExt cx="252195" cy="1390495"/>
+            </a:xfrm>
+          </p:grpSpPr>
+          <p:sp>
+            <p:nvSpPr>
+              <p:cNvPr id="45" name="Shape 193">
+                <a:extLst>
+                  <a:ext uri="{FF2B5EF4-FFF2-40B4-BE49-F238E27FC236}">
+                    <a16:creationId xmlns:a16="http://schemas.microsoft.com/office/drawing/2014/main" id="{8024CF2B-2EA2-5644-B1FF-3A292AFC4D45}"/>
+                  </a:ext>
+                </a:extLst>
+              </p:cNvPr>
+              <p:cNvSpPr txBox="1"/>
+              <p:nvPr/>
+            </p:nvSpPr>
+            <p:spPr>
+              <a:xfrm>
+                <a:off x="4554712" y="1944437"/>
+                <a:ext cx="249390" cy="297675"/>
+              </a:xfrm>
+              <a:prstGeom prst="rect">
+                <a:avLst/>
+              </a:prstGeom>
+              <a:noFill/>
+              <a:ln>
+                <a:noFill/>
+              </a:ln>
+            </p:spPr>
+            <p:txBody>
+              <a:bodyPr lIns="68569" tIns="34275" rIns="68569" bIns="34275" anchor="t" anchorCtr="0">
+                <a:noAutofit/>
+              </a:bodyPr>
+              <a:lstStyle/>
+              <a:p>
+                <a:pPr>
+                  <a:buSzPct val="25000"/>
+                </a:pPr>
+                <a:r>
+                  <a:rPr lang="en-US" sz="2000" dirty="0">
+                    <a:solidFill>
+                      <a:schemeClr val="dk1"/>
+                    </a:solidFill>
+                    <a:latin typeface="Calibri"/>
+                    <a:ea typeface="Calibri"/>
+                    <a:cs typeface="Calibri"/>
+                    <a:sym typeface="Calibri"/>
+                  </a:rPr>
+                  <a:t>*</a:t>
+                </a:r>
+              </a:p>
+            </p:txBody>
+          </p:sp>
+          <p:sp>
+            <p:nvSpPr>
+              <p:cNvPr id="46" name="Shape 194">
+                <a:extLst>
+                  <a:ext uri="{FF2B5EF4-FFF2-40B4-BE49-F238E27FC236}">
+                    <a16:creationId xmlns:a16="http://schemas.microsoft.com/office/drawing/2014/main" id="{FA66CC39-E56C-5343-BCA4-16C04D55AFE5}"/>
+                  </a:ext>
+                </a:extLst>
+              </p:cNvPr>
+              <p:cNvSpPr txBox="1"/>
+              <p:nvPr/>
+            </p:nvSpPr>
+            <p:spPr>
+              <a:xfrm>
+                <a:off x="4553310" y="1380135"/>
+                <a:ext cx="252195" cy="297675"/>
+              </a:xfrm>
+              <a:prstGeom prst="rect">
+                <a:avLst/>
+              </a:prstGeom>
+              <a:noFill/>
+              <a:ln>
+                <a:noFill/>
+              </a:ln>
+            </p:spPr>
+            <p:txBody>
+              <a:bodyPr lIns="68569" tIns="34275" rIns="68569" bIns="34275" anchor="t" anchorCtr="0">
+                <a:noAutofit/>
+              </a:bodyPr>
+              <a:lstStyle/>
+              <a:p>
+                <a:pPr>
+                  <a:buSzPct val="25000"/>
+                </a:pPr>
+                <a:r>
+                  <a:rPr lang="en-US" sz="2000" dirty="0">
+                    <a:solidFill>
+                      <a:schemeClr val="dk1"/>
+                    </a:solidFill>
+                    <a:latin typeface="Calibri"/>
+                    <a:ea typeface="Calibri"/>
+                    <a:cs typeface="Calibri"/>
+                    <a:sym typeface="Calibri"/>
+                  </a:rPr>
+                  <a:t>*</a:t>
+                </a:r>
+              </a:p>
+            </p:txBody>
+          </p:sp>
+          <p:cxnSp>
+            <p:nvCxnSpPr>
+              <p:cNvPr id="47" name="Shape 196">
+                <a:extLst>
+                  <a:ext uri="{FF2B5EF4-FFF2-40B4-BE49-F238E27FC236}">
+                    <a16:creationId xmlns:a16="http://schemas.microsoft.com/office/drawing/2014/main" id="{683FC0D6-0BDD-5347-8FAF-C72491EDCDD3}"/>
+                  </a:ext>
+                </a:extLst>
+              </p:cNvPr>
+              <p:cNvCxnSpPr>
+                <a:cxnSpLocks/>
+                <a:stCxn id="46" idx="2"/>
+                <a:endCxn id="45" idx="0"/>
+              </p:cNvCxnSpPr>
+              <p:nvPr/>
+            </p:nvCxnSpPr>
+            <p:spPr>
+              <a:xfrm flipH="1">
+                <a:off x="4679407" y="1677810"/>
+                <a:ext cx="1" cy="266627"/>
+              </a:xfrm>
+              <a:prstGeom prst="straightConnector1">
+                <a:avLst/>
+              </a:prstGeom>
+              <a:noFill/>
+              <a:ln w="9525" cap="flat" cmpd="sng">
+                <a:solidFill>
+                  <a:schemeClr val="dk2"/>
+                </a:solidFill>
+                <a:prstDash val="solid"/>
+                <a:round/>
+                <a:headEnd type="none" w="lg" len="lg"/>
+                <a:tailEnd type="none" w="lg" len="lg"/>
+              </a:ln>
+            </p:spPr>
+          </p:cxnSp>
+          <p:sp>
+            <p:nvSpPr>
+              <p:cNvPr id="48" name="Shape 193">
+                <a:extLst>
+                  <a:ext uri="{FF2B5EF4-FFF2-40B4-BE49-F238E27FC236}">
+                    <a16:creationId xmlns:a16="http://schemas.microsoft.com/office/drawing/2014/main" id="{B4F2AD12-9358-3347-B03D-F738FB34894B}"/>
+                  </a:ext>
+                </a:extLst>
+              </p:cNvPr>
+              <p:cNvSpPr txBox="1"/>
+              <p:nvPr/>
+            </p:nvSpPr>
+            <p:spPr>
+              <a:xfrm>
+                <a:off x="4568032" y="2472955"/>
+                <a:ext cx="222750" cy="297675"/>
+              </a:xfrm>
+              <a:prstGeom prst="rect">
+                <a:avLst/>
+              </a:prstGeom>
+              <a:noFill/>
+              <a:ln>
+                <a:noFill/>
+              </a:ln>
+            </p:spPr>
+            <p:txBody>
+              <a:bodyPr lIns="68569" tIns="34275" rIns="68569" bIns="34275" anchor="t" anchorCtr="0">
+                <a:noAutofit/>
+              </a:bodyPr>
+              <a:lstStyle/>
+              <a:p>
+                <a:pPr>
+                  <a:buSzPct val="25000"/>
+                </a:pPr>
+                <a:r>
+                  <a:rPr lang="en-US" sz="2000" dirty="0">
+                    <a:solidFill>
+                      <a:schemeClr val="dk1"/>
+                    </a:solidFill>
+                    <a:latin typeface="Calibri"/>
+                    <a:ea typeface="Calibri"/>
+                    <a:cs typeface="Calibri"/>
+                    <a:sym typeface="Calibri"/>
+                  </a:rPr>
+                  <a:t>a</a:t>
+                </a:r>
+              </a:p>
+            </p:txBody>
+          </p:sp>
+          <p:cxnSp>
+            <p:nvCxnSpPr>
+              <p:cNvPr id="49" name="Shape 196">
+                <a:extLst>
+                  <a:ext uri="{FF2B5EF4-FFF2-40B4-BE49-F238E27FC236}">
+                    <a16:creationId xmlns:a16="http://schemas.microsoft.com/office/drawing/2014/main" id="{4B2F7399-A432-514F-8E2A-8229E4559B80}"/>
+                  </a:ext>
+                </a:extLst>
+              </p:cNvPr>
+              <p:cNvCxnSpPr>
+                <a:cxnSpLocks/>
+                <a:stCxn id="45" idx="2"/>
+                <a:endCxn id="48" idx="0"/>
+              </p:cNvCxnSpPr>
+              <p:nvPr/>
+            </p:nvCxnSpPr>
+            <p:spPr>
+              <a:xfrm>
+                <a:off x="4679407" y="2242112"/>
+                <a:ext cx="0" cy="230843"/>
+              </a:xfrm>
+              <a:prstGeom prst="straightConnector1">
+                <a:avLst/>
+              </a:prstGeom>
+              <a:noFill/>
+              <a:ln w="9525" cap="flat" cmpd="sng">
+                <a:solidFill>
+                  <a:schemeClr val="dk2"/>
+                </a:solidFill>
+                <a:prstDash val="solid"/>
+                <a:round/>
+                <a:headEnd type="none" w="lg" len="lg"/>
+                <a:tailEnd type="none" w="lg" len="lg"/>
+              </a:ln>
+            </p:spPr>
+          </p:cxnSp>
+        </p:grpSp>
         <p:sp>
           <p:nvSpPr>
-            <p:cNvPr id="47" name="Shape 194">
+            <p:cNvPr id="65" name="TextBox 64">
               <a:extLst>
                 <a:ext uri="{FF2B5EF4-FFF2-40B4-BE49-F238E27FC236}">
-                  <a16:creationId xmlns:a16="http://schemas.microsoft.com/office/drawing/2014/main" id="{CCD51348-9135-9340-B8BB-7107C09D597F}"/>
+                  <a16:creationId xmlns:a16="http://schemas.microsoft.com/office/drawing/2014/main" id="{F9BF2EBB-3CDF-DB41-9F77-FD67B6F5D4B4}"/>
                 </a:ext>
               </a:extLst>
             </p:cNvPr>
@@ -8691,82 +9971,561 @@
           </p:nvSpPr>
           <p:spPr>
             <a:xfrm>
-              <a:off x="5957462" y="3233589"/>
-              <a:ext cx="185850" cy="297675"/>
+              <a:off x="4484571" y="3341727"/>
+              <a:ext cx="725485" cy="461665"/>
             </a:xfrm>
             <a:prstGeom prst="rect">
               <a:avLst/>
             </a:prstGeom>
-            <a:noFill/>
-            <a:ln>
-              <a:noFill/>
-            </a:ln>
+            <a:solidFill>
+              <a:schemeClr val="accent5">
+                <a:lumMod val="20000"/>
+                <a:lumOff val="80000"/>
+              </a:schemeClr>
+            </a:solidFill>
           </p:spPr>
           <p:txBody>
-            <a:bodyPr lIns="68569" tIns="34275" rIns="68569" bIns="34275" anchor="t" anchorCtr="0">
-              <a:noAutofit/>
+            <a:bodyPr wrap="square" rtlCol="0">
+              <a:spAutoFit/>
             </a:bodyPr>
             <a:lstStyle/>
             <a:p>
-              <a:pPr>
-                <a:buSzPct val="25000"/>
-              </a:pPr>
               <a:r>
-                <a:rPr lang="en-US" sz="1800" dirty="0">
-                  <a:solidFill>
-                    <a:schemeClr val="dk1"/>
-                  </a:solidFill>
-                  <a:latin typeface="Calibri"/>
-                  <a:ea typeface="Calibri"/>
-                  <a:cs typeface="Calibri"/>
-                  <a:sym typeface="Calibri"/>
+                <a:rPr lang="en-US" sz="2400" dirty="0">
+                  <a:latin typeface="Consolas" panose="020B0609020204030204" pitchFamily="49" charset="0"/>
+                  <a:cs typeface="Consolas" panose="020B0609020204030204" pitchFamily="49" charset="0"/>
                 </a:rPr>
-                <a:t>*</a:t>
+                <a:t>a**</a:t>
               </a:r>
             </a:p>
           </p:txBody>
         </p:sp>
-        <p:cxnSp>
-          <p:nvCxnSpPr>
-            <p:cNvPr id="49" name="Shape 196">
+        <p:sp>
+          <p:nvSpPr>
+            <p:cNvPr id="71" name="Rounded Rectangular Callout 70">
               <a:extLst>
                 <a:ext uri="{FF2B5EF4-FFF2-40B4-BE49-F238E27FC236}">
-                  <a16:creationId xmlns:a16="http://schemas.microsoft.com/office/drawing/2014/main" id="{6D8D0F24-5276-4F42-945C-46B63BB36BE4}"/>
+                  <a16:creationId xmlns:a16="http://schemas.microsoft.com/office/drawing/2014/main" id="{CA007B46-E805-8143-AE22-C38FDC2635B2}"/>
                 </a:ext>
               </a:extLst>
             </p:cNvPr>
-            <p:cNvCxnSpPr>
-              <a:cxnSpLocks/>
-              <a:endCxn id="46" idx="0"/>
-            </p:cNvCxnSpPr>
+            <p:cNvSpPr/>
             <p:nvPr/>
-          </p:nvCxnSpPr>
+          </p:nvSpPr>
           <p:spPr>
-            <a:xfrm flipH="1">
-              <a:off x="6095477" y="3531264"/>
-              <a:ext cx="744" cy="266627"/>
+            <a:xfrm>
+              <a:off x="4209207" y="4368339"/>
+              <a:ext cx="1243729" cy="423864"/>
             </a:xfrm>
-            <a:prstGeom prst="straightConnector1">
-              <a:avLst/>
+            <a:prstGeom prst="wedgeRoundRectCallout">
+              <a:avLst>
+                <a:gd name="adj1" fmla="val -6474"/>
+                <a:gd name="adj2" fmla="val -135972"/>
+                <a:gd name="adj3" fmla="val 16667"/>
+              </a:avLst>
             </a:prstGeom>
-            <a:noFill/>
-            <a:ln w="9525" cap="flat" cmpd="sng">
-              <a:solidFill>
-                <a:schemeClr val="dk2"/>
-              </a:solidFill>
-              <a:prstDash val="solid"/>
-              <a:round/>
-              <a:headEnd type="none" w="lg" len="lg"/>
-              <a:tailEnd type="none" w="lg" len="lg"/>
-            </a:ln>
           </p:spPr>
-        </p:cxnSp>
+          <p:style>
+            <a:lnRef idx="2">
+              <a:schemeClr val="accent1">
+                <a:shade val="50000"/>
+              </a:schemeClr>
+            </a:lnRef>
+            <a:fillRef idx="1">
+              <a:schemeClr val="accent1"/>
+            </a:fillRef>
+            <a:effectRef idx="0">
+              <a:schemeClr val="accent1"/>
+            </a:effectRef>
+            <a:fontRef idx="minor">
+              <a:schemeClr val="lt1"/>
+            </a:fontRef>
+          </p:style>
+          <p:txBody>
+            <a:bodyPr rtlCol="0" anchor="ctr"/>
+            <a:lstStyle/>
+            <a:p>
+              <a:pPr algn="ctr"/>
+              <a:r>
+                <a:rPr lang="en-US" sz="2000" dirty="0">
+                  <a:latin typeface="Consolas" panose="020B0609020204030204" pitchFamily="49" charset="0"/>
+                  <a:cs typeface="Consolas" panose="020B0609020204030204" pitchFamily="49" charset="0"/>
+                </a:rPr>
+                <a:t>(*(*a))</a:t>
+              </a:r>
+            </a:p>
+          </p:txBody>
+        </p:sp>
+      </p:grpSp>
+      <p:grpSp>
+        <p:nvGrpSpPr>
+          <p:cNvPr id="76" name="Group 75">
+            <a:extLst>
+              <a:ext uri="{FF2B5EF4-FFF2-40B4-BE49-F238E27FC236}">
+                <a16:creationId xmlns:a16="http://schemas.microsoft.com/office/drawing/2014/main" id="{03B3E757-720F-7C4E-80CB-B198ECA70C28}"/>
+              </a:ext>
+            </a:extLst>
+          </p:cNvPr>
+          <p:cNvGrpSpPr/>
+          <p:nvPr/>
+        </p:nvGrpSpPr>
+        <p:grpSpPr>
+          <a:xfrm>
+            <a:off x="5474892" y="1336542"/>
+            <a:ext cx="1489164" cy="3435714"/>
+            <a:chOff x="6151548" y="1356489"/>
+            <a:chExt cx="1489164" cy="3435714"/>
+          </a:xfrm>
+        </p:grpSpPr>
+        <p:grpSp>
+          <p:nvGrpSpPr>
+            <p:cNvPr id="50" name="Group 49">
+              <a:extLst>
+                <a:ext uri="{FF2B5EF4-FFF2-40B4-BE49-F238E27FC236}">
+                  <a16:creationId xmlns:a16="http://schemas.microsoft.com/office/drawing/2014/main" id="{8F9813F6-D0C1-944F-BED3-9E215B74771E}"/>
+                </a:ext>
+              </a:extLst>
+            </p:cNvPr>
+            <p:cNvGrpSpPr/>
+            <p:nvPr/>
+          </p:nvGrpSpPr>
+          <p:grpSpPr>
+            <a:xfrm>
+              <a:off x="6384186" y="1356489"/>
+              <a:ext cx="1097112" cy="1152788"/>
+              <a:chOff x="6966191" y="3073061"/>
+              <a:chExt cx="1097112" cy="1152788"/>
+            </a:xfrm>
+          </p:grpSpPr>
+          <p:sp>
+            <p:nvSpPr>
+              <p:cNvPr id="51" name="Shape 173">
+                <a:extLst>
+                  <a:ext uri="{FF2B5EF4-FFF2-40B4-BE49-F238E27FC236}">
+                    <a16:creationId xmlns:a16="http://schemas.microsoft.com/office/drawing/2014/main" id="{ACE2571E-E26E-6C47-B740-197CE5E2F4A3}"/>
+                  </a:ext>
+                </a:extLst>
+              </p:cNvPr>
+              <p:cNvSpPr txBox="1"/>
+              <p:nvPr/>
+            </p:nvSpPr>
+            <p:spPr>
+              <a:xfrm>
+                <a:off x="7840657" y="3508830"/>
+                <a:ext cx="222646" cy="297656"/>
+              </a:xfrm>
+              <a:prstGeom prst="rect">
+                <a:avLst/>
+              </a:prstGeom>
+              <a:noFill/>
+              <a:ln>
+                <a:noFill/>
+              </a:ln>
+            </p:spPr>
+            <p:txBody>
+              <a:bodyPr lIns="68569" tIns="34275" rIns="68569" bIns="34275" anchor="t" anchorCtr="0">
+                <a:noAutofit/>
+              </a:bodyPr>
+              <a:lstStyle/>
+              <a:p>
+                <a:pPr>
+                  <a:buSzPct val="25000"/>
+                </a:pPr>
+                <a:r>
+                  <a:rPr lang="en-US" sz="2000">
+                    <a:solidFill>
+                      <a:schemeClr val="dk1"/>
+                    </a:solidFill>
+                    <a:latin typeface="Calibri"/>
+                    <a:ea typeface="Calibri"/>
+                    <a:cs typeface="Calibri"/>
+                    <a:sym typeface="Calibri"/>
+                  </a:rPr>
+                  <a:t>c</a:t>
+                </a:r>
+              </a:p>
+            </p:txBody>
+          </p:sp>
+          <p:sp>
+            <p:nvSpPr>
+              <p:cNvPr id="52" name="Shape 174">
+                <a:extLst>
+                  <a:ext uri="{FF2B5EF4-FFF2-40B4-BE49-F238E27FC236}">
+                    <a16:creationId xmlns:a16="http://schemas.microsoft.com/office/drawing/2014/main" id="{11E6BAC5-AA49-9842-B376-4E6EA5D86B20}"/>
+                  </a:ext>
+                </a:extLst>
+              </p:cNvPr>
+              <p:cNvSpPr txBox="1"/>
+              <p:nvPr/>
+            </p:nvSpPr>
+            <p:spPr>
+              <a:xfrm>
+                <a:off x="7194791" y="3480518"/>
+                <a:ext cx="227409" cy="300038"/>
+              </a:xfrm>
+              <a:prstGeom prst="rect">
+                <a:avLst/>
+              </a:prstGeom>
+              <a:noFill/>
+              <a:ln>
+                <a:noFill/>
+              </a:ln>
+            </p:spPr>
+            <p:txBody>
+              <a:bodyPr lIns="68569" tIns="34275" rIns="68569" bIns="34275" anchor="t" anchorCtr="0">
+                <a:noAutofit/>
+              </a:bodyPr>
+              <a:lstStyle/>
+              <a:p>
+                <a:pPr>
+                  <a:buSzPct val="25000"/>
+                </a:pPr>
+                <a:r>
+                  <a:rPr lang="en-US" sz="2000" dirty="0">
+                    <a:solidFill>
+                      <a:schemeClr val="dk1"/>
+                    </a:solidFill>
+                    <a:latin typeface="Calibri"/>
+                    <a:ea typeface="Calibri"/>
+                    <a:cs typeface="Calibri"/>
+                    <a:sym typeface="Calibri"/>
+                  </a:rPr>
+                  <a:t>⋅</a:t>
+                </a:r>
+              </a:p>
+            </p:txBody>
+          </p:sp>
+          <p:sp>
+            <p:nvSpPr>
+              <p:cNvPr id="53" name="Shape 175">
+                <a:extLst>
+                  <a:ext uri="{FF2B5EF4-FFF2-40B4-BE49-F238E27FC236}">
+                    <a16:creationId xmlns:a16="http://schemas.microsoft.com/office/drawing/2014/main" id="{A2A6CC25-10D2-8744-A12D-22889E21DA79}"/>
+                  </a:ext>
+                </a:extLst>
+              </p:cNvPr>
+              <p:cNvSpPr txBox="1"/>
+              <p:nvPr/>
+            </p:nvSpPr>
+            <p:spPr>
+              <a:xfrm>
+                <a:off x="6966191" y="3925811"/>
+                <a:ext cx="230981" cy="300038"/>
+              </a:xfrm>
+              <a:prstGeom prst="rect">
+                <a:avLst/>
+              </a:prstGeom>
+              <a:noFill/>
+              <a:ln>
+                <a:noFill/>
+              </a:ln>
+            </p:spPr>
+            <p:txBody>
+              <a:bodyPr lIns="68569" tIns="34275" rIns="68569" bIns="34275" anchor="t" anchorCtr="0">
+                <a:noAutofit/>
+              </a:bodyPr>
+              <a:lstStyle/>
+              <a:p>
+                <a:pPr>
+                  <a:buSzPct val="25000"/>
+                </a:pPr>
+                <a:r>
+                  <a:rPr lang="en-US" sz="2000">
+                    <a:solidFill>
+                      <a:schemeClr val="dk1"/>
+                    </a:solidFill>
+                    <a:latin typeface="Calibri"/>
+                    <a:ea typeface="Calibri"/>
+                    <a:cs typeface="Calibri"/>
+                    <a:sym typeface="Calibri"/>
+                  </a:rPr>
+                  <a:t>a</a:t>
+                </a:r>
+              </a:p>
+            </p:txBody>
+          </p:sp>
+          <p:sp>
+            <p:nvSpPr>
+              <p:cNvPr id="54" name="Shape 176">
+                <a:extLst>
+                  <a:ext uri="{FF2B5EF4-FFF2-40B4-BE49-F238E27FC236}">
+                    <a16:creationId xmlns:a16="http://schemas.microsoft.com/office/drawing/2014/main" id="{77E8C164-8F66-DB44-86D7-D876FABC8825}"/>
+                  </a:ext>
+                </a:extLst>
+              </p:cNvPr>
+              <p:cNvSpPr txBox="1"/>
+              <p:nvPr/>
+            </p:nvSpPr>
+            <p:spPr>
+              <a:xfrm>
+                <a:off x="7366240" y="3924621"/>
+                <a:ext cx="239315" cy="300038"/>
+              </a:xfrm>
+              <a:prstGeom prst="rect">
+                <a:avLst/>
+              </a:prstGeom>
+              <a:noFill/>
+              <a:ln>
+                <a:noFill/>
+              </a:ln>
+            </p:spPr>
+            <p:txBody>
+              <a:bodyPr lIns="68569" tIns="34275" rIns="68569" bIns="34275" anchor="t" anchorCtr="0">
+                <a:noAutofit/>
+              </a:bodyPr>
+              <a:lstStyle/>
+              <a:p>
+                <a:pPr>
+                  <a:buSzPct val="25000"/>
+                </a:pPr>
+                <a:r>
+                  <a:rPr lang="en-US" sz="2000">
+                    <a:solidFill>
+                      <a:schemeClr val="dk1"/>
+                    </a:solidFill>
+                    <a:latin typeface="Calibri"/>
+                    <a:ea typeface="Calibri"/>
+                    <a:cs typeface="Calibri"/>
+                    <a:sym typeface="Calibri"/>
+                  </a:rPr>
+                  <a:t>b</a:t>
+                </a:r>
+              </a:p>
+            </p:txBody>
+          </p:sp>
+          <p:cxnSp>
+            <p:nvCxnSpPr>
+              <p:cNvPr id="55" name="Shape 177">
+                <a:extLst>
+                  <a:ext uri="{FF2B5EF4-FFF2-40B4-BE49-F238E27FC236}">
+                    <a16:creationId xmlns:a16="http://schemas.microsoft.com/office/drawing/2014/main" id="{C465F7AD-055E-F44B-8646-4CFE95E81A2C}"/>
+                  </a:ext>
+                </a:extLst>
+              </p:cNvPr>
+              <p:cNvCxnSpPr>
+                <a:stCxn id="52" idx="2"/>
+                <a:endCxn id="54" idx="0"/>
+              </p:cNvCxnSpPr>
+              <p:nvPr/>
+            </p:nvCxnSpPr>
+            <p:spPr>
+              <a:xfrm>
+                <a:off x="7308495" y="3780555"/>
+                <a:ext cx="177299" cy="144000"/>
+              </a:xfrm>
+              <a:prstGeom prst="straightConnector1">
+                <a:avLst/>
+              </a:prstGeom>
+              <a:noFill/>
+              <a:ln w="9525" cap="flat" cmpd="sng">
+                <a:solidFill>
+                  <a:schemeClr val="dk1"/>
+                </a:solidFill>
+                <a:prstDash val="solid"/>
+                <a:round/>
+                <a:headEnd type="none" w="med" len="med"/>
+                <a:tailEnd type="none" w="med" len="med"/>
+              </a:ln>
+            </p:spPr>
+          </p:cxnSp>
+          <p:sp>
+            <p:nvSpPr>
+              <p:cNvPr id="56" name="Shape 180">
+                <a:extLst>
+                  <a:ext uri="{FF2B5EF4-FFF2-40B4-BE49-F238E27FC236}">
+                    <a16:creationId xmlns:a16="http://schemas.microsoft.com/office/drawing/2014/main" id="{FF576327-DB34-5649-B3FA-E04B04A4F7FC}"/>
+                  </a:ext>
+                </a:extLst>
+              </p:cNvPr>
+              <p:cNvSpPr txBox="1"/>
+              <p:nvPr/>
+            </p:nvSpPr>
+            <p:spPr>
+              <a:xfrm>
+                <a:off x="7554906" y="3073061"/>
+                <a:ext cx="185737" cy="297656"/>
+              </a:xfrm>
+              <a:prstGeom prst="rect">
+                <a:avLst/>
+              </a:prstGeom>
+              <a:noFill/>
+              <a:ln>
+                <a:noFill/>
+              </a:ln>
+            </p:spPr>
+            <p:txBody>
+              <a:bodyPr lIns="68569" tIns="34275" rIns="68569" bIns="34275" anchor="t" anchorCtr="0">
+                <a:noAutofit/>
+              </a:bodyPr>
+              <a:lstStyle/>
+              <a:p>
+                <a:pPr>
+                  <a:buSzPct val="25000"/>
+                </a:pPr>
+                <a:r>
+                  <a:rPr lang="en-US" sz="2000">
+                    <a:solidFill>
+                      <a:schemeClr val="dk1"/>
+                    </a:solidFill>
+                    <a:latin typeface="Calibri"/>
+                    <a:ea typeface="Calibri"/>
+                    <a:cs typeface="Calibri"/>
+                    <a:sym typeface="Calibri"/>
+                  </a:rPr>
+                  <a:t>⋅</a:t>
+                </a:r>
+              </a:p>
+            </p:txBody>
+          </p:sp>
+          <p:cxnSp>
+            <p:nvCxnSpPr>
+              <p:cNvPr id="57" name="Shape 181">
+                <a:extLst>
+                  <a:ext uri="{FF2B5EF4-FFF2-40B4-BE49-F238E27FC236}">
+                    <a16:creationId xmlns:a16="http://schemas.microsoft.com/office/drawing/2014/main" id="{BA60470B-DCB2-224B-A2B5-1ECCAED3B62D}"/>
+                  </a:ext>
+                </a:extLst>
+              </p:cNvPr>
+              <p:cNvCxnSpPr>
+                <a:cxnSpLocks/>
+                <a:stCxn id="56" idx="2"/>
+                <a:endCxn id="52" idx="0"/>
+              </p:cNvCxnSpPr>
+              <p:nvPr/>
+            </p:nvCxnSpPr>
+            <p:spPr>
+              <a:xfrm flipH="1">
+                <a:off x="7308496" y="3370717"/>
+                <a:ext cx="339279" cy="109801"/>
+              </a:xfrm>
+              <a:prstGeom prst="straightConnector1">
+                <a:avLst/>
+              </a:prstGeom>
+              <a:noFill/>
+              <a:ln w="9525" cap="flat" cmpd="sng">
+                <a:solidFill>
+                  <a:schemeClr val="dk2"/>
+                </a:solidFill>
+                <a:prstDash val="solid"/>
+                <a:round/>
+                <a:headEnd type="none" w="lg" len="lg"/>
+                <a:tailEnd type="none" w="lg" len="lg"/>
+              </a:ln>
+            </p:spPr>
+          </p:cxnSp>
+          <p:cxnSp>
+            <p:nvCxnSpPr>
+              <p:cNvPr id="58" name="Shape 182">
+                <a:extLst>
+                  <a:ext uri="{FF2B5EF4-FFF2-40B4-BE49-F238E27FC236}">
+                    <a16:creationId xmlns:a16="http://schemas.microsoft.com/office/drawing/2014/main" id="{D19E976B-C8D5-5E49-B991-D5AB98A01759}"/>
+                  </a:ext>
+                </a:extLst>
+              </p:cNvPr>
+              <p:cNvCxnSpPr>
+                <a:stCxn id="56" idx="2"/>
+                <a:endCxn id="51" idx="0"/>
+              </p:cNvCxnSpPr>
+              <p:nvPr/>
+            </p:nvCxnSpPr>
+            <p:spPr>
+              <a:xfrm>
+                <a:off x="7647775" y="3370717"/>
+                <a:ext cx="304200" cy="138150"/>
+              </a:xfrm>
+              <a:prstGeom prst="straightConnector1">
+                <a:avLst/>
+              </a:prstGeom>
+              <a:noFill/>
+              <a:ln w="9525" cap="flat" cmpd="sng">
+                <a:solidFill>
+                  <a:schemeClr val="dk2"/>
+                </a:solidFill>
+                <a:prstDash val="solid"/>
+                <a:round/>
+                <a:headEnd type="none" w="lg" len="lg"/>
+                <a:tailEnd type="none" w="lg" len="lg"/>
+              </a:ln>
+            </p:spPr>
+          </p:cxnSp>
+          <p:cxnSp>
+            <p:nvCxnSpPr>
+              <p:cNvPr id="59" name="Shape 185">
+                <a:extLst>
+                  <a:ext uri="{FF2B5EF4-FFF2-40B4-BE49-F238E27FC236}">
+                    <a16:creationId xmlns:a16="http://schemas.microsoft.com/office/drawing/2014/main" id="{859AAF8A-E6FA-244E-B53A-AB84C8C37B4E}"/>
+                  </a:ext>
+                </a:extLst>
+              </p:cNvPr>
+              <p:cNvCxnSpPr>
+                <a:cxnSpLocks/>
+                <a:stCxn id="52" idx="2"/>
+                <a:endCxn id="53" idx="0"/>
+              </p:cNvCxnSpPr>
+              <p:nvPr/>
+            </p:nvCxnSpPr>
+            <p:spPr>
+              <a:xfrm flipH="1">
+                <a:off x="7081682" y="3780556"/>
+                <a:ext cx="226814" cy="145255"/>
+              </a:xfrm>
+              <a:prstGeom prst="straightConnector1">
+                <a:avLst/>
+              </a:prstGeom>
+              <a:noFill/>
+              <a:ln w="9525" cap="flat" cmpd="sng">
+                <a:solidFill>
+                  <a:schemeClr val="dk2"/>
+                </a:solidFill>
+                <a:prstDash val="solid"/>
+                <a:round/>
+                <a:headEnd type="none" w="lg" len="lg"/>
+                <a:tailEnd type="none" w="lg" len="lg"/>
+              </a:ln>
+            </p:spPr>
+          </p:cxnSp>
+          <p:cxnSp>
+            <p:nvCxnSpPr>
+              <p:cNvPr id="60" name="Shape 186">
+                <a:extLst>
+                  <a:ext uri="{FF2B5EF4-FFF2-40B4-BE49-F238E27FC236}">
+                    <a16:creationId xmlns:a16="http://schemas.microsoft.com/office/drawing/2014/main" id="{AA182712-A079-114F-9D31-0A16D89E7C6E}"/>
+                  </a:ext>
+                </a:extLst>
+              </p:cNvPr>
+              <p:cNvCxnSpPr>
+                <a:stCxn id="52" idx="2"/>
+                <a:endCxn id="54" idx="0"/>
+              </p:cNvCxnSpPr>
+              <p:nvPr/>
+            </p:nvCxnSpPr>
+            <p:spPr>
+              <a:xfrm>
+                <a:off x="7308495" y="3780555"/>
+                <a:ext cx="177299" cy="144000"/>
+              </a:xfrm>
+              <a:prstGeom prst="straightConnector1">
+                <a:avLst/>
+              </a:prstGeom>
+              <a:noFill/>
+              <a:ln w="9525" cap="flat" cmpd="sng">
+                <a:solidFill>
+                  <a:schemeClr val="dk2"/>
+                </a:solidFill>
+                <a:prstDash val="solid"/>
+                <a:round/>
+                <a:headEnd type="none" w="lg" len="lg"/>
+                <a:tailEnd type="none" w="lg" len="lg"/>
+              </a:ln>
+            </p:spPr>
+          </p:cxnSp>
+        </p:grpSp>
         <p:sp>
           <p:nvSpPr>
-            <p:cNvPr id="57" name="Shape 193">
+            <p:cNvPr id="66" name="TextBox 65">
               <a:extLst>
                 <a:ext uri="{FF2B5EF4-FFF2-40B4-BE49-F238E27FC236}">
-                  <a16:creationId xmlns:a16="http://schemas.microsoft.com/office/drawing/2014/main" id="{1506EB67-589E-094D-B787-E309F8FFCA49}"/>
+                  <a16:creationId xmlns:a16="http://schemas.microsoft.com/office/drawing/2014/main" id="{CE0E6977-F16A-1941-8074-BBA375E94CA8}"/>
                 </a:ext>
               </a:extLst>
             </p:cNvPr>
@@ -8775,522 +10534,380 @@
           </p:nvSpPr>
           <p:spPr>
             <a:xfrm>
-              <a:off x="5984102" y="4326409"/>
-              <a:ext cx="222750" cy="297675"/>
+              <a:off x="6541046" y="3341726"/>
+              <a:ext cx="725485" cy="461665"/>
             </a:xfrm>
             <a:prstGeom prst="rect">
               <a:avLst/>
             </a:prstGeom>
-            <a:noFill/>
-            <a:ln>
-              <a:noFill/>
-            </a:ln>
+            <a:solidFill>
+              <a:schemeClr val="accent5">
+                <a:lumMod val="20000"/>
+                <a:lumOff val="80000"/>
+              </a:schemeClr>
+            </a:solidFill>
           </p:spPr>
           <p:txBody>
-            <a:bodyPr lIns="68569" tIns="34275" rIns="68569" bIns="34275" anchor="t" anchorCtr="0">
-              <a:noAutofit/>
+            <a:bodyPr wrap="square" rtlCol="0">
+              <a:spAutoFit/>
             </a:bodyPr>
             <a:lstStyle/>
             <a:p>
-              <a:pPr>
-                <a:buSzPct val="25000"/>
-              </a:pPr>
               <a:r>
-                <a:rPr lang="en-US" sz="1800" dirty="0">
-                  <a:solidFill>
-                    <a:schemeClr val="dk1"/>
-                  </a:solidFill>
-                  <a:latin typeface="Calibri"/>
-                  <a:ea typeface="Calibri"/>
-                  <a:cs typeface="Calibri"/>
-                  <a:sym typeface="Calibri"/>
+                <a:rPr lang="en-US" sz="2400" dirty="0" err="1">
+                  <a:latin typeface="Consolas" panose="020B0609020204030204" pitchFamily="49" charset="0"/>
+                  <a:cs typeface="Consolas" panose="020B0609020204030204" pitchFamily="49" charset="0"/>
                 </a:rPr>
-                <a:t>a</a:t>
+                <a:t>abc</a:t>
               </a:r>
-            </a:p>
-          </p:txBody>
-        </p:sp>
-        <p:cxnSp>
-          <p:nvCxnSpPr>
-            <p:cNvPr id="58" name="Shape 196">
-              <a:extLst>
-                <a:ext uri="{FF2B5EF4-FFF2-40B4-BE49-F238E27FC236}">
-                  <a16:creationId xmlns:a16="http://schemas.microsoft.com/office/drawing/2014/main" id="{8DE3AC52-2D0A-EB47-AE74-750E08F67DF2}"/>
-                </a:ext>
-              </a:extLst>
-            </p:cNvPr>
-            <p:cNvCxnSpPr>
-              <a:cxnSpLocks/>
-              <a:stCxn id="46" idx="2"/>
-              <a:endCxn id="57" idx="0"/>
-            </p:cNvCxnSpPr>
-            <p:nvPr/>
-          </p:nvCxnSpPr>
-          <p:spPr>
-            <a:xfrm>
-              <a:off x="6095477" y="4095566"/>
-              <a:ext cx="0" cy="230843"/>
-            </a:xfrm>
-            <a:prstGeom prst="straightConnector1">
-              <a:avLst/>
-            </a:prstGeom>
-            <a:noFill/>
-            <a:ln w="9525" cap="flat" cmpd="sng">
-              <a:solidFill>
-                <a:schemeClr val="dk2"/>
-              </a:solidFill>
-              <a:prstDash val="solid"/>
-              <a:round/>
-              <a:headEnd type="none" w="lg" len="lg"/>
-              <a:tailEnd type="none" w="lg" len="lg"/>
-            </a:ln>
-          </p:spPr>
-        </p:cxnSp>
-      </p:grpSp>
-      <p:grpSp>
-        <p:nvGrpSpPr>
-          <p:cNvPr id="15" name="Group 14">
-            <a:extLst>
-              <a:ext uri="{FF2B5EF4-FFF2-40B4-BE49-F238E27FC236}">
-                <a16:creationId xmlns:a16="http://schemas.microsoft.com/office/drawing/2014/main" id="{6D4C1604-0661-7A42-8E41-70ED4260EB94}"/>
-              </a:ext>
-            </a:extLst>
-          </p:cNvPr>
-          <p:cNvGrpSpPr/>
-          <p:nvPr/>
-        </p:nvGrpSpPr>
-        <p:grpSpPr>
-          <a:xfrm>
-            <a:off x="6966191" y="3073061"/>
-            <a:ext cx="1097112" cy="1152788"/>
-            <a:chOff x="6966191" y="3073061"/>
-            <a:chExt cx="1097112" cy="1152788"/>
-          </a:xfrm>
-        </p:grpSpPr>
-        <p:sp>
-          <p:nvSpPr>
-            <p:cNvPr id="65" name="Shape 173">
-              <a:extLst>
-                <a:ext uri="{FF2B5EF4-FFF2-40B4-BE49-F238E27FC236}">
-                  <a16:creationId xmlns:a16="http://schemas.microsoft.com/office/drawing/2014/main" id="{76494F1E-64D2-3D4A-9EAD-81538797E7E0}"/>
-                </a:ext>
-              </a:extLst>
-            </p:cNvPr>
-            <p:cNvSpPr txBox="1"/>
-            <p:nvPr/>
-          </p:nvSpPr>
-          <p:spPr>
-            <a:xfrm>
-              <a:off x="7840657" y="3508830"/>
-              <a:ext cx="222646" cy="297656"/>
-            </a:xfrm>
-            <a:prstGeom prst="rect">
-              <a:avLst/>
-            </a:prstGeom>
-            <a:noFill/>
-            <a:ln>
-              <a:noFill/>
-            </a:ln>
-          </p:spPr>
-          <p:txBody>
-            <a:bodyPr lIns="68569" tIns="34275" rIns="68569" bIns="34275" anchor="t" anchorCtr="0">
-              <a:noAutofit/>
-            </a:bodyPr>
-            <a:lstStyle/>
-            <a:p>
-              <a:pPr>
-                <a:buSzPct val="25000"/>
-              </a:pPr>
-              <a:r>
-                <a:rPr lang="en-US" sz="1800">
-                  <a:solidFill>
-                    <a:schemeClr val="dk1"/>
-                  </a:solidFill>
-                  <a:latin typeface="Calibri"/>
-                  <a:ea typeface="Calibri"/>
-                  <a:cs typeface="Calibri"/>
-                  <a:sym typeface="Calibri"/>
-                </a:rPr>
-                <a:t>c</a:t>
-              </a:r>
+              <a:endParaRPr lang="en-US" sz="2400" dirty="0">
+                <a:latin typeface="Consolas" panose="020B0609020204030204" pitchFamily="49" charset="0"/>
+                <a:cs typeface="Consolas" panose="020B0609020204030204" pitchFamily="49" charset="0"/>
+              </a:endParaRPr>
             </a:p>
           </p:txBody>
         </p:sp>
         <p:sp>
           <p:nvSpPr>
-            <p:cNvPr id="66" name="Shape 174">
+            <p:cNvPr id="72" name="Rounded Rectangular Callout 71">
               <a:extLst>
                 <a:ext uri="{FF2B5EF4-FFF2-40B4-BE49-F238E27FC236}">
-                  <a16:creationId xmlns:a16="http://schemas.microsoft.com/office/drawing/2014/main" id="{A9924F0B-F326-4944-8BEB-D67519872375}"/>
+                  <a16:creationId xmlns:a16="http://schemas.microsoft.com/office/drawing/2014/main" id="{B4115B04-24A3-F442-8DA5-1AE398761729}"/>
                 </a:ext>
               </a:extLst>
             </p:cNvPr>
-            <p:cNvSpPr txBox="1"/>
+            <p:cNvSpPr/>
             <p:nvPr/>
           </p:nvSpPr>
           <p:spPr>
             <a:xfrm>
-              <a:off x="7194791" y="3480518"/>
-              <a:ext cx="227409" cy="300038"/>
+              <a:off x="6151548" y="4368339"/>
+              <a:ext cx="1489164" cy="423864"/>
             </a:xfrm>
-            <a:prstGeom prst="rect">
-              <a:avLst/>
+            <a:prstGeom prst="wedgeRoundRectCallout">
+              <a:avLst>
+                <a:gd name="adj1" fmla="val -6474"/>
+                <a:gd name="adj2" fmla="val -135972"/>
+                <a:gd name="adj3" fmla="val 16667"/>
+              </a:avLst>
             </a:prstGeom>
-            <a:noFill/>
-            <a:ln>
-              <a:noFill/>
-            </a:ln>
           </p:spPr>
+          <p:style>
+            <a:lnRef idx="2">
+              <a:schemeClr val="accent1">
+                <a:shade val="50000"/>
+              </a:schemeClr>
+            </a:lnRef>
+            <a:fillRef idx="1">
+              <a:schemeClr val="accent1"/>
+            </a:fillRef>
+            <a:effectRef idx="0">
+              <a:schemeClr val="accent1"/>
+            </a:effectRef>
+            <a:fontRef idx="minor">
+              <a:schemeClr val="lt1"/>
+            </a:fontRef>
+          </p:style>
           <p:txBody>
-            <a:bodyPr lIns="68569" tIns="34275" rIns="68569" bIns="34275" anchor="t" anchorCtr="0">
-              <a:noAutofit/>
-            </a:bodyPr>
+            <a:bodyPr rtlCol="0" anchor="ctr"/>
             <a:lstStyle/>
             <a:p>
-              <a:pPr>
-                <a:buSzPct val="25000"/>
-              </a:pPr>
+              <a:pPr algn="ctr"/>
               <a:r>
-                <a:rPr lang="en-US" sz="1800" dirty="0">
-                  <a:solidFill>
-                    <a:schemeClr val="dk1"/>
-                  </a:solidFill>
-                  <a:latin typeface="Calibri"/>
-                  <a:ea typeface="Calibri"/>
-                  <a:cs typeface="Calibri"/>
-                  <a:sym typeface="Calibri"/>
+                <a:rPr lang="en-US" sz="2000" dirty="0">
+                  <a:latin typeface="Consolas" panose="020B0609020204030204" pitchFamily="49" charset="0"/>
+                  <a:cs typeface="Consolas" panose="020B0609020204030204" pitchFamily="49" charset="0"/>
                 </a:rPr>
-                <a:t>⋅</a:t>
+                <a:t>(.(.ab)c)</a:t>
               </a:r>
             </a:p>
           </p:txBody>
         </p:sp>
-        <p:sp>
-          <p:nvSpPr>
-            <p:cNvPr id="67" name="Shape 175">
-              <a:extLst>
-                <a:ext uri="{FF2B5EF4-FFF2-40B4-BE49-F238E27FC236}">
-                  <a16:creationId xmlns:a16="http://schemas.microsoft.com/office/drawing/2014/main" id="{C1FFB190-C8D1-204D-9EC8-5487D93E0004}"/>
-                </a:ext>
-              </a:extLst>
-            </p:cNvPr>
-            <p:cNvSpPr txBox="1"/>
-            <p:nvPr/>
-          </p:nvSpPr>
-          <p:spPr>
-            <a:xfrm>
-              <a:off x="6966191" y="3925811"/>
-              <a:ext cx="230981" cy="300038"/>
-            </a:xfrm>
-            <a:prstGeom prst="rect">
-              <a:avLst/>
-            </a:prstGeom>
-            <a:noFill/>
-            <a:ln>
-              <a:noFill/>
-            </a:ln>
-          </p:spPr>
-          <p:txBody>
-            <a:bodyPr lIns="68569" tIns="34275" rIns="68569" bIns="34275" anchor="t" anchorCtr="0">
-              <a:noAutofit/>
-            </a:bodyPr>
-            <a:lstStyle/>
-            <a:p>
-              <a:pPr>
-                <a:buSzPct val="25000"/>
-              </a:pPr>
-              <a:r>
-                <a:rPr lang="en-US" sz="1800">
-                  <a:solidFill>
-                    <a:schemeClr val="dk1"/>
-                  </a:solidFill>
-                  <a:latin typeface="Calibri"/>
-                  <a:ea typeface="Calibri"/>
-                  <a:cs typeface="Calibri"/>
-                  <a:sym typeface="Calibri"/>
-                </a:rPr>
-                <a:t>a</a:t>
-              </a:r>
-            </a:p>
-          </p:txBody>
-        </p:sp>
-        <p:sp>
-          <p:nvSpPr>
-            <p:cNvPr id="68" name="Shape 176">
-              <a:extLst>
-                <a:ext uri="{FF2B5EF4-FFF2-40B4-BE49-F238E27FC236}">
-                  <a16:creationId xmlns:a16="http://schemas.microsoft.com/office/drawing/2014/main" id="{BCEB3636-CC38-6C46-99FB-3B40464E8E35}"/>
-                </a:ext>
-              </a:extLst>
-            </p:cNvPr>
-            <p:cNvSpPr txBox="1"/>
-            <p:nvPr/>
-          </p:nvSpPr>
-          <p:spPr>
-            <a:xfrm>
-              <a:off x="7366240" y="3924621"/>
-              <a:ext cx="239315" cy="300038"/>
-            </a:xfrm>
-            <a:prstGeom prst="rect">
-              <a:avLst/>
-            </a:prstGeom>
-            <a:noFill/>
-            <a:ln>
-              <a:noFill/>
-            </a:ln>
-          </p:spPr>
-          <p:txBody>
-            <a:bodyPr lIns="68569" tIns="34275" rIns="68569" bIns="34275" anchor="t" anchorCtr="0">
-              <a:noAutofit/>
-            </a:bodyPr>
-            <a:lstStyle/>
-            <a:p>
-              <a:pPr>
-                <a:buSzPct val="25000"/>
-              </a:pPr>
-              <a:r>
-                <a:rPr lang="en-US" sz="1800">
-                  <a:solidFill>
-                    <a:schemeClr val="dk1"/>
-                  </a:solidFill>
-                  <a:latin typeface="Calibri"/>
-                  <a:ea typeface="Calibri"/>
-                  <a:cs typeface="Calibri"/>
-                  <a:sym typeface="Calibri"/>
-                </a:rPr>
-                <a:t>b</a:t>
-              </a:r>
-            </a:p>
-          </p:txBody>
-        </p:sp>
-        <p:cxnSp>
-          <p:nvCxnSpPr>
-            <p:cNvPr id="69" name="Shape 177">
-              <a:extLst>
-                <a:ext uri="{FF2B5EF4-FFF2-40B4-BE49-F238E27FC236}">
-                  <a16:creationId xmlns:a16="http://schemas.microsoft.com/office/drawing/2014/main" id="{F0112F85-07DC-0E4B-9C4D-C240312881C2}"/>
-                </a:ext>
-              </a:extLst>
-            </p:cNvPr>
-            <p:cNvCxnSpPr>
-              <a:stCxn id="66" idx="2"/>
-              <a:endCxn id="68" idx="0"/>
-            </p:cNvCxnSpPr>
-            <p:nvPr/>
-          </p:nvCxnSpPr>
-          <p:spPr>
-            <a:xfrm>
-              <a:off x="7308495" y="3780555"/>
-              <a:ext cx="177299" cy="144000"/>
-            </a:xfrm>
-            <a:prstGeom prst="straightConnector1">
-              <a:avLst/>
-            </a:prstGeom>
-            <a:noFill/>
-            <a:ln w="9525" cap="flat" cmpd="sng">
-              <a:solidFill>
-                <a:schemeClr val="dk1"/>
-              </a:solidFill>
-              <a:prstDash val="solid"/>
-              <a:round/>
-              <a:headEnd type="none" w="med" len="med"/>
-              <a:tailEnd type="none" w="med" len="med"/>
-            </a:ln>
-          </p:spPr>
-        </p:cxnSp>
-        <p:sp>
-          <p:nvSpPr>
-            <p:cNvPr id="72" name="Shape 180">
-              <a:extLst>
-                <a:ext uri="{FF2B5EF4-FFF2-40B4-BE49-F238E27FC236}">
-                  <a16:creationId xmlns:a16="http://schemas.microsoft.com/office/drawing/2014/main" id="{00DB89F2-3D04-504F-8200-2EC6A6F0D251}"/>
-                </a:ext>
-              </a:extLst>
-            </p:cNvPr>
-            <p:cNvSpPr txBox="1"/>
-            <p:nvPr/>
-          </p:nvSpPr>
-          <p:spPr>
-            <a:xfrm>
-              <a:off x="7554906" y="3073061"/>
-              <a:ext cx="185737" cy="297656"/>
-            </a:xfrm>
-            <a:prstGeom prst="rect">
-              <a:avLst/>
-            </a:prstGeom>
-            <a:noFill/>
-            <a:ln>
-              <a:noFill/>
-            </a:ln>
-          </p:spPr>
-          <p:txBody>
-            <a:bodyPr lIns="68569" tIns="34275" rIns="68569" bIns="34275" anchor="t" anchorCtr="0">
-              <a:noAutofit/>
-            </a:bodyPr>
-            <a:lstStyle/>
-            <a:p>
-              <a:pPr>
-                <a:buSzPct val="25000"/>
-              </a:pPr>
-              <a:r>
-                <a:rPr lang="en-US" sz="1800">
-                  <a:solidFill>
-                    <a:schemeClr val="dk1"/>
-                  </a:solidFill>
-                  <a:latin typeface="Calibri"/>
-                  <a:ea typeface="Calibri"/>
-                  <a:cs typeface="Calibri"/>
-                  <a:sym typeface="Calibri"/>
-                </a:rPr>
-                <a:t>⋅</a:t>
-              </a:r>
-            </a:p>
-          </p:txBody>
-        </p:sp>
-        <p:cxnSp>
-          <p:nvCxnSpPr>
-            <p:cNvPr id="73" name="Shape 181">
-              <a:extLst>
-                <a:ext uri="{FF2B5EF4-FFF2-40B4-BE49-F238E27FC236}">
-                  <a16:creationId xmlns:a16="http://schemas.microsoft.com/office/drawing/2014/main" id="{05B1170B-906A-E34F-86D3-F7571971FCE7}"/>
-                </a:ext>
-              </a:extLst>
-            </p:cNvPr>
-            <p:cNvCxnSpPr>
-              <a:cxnSpLocks/>
-              <a:stCxn id="72" idx="2"/>
-              <a:endCxn id="66" idx="0"/>
-            </p:cNvCxnSpPr>
-            <p:nvPr/>
-          </p:nvCxnSpPr>
-          <p:spPr>
-            <a:xfrm flipH="1">
-              <a:off x="7308496" y="3370717"/>
-              <a:ext cx="339279" cy="109801"/>
-            </a:xfrm>
-            <a:prstGeom prst="straightConnector1">
-              <a:avLst/>
-            </a:prstGeom>
-            <a:noFill/>
-            <a:ln w="9525" cap="flat" cmpd="sng">
-              <a:solidFill>
-                <a:schemeClr val="dk2"/>
-              </a:solidFill>
-              <a:prstDash val="solid"/>
-              <a:round/>
-              <a:headEnd type="none" w="lg" len="lg"/>
-              <a:tailEnd type="none" w="lg" len="lg"/>
-            </a:ln>
-          </p:spPr>
-        </p:cxnSp>
-        <p:cxnSp>
-          <p:nvCxnSpPr>
-            <p:cNvPr id="74" name="Shape 182">
-              <a:extLst>
-                <a:ext uri="{FF2B5EF4-FFF2-40B4-BE49-F238E27FC236}">
-                  <a16:creationId xmlns:a16="http://schemas.microsoft.com/office/drawing/2014/main" id="{BFF1CC05-6D7B-EB45-8188-CEBB560FE705}"/>
-                </a:ext>
-              </a:extLst>
-            </p:cNvPr>
-            <p:cNvCxnSpPr>
-              <a:stCxn id="72" idx="2"/>
-              <a:endCxn id="65" idx="0"/>
-            </p:cNvCxnSpPr>
-            <p:nvPr/>
-          </p:nvCxnSpPr>
-          <p:spPr>
-            <a:xfrm>
-              <a:off x="7647775" y="3370717"/>
-              <a:ext cx="304200" cy="138150"/>
-            </a:xfrm>
-            <a:prstGeom prst="straightConnector1">
-              <a:avLst/>
-            </a:prstGeom>
-            <a:noFill/>
-            <a:ln w="9525" cap="flat" cmpd="sng">
-              <a:solidFill>
-                <a:schemeClr val="dk2"/>
-              </a:solidFill>
-              <a:prstDash val="solid"/>
-              <a:round/>
-              <a:headEnd type="none" w="lg" len="lg"/>
-              <a:tailEnd type="none" w="lg" len="lg"/>
-            </a:ln>
-          </p:spPr>
-        </p:cxnSp>
-        <p:cxnSp>
-          <p:nvCxnSpPr>
-            <p:cNvPr id="77" name="Shape 185">
-              <a:extLst>
-                <a:ext uri="{FF2B5EF4-FFF2-40B4-BE49-F238E27FC236}">
-                  <a16:creationId xmlns:a16="http://schemas.microsoft.com/office/drawing/2014/main" id="{AD95B724-AA39-A344-BF97-68DB19536137}"/>
-                </a:ext>
-              </a:extLst>
-            </p:cNvPr>
-            <p:cNvCxnSpPr>
-              <a:cxnSpLocks/>
-              <a:stCxn id="66" idx="2"/>
-              <a:endCxn id="67" idx="0"/>
-            </p:cNvCxnSpPr>
-            <p:nvPr/>
-          </p:nvCxnSpPr>
-          <p:spPr>
-            <a:xfrm flipH="1">
-              <a:off x="7081682" y="3780556"/>
-              <a:ext cx="226814" cy="145255"/>
-            </a:xfrm>
-            <a:prstGeom prst="straightConnector1">
-              <a:avLst/>
-            </a:prstGeom>
-            <a:noFill/>
-            <a:ln w="9525" cap="flat" cmpd="sng">
-              <a:solidFill>
-                <a:schemeClr val="dk2"/>
-              </a:solidFill>
-              <a:prstDash val="solid"/>
-              <a:round/>
-              <a:headEnd type="none" w="lg" len="lg"/>
-              <a:tailEnd type="none" w="lg" len="lg"/>
-            </a:ln>
-          </p:spPr>
-        </p:cxnSp>
-        <p:cxnSp>
-          <p:nvCxnSpPr>
-            <p:cNvPr id="78" name="Shape 186">
-              <a:extLst>
-                <a:ext uri="{FF2B5EF4-FFF2-40B4-BE49-F238E27FC236}">
-                  <a16:creationId xmlns:a16="http://schemas.microsoft.com/office/drawing/2014/main" id="{D9100A44-6DD3-0245-9EDC-B78145566A67}"/>
-                </a:ext>
-              </a:extLst>
-            </p:cNvPr>
-            <p:cNvCxnSpPr>
-              <a:stCxn id="66" idx="2"/>
-              <a:endCxn id="68" idx="0"/>
-            </p:cNvCxnSpPr>
-            <p:nvPr/>
-          </p:nvCxnSpPr>
-          <p:spPr>
-            <a:xfrm>
-              <a:off x="7308495" y="3780555"/>
-              <a:ext cx="177299" cy="144000"/>
-            </a:xfrm>
-            <a:prstGeom prst="straightConnector1">
-              <a:avLst/>
-            </a:prstGeom>
-            <a:noFill/>
-            <a:ln w="9525" cap="flat" cmpd="sng">
-              <a:solidFill>
-                <a:schemeClr val="dk2"/>
-              </a:solidFill>
-              <a:prstDash val="solid"/>
-              <a:round/>
-              <a:headEnd type="none" w="lg" len="lg"/>
-              <a:tailEnd type="none" w="lg" len="lg"/>
-            </a:ln>
-          </p:spPr>
-        </p:cxnSp>
       </p:grpSp>
+      <p:sp>
+        <p:nvSpPr>
+          <p:cNvPr id="77" name="Rectangle 76">
+            <a:extLst>
+              <a:ext uri="{FF2B5EF4-FFF2-40B4-BE49-F238E27FC236}">
+                <a16:creationId xmlns:a16="http://schemas.microsoft.com/office/drawing/2014/main" id="{65D58E32-640C-9742-A2DB-2D5A92285D91}"/>
+              </a:ext>
+            </a:extLst>
+          </p:cNvPr>
+          <p:cNvSpPr/>
+          <p:nvPr/>
+        </p:nvSpPr>
+        <p:spPr>
+          <a:xfrm>
+            <a:off x="6964056" y="1529087"/>
+            <a:ext cx="1750176" cy="1121615"/>
+          </a:xfrm>
+          <a:prstGeom prst="rect">
+            <a:avLst/>
+          </a:prstGeom>
+        </p:spPr>
+        <p:style>
+          <a:lnRef idx="2">
+            <a:schemeClr val="dk1">
+              <a:shade val="50000"/>
+            </a:schemeClr>
+          </a:lnRef>
+          <a:fillRef idx="1">
+            <a:schemeClr val="dk1"/>
+          </a:fillRef>
+          <a:effectRef idx="0">
+            <a:schemeClr val="dk1"/>
+          </a:effectRef>
+          <a:fontRef idx="minor">
+            <a:schemeClr val="lt1"/>
+          </a:fontRef>
+        </p:style>
+        <p:txBody>
+          <a:bodyPr rtlCol="0" anchor="ctr"/>
+          <a:lstStyle/>
+          <a:p>
+            <a:r>
+              <a:rPr lang="en-US" dirty="0"/>
+              <a:t>Both alternation and concatenation are commutative, so we use left associativity to get a unique tree.</a:t>
+            </a:r>
+            <a:endParaRPr lang="en-US" dirty="0">
+              <a:latin typeface="Consolas" panose="020B0609020204030204" pitchFamily="49" charset="0"/>
+              <a:cs typeface="Consolas" panose="020B0609020204030204" pitchFamily="49" charset="0"/>
+            </a:endParaRPr>
+          </a:p>
+        </p:txBody>
+      </p:sp>
     </p:spTree>
+    <p:extLst>
+      <p:ext uri="{BB962C8B-B14F-4D97-AF65-F5344CB8AC3E}">
+        <p14:creationId xmlns:p14="http://schemas.microsoft.com/office/powerpoint/2010/main" val="1506102077"/>
+      </p:ext>
+    </p:extLst>
+  </p:cSld>
+  <p:clrMapOvr>
+    <a:masterClrMapping/>
+  </p:clrMapOvr>
+  <p:timing>
+    <p:tnLst>
+      <p:par>
+        <p:cTn id="1" dur="indefinite" restart="never" nodeType="tmRoot">
+          <p:childTnLst>
+            <p:seq concurrent="1" nextAc="seek">
+              <p:cTn id="2" dur="indefinite" nodeType="mainSeq">
+                <p:childTnLst>
+                  <p:par>
+                    <p:cTn id="3" fill="hold">
+                      <p:stCondLst>
+                        <p:cond delay="indefinite"/>
+                      </p:stCondLst>
+                      <p:childTnLst>
+                        <p:par>
+                          <p:cTn id="4" fill="hold">
+                            <p:stCondLst>
+                              <p:cond delay="0"/>
+                            </p:stCondLst>
+                            <p:childTnLst>
+                              <p:par>
+                                <p:cTn id="5" presetID="1" presetClass="entr" presetSubtype="0" fill="hold" nodeType="clickEffect">
+                                  <p:stCondLst>
+                                    <p:cond delay="0"/>
+                                  </p:stCondLst>
+                                  <p:childTnLst>
+                                    <p:set>
+                                      <p:cBhvr>
+                                        <p:cTn id="6" dur="1" fill="hold">
+                                          <p:stCondLst>
+                                            <p:cond delay="0"/>
+                                          </p:stCondLst>
+                                        </p:cTn>
+                                        <p:tgtEl>
+                                          <p:spTgt spid="74"/>
+                                        </p:tgtEl>
+                                        <p:attrNameLst>
+                                          <p:attrName>style.visibility</p:attrName>
+                                        </p:attrNameLst>
+                                      </p:cBhvr>
+                                      <p:to>
+                                        <p:strVal val="visible"/>
+                                      </p:to>
+                                    </p:set>
+                                  </p:childTnLst>
+                                </p:cTn>
+                              </p:par>
+                            </p:childTnLst>
+                          </p:cTn>
+                        </p:par>
+                      </p:childTnLst>
+                    </p:cTn>
+                  </p:par>
+                  <p:par>
+                    <p:cTn id="7" fill="hold">
+                      <p:stCondLst>
+                        <p:cond delay="indefinite"/>
+                      </p:stCondLst>
+                      <p:childTnLst>
+                        <p:par>
+                          <p:cTn id="8" fill="hold">
+                            <p:stCondLst>
+                              <p:cond delay="0"/>
+                            </p:stCondLst>
+                            <p:childTnLst>
+                              <p:par>
+                                <p:cTn id="9" presetID="1" presetClass="entr" presetSubtype="0" fill="hold" nodeType="clickEffect">
+                                  <p:stCondLst>
+                                    <p:cond delay="0"/>
+                                  </p:stCondLst>
+                                  <p:childTnLst>
+                                    <p:set>
+                                      <p:cBhvr>
+                                        <p:cTn id="10" dur="1" fill="hold">
+                                          <p:stCondLst>
+                                            <p:cond delay="0"/>
+                                          </p:stCondLst>
+                                        </p:cTn>
+                                        <p:tgtEl>
+                                          <p:spTgt spid="75"/>
+                                        </p:tgtEl>
+                                        <p:attrNameLst>
+                                          <p:attrName>style.visibility</p:attrName>
+                                        </p:attrNameLst>
+                                      </p:cBhvr>
+                                      <p:to>
+                                        <p:strVal val="visible"/>
+                                      </p:to>
+                                    </p:set>
+                                  </p:childTnLst>
+                                </p:cTn>
+                              </p:par>
+                            </p:childTnLst>
+                          </p:cTn>
+                        </p:par>
+                      </p:childTnLst>
+                    </p:cTn>
+                  </p:par>
+                  <p:par>
+                    <p:cTn id="11" fill="hold">
+                      <p:stCondLst>
+                        <p:cond delay="indefinite"/>
+                      </p:stCondLst>
+                      <p:childTnLst>
+                        <p:par>
+                          <p:cTn id="12" fill="hold">
+                            <p:stCondLst>
+                              <p:cond delay="0"/>
+                            </p:stCondLst>
+                            <p:childTnLst>
+                              <p:par>
+                                <p:cTn id="13" presetID="1" presetClass="entr" presetSubtype="0" fill="hold" grpId="0" nodeType="clickEffect">
+                                  <p:stCondLst>
+                                    <p:cond delay="0"/>
+                                  </p:stCondLst>
+                                  <p:childTnLst>
+                                    <p:set>
+                                      <p:cBhvr>
+                                        <p:cTn id="14" dur="1" fill="hold">
+                                          <p:stCondLst>
+                                            <p:cond delay="0"/>
+                                          </p:stCondLst>
+                                        </p:cTn>
+                                        <p:tgtEl>
+                                          <p:spTgt spid="77"/>
+                                        </p:tgtEl>
+                                        <p:attrNameLst>
+                                          <p:attrName>style.visibility</p:attrName>
+                                        </p:attrNameLst>
+                                      </p:cBhvr>
+                                      <p:to>
+                                        <p:strVal val="visible"/>
+                                      </p:to>
+                                    </p:set>
+                                  </p:childTnLst>
+                                </p:cTn>
+                              </p:par>
+                            </p:childTnLst>
+                          </p:cTn>
+                        </p:par>
+                      </p:childTnLst>
+                    </p:cTn>
+                  </p:par>
+                </p:childTnLst>
+              </p:cTn>
+              <p:prevCondLst>
+                <p:cond evt="onPrev" delay="0">
+                  <p:tgtEl>
+                    <p:sldTgt/>
+                  </p:tgtEl>
+                </p:cond>
+              </p:prevCondLst>
+              <p:nextCondLst>
+                <p:cond evt="onNext" delay="0">
+                  <p:tgtEl>
+                    <p:sldTgt/>
+                  </p:tgtEl>
+                </p:cond>
+              </p:nextCondLst>
+            </p:seq>
+          </p:childTnLst>
+        </p:cTn>
+      </p:par>
+    </p:tnLst>
+    <p:bldLst>
+      <p:bldP spid="77" grpId="0" animBg="1"/>
+    </p:bldLst>
+  </p:timing>
+</p:sld>
+</file>
+
+<file path=ppt/slides/slide6.xml><?xml version="1.0" encoding="utf-8"?>
+<p:sld xmlns:a="http://schemas.openxmlformats.org/drawingml/2006/main" xmlns:r="http://schemas.openxmlformats.org/officeDocument/2006/relationships" xmlns:p="http://schemas.openxmlformats.org/presentationml/2006/main">
+  <p:cSld>
+    <p:spTree>
+      <p:nvGrpSpPr>
+        <p:cNvPr id="1" name=""/>
+        <p:cNvGrpSpPr/>
+        <p:nvPr/>
+      </p:nvGrpSpPr>
+      <p:grpSpPr>
+        <a:xfrm>
+          <a:off x="0" y="0"/>
+          <a:ext cx="0" cy="0"/>
+          <a:chOff x="0" y="0"/>
+          <a:chExt cx="0" cy="0"/>
+        </a:xfrm>
+      </p:grpSpPr>
+      <p:sp>
+        <p:nvSpPr>
+          <p:cNvPr id="2" name="Title 1">
+            <a:extLst>
+              <a:ext uri="{FF2B5EF4-FFF2-40B4-BE49-F238E27FC236}">
+                <a16:creationId xmlns:a16="http://schemas.microsoft.com/office/drawing/2014/main" id="{5FCD3370-7898-F641-AC5A-B518B13426B3}"/>
+              </a:ext>
+            </a:extLst>
+          </p:cNvPr>
+          <p:cNvSpPr>
+            <a:spLocks noGrp="1"/>
+          </p:cNvSpPr>
+          <p:nvPr>
+            <p:ph type="title"/>
+          </p:nvPr>
+        </p:nvSpPr>
+        <p:spPr/>
+        <p:txBody>
+          <a:bodyPr/>
+          <a:lstStyle/>
+          <a:p>
+            <a:r>
+              <a:rPr lang="en-US" dirty="0"/>
+              <a:t>Equivalence of Regular Expressions</a:t>
+            </a:r>
+          </a:p>
+        </p:txBody>
+      </p:sp>
+    </p:spTree>
+    <p:extLst>
+      <p:ext uri="{BB962C8B-B14F-4D97-AF65-F5344CB8AC3E}">
+        <p14:creationId xmlns:p14="http://schemas.microsoft.com/office/powerpoint/2010/main" val="716593024"/>
+      </p:ext>
+    </p:extLst>
   </p:cSld>
   <p:clrMapOvr>
     <a:masterClrMapping/>
@@ -9298,7 +10915,7 @@
 </p:sld>
 </file>
 
-<file path=ppt/slides/slide5.xml><?xml version="1.0" encoding="utf-8"?>
+<file path=ppt/slides/slide7.xml><?xml version="1.0" encoding="utf-8"?>
 <p:sld xmlns:a="http://schemas.openxmlformats.org/drawingml/2006/main" xmlns:r="http://schemas.openxmlformats.org/officeDocument/2006/relationships" xmlns:p="http://schemas.openxmlformats.org/presentationml/2006/main">
   <p:cSld>
     <p:spTree>
@@ -9361,6 +10978,10 @@
           </p:nvPr>
         </p:nvSpPr>
         <p:spPr>
+          <a:xfrm>
+            <a:off x="628650" y="1369219"/>
+            <a:ext cx="3886200" cy="3671888"/>
+          </a:xfrm>
           <a:prstGeom prst="rect">
             <a:avLst/>
           </a:prstGeom>
@@ -9520,7 +11141,7 @@
         <p:spPr>
           <a:xfrm>
             <a:off x="4629150" y="1369219"/>
-            <a:ext cx="3886200" cy="2903674"/>
+            <a:ext cx="3886200" cy="3250536"/>
           </a:xfrm>
           <a:prstGeom prst="rect">
             <a:avLst/>
@@ -9695,7 +11316,7 @@
               <a:pPr algn="r">
                 <a:buSzPct val="25000"/>
               </a:pPr>
-              <a:t>5</a:t>
+              <a:t>7</a:t>
             </a:fld>
             <a:endParaRPr lang="en-US" sz="1050">
               <a:solidFill>
@@ -9718,12 +11339,16 @@
         <p:spPr>
           <a:xfrm>
             <a:off x="4718304" y="523745"/>
-            <a:ext cx="4306823" cy="494370"/>
+            <a:ext cx="4306823" cy="564826"/>
           </a:xfrm>
           <a:prstGeom prst="rect">
             <a:avLst/>
           </a:prstGeom>
-          <a:noFill/>
+          <a:solidFill>
+            <a:schemeClr val="accent1">
+              <a:lumMod val="75000"/>
+            </a:schemeClr>
+          </a:solidFill>
           <a:ln>
             <a:noFill/>
           </a:ln>
@@ -9743,7 +11368,7 @@
             <a:r>
               <a:rPr lang="en-US" sz="3000" b="1" dirty="0">
                 <a:solidFill>
-                  <a:srgbClr val="FF0000"/>
+                  <a:schemeClr val="bg1"/>
                 </a:solidFill>
                 <a:latin typeface="Calibri"/>
                 <a:ea typeface="Calibri"/>
@@ -9760,10 +11385,877 @@
   <p:clrMapOvr>
     <a:masterClrMapping/>
   </p:clrMapOvr>
+  <p:timing>
+    <p:tnLst>
+      <p:par>
+        <p:cTn id="1" dur="indefinite" restart="never" nodeType="tmRoot">
+          <p:childTnLst>
+            <p:seq concurrent="1" nextAc="seek">
+              <p:cTn id="2" dur="indefinite" nodeType="mainSeq">
+                <p:childTnLst>
+                  <p:par>
+                    <p:cTn id="3" fill="hold">
+                      <p:stCondLst>
+                        <p:cond delay="indefinite"/>
+                      </p:stCondLst>
+                      <p:childTnLst>
+                        <p:par>
+                          <p:cTn id="4" fill="hold">
+                            <p:stCondLst>
+                              <p:cond delay="0"/>
+                            </p:stCondLst>
+                            <p:childTnLst>
+                              <p:par>
+                                <p:cTn id="5" presetID="1" presetClass="entr" presetSubtype="0" fill="hold" grpId="0" nodeType="clickEffect">
+                                  <p:stCondLst>
+                                    <p:cond delay="0"/>
+                                  </p:stCondLst>
+                                  <p:childTnLst>
+                                    <p:set>
+                                      <p:cBhvr>
+                                        <p:cTn id="6" dur="1" fill="hold">
+                                          <p:stCondLst>
+                                            <p:cond delay="0"/>
+                                          </p:stCondLst>
+                                        </p:cTn>
+                                        <p:tgtEl>
+                                          <p:spTgt spid="209">
+                                            <p:txEl>
+                                              <p:pRg st="0" end="0"/>
+                                            </p:txEl>
+                                          </p:spTgt>
+                                        </p:tgtEl>
+                                        <p:attrNameLst>
+                                          <p:attrName>style.visibility</p:attrName>
+                                        </p:attrNameLst>
+                                      </p:cBhvr>
+                                      <p:to>
+                                        <p:strVal val="visible"/>
+                                      </p:to>
+                                    </p:set>
+                                  </p:childTnLst>
+                                </p:cTn>
+                              </p:par>
+                            </p:childTnLst>
+                          </p:cTn>
+                        </p:par>
+                      </p:childTnLst>
+                    </p:cTn>
+                  </p:par>
+                  <p:par>
+                    <p:cTn id="7" fill="hold">
+                      <p:stCondLst>
+                        <p:cond delay="indefinite"/>
+                      </p:stCondLst>
+                      <p:childTnLst>
+                        <p:par>
+                          <p:cTn id="8" fill="hold">
+                            <p:stCondLst>
+                              <p:cond delay="0"/>
+                            </p:stCondLst>
+                            <p:childTnLst>
+                              <p:par>
+                                <p:cTn id="9" presetID="1" presetClass="entr" presetSubtype="0" fill="hold" grpId="0" nodeType="clickEffect">
+                                  <p:stCondLst>
+                                    <p:cond delay="0"/>
+                                  </p:stCondLst>
+                                  <p:childTnLst>
+                                    <p:set>
+                                      <p:cBhvr>
+                                        <p:cTn id="10" dur="1" fill="hold">
+                                          <p:stCondLst>
+                                            <p:cond delay="0"/>
+                                          </p:stCondLst>
+                                        </p:cTn>
+                                        <p:tgtEl>
+                                          <p:spTgt spid="209">
+                                            <p:txEl>
+                                              <p:pRg st="1" end="1"/>
+                                            </p:txEl>
+                                          </p:spTgt>
+                                        </p:tgtEl>
+                                        <p:attrNameLst>
+                                          <p:attrName>style.visibility</p:attrName>
+                                        </p:attrNameLst>
+                                      </p:cBhvr>
+                                      <p:to>
+                                        <p:strVal val="visible"/>
+                                      </p:to>
+                                    </p:set>
+                                  </p:childTnLst>
+                                </p:cTn>
+                              </p:par>
+                            </p:childTnLst>
+                          </p:cTn>
+                        </p:par>
+                      </p:childTnLst>
+                    </p:cTn>
+                  </p:par>
+                  <p:par>
+                    <p:cTn id="11" fill="hold">
+                      <p:stCondLst>
+                        <p:cond delay="indefinite"/>
+                      </p:stCondLst>
+                      <p:childTnLst>
+                        <p:par>
+                          <p:cTn id="12" fill="hold">
+                            <p:stCondLst>
+                              <p:cond delay="0"/>
+                            </p:stCondLst>
+                            <p:childTnLst>
+                              <p:par>
+                                <p:cTn id="13" presetID="1" presetClass="entr" presetSubtype="0" fill="hold" grpId="0" nodeType="clickEffect">
+                                  <p:stCondLst>
+                                    <p:cond delay="0"/>
+                                  </p:stCondLst>
+                                  <p:childTnLst>
+                                    <p:set>
+                                      <p:cBhvr>
+                                        <p:cTn id="14" dur="1" fill="hold">
+                                          <p:stCondLst>
+                                            <p:cond delay="0"/>
+                                          </p:stCondLst>
+                                        </p:cTn>
+                                        <p:tgtEl>
+                                          <p:spTgt spid="209">
+                                            <p:txEl>
+                                              <p:pRg st="2" end="2"/>
+                                            </p:txEl>
+                                          </p:spTgt>
+                                        </p:tgtEl>
+                                        <p:attrNameLst>
+                                          <p:attrName>style.visibility</p:attrName>
+                                        </p:attrNameLst>
+                                      </p:cBhvr>
+                                      <p:to>
+                                        <p:strVal val="visible"/>
+                                      </p:to>
+                                    </p:set>
+                                  </p:childTnLst>
+                                </p:cTn>
+                              </p:par>
+                            </p:childTnLst>
+                          </p:cTn>
+                        </p:par>
+                      </p:childTnLst>
+                    </p:cTn>
+                  </p:par>
+                  <p:par>
+                    <p:cTn id="15" fill="hold">
+                      <p:stCondLst>
+                        <p:cond delay="indefinite"/>
+                      </p:stCondLst>
+                      <p:childTnLst>
+                        <p:par>
+                          <p:cTn id="16" fill="hold">
+                            <p:stCondLst>
+                              <p:cond delay="0"/>
+                            </p:stCondLst>
+                            <p:childTnLst>
+                              <p:par>
+                                <p:cTn id="17" presetID="1" presetClass="entr" presetSubtype="0" fill="hold" grpId="0" nodeType="clickEffect">
+                                  <p:stCondLst>
+                                    <p:cond delay="0"/>
+                                  </p:stCondLst>
+                                  <p:childTnLst>
+                                    <p:set>
+                                      <p:cBhvr>
+                                        <p:cTn id="18" dur="1" fill="hold">
+                                          <p:stCondLst>
+                                            <p:cond delay="0"/>
+                                          </p:stCondLst>
+                                        </p:cTn>
+                                        <p:tgtEl>
+                                          <p:spTgt spid="209">
+                                            <p:txEl>
+                                              <p:pRg st="3" end="3"/>
+                                            </p:txEl>
+                                          </p:spTgt>
+                                        </p:tgtEl>
+                                        <p:attrNameLst>
+                                          <p:attrName>style.visibility</p:attrName>
+                                        </p:attrNameLst>
+                                      </p:cBhvr>
+                                      <p:to>
+                                        <p:strVal val="visible"/>
+                                      </p:to>
+                                    </p:set>
+                                  </p:childTnLst>
+                                </p:cTn>
+                              </p:par>
+                            </p:childTnLst>
+                          </p:cTn>
+                        </p:par>
+                      </p:childTnLst>
+                    </p:cTn>
+                  </p:par>
+                  <p:par>
+                    <p:cTn id="19" fill="hold">
+                      <p:stCondLst>
+                        <p:cond delay="indefinite"/>
+                      </p:stCondLst>
+                      <p:childTnLst>
+                        <p:par>
+                          <p:cTn id="20" fill="hold">
+                            <p:stCondLst>
+                              <p:cond delay="0"/>
+                            </p:stCondLst>
+                            <p:childTnLst>
+                              <p:par>
+                                <p:cTn id="21" presetID="1" presetClass="entr" presetSubtype="0" fill="hold" grpId="0" nodeType="clickEffect">
+                                  <p:stCondLst>
+                                    <p:cond delay="0"/>
+                                  </p:stCondLst>
+                                  <p:childTnLst>
+                                    <p:set>
+                                      <p:cBhvr>
+                                        <p:cTn id="22" dur="1" fill="hold">
+                                          <p:stCondLst>
+                                            <p:cond delay="0"/>
+                                          </p:stCondLst>
+                                        </p:cTn>
+                                        <p:tgtEl>
+                                          <p:spTgt spid="209">
+                                            <p:txEl>
+                                              <p:pRg st="4" end="4"/>
+                                            </p:txEl>
+                                          </p:spTgt>
+                                        </p:tgtEl>
+                                        <p:attrNameLst>
+                                          <p:attrName>style.visibility</p:attrName>
+                                        </p:attrNameLst>
+                                      </p:cBhvr>
+                                      <p:to>
+                                        <p:strVal val="visible"/>
+                                      </p:to>
+                                    </p:set>
+                                  </p:childTnLst>
+                                </p:cTn>
+                              </p:par>
+                            </p:childTnLst>
+                          </p:cTn>
+                        </p:par>
+                      </p:childTnLst>
+                    </p:cTn>
+                  </p:par>
+                  <p:par>
+                    <p:cTn id="23" fill="hold">
+                      <p:stCondLst>
+                        <p:cond delay="indefinite"/>
+                      </p:stCondLst>
+                      <p:childTnLst>
+                        <p:par>
+                          <p:cTn id="24" fill="hold">
+                            <p:stCondLst>
+                              <p:cond delay="0"/>
+                            </p:stCondLst>
+                            <p:childTnLst>
+                              <p:par>
+                                <p:cTn id="25" presetID="1" presetClass="entr" presetSubtype="0" fill="hold" grpId="0" nodeType="clickEffect">
+                                  <p:stCondLst>
+                                    <p:cond delay="0"/>
+                                  </p:stCondLst>
+                                  <p:childTnLst>
+                                    <p:set>
+                                      <p:cBhvr>
+                                        <p:cTn id="26" dur="1" fill="hold">
+                                          <p:stCondLst>
+                                            <p:cond delay="0"/>
+                                          </p:stCondLst>
+                                        </p:cTn>
+                                        <p:tgtEl>
+                                          <p:spTgt spid="209">
+                                            <p:txEl>
+                                              <p:pRg st="5" end="5"/>
+                                            </p:txEl>
+                                          </p:spTgt>
+                                        </p:tgtEl>
+                                        <p:attrNameLst>
+                                          <p:attrName>style.visibility</p:attrName>
+                                        </p:attrNameLst>
+                                      </p:cBhvr>
+                                      <p:to>
+                                        <p:strVal val="visible"/>
+                                      </p:to>
+                                    </p:set>
+                                  </p:childTnLst>
+                                </p:cTn>
+                              </p:par>
+                            </p:childTnLst>
+                          </p:cTn>
+                        </p:par>
+                      </p:childTnLst>
+                    </p:cTn>
+                  </p:par>
+                  <p:par>
+                    <p:cTn id="27" fill="hold">
+                      <p:stCondLst>
+                        <p:cond delay="indefinite"/>
+                      </p:stCondLst>
+                      <p:childTnLst>
+                        <p:par>
+                          <p:cTn id="28" fill="hold">
+                            <p:stCondLst>
+                              <p:cond delay="0"/>
+                            </p:stCondLst>
+                            <p:childTnLst>
+                              <p:par>
+                                <p:cTn id="29" presetID="1" presetClass="entr" presetSubtype="0" fill="hold" grpId="0" nodeType="clickEffect">
+                                  <p:stCondLst>
+                                    <p:cond delay="0"/>
+                                  </p:stCondLst>
+                                  <p:childTnLst>
+                                    <p:set>
+                                      <p:cBhvr>
+                                        <p:cTn id="30" dur="1" fill="hold">
+                                          <p:stCondLst>
+                                            <p:cond delay="0"/>
+                                          </p:stCondLst>
+                                        </p:cTn>
+                                        <p:tgtEl>
+                                          <p:spTgt spid="209">
+                                            <p:txEl>
+                                              <p:pRg st="6" end="6"/>
+                                            </p:txEl>
+                                          </p:spTgt>
+                                        </p:tgtEl>
+                                        <p:attrNameLst>
+                                          <p:attrName>style.visibility</p:attrName>
+                                        </p:attrNameLst>
+                                      </p:cBhvr>
+                                      <p:to>
+                                        <p:strVal val="visible"/>
+                                      </p:to>
+                                    </p:set>
+                                  </p:childTnLst>
+                                </p:cTn>
+                              </p:par>
+                            </p:childTnLst>
+                          </p:cTn>
+                        </p:par>
+                      </p:childTnLst>
+                    </p:cTn>
+                  </p:par>
+                  <p:par>
+                    <p:cTn id="31" fill="hold">
+                      <p:stCondLst>
+                        <p:cond delay="indefinite"/>
+                      </p:stCondLst>
+                      <p:childTnLst>
+                        <p:par>
+                          <p:cTn id="32" fill="hold">
+                            <p:stCondLst>
+                              <p:cond delay="0"/>
+                            </p:stCondLst>
+                            <p:childTnLst>
+                              <p:par>
+                                <p:cTn id="33" presetID="1" presetClass="entr" presetSubtype="0" fill="hold" grpId="0" nodeType="clickEffect">
+                                  <p:stCondLst>
+                                    <p:cond delay="0"/>
+                                  </p:stCondLst>
+                                  <p:childTnLst>
+                                    <p:set>
+                                      <p:cBhvr>
+                                        <p:cTn id="34" dur="1" fill="hold">
+                                          <p:stCondLst>
+                                            <p:cond delay="0"/>
+                                          </p:stCondLst>
+                                        </p:cTn>
+                                        <p:tgtEl>
+                                          <p:spTgt spid="209">
+                                            <p:txEl>
+                                              <p:pRg st="7" end="7"/>
+                                            </p:txEl>
+                                          </p:spTgt>
+                                        </p:tgtEl>
+                                        <p:attrNameLst>
+                                          <p:attrName>style.visibility</p:attrName>
+                                        </p:attrNameLst>
+                                      </p:cBhvr>
+                                      <p:to>
+                                        <p:strVal val="visible"/>
+                                      </p:to>
+                                    </p:set>
+                                  </p:childTnLst>
+                                </p:cTn>
+                              </p:par>
+                            </p:childTnLst>
+                          </p:cTn>
+                        </p:par>
+                      </p:childTnLst>
+                    </p:cTn>
+                  </p:par>
+                  <p:par>
+                    <p:cTn id="35" fill="hold">
+                      <p:stCondLst>
+                        <p:cond delay="indefinite"/>
+                      </p:stCondLst>
+                      <p:childTnLst>
+                        <p:par>
+                          <p:cTn id="36" fill="hold">
+                            <p:stCondLst>
+                              <p:cond delay="0"/>
+                            </p:stCondLst>
+                            <p:childTnLst>
+                              <p:par>
+                                <p:cTn id="37" presetID="1" presetClass="entr" presetSubtype="0" fill="hold" grpId="0" nodeType="clickEffect">
+                                  <p:stCondLst>
+                                    <p:cond delay="0"/>
+                                  </p:stCondLst>
+                                  <p:childTnLst>
+                                    <p:set>
+                                      <p:cBhvr>
+                                        <p:cTn id="38" dur="1" fill="hold">
+                                          <p:stCondLst>
+                                            <p:cond delay="0"/>
+                                          </p:stCondLst>
+                                        </p:cTn>
+                                        <p:tgtEl>
+                                          <p:spTgt spid="209">
+                                            <p:txEl>
+                                              <p:pRg st="8" end="8"/>
+                                            </p:txEl>
+                                          </p:spTgt>
+                                        </p:tgtEl>
+                                        <p:attrNameLst>
+                                          <p:attrName>style.visibility</p:attrName>
+                                        </p:attrNameLst>
+                                      </p:cBhvr>
+                                      <p:to>
+                                        <p:strVal val="visible"/>
+                                      </p:to>
+                                    </p:set>
+                                  </p:childTnLst>
+                                </p:cTn>
+                              </p:par>
+                            </p:childTnLst>
+                          </p:cTn>
+                        </p:par>
+                      </p:childTnLst>
+                    </p:cTn>
+                  </p:par>
+                  <p:par>
+                    <p:cTn id="39" fill="hold">
+                      <p:stCondLst>
+                        <p:cond delay="indefinite"/>
+                      </p:stCondLst>
+                      <p:childTnLst>
+                        <p:par>
+                          <p:cTn id="40" fill="hold">
+                            <p:stCondLst>
+                              <p:cond delay="0"/>
+                            </p:stCondLst>
+                            <p:childTnLst>
+                              <p:par>
+                                <p:cTn id="41" presetID="1" presetClass="entr" presetSubtype="0" fill="hold" grpId="0" nodeType="clickEffect">
+                                  <p:stCondLst>
+                                    <p:cond delay="0"/>
+                                  </p:stCondLst>
+                                  <p:childTnLst>
+                                    <p:set>
+                                      <p:cBhvr>
+                                        <p:cTn id="42" dur="1" fill="hold">
+                                          <p:stCondLst>
+                                            <p:cond delay="0"/>
+                                          </p:stCondLst>
+                                        </p:cTn>
+                                        <p:tgtEl>
+                                          <p:spTgt spid="210">
+                                            <p:txEl>
+                                              <p:pRg st="0" end="0"/>
+                                            </p:txEl>
+                                          </p:spTgt>
+                                        </p:tgtEl>
+                                        <p:attrNameLst>
+                                          <p:attrName>style.visibility</p:attrName>
+                                        </p:attrNameLst>
+                                      </p:cBhvr>
+                                      <p:to>
+                                        <p:strVal val="visible"/>
+                                      </p:to>
+                                    </p:set>
+                                  </p:childTnLst>
+                                </p:cTn>
+                              </p:par>
+                            </p:childTnLst>
+                          </p:cTn>
+                        </p:par>
+                      </p:childTnLst>
+                    </p:cTn>
+                  </p:par>
+                  <p:par>
+                    <p:cTn id="43" fill="hold">
+                      <p:stCondLst>
+                        <p:cond delay="indefinite"/>
+                      </p:stCondLst>
+                      <p:childTnLst>
+                        <p:par>
+                          <p:cTn id="44" fill="hold">
+                            <p:stCondLst>
+                              <p:cond delay="0"/>
+                            </p:stCondLst>
+                            <p:childTnLst>
+                              <p:par>
+                                <p:cTn id="45" presetID="1" presetClass="entr" presetSubtype="0" fill="hold" grpId="0" nodeType="clickEffect">
+                                  <p:stCondLst>
+                                    <p:cond delay="0"/>
+                                  </p:stCondLst>
+                                  <p:childTnLst>
+                                    <p:set>
+                                      <p:cBhvr>
+                                        <p:cTn id="46" dur="1" fill="hold">
+                                          <p:stCondLst>
+                                            <p:cond delay="0"/>
+                                          </p:stCondLst>
+                                        </p:cTn>
+                                        <p:tgtEl>
+                                          <p:spTgt spid="210">
+                                            <p:txEl>
+                                              <p:pRg st="1" end="1"/>
+                                            </p:txEl>
+                                          </p:spTgt>
+                                        </p:tgtEl>
+                                        <p:attrNameLst>
+                                          <p:attrName>style.visibility</p:attrName>
+                                        </p:attrNameLst>
+                                      </p:cBhvr>
+                                      <p:to>
+                                        <p:strVal val="visible"/>
+                                      </p:to>
+                                    </p:set>
+                                  </p:childTnLst>
+                                </p:cTn>
+                              </p:par>
+                            </p:childTnLst>
+                          </p:cTn>
+                        </p:par>
+                      </p:childTnLst>
+                    </p:cTn>
+                  </p:par>
+                  <p:par>
+                    <p:cTn id="47" fill="hold">
+                      <p:stCondLst>
+                        <p:cond delay="indefinite"/>
+                      </p:stCondLst>
+                      <p:childTnLst>
+                        <p:par>
+                          <p:cTn id="48" fill="hold">
+                            <p:stCondLst>
+                              <p:cond delay="0"/>
+                            </p:stCondLst>
+                            <p:childTnLst>
+                              <p:par>
+                                <p:cTn id="49" presetID="1" presetClass="entr" presetSubtype="0" fill="hold" grpId="0" nodeType="clickEffect">
+                                  <p:stCondLst>
+                                    <p:cond delay="0"/>
+                                  </p:stCondLst>
+                                  <p:childTnLst>
+                                    <p:set>
+                                      <p:cBhvr>
+                                        <p:cTn id="50" dur="1" fill="hold">
+                                          <p:stCondLst>
+                                            <p:cond delay="0"/>
+                                          </p:stCondLst>
+                                        </p:cTn>
+                                        <p:tgtEl>
+                                          <p:spTgt spid="210">
+                                            <p:txEl>
+                                              <p:pRg st="2" end="2"/>
+                                            </p:txEl>
+                                          </p:spTgt>
+                                        </p:tgtEl>
+                                        <p:attrNameLst>
+                                          <p:attrName>style.visibility</p:attrName>
+                                        </p:attrNameLst>
+                                      </p:cBhvr>
+                                      <p:to>
+                                        <p:strVal val="visible"/>
+                                      </p:to>
+                                    </p:set>
+                                  </p:childTnLst>
+                                </p:cTn>
+                              </p:par>
+                            </p:childTnLst>
+                          </p:cTn>
+                        </p:par>
+                      </p:childTnLst>
+                    </p:cTn>
+                  </p:par>
+                  <p:par>
+                    <p:cTn id="51" fill="hold">
+                      <p:stCondLst>
+                        <p:cond delay="indefinite"/>
+                      </p:stCondLst>
+                      <p:childTnLst>
+                        <p:par>
+                          <p:cTn id="52" fill="hold">
+                            <p:stCondLst>
+                              <p:cond delay="0"/>
+                            </p:stCondLst>
+                            <p:childTnLst>
+                              <p:par>
+                                <p:cTn id="53" presetID="1" presetClass="entr" presetSubtype="0" fill="hold" grpId="0" nodeType="clickEffect">
+                                  <p:stCondLst>
+                                    <p:cond delay="0"/>
+                                  </p:stCondLst>
+                                  <p:childTnLst>
+                                    <p:set>
+                                      <p:cBhvr>
+                                        <p:cTn id="54" dur="1" fill="hold">
+                                          <p:stCondLst>
+                                            <p:cond delay="0"/>
+                                          </p:stCondLst>
+                                        </p:cTn>
+                                        <p:tgtEl>
+                                          <p:spTgt spid="210">
+                                            <p:txEl>
+                                              <p:pRg st="3" end="3"/>
+                                            </p:txEl>
+                                          </p:spTgt>
+                                        </p:tgtEl>
+                                        <p:attrNameLst>
+                                          <p:attrName>style.visibility</p:attrName>
+                                        </p:attrNameLst>
+                                      </p:cBhvr>
+                                      <p:to>
+                                        <p:strVal val="visible"/>
+                                      </p:to>
+                                    </p:set>
+                                  </p:childTnLst>
+                                </p:cTn>
+                              </p:par>
+                            </p:childTnLst>
+                          </p:cTn>
+                        </p:par>
+                      </p:childTnLst>
+                    </p:cTn>
+                  </p:par>
+                  <p:par>
+                    <p:cTn id="55" fill="hold">
+                      <p:stCondLst>
+                        <p:cond delay="indefinite"/>
+                      </p:stCondLst>
+                      <p:childTnLst>
+                        <p:par>
+                          <p:cTn id="56" fill="hold">
+                            <p:stCondLst>
+                              <p:cond delay="0"/>
+                            </p:stCondLst>
+                            <p:childTnLst>
+                              <p:par>
+                                <p:cTn id="57" presetID="1" presetClass="entr" presetSubtype="0" fill="hold" grpId="0" nodeType="clickEffect">
+                                  <p:stCondLst>
+                                    <p:cond delay="0"/>
+                                  </p:stCondLst>
+                                  <p:childTnLst>
+                                    <p:set>
+                                      <p:cBhvr>
+                                        <p:cTn id="58" dur="1" fill="hold">
+                                          <p:stCondLst>
+                                            <p:cond delay="0"/>
+                                          </p:stCondLst>
+                                        </p:cTn>
+                                        <p:tgtEl>
+                                          <p:spTgt spid="210">
+                                            <p:txEl>
+                                              <p:pRg st="4" end="4"/>
+                                            </p:txEl>
+                                          </p:spTgt>
+                                        </p:tgtEl>
+                                        <p:attrNameLst>
+                                          <p:attrName>style.visibility</p:attrName>
+                                        </p:attrNameLst>
+                                      </p:cBhvr>
+                                      <p:to>
+                                        <p:strVal val="visible"/>
+                                      </p:to>
+                                    </p:set>
+                                  </p:childTnLst>
+                                </p:cTn>
+                              </p:par>
+                            </p:childTnLst>
+                          </p:cTn>
+                        </p:par>
+                      </p:childTnLst>
+                    </p:cTn>
+                  </p:par>
+                  <p:par>
+                    <p:cTn id="59" fill="hold">
+                      <p:stCondLst>
+                        <p:cond delay="indefinite"/>
+                      </p:stCondLst>
+                      <p:childTnLst>
+                        <p:par>
+                          <p:cTn id="60" fill="hold">
+                            <p:stCondLst>
+                              <p:cond delay="0"/>
+                            </p:stCondLst>
+                            <p:childTnLst>
+                              <p:par>
+                                <p:cTn id="61" presetID="1" presetClass="entr" presetSubtype="0" fill="hold" grpId="0" nodeType="clickEffect">
+                                  <p:stCondLst>
+                                    <p:cond delay="0"/>
+                                  </p:stCondLst>
+                                  <p:childTnLst>
+                                    <p:set>
+                                      <p:cBhvr>
+                                        <p:cTn id="62" dur="1" fill="hold">
+                                          <p:stCondLst>
+                                            <p:cond delay="0"/>
+                                          </p:stCondLst>
+                                        </p:cTn>
+                                        <p:tgtEl>
+                                          <p:spTgt spid="210">
+                                            <p:txEl>
+                                              <p:pRg st="5" end="5"/>
+                                            </p:txEl>
+                                          </p:spTgt>
+                                        </p:tgtEl>
+                                        <p:attrNameLst>
+                                          <p:attrName>style.visibility</p:attrName>
+                                        </p:attrNameLst>
+                                      </p:cBhvr>
+                                      <p:to>
+                                        <p:strVal val="visible"/>
+                                      </p:to>
+                                    </p:set>
+                                  </p:childTnLst>
+                                </p:cTn>
+                              </p:par>
+                            </p:childTnLst>
+                          </p:cTn>
+                        </p:par>
+                      </p:childTnLst>
+                    </p:cTn>
+                  </p:par>
+                  <p:par>
+                    <p:cTn id="63" fill="hold">
+                      <p:stCondLst>
+                        <p:cond delay="indefinite"/>
+                      </p:stCondLst>
+                      <p:childTnLst>
+                        <p:par>
+                          <p:cTn id="64" fill="hold">
+                            <p:stCondLst>
+                              <p:cond delay="0"/>
+                            </p:stCondLst>
+                            <p:childTnLst>
+                              <p:par>
+                                <p:cTn id="65" presetID="1" presetClass="entr" presetSubtype="0" fill="hold" grpId="0" nodeType="clickEffect">
+                                  <p:stCondLst>
+                                    <p:cond delay="0"/>
+                                  </p:stCondLst>
+                                  <p:childTnLst>
+                                    <p:set>
+                                      <p:cBhvr>
+                                        <p:cTn id="66" dur="1" fill="hold">
+                                          <p:stCondLst>
+                                            <p:cond delay="0"/>
+                                          </p:stCondLst>
+                                        </p:cTn>
+                                        <p:tgtEl>
+                                          <p:spTgt spid="210">
+                                            <p:txEl>
+                                              <p:pRg st="6" end="6"/>
+                                            </p:txEl>
+                                          </p:spTgt>
+                                        </p:tgtEl>
+                                        <p:attrNameLst>
+                                          <p:attrName>style.visibility</p:attrName>
+                                        </p:attrNameLst>
+                                      </p:cBhvr>
+                                      <p:to>
+                                        <p:strVal val="visible"/>
+                                      </p:to>
+                                    </p:set>
+                                  </p:childTnLst>
+                                </p:cTn>
+                              </p:par>
+                            </p:childTnLst>
+                          </p:cTn>
+                        </p:par>
+                      </p:childTnLst>
+                    </p:cTn>
+                  </p:par>
+                  <p:par>
+                    <p:cTn id="67" fill="hold">
+                      <p:stCondLst>
+                        <p:cond delay="indefinite"/>
+                      </p:stCondLst>
+                      <p:childTnLst>
+                        <p:par>
+                          <p:cTn id="68" fill="hold">
+                            <p:stCondLst>
+                              <p:cond delay="0"/>
+                            </p:stCondLst>
+                            <p:childTnLst>
+                              <p:par>
+                                <p:cTn id="69" presetID="1" presetClass="entr" presetSubtype="0" fill="hold" grpId="0" nodeType="clickEffect">
+                                  <p:stCondLst>
+                                    <p:cond delay="0"/>
+                                  </p:stCondLst>
+                                  <p:childTnLst>
+                                    <p:set>
+                                      <p:cBhvr>
+                                        <p:cTn id="70" dur="1" fill="hold">
+                                          <p:stCondLst>
+                                            <p:cond delay="0"/>
+                                          </p:stCondLst>
+                                        </p:cTn>
+                                        <p:tgtEl>
+                                          <p:spTgt spid="210">
+                                            <p:txEl>
+                                              <p:pRg st="7" end="7"/>
+                                            </p:txEl>
+                                          </p:spTgt>
+                                        </p:tgtEl>
+                                        <p:attrNameLst>
+                                          <p:attrName>style.visibility</p:attrName>
+                                        </p:attrNameLst>
+                                      </p:cBhvr>
+                                      <p:to>
+                                        <p:strVal val="visible"/>
+                                      </p:to>
+                                    </p:set>
+                                  </p:childTnLst>
+                                </p:cTn>
+                              </p:par>
+                            </p:childTnLst>
+                          </p:cTn>
+                        </p:par>
+                      </p:childTnLst>
+                    </p:cTn>
+                  </p:par>
+                </p:childTnLst>
+              </p:cTn>
+              <p:prevCondLst>
+                <p:cond evt="onPrev" delay="0">
+                  <p:tgtEl>
+                    <p:sldTgt/>
+                  </p:tgtEl>
+                </p:cond>
+              </p:prevCondLst>
+              <p:nextCondLst>
+                <p:cond evt="onNext" delay="0">
+                  <p:tgtEl>
+                    <p:sldTgt/>
+                  </p:tgtEl>
+                </p:cond>
+              </p:nextCondLst>
+            </p:seq>
+          </p:childTnLst>
+        </p:cTn>
+      </p:par>
+    </p:tnLst>
+    <p:bldLst>
+      <p:bldP spid="209" grpId="0" build="p"/>
+      <p:bldP spid="210" grpId="0" build="p"/>
+    </p:bldLst>
+  </p:timing>
 </p:sld>
 </file>
 
-<file path=ppt/slides/slide6.xml><?xml version="1.0" encoding="utf-8"?>
+<file path=ppt/slides/slide8.xml><?xml version="1.0" encoding="utf-8"?>
 <p:sld xmlns:a="http://schemas.openxmlformats.org/drawingml/2006/main" xmlns:r="http://schemas.openxmlformats.org/officeDocument/2006/relationships" xmlns:p="http://schemas.openxmlformats.org/presentationml/2006/main">
   <p:cSld>
     <p:spTree>
@@ -9822,10 +12314,14 @@
             <a:spLocks noGrp="1"/>
           </p:cNvSpPr>
           <p:nvPr>
-            <p:ph sz="half" idx="1"/>
+            <p:ph idx="1"/>
           </p:nvPr>
         </p:nvSpPr>
         <p:spPr>
+          <a:xfrm>
+            <a:off x="628650" y="1369218"/>
+            <a:ext cx="7886700" cy="3500437"/>
+          </a:xfrm>
           <a:prstGeom prst="rect">
             <a:avLst/>
           </a:prstGeom>
@@ -9846,11 +12342,11 @@
               </a:spcBef>
             </a:pPr>
             <a:r>
-              <a:rPr lang="en-US" dirty="0"/>
+              <a:rPr lang="en-US" sz="2000" dirty="0"/>
               <a:t>(0</a:t>
             </a:r>
             <a:r>
-              <a:rPr lang="en-US" dirty="0">
+              <a:rPr lang="en-US" sz="2000" dirty="0">
                 <a:solidFill>
                   <a:schemeClr val="accent2">
                     <a:lumMod val="60000"/>
@@ -9861,14 +12357,14 @@
               <a:t>(10)*1</a:t>
             </a:r>
             <a:r>
-              <a:rPr lang="en-US" dirty="0"/>
+              <a:rPr lang="en-US" sz="2000" dirty="0"/>
               <a:t>)|(01)*</a:t>
             </a:r>
           </a:p>
           <a:p>
             <a:pPr indent="-257175"/>
             <a:r>
-              <a:rPr lang="en-US" dirty="0">
+              <a:rPr lang="en-US" sz="2000" dirty="0">
                 <a:solidFill>
                   <a:schemeClr val="tx1"/>
                 </a:solidFill>
@@ -9876,11 +12372,11 @@
               <a:t>(</a:t>
             </a:r>
             <a:r>
-              <a:rPr lang="en-US" dirty="0"/>
+              <a:rPr lang="en-US" sz="2000" dirty="0"/>
               <a:t>0</a:t>
             </a:r>
             <a:r>
-              <a:rPr lang="en-US" dirty="0">
+              <a:rPr lang="en-US" sz="2000" dirty="0">
                 <a:solidFill>
                   <a:srgbClr val="C00000"/>
                 </a:solidFill>
@@ -9888,7 +12384,7 @@
               <a:t>1(01)*</a:t>
             </a:r>
             <a:r>
-              <a:rPr lang="en-US" dirty="0">
+              <a:rPr lang="en-US" sz="2000" dirty="0">
                 <a:solidFill>
                   <a:schemeClr val="tx1"/>
                 </a:solidFill>
@@ -9896,14 +12392,14 @@
               <a:t>)</a:t>
             </a:r>
             <a:r>
-              <a:rPr lang="en-US" dirty="0"/>
+              <a:rPr lang="en-US" sz="2000" dirty="0"/>
               <a:t>|(01)*</a:t>
             </a:r>
           </a:p>
           <a:p>
             <a:pPr indent="-257175"/>
             <a:r>
-              <a:rPr lang="en-US" dirty="0">
+              <a:rPr lang="en-US" sz="2000" dirty="0">
                 <a:solidFill>
                   <a:schemeClr val="tx1"/>
                 </a:solidFill>
@@ -9911,7 +12407,7 @@
               <a:t>(</a:t>
             </a:r>
             <a:r>
-              <a:rPr lang="en-US" dirty="0">
+              <a:rPr lang="en-US" sz="2000" dirty="0">
                 <a:solidFill>
                   <a:schemeClr val="accent2">
                     <a:lumMod val="60000"/>
@@ -9922,14 +12418,14 @@
               <a:t>01</a:t>
             </a:r>
             <a:r>
-              <a:rPr lang="en-US" dirty="0"/>
+              <a:rPr lang="en-US" sz="2000" dirty="0"/>
               <a:t>(01)*)|(01)*</a:t>
             </a:r>
           </a:p>
           <a:p>
             <a:pPr indent="-257175"/>
             <a:r>
-              <a:rPr lang="en-US" dirty="0">
+              <a:rPr lang="en-US" sz="2000" dirty="0">
                 <a:solidFill>
                   <a:schemeClr val="tx1"/>
                 </a:solidFill>
@@ -9937,7 +12433,7 @@
               <a:t>(</a:t>
             </a:r>
             <a:r>
-              <a:rPr lang="en-US" dirty="0">
+              <a:rPr lang="en-US" sz="2000" dirty="0">
                 <a:solidFill>
                   <a:srgbClr val="C00000"/>
                 </a:solidFill>
@@ -9945,14 +12441,14 @@
               <a:t>(01)</a:t>
             </a:r>
             <a:r>
-              <a:rPr lang="en-US" dirty="0"/>
+              <a:rPr lang="en-US" sz="2000" dirty="0"/>
               <a:t>(01)*)|(01)*</a:t>
             </a:r>
           </a:p>
           <a:p>
             <a:pPr indent="-257175"/>
             <a:r>
-              <a:rPr lang="en-US" dirty="0">
+              <a:rPr lang="en-US" sz="2000" dirty="0">
                 <a:solidFill>
                   <a:schemeClr val="tx1"/>
                 </a:solidFill>
@@ -9960,7 +12456,7 @@
               <a:t>(</a:t>
             </a:r>
             <a:r>
-              <a:rPr lang="en-US" dirty="0">
+              <a:rPr lang="en-US" sz="2000" dirty="0">
                 <a:solidFill>
                   <a:schemeClr val="accent2">
                     <a:lumMod val="60000"/>
@@ -9971,7 +12467,7 @@
               <a:t>(01)(01)*</a:t>
             </a:r>
             <a:r>
-              <a:rPr lang="en-US" dirty="0">
+              <a:rPr lang="en-US" sz="2000" dirty="0">
                 <a:solidFill>
                   <a:schemeClr val="tx1"/>
                 </a:solidFill>
@@ -9979,14 +12475,14 @@
               <a:t>)|(</a:t>
             </a:r>
             <a:r>
-              <a:rPr lang="en-US" dirty="0"/>
+              <a:rPr lang="en-US" sz="2000" dirty="0"/>
               <a:t>01)*</a:t>
             </a:r>
           </a:p>
           <a:p>
             <a:pPr indent="-257175"/>
             <a:r>
-              <a:rPr lang="en-US" dirty="0">
+              <a:rPr lang="en-US" sz="2000" dirty="0">
                 <a:solidFill>
                   <a:srgbClr val="C00000"/>
                 </a:solidFill>
@@ -9994,7 +12490,7 @@
               <a:t>(01)+</a:t>
             </a:r>
             <a:r>
-              <a:rPr lang="en-US" dirty="0">
+              <a:rPr lang="en-US" sz="2000" dirty="0">
                 <a:solidFill>
                   <a:schemeClr val="tx1"/>
                 </a:solidFill>
@@ -10002,14 +12498,14 @@
               <a:t>|(</a:t>
             </a:r>
             <a:r>
-              <a:rPr lang="en-US" dirty="0"/>
+              <a:rPr lang="en-US" sz="2000" dirty="0"/>
               <a:t>01)*</a:t>
             </a:r>
           </a:p>
           <a:p>
             <a:pPr indent="-257175"/>
             <a:r>
-              <a:rPr lang="en-US" dirty="0">
+              <a:rPr lang="en-US" sz="2000" dirty="0">
                 <a:solidFill>
                   <a:schemeClr val="accent2">
                     <a:lumMod val="60000"/>
@@ -10023,164 +12519,13 @@
           <a:p>
             <a:pPr indent="-257175"/>
             <a:r>
-              <a:rPr lang="en-US" dirty="0">
+              <a:rPr lang="en-US" sz="2000" dirty="0">
                 <a:solidFill>
                   <a:srgbClr val="C00000"/>
                 </a:solidFill>
               </a:rPr>
               <a:t>(01)*</a:t>
             </a:r>
-          </a:p>
-        </p:txBody>
-      </p:sp>
-      <p:sp>
-        <p:nvSpPr>
-          <p:cNvPr id="220" name="Shape 220"/>
-          <p:cNvSpPr txBox="1">
-            <a:spLocks noGrp="1"/>
-          </p:cNvSpPr>
-          <p:nvPr>
-            <p:ph sz="half" idx="2"/>
-          </p:nvPr>
-        </p:nvSpPr>
-        <p:spPr>
-          <a:prstGeom prst="rect">
-            <a:avLst/>
-          </a:prstGeom>
-          <a:noFill/>
-          <a:ln>
-            <a:noFill/>
-          </a:ln>
-        </p:spPr>
-        <p:txBody>
-          <a:bodyPr lIns="68569" tIns="34275" rIns="68569" bIns="34275" anchor="t" anchorCtr="0">
-            <a:noAutofit/>
-          </a:bodyPr>
-          <a:lstStyle/>
-          <a:p>
-            <a:pPr indent="-257175">
-              <a:spcBef>
-                <a:spcPts val="0"/>
-              </a:spcBef>
-            </a:pPr>
-            <a:r>
-              <a:rPr lang="en-US" dirty="0">
-                <a:solidFill>
-                  <a:srgbClr val="C00000"/>
-                </a:solidFill>
-              </a:rPr>
-              <a:t>(RS)*R </a:t>
-            </a:r>
-            <a:r>
-              <a:rPr lang="en-US" dirty="0"/>
-              <a:t>== </a:t>
-            </a:r>
-            <a:r>
-              <a:rPr lang="en-US" dirty="0">
-                <a:solidFill>
-                  <a:schemeClr val="accent2">
-                    <a:lumMod val="60000"/>
-                    <a:lumOff val="40000"/>
-                  </a:schemeClr>
-                </a:solidFill>
-              </a:rPr>
-              <a:t>R(SR)*</a:t>
-            </a:r>
-          </a:p>
-          <a:p>
-            <a:pPr indent="-257175"/>
-            <a:endParaRPr lang="en-US" dirty="0"/>
-          </a:p>
-          <a:p>
-            <a:pPr indent="-257175"/>
-            <a:r>
-              <a:rPr lang="en-US" dirty="0">
-                <a:solidFill>
-                  <a:schemeClr val="accent2">
-                    <a:lumMod val="60000"/>
-                    <a:lumOff val="40000"/>
-                  </a:schemeClr>
-                </a:solidFill>
-              </a:rPr>
-              <a:t>RS</a:t>
-            </a:r>
-            <a:r>
-              <a:rPr lang="en-US" dirty="0"/>
-              <a:t> == </a:t>
-            </a:r>
-            <a:r>
-              <a:rPr lang="en-US" dirty="0">
-                <a:solidFill>
-                  <a:srgbClr val="C00000"/>
-                </a:solidFill>
-              </a:rPr>
-              <a:t>(RS)</a:t>
-            </a:r>
-          </a:p>
-          <a:p>
-            <a:pPr indent="-257175"/>
-            <a:endParaRPr lang="en-US" dirty="0"/>
-          </a:p>
-          <a:p>
-            <a:pPr indent="-257175"/>
-            <a:r>
-              <a:rPr lang="en-US" dirty="0">
-                <a:solidFill>
-                  <a:srgbClr val="C00000"/>
-                </a:solidFill>
-              </a:rPr>
-              <a:t>R+</a:t>
-            </a:r>
-            <a:r>
-              <a:rPr lang="en-US" dirty="0"/>
-              <a:t> == </a:t>
-            </a:r>
-            <a:r>
-              <a:rPr lang="en-US" dirty="0">
-                <a:solidFill>
-                  <a:schemeClr val="accent2">
-                    <a:lumMod val="60000"/>
-                    <a:lumOff val="40000"/>
-                  </a:schemeClr>
-                </a:solidFill>
-              </a:rPr>
-              <a:t>RR*</a:t>
-            </a:r>
-          </a:p>
-          <a:p>
-            <a:pPr indent="-257175"/>
-            <a:endParaRPr lang="en-US" dirty="0"/>
-          </a:p>
-          <a:p>
-            <a:pPr indent="-257175"/>
-            <a:r>
-              <a:rPr lang="en-US" dirty="0">
-                <a:solidFill>
-                  <a:schemeClr val="accent2">
-                    <a:lumMod val="60000"/>
-                    <a:lumOff val="40000"/>
-                  </a:schemeClr>
-                </a:solidFill>
-              </a:rPr>
-              <a:t>R+|R* </a:t>
-            </a:r>
-            <a:r>
-              <a:rPr lang="en-US" dirty="0"/>
-              <a:t>== (RR*)|R* == </a:t>
-            </a:r>
-            <a:r>
-              <a:rPr lang="en-US" dirty="0">
-                <a:solidFill>
-                  <a:srgbClr val="C00000"/>
-                </a:solidFill>
-              </a:rPr>
-              <a:t>R*</a:t>
-            </a:r>
-            <a:endParaRPr lang="en-US" b="1" dirty="0">
-              <a:solidFill>
-                <a:srgbClr val="C00000"/>
-              </a:solidFill>
-            </a:endParaRPr>
           </a:p>
         </p:txBody>
       </p:sp>
@@ -10225,7 +12570,7 @@
               <a:pPr algn="r">
                 <a:buSzPct val="25000"/>
               </a:pPr>
-              <a:t>6</a:t>
+              <a:t>8</a:t>
             </a:fld>
             <a:endParaRPr lang="en-US" sz="1050">
               <a:solidFill>
@@ -10239,11 +12584,859 @@
           </a:p>
         </p:txBody>
       </p:sp>
+      <p:sp>
+        <p:nvSpPr>
+          <p:cNvPr id="3" name="Rounded Rectangular Callout 2">
+            <a:extLst>
+              <a:ext uri="{FF2B5EF4-FFF2-40B4-BE49-F238E27FC236}">
+                <a16:creationId xmlns:a16="http://schemas.microsoft.com/office/drawing/2014/main" id="{6BD1E409-0F48-0C4A-B09A-824886C86E4A}"/>
+              </a:ext>
+            </a:extLst>
+          </p:cNvPr>
+          <p:cNvSpPr/>
+          <p:nvPr/>
+        </p:nvSpPr>
+        <p:spPr>
+          <a:xfrm>
+            <a:off x="2949702" y="1414106"/>
+            <a:ext cx="2324862" cy="485108"/>
+          </a:xfrm>
+          <a:prstGeom prst="wedgeRoundRectCallout">
+            <a:avLst>
+              <a:gd name="adj1" fmla="val -55445"/>
+              <a:gd name="adj2" fmla="val 297"/>
+              <a:gd name="adj3" fmla="val 16667"/>
+            </a:avLst>
+          </a:prstGeom>
+        </p:spPr>
+        <p:style>
+          <a:lnRef idx="2">
+            <a:schemeClr val="accent6"/>
+          </a:lnRef>
+          <a:fillRef idx="1">
+            <a:schemeClr val="lt1"/>
+          </a:fillRef>
+          <a:effectRef idx="0">
+            <a:schemeClr val="accent6"/>
+          </a:effectRef>
+          <a:fontRef idx="minor">
+            <a:schemeClr val="dk1"/>
+          </a:fontRef>
+        </p:style>
+        <p:txBody>
+          <a:bodyPr rtlCol="0" anchor="ctr"/>
+          <a:lstStyle/>
+          <a:p>
+            <a:pPr algn="ctr"/>
+            <a:r>
+              <a:rPr lang="en-US" sz="2400" dirty="0">
+                <a:solidFill>
+                  <a:srgbClr val="C00000"/>
+                </a:solidFill>
+              </a:rPr>
+              <a:t>(RS)*R </a:t>
+            </a:r>
+            <a:r>
+              <a:rPr lang="en-US" sz="2400" dirty="0"/>
+              <a:t>== </a:t>
+            </a:r>
+            <a:r>
+              <a:rPr lang="en-US" sz="2400" dirty="0">
+                <a:solidFill>
+                  <a:schemeClr val="accent2">
+                    <a:lumMod val="60000"/>
+                    <a:lumOff val="40000"/>
+                  </a:schemeClr>
+                </a:solidFill>
+              </a:rPr>
+              <a:t>R(SR)*</a:t>
+            </a:r>
+          </a:p>
+        </p:txBody>
+      </p:sp>
+      <p:sp>
+        <p:nvSpPr>
+          <p:cNvPr id="9" name="Rounded Rectangular Callout 8">
+            <a:extLst>
+              <a:ext uri="{FF2B5EF4-FFF2-40B4-BE49-F238E27FC236}">
+                <a16:creationId xmlns:a16="http://schemas.microsoft.com/office/drawing/2014/main" id="{8176AF64-BABD-8946-9A0C-5670201F0BD3}"/>
+              </a:ext>
+            </a:extLst>
+          </p:cNvPr>
+          <p:cNvSpPr/>
+          <p:nvPr/>
+        </p:nvSpPr>
+        <p:spPr>
+          <a:xfrm>
+            <a:off x="2949702" y="2329196"/>
+            <a:ext cx="2324862" cy="485108"/>
+          </a:xfrm>
+          <a:prstGeom prst="wedgeRoundRectCallout">
+            <a:avLst>
+              <a:gd name="adj1" fmla="val -55445"/>
+              <a:gd name="adj2" fmla="val 297"/>
+              <a:gd name="adj3" fmla="val 16667"/>
+            </a:avLst>
+          </a:prstGeom>
+        </p:spPr>
+        <p:style>
+          <a:lnRef idx="2">
+            <a:schemeClr val="accent6"/>
+          </a:lnRef>
+          <a:fillRef idx="1">
+            <a:schemeClr val="lt1"/>
+          </a:fillRef>
+          <a:effectRef idx="0">
+            <a:schemeClr val="accent6"/>
+          </a:effectRef>
+          <a:fontRef idx="minor">
+            <a:schemeClr val="dk1"/>
+          </a:fontRef>
+        </p:style>
+        <p:txBody>
+          <a:bodyPr rtlCol="0" anchor="ctr"/>
+          <a:lstStyle/>
+          <a:p>
+            <a:pPr indent="-257175"/>
+            <a:r>
+              <a:rPr lang="en-US" sz="2400" dirty="0">
+                <a:solidFill>
+                  <a:schemeClr val="accent2">
+                    <a:lumMod val="60000"/>
+                    <a:lumOff val="40000"/>
+                  </a:schemeClr>
+                </a:solidFill>
+              </a:rPr>
+              <a:t>RS</a:t>
+            </a:r>
+            <a:r>
+              <a:rPr lang="en-US" sz="2400" dirty="0"/>
+              <a:t> == </a:t>
+            </a:r>
+            <a:r>
+              <a:rPr lang="en-US" sz="2400" dirty="0">
+                <a:solidFill>
+                  <a:srgbClr val="C00000"/>
+                </a:solidFill>
+              </a:rPr>
+              <a:t>(RS)</a:t>
+            </a:r>
+          </a:p>
+        </p:txBody>
+      </p:sp>
+      <p:sp>
+        <p:nvSpPr>
+          <p:cNvPr id="10" name="Rounded Rectangular Callout 9">
+            <a:extLst>
+              <a:ext uri="{FF2B5EF4-FFF2-40B4-BE49-F238E27FC236}">
+                <a16:creationId xmlns:a16="http://schemas.microsoft.com/office/drawing/2014/main" id="{5A918F17-594A-9346-AF0E-DB51E0D233DE}"/>
+              </a:ext>
+            </a:extLst>
+          </p:cNvPr>
+          <p:cNvSpPr/>
+          <p:nvPr/>
+        </p:nvSpPr>
+        <p:spPr>
+          <a:xfrm>
+            <a:off x="2949702" y="3244286"/>
+            <a:ext cx="2324862" cy="485108"/>
+          </a:xfrm>
+          <a:prstGeom prst="wedgeRoundRectCallout">
+            <a:avLst>
+              <a:gd name="adj1" fmla="val -55445"/>
+              <a:gd name="adj2" fmla="val 297"/>
+              <a:gd name="adj3" fmla="val 16667"/>
+            </a:avLst>
+          </a:prstGeom>
+        </p:spPr>
+        <p:style>
+          <a:lnRef idx="2">
+            <a:schemeClr val="accent6"/>
+          </a:lnRef>
+          <a:fillRef idx="1">
+            <a:schemeClr val="lt1"/>
+          </a:fillRef>
+          <a:effectRef idx="0">
+            <a:schemeClr val="accent6"/>
+          </a:effectRef>
+          <a:fontRef idx="minor">
+            <a:schemeClr val="dk1"/>
+          </a:fontRef>
+        </p:style>
+        <p:txBody>
+          <a:bodyPr rtlCol="0" anchor="ctr"/>
+          <a:lstStyle/>
+          <a:p>
+            <a:pPr indent="-257175"/>
+            <a:r>
+              <a:rPr lang="en-US" sz="2400" dirty="0">
+                <a:solidFill>
+                  <a:srgbClr val="C00000"/>
+                </a:solidFill>
+              </a:rPr>
+              <a:t>R+</a:t>
+            </a:r>
+            <a:r>
+              <a:rPr lang="en-US" sz="2400" dirty="0"/>
+              <a:t> == </a:t>
+            </a:r>
+            <a:r>
+              <a:rPr lang="en-US" sz="2400" dirty="0">
+                <a:solidFill>
+                  <a:schemeClr val="accent2">
+                    <a:lumMod val="60000"/>
+                    <a:lumOff val="40000"/>
+                  </a:schemeClr>
+                </a:solidFill>
+              </a:rPr>
+              <a:t>RR*</a:t>
+            </a:r>
+          </a:p>
+        </p:txBody>
+      </p:sp>
+      <p:sp>
+        <p:nvSpPr>
+          <p:cNvPr id="11" name="Rounded Rectangular Callout 10">
+            <a:extLst>
+              <a:ext uri="{FF2B5EF4-FFF2-40B4-BE49-F238E27FC236}">
+                <a16:creationId xmlns:a16="http://schemas.microsoft.com/office/drawing/2014/main" id="{B75E915F-F657-9E4F-8C54-5E17ED8EE29E}"/>
+              </a:ext>
+            </a:extLst>
+          </p:cNvPr>
+          <p:cNvSpPr/>
+          <p:nvPr/>
+        </p:nvSpPr>
+        <p:spPr>
+          <a:xfrm>
+            <a:off x="2949702" y="4159376"/>
+            <a:ext cx="3342132" cy="485108"/>
+          </a:xfrm>
+          <a:prstGeom prst="wedgeRoundRectCallout">
+            <a:avLst>
+              <a:gd name="adj1" fmla="val -55445"/>
+              <a:gd name="adj2" fmla="val 297"/>
+              <a:gd name="adj3" fmla="val 16667"/>
+            </a:avLst>
+          </a:prstGeom>
+        </p:spPr>
+        <p:style>
+          <a:lnRef idx="2">
+            <a:schemeClr val="accent6"/>
+          </a:lnRef>
+          <a:fillRef idx="1">
+            <a:schemeClr val="lt1"/>
+          </a:fillRef>
+          <a:effectRef idx="0">
+            <a:schemeClr val="accent6"/>
+          </a:effectRef>
+          <a:fontRef idx="minor">
+            <a:schemeClr val="dk1"/>
+          </a:fontRef>
+        </p:style>
+        <p:txBody>
+          <a:bodyPr rtlCol="0" anchor="ctr"/>
+          <a:lstStyle/>
+          <a:p>
+            <a:pPr indent="-257175"/>
+            <a:r>
+              <a:rPr lang="en-US" sz="2400" dirty="0">
+                <a:solidFill>
+                  <a:schemeClr val="accent2">
+                    <a:lumMod val="60000"/>
+                    <a:lumOff val="40000"/>
+                  </a:schemeClr>
+                </a:solidFill>
+              </a:rPr>
+              <a:t>R+|R* </a:t>
+            </a:r>
+            <a:r>
+              <a:rPr lang="en-US" sz="2400" dirty="0"/>
+              <a:t>== (RR*)|R* == </a:t>
+            </a:r>
+            <a:r>
+              <a:rPr lang="en-US" sz="2400" dirty="0">
+                <a:solidFill>
+                  <a:srgbClr val="C00000"/>
+                </a:solidFill>
+              </a:rPr>
+              <a:t>R*</a:t>
+            </a:r>
+            <a:endParaRPr lang="en-US" sz="2400" b="1" dirty="0">
+              <a:solidFill>
+                <a:srgbClr val="C00000"/>
+              </a:solidFill>
+            </a:endParaRPr>
+          </a:p>
+        </p:txBody>
+      </p:sp>
     </p:spTree>
   </p:cSld>
   <p:clrMapOvr>
     <a:masterClrMapping/>
   </p:clrMapOvr>
+  <p:timing>
+    <p:tnLst>
+      <p:par>
+        <p:cTn id="1" dur="indefinite" restart="never" nodeType="tmRoot">
+          <p:childTnLst>
+            <p:seq concurrent="1" nextAc="seek">
+              <p:cTn id="2" dur="indefinite" nodeType="mainSeq">
+                <p:childTnLst>
+                  <p:par>
+                    <p:cTn id="3" fill="hold">
+                      <p:stCondLst>
+                        <p:cond delay="indefinite"/>
+                      </p:stCondLst>
+                      <p:childTnLst>
+                        <p:par>
+                          <p:cTn id="4" fill="hold">
+                            <p:stCondLst>
+                              <p:cond delay="0"/>
+                            </p:stCondLst>
+                            <p:childTnLst>
+                              <p:par>
+                                <p:cTn id="5" presetID="1" presetClass="entr" presetSubtype="0" fill="hold" grpId="0" nodeType="clickEffect">
+                                  <p:stCondLst>
+                                    <p:cond delay="0"/>
+                                  </p:stCondLst>
+                                  <p:childTnLst>
+                                    <p:set>
+                                      <p:cBhvr>
+                                        <p:cTn id="6" dur="1" fill="hold">
+                                          <p:stCondLst>
+                                            <p:cond delay="0"/>
+                                          </p:stCondLst>
+                                        </p:cTn>
+                                        <p:tgtEl>
+                                          <p:spTgt spid="219">
+                                            <p:txEl>
+                                              <p:pRg st="0" end="0"/>
+                                            </p:txEl>
+                                          </p:spTgt>
+                                        </p:tgtEl>
+                                        <p:attrNameLst>
+                                          <p:attrName>style.visibility</p:attrName>
+                                        </p:attrNameLst>
+                                      </p:cBhvr>
+                                      <p:to>
+                                        <p:strVal val="visible"/>
+                                      </p:to>
+                                    </p:set>
+                                  </p:childTnLst>
+                                </p:cTn>
+                              </p:par>
+                            </p:childTnLst>
+                          </p:cTn>
+                        </p:par>
+                      </p:childTnLst>
+                    </p:cTn>
+                  </p:par>
+                  <p:par>
+                    <p:cTn id="7" fill="hold">
+                      <p:stCondLst>
+                        <p:cond delay="indefinite"/>
+                      </p:stCondLst>
+                      <p:childTnLst>
+                        <p:par>
+                          <p:cTn id="8" fill="hold">
+                            <p:stCondLst>
+                              <p:cond delay="0"/>
+                            </p:stCondLst>
+                            <p:childTnLst>
+                              <p:par>
+                                <p:cTn id="9" presetID="1" presetClass="entr" presetSubtype="0" fill="hold" grpId="0" nodeType="clickEffect">
+                                  <p:stCondLst>
+                                    <p:cond delay="0"/>
+                                  </p:stCondLst>
+                                  <p:childTnLst>
+                                    <p:set>
+                                      <p:cBhvr>
+                                        <p:cTn id="10" dur="1" fill="hold">
+                                          <p:stCondLst>
+                                            <p:cond delay="0"/>
+                                          </p:stCondLst>
+                                        </p:cTn>
+                                        <p:tgtEl>
+                                          <p:spTgt spid="3"/>
+                                        </p:tgtEl>
+                                        <p:attrNameLst>
+                                          <p:attrName>style.visibility</p:attrName>
+                                        </p:attrNameLst>
+                                      </p:cBhvr>
+                                      <p:to>
+                                        <p:strVal val="visible"/>
+                                      </p:to>
+                                    </p:set>
+                                  </p:childTnLst>
+                                </p:cTn>
+                              </p:par>
+                            </p:childTnLst>
+                          </p:cTn>
+                        </p:par>
+                      </p:childTnLst>
+                    </p:cTn>
+                  </p:par>
+                  <p:par>
+                    <p:cTn id="11" fill="hold">
+                      <p:stCondLst>
+                        <p:cond delay="indefinite"/>
+                      </p:stCondLst>
+                      <p:childTnLst>
+                        <p:par>
+                          <p:cTn id="12" fill="hold">
+                            <p:stCondLst>
+                              <p:cond delay="0"/>
+                            </p:stCondLst>
+                            <p:childTnLst>
+                              <p:par>
+                                <p:cTn id="13" presetID="1" presetClass="entr" presetSubtype="0" fill="hold" grpId="0" nodeType="clickEffect">
+                                  <p:stCondLst>
+                                    <p:cond delay="0"/>
+                                  </p:stCondLst>
+                                  <p:childTnLst>
+                                    <p:set>
+                                      <p:cBhvr>
+                                        <p:cTn id="14" dur="1" fill="hold">
+                                          <p:stCondLst>
+                                            <p:cond delay="0"/>
+                                          </p:stCondLst>
+                                        </p:cTn>
+                                        <p:tgtEl>
+                                          <p:spTgt spid="219">
+                                            <p:txEl>
+                                              <p:pRg st="1" end="1"/>
+                                            </p:txEl>
+                                          </p:spTgt>
+                                        </p:tgtEl>
+                                        <p:attrNameLst>
+                                          <p:attrName>style.visibility</p:attrName>
+                                        </p:attrNameLst>
+                                      </p:cBhvr>
+                                      <p:to>
+                                        <p:strVal val="visible"/>
+                                      </p:to>
+                                    </p:set>
+                                  </p:childTnLst>
+                                </p:cTn>
+                              </p:par>
+                            </p:childTnLst>
+                          </p:cTn>
+                        </p:par>
+                      </p:childTnLst>
+                    </p:cTn>
+                  </p:par>
+                  <p:par>
+                    <p:cTn id="15" fill="hold">
+                      <p:stCondLst>
+                        <p:cond delay="indefinite"/>
+                      </p:stCondLst>
+                      <p:childTnLst>
+                        <p:par>
+                          <p:cTn id="16" fill="hold">
+                            <p:stCondLst>
+                              <p:cond delay="0"/>
+                            </p:stCondLst>
+                            <p:childTnLst>
+                              <p:par>
+                                <p:cTn id="17" presetID="1" presetClass="entr" presetSubtype="0" fill="hold" grpId="0" nodeType="clickEffect">
+                                  <p:stCondLst>
+                                    <p:cond delay="0"/>
+                                  </p:stCondLst>
+                                  <p:childTnLst>
+                                    <p:set>
+                                      <p:cBhvr>
+                                        <p:cTn id="18" dur="1" fill="hold">
+                                          <p:stCondLst>
+                                            <p:cond delay="0"/>
+                                          </p:stCondLst>
+                                        </p:cTn>
+                                        <p:tgtEl>
+                                          <p:spTgt spid="219">
+                                            <p:txEl>
+                                              <p:pRg st="2" end="2"/>
+                                            </p:txEl>
+                                          </p:spTgt>
+                                        </p:tgtEl>
+                                        <p:attrNameLst>
+                                          <p:attrName>style.visibility</p:attrName>
+                                        </p:attrNameLst>
+                                      </p:cBhvr>
+                                      <p:to>
+                                        <p:strVal val="visible"/>
+                                      </p:to>
+                                    </p:set>
+                                  </p:childTnLst>
+                                </p:cTn>
+                              </p:par>
+                            </p:childTnLst>
+                          </p:cTn>
+                        </p:par>
+                      </p:childTnLst>
+                    </p:cTn>
+                  </p:par>
+                  <p:par>
+                    <p:cTn id="19" fill="hold">
+                      <p:stCondLst>
+                        <p:cond delay="indefinite"/>
+                      </p:stCondLst>
+                      <p:childTnLst>
+                        <p:par>
+                          <p:cTn id="20" fill="hold">
+                            <p:stCondLst>
+                              <p:cond delay="0"/>
+                            </p:stCondLst>
+                            <p:childTnLst>
+                              <p:par>
+                                <p:cTn id="21" presetID="1" presetClass="entr" presetSubtype="0" fill="hold" grpId="0" nodeType="clickEffect">
+                                  <p:stCondLst>
+                                    <p:cond delay="0"/>
+                                  </p:stCondLst>
+                                  <p:childTnLst>
+                                    <p:set>
+                                      <p:cBhvr>
+                                        <p:cTn id="22" dur="1" fill="hold">
+                                          <p:stCondLst>
+                                            <p:cond delay="0"/>
+                                          </p:stCondLst>
+                                        </p:cTn>
+                                        <p:tgtEl>
+                                          <p:spTgt spid="9"/>
+                                        </p:tgtEl>
+                                        <p:attrNameLst>
+                                          <p:attrName>style.visibility</p:attrName>
+                                        </p:attrNameLst>
+                                      </p:cBhvr>
+                                      <p:to>
+                                        <p:strVal val="visible"/>
+                                      </p:to>
+                                    </p:set>
+                                  </p:childTnLst>
+                                </p:cTn>
+                              </p:par>
+                            </p:childTnLst>
+                          </p:cTn>
+                        </p:par>
+                      </p:childTnLst>
+                    </p:cTn>
+                  </p:par>
+                  <p:par>
+                    <p:cTn id="23" fill="hold">
+                      <p:stCondLst>
+                        <p:cond delay="indefinite"/>
+                      </p:stCondLst>
+                      <p:childTnLst>
+                        <p:par>
+                          <p:cTn id="24" fill="hold">
+                            <p:stCondLst>
+                              <p:cond delay="0"/>
+                            </p:stCondLst>
+                            <p:childTnLst>
+                              <p:par>
+                                <p:cTn id="25" presetID="1" presetClass="entr" presetSubtype="0" fill="hold" grpId="0" nodeType="clickEffect">
+                                  <p:stCondLst>
+                                    <p:cond delay="0"/>
+                                  </p:stCondLst>
+                                  <p:childTnLst>
+                                    <p:set>
+                                      <p:cBhvr>
+                                        <p:cTn id="26" dur="1" fill="hold">
+                                          <p:stCondLst>
+                                            <p:cond delay="0"/>
+                                          </p:stCondLst>
+                                        </p:cTn>
+                                        <p:tgtEl>
+                                          <p:spTgt spid="219">
+                                            <p:txEl>
+                                              <p:pRg st="3" end="3"/>
+                                            </p:txEl>
+                                          </p:spTgt>
+                                        </p:tgtEl>
+                                        <p:attrNameLst>
+                                          <p:attrName>style.visibility</p:attrName>
+                                        </p:attrNameLst>
+                                      </p:cBhvr>
+                                      <p:to>
+                                        <p:strVal val="visible"/>
+                                      </p:to>
+                                    </p:set>
+                                  </p:childTnLst>
+                                </p:cTn>
+                              </p:par>
+                            </p:childTnLst>
+                          </p:cTn>
+                        </p:par>
+                      </p:childTnLst>
+                    </p:cTn>
+                  </p:par>
+                  <p:par>
+                    <p:cTn id="27" fill="hold">
+                      <p:stCondLst>
+                        <p:cond delay="indefinite"/>
+                      </p:stCondLst>
+                      <p:childTnLst>
+                        <p:par>
+                          <p:cTn id="28" fill="hold">
+                            <p:stCondLst>
+                              <p:cond delay="0"/>
+                            </p:stCondLst>
+                            <p:childTnLst>
+                              <p:par>
+                                <p:cTn id="29" presetID="1" presetClass="entr" presetSubtype="0" fill="hold" grpId="0" nodeType="clickEffect">
+                                  <p:stCondLst>
+                                    <p:cond delay="0"/>
+                                  </p:stCondLst>
+                                  <p:childTnLst>
+                                    <p:set>
+                                      <p:cBhvr>
+                                        <p:cTn id="30" dur="1" fill="hold">
+                                          <p:stCondLst>
+                                            <p:cond delay="0"/>
+                                          </p:stCondLst>
+                                        </p:cTn>
+                                        <p:tgtEl>
+                                          <p:spTgt spid="219">
+                                            <p:txEl>
+                                              <p:pRg st="4" end="4"/>
+                                            </p:txEl>
+                                          </p:spTgt>
+                                        </p:tgtEl>
+                                        <p:attrNameLst>
+                                          <p:attrName>style.visibility</p:attrName>
+                                        </p:attrNameLst>
+                                      </p:cBhvr>
+                                      <p:to>
+                                        <p:strVal val="visible"/>
+                                      </p:to>
+                                    </p:set>
+                                  </p:childTnLst>
+                                </p:cTn>
+                              </p:par>
+                            </p:childTnLst>
+                          </p:cTn>
+                        </p:par>
+                      </p:childTnLst>
+                    </p:cTn>
+                  </p:par>
+                  <p:par>
+                    <p:cTn id="31" fill="hold">
+                      <p:stCondLst>
+                        <p:cond delay="indefinite"/>
+                      </p:stCondLst>
+                      <p:childTnLst>
+                        <p:par>
+                          <p:cTn id="32" fill="hold">
+                            <p:stCondLst>
+                              <p:cond delay="0"/>
+                            </p:stCondLst>
+                            <p:childTnLst>
+                              <p:par>
+                                <p:cTn id="33" presetID="1" presetClass="entr" presetSubtype="0" fill="hold" grpId="0" nodeType="clickEffect">
+                                  <p:stCondLst>
+                                    <p:cond delay="0"/>
+                                  </p:stCondLst>
+                                  <p:childTnLst>
+                                    <p:set>
+                                      <p:cBhvr>
+                                        <p:cTn id="34" dur="1" fill="hold">
+                                          <p:stCondLst>
+                                            <p:cond delay="0"/>
+                                          </p:stCondLst>
+                                        </p:cTn>
+                                        <p:tgtEl>
+                                          <p:spTgt spid="10"/>
+                                        </p:tgtEl>
+                                        <p:attrNameLst>
+                                          <p:attrName>style.visibility</p:attrName>
+                                        </p:attrNameLst>
+                                      </p:cBhvr>
+                                      <p:to>
+                                        <p:strVal val="visible"/>
+                                      </p:to>
+                                    </p:set>
+                                  </p:childTnLst>
+                                </p:cTn>
+                              </p:par>
+                            </p:childTnLst>
+                          </p:cTn>
+                        </p:par>
+                      </p:childTnLst>
+                    </p:cTn>
+                  </p:par>
+                  <p:par>
+                    <p:cTn id="35" fill="hold">
+                      <p:stCondLst>
+                        <p:cond delay="indefinite"/>
+                      </p:stCondLst>
+                      <p:childTnLst>
+                        <p:par>
+                          <p:cTn id="36" fill="hold">
+                            <p:stCondLst>
+                              <p:cond delay="0"/>
+                            </p:stCondLst>
+                            <p:childTnLst>
+                              <p:par>
+                                <p:cTn id="37" presetID="1" presetClass="entr" presetSubtype="0" fill="hold" grpId="0" nodeType="clickEffect">
+                                  <p:stCondLst>
+                                    <p:cond delay="0"/>
+                                  </p:stCondLst>
+                                  <p:childTnLst>
+                                    <p:set>
+                                      <p:cBhvr>
+                                        <p:cTn id="38" dur="1" fill="hold">
+                                          <p:stCondLst>
+                                            <p:cond delay="0"/>
+                                          </p:stCondLst>
+                                        </p:cTn>
+                                        <p:tgtEl>
+                                          <p:spTgt spid="219">
+                                            <p:txEl>
+                                              <p:pRg st="5" end="5"/>
+                                            </p:txEl>
+                                          </p:spTgt>
+                                        </p:tgtEl>
+                                        <p:attrNameLst>
+                                          <p:attrName>style.visibility</p:attrName>
+                                        </p:attrNameLst>
+                                      </p:cBhvr>
+                                      <p:to>
+                                        <p:strVal val="visible"/>
+                                      </p:to>
+                                    </p:set>
+                                  </p:childTnLst>
+                                </p:cTn>
+                              </p:par>
+                            </p:childTnLst>
+                          </p:cTn>
+                        </p:par>
+                      </p:childTnLst>
+                    </p:cTn>
+                  </p:par>
+                  <p:par>
+                    <p:cTn id="39" fill="hold">
+                      <p:stCondLst>
+                        <p:cond delay="indefinite"/>
+                      </p:stCondLst>
+                      <p:childTnLst>
+                        <p:par>
+                          <p:cTn id="40" fill="hold">
+                            <p:stCondLst>
+                              <p:cond delay="0"/>
+                            </p:stCondLst>
+                            <p:childTnLst>
+                              <p:par>
+                                <p:cTn id="41" presetID="1" presetClass="entr" presetSubtype="0" fill="hold" grpId="0" nodeType="clickEffect">
+                                  <p:stCondLst>
+                                    <p:cond delay="0"/>
+                                  </p:stCondLst>
+                                  <p:childTnLst>
+                                    <p:set>
+                                      <p:cBhvr>
+                                        <p:cTn id="42" dur="1" fill="hold">
+                                          <p:stCondLst>
+                                            <p:cond delay="0"/>
+                                          </p:stCondLst>
+                                        </p:cTn>
+                                        <p:tgtEl>
+                                          <p:spTgt spid="219">
+                                            <p:txEl>
+                                              <p:pRg st="6" end="6"/>
+                                            </p:txEl>
+                                          </p:spTgt>
+                                        </p:tgtEl>
+                                        <p:attrNameLst>
+                                          <p:attrName>style.visibility</p:attrName>
+                                        </p:attrNameLst>
+                                      </p:cBhvr>
+                                      <p:to>
+                                        <p:strVal val="visible"/>
+                                      </p:to>
+                                    </p:set>
+                                  </p:childTnLst>
+                                </p:cTn>
+                              </p:par>
+                            </p:childTnLst>
+                          </p:cTn>
+                        </p:par>
+                      </p:childTnLst>
+                    </p:cTn>
+                  </p:par>
+                  <p:par>
+                    <p:cTn id="43" fill="hold">
+                      <p:stCondLst>
+                        <p:cond delay="indefinite"/>
+                      </p:stCondLst>
+                      <p:childTnLst>
+                        <p:par>
+                          <p:cTn id="44" fill="hold">
+                            <p:stCondLst>
+                              <p:cond delay="0"/>
+                            </p:stCondLst>
+                            <p:childTnLst>
+                              <p:par>
+                                <p:cTn id="45" presetID="1" presetClass="entr" presetSubtype="0" fill="hold" grpId="0" nodeType="clickEffect">
+                                  <p:stCondLst>
+                                    <p:cond delay="0"/>
+                                  </p:stCondLst>
+                                  <p:childTnLst>
+                                    <p:set>
+                                      <p:cBhvr>
+                                        <p:cTn id="46" dur="1" fill="hold">
+                                          <p:stCondLst>
+                                            <p:cond delay="0"/>
+                                          </p:stCondLst>
+                                        </p:cTn>
+                                        <p:tgtEl>
+                                          <p:spTgt spid="219">
+                                            <p:txEl>
+                                              <p:pRg st="7" end="7"/>
+                                            </p:txEl>
+                                          </p:spTgt>
+                                        </p:tgtEl>
+                                        <p:attrNameLst>
+                                          <p:attrName>style.visibility</p:attrName>
+                                        </p:attrNameLst>
+                                      </p:cBhvr>
+                                      <p:to>
+                                        <p:strVal val="visible"/>
+                                      </p:to>
+                                    </p:set>
+                                  </p:childTnLst>
+                                </p:cTn>
+                              </p:par>
+                            </p:childTnLst>
+                          </p:cTn>
+                        </p:par>
+                      </p:childTnLst>
+                    </p:cTn>
+                  </p:par>
+                </p:childTnLst>
+              </p:cTn>
+              <p:prevCondLst>
+                <p:cond evt="onPrev" delay="0">
+                  <p:tgtEl>
+                    <p:sldTgt/>
+                  </p:tgtEl>
+                </p:cond>
+              </p:prevCondLst>
+              <p:nextCondLst>
+                <p:cond evt="onNext" delay="0">
+                  <p:tgtEl>
+                    <p:sldTgt/>
+                  </p:tgtEl>
+                </p:cond>
+              </p:nextCondLst>
+            </p:seq>
+          </p:childTnLst>
+        </p:cTn>
+      </p:par>
+    </p:tnLst>
+    <p:bldLst>
+      <p:bldP spid="219" grpId="0" uiExpand="1" build="p"/>
+      <p:bldP spid="3" grpId="0" animBg="1"/>
+      <p:bldP spid="9" grpId="0" animBg="1"/>
+      <p:bldP spid="10" grpId="0" animBg="1"/>
+    </p:bldLst>
+  </p:timing>
 </p:sld>
 </file>
 

--- a/assets/ppt/lex/lex3-regexps-are-trees.pptx
+++ b/assets/ppt/lex/lex3-regexps-are-trees.pptx
@@ -2026,7 +2026,7 @@
           <a:p>
             <a:fld id="{1B6DC762-1116-2146-A47C-D79A5A5DBAFD}" type="datetime1">
               <a:rPr lang="en-CA" smtClean="0"/>
-              <a:t>2020-09-14</a:t>
+              <a:t>2020-09-16</a:t>
             </a:fld>
             <a:endParaRPr lang="en-US"/>
           </a:p>
@@ -2224,7 +2224,7 @@
           <a:p>
             <a:fld id="{725FEDD1-5A1B-2342-BAF0-F7C5511A73CE}" type="datetime1">
               <a:rPr lang="en-CA" smtClean="0"/>
-              <a:t>2020-09-14</a:t>
+              <a:t>2020-09-16</a:t>
             </a:fld>
             <a:endParaRPr lang="en-US"/>
           </a:p>
@@ -2432,7 +2432,7 @@
           <a:p>
             <a:fld id="{F09E59AE-0AE1-4048-8BD6-D39FC0EBB194}" type="datetime1">
               <a:rPr lang="en-CA" smtClean="0"/>
-              <a:t>2020-09-14</a:t>
+              <a:t>2020-09-16</a:t>
             </a:fld>
             <a:endParaRPr lang="en-US"/>
           </a:p>
@@ -3907,7 +3907,7 @@
           <a:p>
             <a:fld id="{A2849525-9B7D-5945-A782-775278635E42}" type="datetime1">
               <a:rPr lang="en-CA" smtClean="0"/>
-              <a:t>2020-09-14</a:t>
+              <a:t>2020-09-16</a:t>
             </a:fld>
             <a:endParaRPr lang="en-US"/>
           </a:p>
@@ -4182,7 +4182,7 @@
           <a:p>
             <a:fld id="{D05E1499-BDD1-6940-8C79-13A8B8E63D57}" type="datetime1">
               <a:rPr lang="en-CA" smtClean="0"/>
-              <a:t>2020-09-14</a:t>
+              <a:t>2020-09-16</a:t>
             </a:fld>
             <a:endParaRPr lang="en-US"/>
           </a:p>
@@ -4447,7 +4447,7 @@
           <a:p>
             <a:fld id="{17E70EF3-18A7-4644-8DA2-1EB9CA66C736}" type="datetime1">
               <a:rPr lang="en-CA" smtClean="0"/>
-              <a:t>2020-09-14</a:t>
+              <a:t>2020-09-16</a:t>
             </a:fld>
             <a:endParaRPr lang="en-US"/>
           </a:p>
@@ -4859,7 +4859,7 @@
           <a:p>
             <a:fld id="{54538FC1-2481-FB4A-91E5-87F3422DE2D5}" type="datetime1">
               <a:rPr lang="en-CA" smtClean="0"/>
-              <a:t>2020-09-14</a:t>
+              <a:t>2020-09-16</a:t>
             </a:fld>
             <a:endParaRPr lang="en-US"/>
           </a:p>
@@ -5000,7 +5000,7 @@
           <a:p>
             <a:fld id="{93D5C515-1622-C840-89B2-A4A55D34866A}" type="datetime1">
               <a:rPr lang="en-CA" smtClean="0"/>
-              <a:t>2020-09-14</a:t>
+              <a:t>2020-09-16</a:t>
             </a:fld>
             <a:endParaRPr lang="en-US"/>
           </a:p>
@@ -5113,7 +5113,7 @@
           <a:p>
             <a:fld id="{B9077E75-6C88-BB47-AC6F-0DCA859E7113}" type="datetime1">
               <a:rPr lang="en-CA" smtClean="0"/>
-              <a:t>2020-09-14</a:t>
+              <a:t>2020-09-16</a:t>
             </a:fld>
             <a:endParaRPr lang="en-US"/>
           </a:p>
@@ -5424,7 +5424,7 @@
           <a:p>
             <a:fld id="{1AD12F8B-7E05-A047-BAC3-EE71BEBBE5BE}" type="datetime1">
               <a:rPr lang="en-CA" smtClean="0"/>
-              <a:t>2020-09-14</a:t>
+              <a:t>2020-09-16</a:t>
             </a:fld>
             <a:endParaRPr lang="en-US"/>
           </a:p>
@@ -5712,7 +5712,7 @@
           <a:p>
             <a:fld id="{C1D9F72A-E93E-B546-8268-6408A6E1DA62}" type="datetime1">
               <a:rPr lang="en-CA" smtClean="0"/>
-              <a:t>2020-09-14</a:t>
+              <a:t>2020-09-16</a:t>
             </a:fld>
             <a:endParaRPr lang="en-US"/>
           </a:p>
@@ -5953,7 +5953,7 @@
           <a:p>
             <a:fld id="{97DF4AC7-DB73-7444-A2A7-FD79FE1A2B2B}" type="datetime1">
               <a:rPr lang="en-CA" smtClean="0"/>
-              <a:t>2020-09-14</a:t>
+              <a:t>2020-09-16</a:t>
             </a:fld>
             <a:endParaRPr lang="en-US"/>
           </a:p>
@@ -8102,6 +8102,72 @@
             <a:r>
               <a:rPr lang="en-US" dirty="0"/>
               <a:t>.</a:t>
+            </a:r>
+          </a:p>
+        </p:txBody>
+      </p:sp>
+      <p:sp>
+        <p:nvSpPr>
+          <p:cNvPr id="20" name="Rectangular Callout 19">
+            <a:extLst>
+              <a:ext uri="{FF2B5EF4-FFF2-40B4-BE49-F238E27FC236}">
+                <a16:creationId xmlns:a16="http://schemas.microsoft.com/office/drawing/2014/main" id="{1303817E-DF11-FC4A-A0B4-7F8C29434704}"/>
+              </a:ext>
+            </a:extLst>
+          </p:cNvPr>
+          <p:cNvSpPr/>
+          <p:nvPr/>
+        </p:nvSpPr>
+        <p:spPr>
+          <a:xfrm>
+            <a:off x="6986778" y="146063"/>
+            <a:ext cx="2033630" cy="515140"/>
+          </a:xfrm>
+          <a:prstGeom prst="wedgeRectCallout">
+            <a:avLst>
+              <a:gd name="adj1" fmla="val -59261"/>
+              <a:gd name="adj2" fmla="val 39660"/>
+            </a:avLst>
+          </a:prstGeom>
+        </p:spPr>
+        <p:style>
+          <a:lnRef idx="2">
+            <a:schemeClr val="accent1">
+              <a:shade val="50000"/>
+            </a:schemeClr>
+          </a:lnRef>
+          <a:fillRef idx="1">
+            <a:schemeClr val="accent1"/>
+          </a:fillRef>
+          <a:effectRef idx="0">
+            <a:schemeClr val="accent1"/>
+          </a:effectRef>
+          <a:fontRef idx="minor">
+            <a:schemeClr val="lt1"/>
+          </a:fontRef>
+        </p:style>
+        <p:txBody>
+          <a:bodyPr rtlCol="0" anchor="ctr"/>
+          <a:lstStyle/>
+          <a:p>
+            <a:r>
+              <a:rPr lang="en-US" sz="1400" dirty="0"/>
+              <a:t>Q: How many possible trees for </a:t>
+            </a:r>
+            <a:r>
+              <a:rPr lang="en-US" sz="1400" dirty="0" err="1"/>
+              <a:t>regexp</a:t>
+            </a:r>
+            <a:r>
+              <a:rPr lang="en-US" sz="1400" dirty="0"/>
+              <a:t> </a:t>
+            </a:r>
+            <a:r>
+              <a:rPr lang="en-US" sz="1400" dirty="0">
+                <a:latin typeface="Consolas" panose="020B0609020204030204" pitchFamily="49" charset="0"/>
+                <a:cs typeface="Consolas" panose="020B0609020204030204" pitchFamily="49" charset="0"/>
+              </a:rPr>
+              <a:t>ab*|c*</a:t>
             </a:r>
           </a:p>
         </p:txBody>
@@ -8839,6 +8905,51 @@
                       </p:childTnLst>
                     </p:cTn>
                   </p:par>
+                  <p:par>
+                    <p:cTn id="67" fill="hold">
+                      <p:stCondLst>
+                        <p:cond delay="indefinite"/>
+                      </p:stCondLst>
+                      <p:childTnLst>
+                        <p:par>
+                          <p:cTn id="68" fill="hold">
+                            <p:stCondLst>
+                              <p:cond delay="0"/>
+                            </p:stCondLst>
+                            <p:childTnLst>
+                              <p:par>
+                                <p:cTn id="69" presetID="1" presetClass="entr" presetSubtype="0" fill="hold" grpId="0" nodeType="clickEffect">
+                                  <p:stCondLst>
+                                    <p:cond delay="0"/>
+                                  </p:stCondLst>
+                                  <p:childTnLst>
+                                    <p:set>
+                                      <p:cBhvr>
+                                        <p:cTn id="70" dur="1" fill="hold">
+                                          <p:stCondLst>
+                                            <p:cond delay="0"/>
+                                          </p:stCondLst>
+                                        </p:cTn>
+                                        <p:tgtEl>
+                                          <p:spTgt spid="20"/>
+                                        </p:tgtEl>
+                                        <p:attrNameLst>
+                                          <p:attrName>style.visibility</p:attrName>
+                                        </p:attrNameLst>
+                                      </p:cBhvr>
+                                      <p:to>
+                                        <p:strVal val="visible"/>
+                                      </p:to>
+                                    </p:set>
+                                  </p:childTnLst>
+                                </p:cTn>
+                              </p:par>
+                            </p:childTnLst>
+                          </p:cTn>
+                        </p:par>
+                      </p:childTnLst>
+                    </p:cTn>
+                  </p:par>
                 </p:childTnLst>
               </p:cTn>
               <p:prevCondLst>
@@ -8872,6 +8983,7 @@
       <p:bldP spid="28" grpId="1" animBg="1"/>
       <p:bldP spid="29" grpId="0" animBg="1"/>
       <p:bldP spid="30" grpId="0" animBg="1"/>
+      <p:bldP spid="20" grpId="0" animBg="1"/>
     </p:bldLst>
   </p:timing>
 </p:sld>
@@ -10676,6 +10788,80 @@
           </a:p>
         </p:txBody>
       </p:sp>
+      <p:sp>
+        <p:nvSpPr>
+          <p:cNvPr id="61" name="Rectangular Callout 60">
+            <a:extLst>
+              <a:ext uri="{FF2B5EF4-FFF2-40B4-BE49-F238E27FC236}">
+                <a16:creationId xmlns:a16="http://schemas.microsoft.com/office/drawing/2014/main" id="{D03D5884-CF97-564A-A9FC-B43BBD8BE726}"/>
+              </a:ext>
+            </a:extLst>
+          </p:cNvPr>
+          <p:cNvSpPr/>
+          <p:nvPr/>
+        </p:nvSpPr>
+        <p:spPr>
+          <a:xfrm>
+            <a:off x="5936130" y="139326"/>
+            <a:ext cx="3051010" cy="790046"/>
+          </a:xfrm>
+          <a:prstGeom prst="wedgeRectCallout">
+            <a:avLst>
+              <a:gd name="adj1" fmla="val -7559"/>
+              <a:gd name="adj2" fmla="val 65505"/>
+            </a:avLst>
+          </a:prstGeom>
+        </p:spPr>
+        <p:style>
+          <a:lnRef idx="2">
+            <a:schemeClr val="accent1">
+              <a:shade val="50000"/>
+            </a:schemeClr>
+          </a:lnRef>
+          <a:fillRef idx="1">
+            <a:schemeClr val="accent1"/>
+          </a:fillRef>
+          <a:effectRef idx="0">
+            <a:schemeClr val="accent1"/>
+          </a:effectRef>
+          <a:fontRef idx="minor">
+            <a:schemeClr val="lt1"/>
+          </a:fontRef>
+        </p:style>
+        <p:txBody>
+          <a:bodyPr rtlCol="0" anchor="ctr"/>
+          <a:lstStyle/>
+          <a:p>
+            <a:r>
+              <a:rPr lang="en-US" sz="1400" dirty="0"/>
+              <a:t>Q: Provide the unambiguous bracketed tree for </a:t>
+            </a:r>
+            <a:r>
+              <a:rPr lang="en-US" sz="1400" dirty="0" err="1"/>
+              <a:t>regexp</a:t>
+            </a:r>
+            <a:r>
+              <a:rPr lang="en-US" sz="1400" dirty="0"/>
+              <a:t> </a:t>
+            </a:r>
+            <a:r>
+              <a:rPr lang="en-US" sz="1400" dirty="0">
+                <a:latin typeface="Consolas" panose="020B0609020204030204" pitchFamily="49" charset="0"/>
+                <a:cs typeface="Consolas" panose="020B0609020204030204" pitchFamily="49" charset="0"/>
+              </a:rPr>
+              <a:t>ab*|c* </a:t>
+            </a:r>
+            <a:r>
+              <a:rPr lang="en-US" sz="1400" dirty="0"/>
+              <a:t>using the precedence and associativity rules</a:t>
+            </a:r>
+            <a:endParaRPr lang="en-US" sz="1400" dirty="0">
+              <a:latin typeface="Consolas" panose="020B0609020204030204" pitchFamily="49" charset="0"/>
+              <a:cs typeface="Consolas" panose="020B0609020204030204" pitchFamily="49" charset="0"/>
+            </a:endParaRPr>
+          </a:p>
+        </p:txBody>
+      </p:sp>
     </p:spTree>
     <p:extLst>
       <p:ext uri="{BB962C8B-B14F-4D97-AF65-F5344CB8AC3E}">
@@ -10829,6 +11015,51 @@
                       </p:childTnLst>
                     </p:cTn>
                   </p:par>
+                  <p:par>
+                    <p:cTn id="15" fill="hold">
+                      <p:stCondLst>
+                        <p:cond delay="indefinite"/>
+                      </p:stCondLst>
+                      <p:childTnLst>
+                        <p:par>
+                          <p:cTn id="16" fill="hold">
+                            <p:stCondLst>
+                              <p:cond delay="0"/>
+                            </p:stCondLst>
+                            <p:childTnLst>
+                              <p:par>
+                                <p:cTn id="17" presetID="1" presetClass="entr" presetSubtype="0" fill="hold" grpId="0" nodeType="clickEffect">
+                                  <p:stCondLst>
+                                    <p:cond delay="0"/>
+                                  </p:stCondLst>
+                                  <p:childTnLst>
+                                    <p:set>
+                                      <p:cBhvr>
+                                        <p:cTn id="18" dur="1" fill="hold">
+                                          <p:stCondLst>
+                                            <p:cond delay="0"/>
+                                          </p:stCondLst>
+                                        </p:cTn>
+                                        <p:tgtEl>
+                                          <p:spTgt spid="61"/>
+                                        </p:tgtEl>
+                                        <p:attrNameLst>
+                                          <p:attrName>style.visibility</p:attrName>
+                                        </p:attrNameLst>
+                                      </p:cBhvr>
+                                      <p:to>
+                                        <p:strVal val="visible"/>
+                                      </p:to>
+                                    </p:set>
+                                  </p:childTnLst>
+                                </p:cTn>
+                              </p:par>
+                            </p:childTnLst>
+                          </p:cTn>
+                        </p:par>
+                      </p:childTnLst>
+                    </p:cTn>
+                  </p:par>
                 </p:childTnLst>
               </p:cTn>
               <p:prevCondLst>
@@ -10852,6 +11083,7 @@
     </p:tnLst>
     <p:bldLst>
       <p:bldP spid="77" grpId="0" animBg="1"/>
+      <p:bldP spid="61" grpId="0" animBg="1"/>
     </p:bldLst>
   </p:timing>
 </p:sld>
@@ -12301,9 +12533,14 @@
               <a:buSzPct val="25000"/>
             </a:pPr>
             <a:r>
-              <a:rPr lang="en-US"/>
-              <a:t>Equivalence of Regexps</a:t>
-            </a:r>
+              <a:rPr lang="en-US" dirty="0"/>
+              <a:t>Equivalence of </a:t>
+            </a:r>
+            <a:r>
+              <a:rPr lang="en-US" dirty="0" err="1"/>
+              <a:t>Regexps</a:t>
+            </a:r>
+            <a:endParaRPr lang="en-US" dirty="0"/>
           </a:p>
         </p:txBody>
       </p:sp>
@@ -12866,6 +13103,75 @@
                 <a:srgbClr val="C00000"/>
               </a:solidFill>
             </a:endParaRPr>
+          </a:p>
+        </p:txBody>
+      </p:sp>
+      <p:sp>
+        <p:nvSpPr>
+          <p:cNvPr id="12" name="Rectangular Callout 11">
+            <a:extLst>
+              <a:ext uri="{FF2B5EF4-FFF2-40B4-BE49-F238E27FC236}">
+                <a16:creationId xmlns:a16="http://schemas.microsoft.com/office/drawing/2014/main" id="{CB86E25D-3A66-CA49-963C-C682C96C747C}"/>
+              </a:ext>
+            </a:extLst>
+          </p:cNvPr>
+          <p:cNvSpPr/>
+          <p:nvPr/>
+        </p:nvSpPr>
+        <p:spPr>
+          <a:xfrm>
+            <a:off x="6675120" y="146063"/>
+            <a:ext cx="2345288" cy="515140"/>
+          </a:xfrm>
+          <a:prstGeom prst="wedgeRectCallout">
+            <a:avLst>
+              <a:gd name="adj1" fmla="val -59261"/>
+              <a:gd name="adj2" fmla="val 39660"/>
+            </a:avLst>
+          </a:prstGeom>
+        </p:spPr>
+        <p:style>
+          <a:lnRef idx="2">
+            <a:schemeClr val="accent1">
+              <a:shade val="50000"/>
+            </a:schemeClr>
+          </a:lnRef>
+          <a:fillRef idx="1">
+            <a:schemeClr val="accent1"/>
+          </a:fillRef>
+          <a:effectRef idx="0">
+            <a:schemeClr val="accent1"/>
+          </a:effectRef>
+          <a:fontRef idx="minor">
+            <a:schemeClr val="lt1"/>
+          </a:fontRef>
+        </p:style>
+        <p:txBody>
+          <a:bodyPr rtlCol="0" anchor="ctr"/>
+          <a:lstStyle/>
+          <a:p>
+            <a:r>
+              <a:rPr lang="en-US" sz="1400" dirty="0"/>
+              <a:t>Q: Show that </a:t>
+            </a:r>
+            <a:r>
+              <a:rPr lang="en-US" sz="1400" dirty="0">
+                <a:latin typeface="Consolas" panose="020B0609020204030204" pitchFamily="49" charset="0"/>
+                <a:cs typeface="Consolas" panose="020B0609020204030204" pitchFamily="49" charset="0"/>
+              </a:rPr>
+              <a:t>1(0|(01)*</a:t>
+            </a:r>
+            <a:r>
+              <a:rPr lang="en-US" sz="1400" dirty="0"/>
+              <a:t>) is equivalent to </a:t>
+            </a:r>
+            <a:r>
+              <a:rPr lang="en-US" sz="1400" dirty="0">
+                <a:latin typeface="Consolas" panose="020B0609020204030204" pitchFamily="49" charset="0"/>
+                <a:cs typeface="Consolas" panose="020B0609020204030204" pitchFamily="49" charset="0"/>
+              </a:rPr>
+              <a:t>10|(10)*1</a:t>
+            </a:r>
           </a:p>
         </p:txBody>
       </p:sp>
@@ -13409,6 +13715,51 @@
                       </p:childTnLst>
                     </p:cTn>
                   </p:par>
+                  <p:par>
+                    <p:cTn id="47" fill="hold">
+                      <p:stCondLst>
+                        <p:cond delay="indefinite"/>
+                      </p:stCondLst>
+                      <p:childTnLst>
+                        <p:par>
+                          <p:cTn id="48" fill="hold">
+                            <p:stCondLst>
+                              <p:cond delay="0"/>
+                            </p:stCondLst>
+                            <p:childTnLst>
+                              <p:par>
+                                <p:cTn id="49" presetID="1" presetClass="entr" presetSubtype="0" fill="hold" grpId="0" nodeType="clickEffect">
+                                  <p:stCondLst>
+                                    <p:cond delay="0"/>
+                                  </p:stCondLst>
+                                  <p:childTnLst>
+                                    <p:set>
+                                      <p:cBhvr>
+                                        <p:cTn id="50" dur="1" fill="hold">
+                                          <p:stCondLst>
+                                            <p:cond delay="0"/>
+                                          </p:stCondLst>
+                                        </p:cTn>
+                                        <p:tgtEl>
+                                          <p:spTgt spid="12"/>
+                                        </p:tgtEl>
+                                        <p:attrNameLst>
+                                          <p:attrName>style.visibility</p:attrName>
+                                        </p:attrNameLst>
+                                      </p:cBhvr>
+                                      <p:to>
+                                        <p:strVal val="visible"/>
+                                      </p:to>
+                                    </p:set>
+                                  </p:childTnLst>
+                                </p:cTn>
+                              </p:par>
+                            </p:childTnLst>
+                          </p:cTn>
+                        </p:par>
+                      </p:childTnLst>
+                    </p:cTn>
+                  </p:par>
                 </p:childTnLst>
               </p:cTn>
               <p:prevCondLst>
@@ -13435,6 +13786,7 @@
       <p:bldP spid="3" grpId="0" animBg="1"/>
       <p:bldP spid="9" grpId="0" animBg="1"/>
       <p:bldP spid="10" grpId="0" animBg="1"/>
+      <p:bldP spid="12" grpId="0" animBg="1"/>
     </p:bldLst>
   </p:timing>
 </p:sld>

--- a/assets/ppt/lex/lex3-regexps-are-trees.pptx
+++ b/assets/ppt/lex/lex3-regexps-are-trees.pptx
@@ -2026,7 +2026,7 @@
           <a:p>
             <a:fld id="{1B6DC762-1116-2146-A47C-D79A5A5DBAFD}" type="datetime1">
               <a:rPr lang="en-CA" smtClean="0"/>
-              <a:t>2020-09-16</a:t>
+              <a:t>2020-09-17</a:t>
             </a:fld>
             <a:endParaRPr lang="en-US"/>
           </a:p>
@@ -2224,7 +2224,7 @@
           <a:p>
             <a:fld id="{725FEDD1-5A1B-2342-BAF0-F7C5511A73CE}" type="datetime1">
               <a:rPr lang="en-CA" smtClean="0"/>
-              <a:t>2020-09-16</a:t>
+              <a:t>2020-09-17</a:t>
             </a:fld>
             <a:endParaRPr lang="en-US"/>
           </a:p>
@@ -2432,7 +2432,7 @@
           <a:p>
             <a:fld id="{F09E59AE-0AE1-4048-8BD6-D39FC0EBB194}" type="datetime1">
               <a:rPr lang="en-CA" smtClean="0"/>
-              <a:t>2020-09-16</a:t>
+              <a:t>2020-09-17</a:t>
             </a:fld>
             <a:endParaRPr lang="en-US"/>
           </a:p>
@@ -3907,7 +3907,7 @@
           <a:p>
             <a:fld id="{A2849525-9B7D-5945-A782-775278635E42}" type="datetime1">
               <a:rPr lang="en-CA" smtClean="0"/>
-              <a:t>2020-09-16</a:t>
+              <a:t>2020-09-17</a:t>
             </a:fld>
             <a:endParaRPr lang="en-US"/>
           </a:p>
@@ -4182,7 +4182,7 @@
           <a:p>
             <a:fld id="{D05E1499-BDD1-6940-8C79-13A8B8E63D57}" type="datetime1">
               <a:rPr lang="en-CA" smtClean="0"/>
-              <a:t>2020-09-16</a:t>
+              <a:t>2020-09-17</a:t>
             </a:fld>
             <a:endParaRPr lang="en-US"/>
           </a:p>
@@ -4447,7 +4447,7 @@
           <a:p>
             <a:fld id="{17E70EF3-18A7-4644-8DA2-1EB9CA66C736}" type="datetime1">
               <a:rPr lang="en-CA" smtClean="0"/>
-              <a:t>2020-09-16</a:t>
+              <a:t>2020-09-17</a:t>
             </a:fld>
             <a:endParaRPr lang="en-US"/>
           </a:p>
@@ -4859,7 +4859,7 @@
           <a:p>
             <a:fld id="{54538FC1-2481-FB4A-91E5-87F3422DE2D5}" type="datetime1">
               <a:rPr lang="en-CA" smtClean="0"/>
-              <a:t>2020-09-16</a:t>
+              <a:t>2020-09-17</a:t>
             </a:fld>
             <a:endParaRPr lang="en-US"/>
           </a:p>
@@ -5000,7 +5000,7 @@
           <a:p>
             <a:fld id="{93D5C515-1622-C840-89B2-A4A55D34866A}" type="datetime1">
               <a:rPr lang="en-CA" smtClean="0"/>
-              <a:t>2020-09-16</a:t>
+              <a:t>2020-09-17</a:t>
             </a:fld>
             <a:endParaRPr lang="en-US"/>
           </a:p>
@@ -5113,7 +5113,7 @@
           <a:p>
             <a:fld id="{B9077E75-6C88-BB47-AC6F-0DCA859E7113}" type="datetime1">
               <a:rPr lang="en-CA" smtClean="0"/>
-              <a:t>2020-09-16</a:t>
+              <a:t>2020-09-17</a:t>
             </a:fld>
             <a:endParaRPr lang="en-US"/>
           </a:p>
@@ -5424,7 +5424,7 @@
           <a:p>
             <a:fld id="{1AD12F8B-7E05-A047-BAC3-EE71BEBBE5BE}" type="datetime1">
               <a:rPr lang="en-CA" smtClean="0"/>
-              <a:t>2020-09-16</a:t>
+              <a:t>2020-09-17</a:t>
             </a:fld>
             <a:endParaRPr lang="en-US"/>
           </a:p>
@@ -5712,7 +5712,7 @@
           <a:p>
             <a:fld id="{C1D9F72A-E93E-B546-8268-6408A6E1DA62}" type="datetime1">
               <a:rPr lang="en-CA" smtClean="0"/>
-              <a:t>2020-09-16</a:t>
+              <a:t>2020-09-17</a:t>
             </a:fld>
             <a:endParaRPr lang="en-US"/>
           </a:p>
@@ -5953,7 +5953,7 @@
           <a:p>
             <a:fld id="{97DF4AC7-DB73-7444-A2A7-FD79FE1A2B2B}" type="datetime1">
               <a:rPr lang="en-CA" smtClean="0"/>
-              <a:t>2020-09-16</a:t>
+              <a:t>2020-09-17</a:t>
             </a:fld>
             <a:endParaRPr lang="en-US"/>
           </a:p>
@@ -6384,10 +6384,6 @@
           </p:nvPr>
         </p:nvSpPr>
         <p:spPr>
-          <a:xfrm>
-            <a:off x="1376781" y="744575"/>
-            <a:ext cx="6390450" cy="2052675"/>
-          </a:xfrm>
           <a:prstGeom prst="rect">
             <a:avLst/>
           </a:prstGeom>
@@ -6406,7 +6402,7 @@
               <a:buSzPct val="25000"/>
             </a:pPr>
             <a:r>
-              <a:rPr lang="en-US" sz="3300">
+              <a:rPr lang="en-US" sz="3300" dirty="0">
                 <a:latin typeface="Calibri"/>
                 <a:ea typeface="Calibri"/>
                 <a:cs typeface="Calibri"/>
@@ -6428,10 +6424,6 @@
           </p:nvPr>
         </p:nvSpPr>
         <p:spPr>
-          <a:xfrm>
-            <a:off x="1376775" y="2834114"/>
-            <a:ext cx="6390450" cy="1300500"/>
-          </a:xfrm>
           <a:prstGeom prst="rect">
             <a:avLst/>
           </a:prstGeom>
@@ -6453,7 +6445,7 @@
               <a:buSzPct val="25000"/>
             </a:pPr>
             <a:r>
-              <a:rPr lang="en-US" sz="2400">
+              <a:rPr lang="en-US" sz="2400" dirty="0">
                 <a:solidFill>
                   <a:srgbClr val="888888"/>
                 </a:solidFill>
@@ -6476,7 +6468,7 @@
               <a:buSzPct val="25000"/>
             </a:pPr>
             <a:r>
-              <a:rPr lang="en-US" sz="2400">
+              <a:rPr lang="en-US" sz="2400" dirty="0">
                 <a:solidFill>
                   <a:srgbClr val="888888"/>
                 </a:solidFill>
@@ -6499,7 +6491,7 @@
               <a:buSzPct val="25000"/>
             </a:pPr>
             <a:r>
-              <a:rPr lang="en-US" sz="1800">
+              <a:rPr lang="en-US" sz="1800" dirty="0" err="1">
                 <a:solidFill>
                   <a:srgbClr val="888888"/>
                 </a:solidFill>
@@ -6508,7 +6500,19 @@
                 <a:cs typeface="Calibri"/>
                 <a:sym typeface="Calibri"/>
               </a:rPr>
-              <a:t>anoopsarkar.github.io/compilers-class</a:t>
+              <a:t>anoopsarkar.github.io</a:t>
+            </a:r>
+            <a:r>
+              <a:rPr lang="en-US" sz="1800" dirty="0">
+                <a:solidFill>
+                  <a:srgbClr val="888888"/>
+                </a:solidFill>
+                <a:latin typeface="Calibri"/>
+                <a:ea typeface="Calibri"/>
+                <a:cs typeface="Calibri"/>
+                <a:sym typeface="Calibri"/>
+              </a:rPr>
+              <a:t>/compilers-class</a:t>
             </a:r>
           </a:p>
         </p:txBody>

--- a/assets/ppt/lex/lex3-regexps-are-trees.pptx
+++ b/assets/ppt/lex/lex3-regexps-are-trees.pptx
@@ -5,7 +5,7 @@
     <p:sldMasterId id="2147483673" r:id="rId1"/>
   </p:sldMasterIdLst>
   <p:notesMasterIdLst>
-    <p:notesMasterId r:id="rId10"/>
+    <p:notesMasterId r:id="rId11"/>
   </p:notesMasterIdLst>
   <p:sldIdLst>
     <p:sldId id="256" r:id="rId2"/>
@@ -15,7 +15,8 @@
     <p:sldId id="265" r:id="rId6"/>
     <p:sldId id="266" r:id="rId7"/>
     <p:sldId id="260" r:id="rId8"/>
-    <p:sldId id="261" r:id="rId9"/>
+    <p:sldId id="267" r:id="rId9"/>
+    <p:sldId id="261" r:id="rId10"/>
   </p:sldIdLst>
   <p:sldSz cx="9144000" cy="5143500" type="screen16x9"/>
   <p:notesSz cx="6858000" cy="9144000"/>
@@ -1684,6 +1685,211 @@
   <p:cSld>
     <p:spTree>
       <p:nvGrpSpPr>
+        <p:cNvPr id="1" name="Shape 202"/>
+        <p:cNvGrpSpPr/>
+        <p:nvPr/>
+      </p:nvGrpSpPr>
+      <p:grpSpPr>
+        <a:xfrm>
+          <a:off x="0" y="0"/>
+          <a:ext cx="0" cy="0"/>
+          <a:chOff x="0" y="0"/>
+          <a:chExt cx="0" cy="0"/>
+        </a:xfrm>
+      </p:grpSpPr>
+      <p:sp>
+        <p:nvSpPr>
+          <p:cNvPr id="203" name="Shape 203"/>
+          <p:cNvSpPr txBox="1">
+            <a:spLocks noGrp="1"/>
+          </p:cNvSpPr>
+          <p:nvPr>
+            <p:ph type="sldNum" idx="12"/>
+          </p:nvPr>
+        </p:nvSpPr>
+        <p:spPr>
+          <a:xfrm>
+            <a:off x="3886200" y="8686800"/>
+            <a:ext cx="2971799" cy="457200"/>
+          </a:xfrm>
+          <a:prstGeom prst="rect">
+            <a:avLst/>
+          </a:prstGeom>
+          <a:noFill/>
+          <a:ln>
+            <a:noFill/>
+          </a:ln>
+        </p:spPr>
+        <p:txBody>
+          <a:bodyPr lIns="91425" tIns="45700" rIns="91425" bIns="45700" anchor="b" anchorCtr="0">
+            <a:noAutofit/>
+          </a:bodyPr>
+          <a:lstStyle/>
+          <a:p>
+            <a:pPr marL="0" marR="0" lvl="0" indent="0" algn="r" rtl="0">
+              <a:spcBef>
+                <a:spcPts val="0"/>
+              </a:spcBef>
+              <a:spcAft>
+                <a:spcPts val="0"/>
+              </a:spcAft>
+              <a:buSzPct val="25000"/>
+              <a:buNone/>
+            </a:pPr>
+            <a:fld id="{00000000-1234-1234-1234-123412341234}" type="slidenum">
+              <a:rPr lang="en-US" sz="1200">
+                <a:solidFill>
+                  <a:schemeClr val="dk1"/>
+                </a:solidFill>
+                <a:latin typeface="Calibri"/>
+                <a:ea typeface="Calibri"/>
+                <a:cs typeface="Calibri"/>
+                <a:sym typeface="Calibri"/>
+              </a:rPr>
+              <a:t>8</a:t>
+            </a:fld>
+            <a:endParaRPr lang="en-US" sz="1200">
+              <a:solidFill>
+                <a:schemeClr val="dk1"/>
+              </a:solidFill>
+              <a:latin typeface="Calibri"/>
+              <a:ea typeface="Calibri"/>
+              <a:cs typeface="Calibri"/>
+              <a:sym typeface="Calibri"/>
+            </a:endParaRPr>
+          </a:p>
+        </p:txBody>
+      </p:sp>
+      <p:sp>
+        <p:nvSpPr>
+          <p:cNvPr id="204" name="Shape 204"/>
+          <p:cNvSpPr>
+            <a:spLocks noGrp="1" noRot="1" noChangeAspect="1"/>
+          </p:cNvSpPr>
+          <p:nvPr>
+            <p:ph type="sldImg" idx="2"/>
+          </p:nvPr>
+        </p:nvSpPr>
+        <p:spPr>
+          <a:xfrm>
+            <a:off x="381000" y="685800"/>
+            <a:ext cx="6096000" cy="3429000"/>
+          </a:xfrm>
+          <a:custGeom>
+            <a:avLst/>
+            <a:gdLst/>
+            <a:ahLst/>
+            <a:cxnLst/>
+            <a:rect l="0" t="0" r="0" b="0"/>
+            <a:pathLst>
+              <a:path w="120000" h="120000" extrusionOk="0">
+                <a:moveTo>
+                  <a:pt x="0" y="0"/>
+                </a:moveTo>
+                <a:lnTo>
+                  <a:pt x="120000" y="0"/>
+                </a:lnTo>
+                <a:lnTo>
+                  <a:pt x="120000" y="120000"/>
+                </a:lnTo>
+                <a:lnTo>
+                  <a:pt x="0" y="120000"/>
+                </a:lnTo>
+                <a:close/>
+              </a:path>
+            </a:pathLst>
+          </a:custGeom>
+          <a:solidFill>
+            <a:srgbClr val="FFFFFF"/>
+          </a:solidFill>
+          <a:ln w="9525" cap="flat" cmpd="sng">
+            <a:solidFill>
+              <a:srgbClr val="000000"/>
+            </a:solidFill>
+            <a:prstDash val="solid"/>
+            <a:miter/>
+            <a:headEnd type="none" w="med" len="med"/>
+            <a:tailEnd type="none" w="med" len="med"/>
+          </a:ln>
+        </p:spPr>
+      </p:sp>
+      <p:sp>
+        <p:nvSpPr>
+          <p:cNvPr id="205" name="Shape 205"/>
+          <p:cNvSpPr txBox="1">
+            <a:spLocks noGrp="1"/>
+          </p:cNvSpPr>
+          <p:nvPr>
+            <p:ph type="body" idx="1"/>
+          </p:nvPr>
+        </p:nvSpPr>
+        <p:spPr>
+          <a:xfrm>
+            <a:off x="914400" y="4343400"/>
+            <a:ext cx="5029199" cy="4114800"/>
+          </a:xfrm>
+          <a:prstGeom prst="rect">
+            <a:avLst/>
+          </a:prstGeom>
+          <a:solidFill>
+            <a:srgbClr val="FFFFFF"/>
+          </a:solidFill>
+          <a:ln w="9525" cap="flat" cmpd="sng">
+            <a:solidFill>
+              <a:srgbClr val="000000"/>
+            </a:solidFill>
+            <a:prstDash val="solid"/>
+            <a:miter/>
+            <a:headEnd type="none" w="med" len="med"/>
+            <a:tailEnd type="none" w="med" len="med"/>
+          </a:ln>
+        </p:spPr>
+        <p:txBody>
+          <a:bodyPr lIns="91425" tIns="45700" rIns="91425" bIns="45700" anchor="t" anchorCtr="0">
+            <a:noAutofit/>
+          </a:bodyPr>
+          <a:lstStyle/>
+          <a:p>
+            <a:pPr marL="0" marR="0" lvl="0" indent="0" algn="l" rtl="0">
+              <a:spcBef>
+                <a:spcPts val="0"/>
+              </a:spcBef>
+              <a:spcAft>
+                <a:spcPts val="0"/>
+              </a:spcAft>
+              <a:buSzPct val="25000"/>
+              <a:buNone/>
+            </a:pPr>
+            <a:endParaRPr sz="1200" b="0" i="0" u="none" strike="noStrike" cap="none">
+              <a:solidFill>
+                <a:schemeClr val="dk1"/>
+              </a:solidFill>
+              <a:latin typeface="Calibri"/>
+              <a:ea typeface="Calibri"/>
+              <a:cs typeface="Calibri"/>
+              <a:sym typeface="Calibri"/>
+            </a:endParaRPr>
+          </a:p>
+        </p:txBody>
+      </p:sp>
+    </p:spTree>
+    <p:extLst>
+      <p:ext uri="{BB962C8B-B14F-4D97-AF65-F5344CB8AC3E}">
+        <p14:creationId xmlns:p14="http://schemas.microsoft.com/office/powerpoint/2010/main" val="3701555801"/>
+      </p:ext>
+    </p:extLst>
+  </p:cSld>
+  <p:clrMapOvr>
+    <a:masterClrMapping/>
+  </p:clrMapOvr>
+</p:notes>
+</file>
+
+<file path=ppt/notesSlides/notesSlide5.xml><?xml version="1.0" encoding="utf-8"?>
+<p:notes xmlns:a="http://schemas.openxmlformats.org/drawingml/2006/main" xmlns:r="http://schemas.openxmlformats.org/officeDocument/2006/relationships" xmlns:p="http://schemas.openxmlformats.org/presentationml/2006/main" showMasterSp="0" showMasterPhAnim="0">
+  <p:cSld>
+    <p:spTree>
+      <p:nvGrpSpPr>
         <p:cNvPr id="1" name="Shape 212"/>
         <p:cNvGrpSpPr/>
         <p:nvPr/>
@@ -1745,7 +1951,7 @@
                 <a:cs typeface="Calibri"/>
                 <a:sym typeface="Calibri"/>
               </a:rPr>
-              <a:t>8</a:t>
+              <a:t>9</a:t>
             </a:fld>
             <a:endParaRPr lang="en-US" sz="1200">
               <a:solidFill>
@@ -2026,7 +2232,7 @@
           <a:p>
             <a:fld id="{1B6DC762-1116-2146-A47C-D79A5A5DBAFD}" type="datetime1">
               <a:rPr lang="en-CA" smtClean="0"/>
-              <a:t>2020-09-17</a:t>
+              <a:t>2020-09-18</a:t>
             </a:fld>
             <a:endParaRPr lang="en-US"/>
           </a:p>
@@ -2224,7 +2430,7 @@
           <a:p>
             <a:fld id="{725FEDD1-5A1B-2342-BAF0-F7C5511A73CE}" type="datetime1">
               <a:rPr lang="en-CA" smtClean="0"/>
-              <a:t>2020-09-17</a:t>
+              <a:t>2020-09-18</a:t>
             </a:fld>
             <a:endParaRPr lang="en-US"/>
           </a:p>
@@ -2432,7 +2638,7 @@
           <a:p>
             <a:fld id="{F09E59AE-0AE1-4048-8BD6-D39FC0EBB194}" type="datetime1">
               <a:rPr lang="en-CA" smtClean="0"/>
-              <a:t>2020-09-17</a:t>
+              <a:t>2020-09-18</a:t>
             </a:fld>
             <a:endParaRPr lang="en-US"/>
           </a:p>
@@ -3907,7 +4113,7 @@
           <a:p>
             <a:fld id="{A2849525-9B7D-5945-A782-775278635E42}" type="datetime1">
               <a:rPr lang="en-CA" smtClean="0"/>
-              <a:t>2020-09-17</a:t>
+              <a:t>2020-09-18</a:t>
             </a:fld>
             <a:endParaRPr lang="en-US"/>
           </a:p>
@@ -4182,7 +4388,7 @@
           <a:p>
             <a:fld id="{D05E1499-BDD1-6940-8C79-13A8B8E63D57}" type="datetime1">
               <a:rPr lang="en-CA" smtClean="0"/>
-              <a:t>2020-09-17</a:t>
+              <a:t>2020-09-18</a:t>
             </a:fld>
             <a:endParaRPr lang="en-US"/>
           </a:p>
@@ -4447,7 +4653,7 @@
           <a:p>
             <a:fld id="{17E70EF3-18A7-4644-8DA2-1EB9CA66C736}" type="datetime1">
               <a:rPr lang="en-CA" smtClean="0"/>
-              <a:t>2020-09-17</a:t>
+              <a:t>2020-09-18</a:t>
             </a:fld>
             <a:endParaRPr lang="en-US"/>
           </a:p>
@@ -4859,7 +5065,7 @@
           <a:p>
             <a:fld id="{54538FC1-2481-FB4A-91E5-87F3422DE2D5}" type="datetime1">
               <a:rPr lang="en-CA" smtClean="0"/>
-              <a:t>2020-09-17</a:t>
+              <a:t>2020-09-18</a:t>
             </a:fld>
             <a:endParaRPr lang="en-US"/>
           </a:p>
@@ -5000,7 +5206,7 @@
           <a:p>
             <a:fld id="{93D5C515-1622-C840-89B2-A4A55D34866A}" type="datetime1">
               <a:rPr lang="en-CA" smtClean="0"/>
-              <a:t>2020-09-17</a:t>
+              <a:t>2020-09-18</a:t>
             </a:fld>
             <a:endParaRPr lang="en-US"/>
           </a:p>
@@ -5113,7 +5319,7 @@
           <a:p>
             <a:fld id="{B9077E75-6C88-BB47-AC6F-0DCA859E7113}" type="datetime1">
               <a:rPr lang="en-CA" smtClean="0"/>
-              <a:t>2020-09-17</a:t>
+              <a:t>2020-09-18</a:t>
             </a:fld>
             <a:endParaRPr lang="en-US"/>
           </a:p>
@@ -5424,7 +5630,7 @@
           <a:p>
             <a:fld id="{1AD12F8B-7E05-A047-BAC3-EE71BEBBE5BE}" type="datetime1">
               <a:rPr lang="en-CA" smtClean="0"/>
-              <a:t>2020-09-17</a:t>
+              <a:t>2020-09-18</a:t>
             </a:fld>
             <a:endParaRPr lang="en-US"/>
           </a:p>
@@ -5712,7 +5918,7 @@
           <a:p>
             <a:fld id="{C1D9F72A-E93E-B546-8268-6408A6E1DA62}" type="datetime1">
               <a:rPr lang="en-CA" smtClean="0"/>
-              <a:t>2020-09-17</a:t>
+              <a:t>2020-09-18</a:t>
             </a:fld>
             <a:endParaRPr lang="en-US"/>
           </a:p>
@@ -5953,7 +6159,7 @@
           <a:p>
             <a:fld id="{97DF4AC7-DB73-7444-A2A7-FD79FE1A2B2B}" type="datetime1">
               <a:rPr lang="en-CA" smtClean="0"/>
-              <a:t>2020-09-17</a:t>
+              <a:t>2020-09-18</a:t>
             </a:fld>
             <a:endParaRPr lang="en-US"/>
           </a:p>
@@ -10167,7 +10373,7 @@
                   <a:latin typeface="Consolas" panose="020B0609020204030204" pitchFamily="49" charset="0"/>
                   <a:cs typeface="Consolas" panose="020B0609020204030204" pitchFamily="49" charset="0"/>
                 </a:rPr>
-                <a:t>(*(*a))</a:t>
+                <a:t>((a*)*)</a:t>
               </a:r>
             </a:p>
           </p:txBody>
@@ -10734,7 +10940,7 @@
                   <a:latin typeface="Consolas" panose="020B0609020204030204" pitchFamily="49" charset="0"/>
                   <a:cs typeface="Consolas" panose="020B0609020204030204" pitchFamily="49" charset="0"/>
                 </a:rPr>
-                <a:t>(.(.ab)c)</a:t>
+                <a:t>((ab)c)</a:t>
               </a:r>
             </a:p>
           </p:txBody>
@@ -10987,7 +11193,7 @@
                             </p:stCondLst>
                             <p:childTnLst>
                               <p:par>
-                                <p:cTn id="13" presetID="1" presetClass="entr" presetSubtype="0" fill="hold" grpId="0" nodeType="clickEffect">
+                                <p:cTn id="13" presetID="1" presetClass="entr" presetSubtype="0" fill="hold" nodeType="clickEffect">
                                   <p:stCondLst>
                                     <p:cond delay="0"/>
                                   </p:stCondLst>
@@ -11000,7 +11206,7 @@
                                           </p:stCondLst>
                                         </p:cTn>
                                         <p:tgtEl>
-                                          <p:spTgt spid="77"/>
+                                          <p:spTgt spid="76"/>
                                         </p:tgtEl>
                                         <p:attrNameLst>
                                           <p:attrName>style.visibility</p:attrName>
@@ -11040,6 +11246,51 @@
                                     <p:set>
                                       <p:cBhvr>
                                         <p:cTn id="18" dur="1" fill="hold">
+                                          <p:stCondLst>
+                                            <p:cond delay="0"/>
+                                          </p:stCondLst>
+                                        </p:cTn>
+                                        <p:tgtEl>
+                                          <p:spTgt spid="77"/>
+                                        </p:tgtEl>
+                                        <p:attrNameLst>
+                                          <p:attrName>style.visibility</p:attrName>
+                                        </p:attrNameLst>
+                                      </p:cBhvr>
+                                      <p:to>
+                                        <p:strVal val="visible"/>
+                                      </p:to>
+                                    </p:set>
+                                  </p:childTnLst>
+                                </p:cTn>
+                              </p:par>
+                            </p:childTnLst>
+                          </p:cTn>
+                        </p:par>
+                      </p:childTnLst>
+                    </p:cTn>
+                  </p:par>
+                  <p:par>
+                    <p:cTn id="19" fill="hold">
+                      <p:stCondLst>
+                        <p:cond delay="indefinite"/>
+                      </p:stCondLst>
+                      <p:childTnLst>
+                        <p:par>
+                          <p:cTn id="20" fill="hold">
+                            <p:stCondLst>
+                              <p:cond delay="0"/>
+                            </p:stCondLst>
+                            <p:childTnLst>
+                              <p:par>
+                                <p:cTn id="21" presetID="1" presetClass="entr" presetSubtype="0" fill="hold" grpId="0" nodeType="clickEffect">
+                                  <p:stCondLst>
+                                    <p:cond delay="0"/>
+                                  </p:stCondLst>
+                                  <p:childTnLst>
+                                    <p:set>
+                                      <p:cBhvr>
+                                        <p:cTn id="22" dur="1" fill="hold">
                                           <p:stCondLst>
                                             <p:cond delay="0"/>
                                           </p:stCondLst>
@@ -12496,6 +12747,248 @@
   <p:cSld>
     <p:spTree>
       <p:nvGrpSpPr>
+        <p:cNvPr id="1" name="Shape 206"/>
+        <p:cNvGrpSpPr/>
+        <p:nvPr/>
+      </p:nvGrpSpPr>
+      <p:grpSpPr>
+        <a:xfrm>
+          <a:off x="0" y="0"/>
+          <a:ext cx="0" cy="0"/>
+          <a:chOff x="0" y="0"/>
+          <a:chExt cx="0" cy="0"/>
+        </a:xfrm>
+      </p:grpSpPr>
+      <p:sp>
+        <p:nvSpPr>
+          <p:cNvPr id="208" name="Shape 208"/>
+          <p:cNvSpPr txBox="1">
+            <a:spLocks noGrp="1"/>
+          </p:cNvSpPr>
+          <p:nvPr>
+            <p:ph type="title"/>
+          </p:nvPr>
+        </p:nvSpPr>
+        <p:spPr>
+          <a:prstGeom prst="rect">
+            <a:avLst/>
+          </a:prstGeom>
+          <a:noFill/>
+          <a:ln>
+            <a:noFill/>
+          </a:ln>
+        </p:spPr>
+        <p:txBody>
+          <a:bodyPr lIns="68569" tIns="34275" rIns="68569" bIns="34275" anchor="ctr" anchorCtr="0">
+            <a:noAutofit/>
+          </a:bodyPr>
+          <a:lstStyle/>
+          <a:p>
+            <a:pPr>
+              <a:buSzPct val="25000"/>
+            </a:pPr>
+            <a:r>
+              <a:rPr lang="en-US"/>
+              <a:t>Equivalence of Regexps</a:t>
+            </a:r>
+          </a:p>
+        </p:txBody>
+      </p:sp>
+      <p:sp>
+        <p:nvSpPr>
+          <p:cNvPr id="207" name="Shape 207"/>
+          <p:cNvSpPr txBox="1">
+            <a:spLocks noGrp="1"/>
+          </p:cNvSpPr>
+          <p:nvPr>
+            <p:ph type="sldNum" sz="quarter" idx="12"/>
+          </p:nvPr>
+        </p:nvSpPr>
+        <p:spPr>
+          <a:prstGeom prst="rect">
+            <a:avLst/>
+          </a:prstGeom>
+          <a:noFill/>
+          <a:ln>
+            <a:noFill/>
+          </a:ln>
+        </p:spPr>
+        <p:txBody>
+          <a:bodyPr lIns="68569" tIns="34275" rIns="68569" bIns="34275" anchor="t" anchorCtr="0">
+            <a:noAutofit/>
+          </a:bodyPr>
+          <a:lstStyle/>
+          <a:p>
+            <a:pPr algn="r">
+              <a:buSzPct val="25000"/>
+            </a:pPr>
+            <a:fld id="{00000000-1234-1234-1234-123412341234}" type="slidenum">
+              <a:rPr lang="en-US" sz="1050">
+                <a:solidFill>
+                  <a:schemeClr val="dk1"/>
+                </a:solidFill>
+                <a:latin typeface="Calibri"/>
+                <a:ea typeface="Calibri"/>
+                <a:cs typeface="Calibri"/>
+                <a:sym typeface="Calibri"/>
+              </a:rPr>
+              <a:pPr algn="r">
+                <a:buSzPct val="25000"/>
+              </a:pPr>
+              <a:t>8</a:t>
+            </a:fld>
+            <a:endParaRPr lang="en-US" sz="1050">
+              <a:solidFill>
+                <a:schemeClr val="dk1"/>
+              </a:solidFill>
+              <a:latin typeface="Calibri"/>
+              <a:ea typeface="Calibri"/>
+              <a:cs typeface="Calibri"/>
+              <a:sym typeface="Calibri"/>
+            </a:endParaRPr>
+          </a:p>
+        </p:txBody>
+      </p:sp>
+      <p:sp>
+        <p:nvSpPr>
+          <p:cNvPr id="211" name="Shape 211"/>
+          <p:cNvSpPr txBox="1"/>
+          <p:nvPr/>
+        </p:nvSpPr>
+        <p:spPr>
+          <a:xfrm>
+            <a:off x="2418586" y="4084364"/>
+            <a:ext cx="4306823" cy="564826"/>
+          </a:xfrm>
+          <a:prstGeom prst="rect">
+            <a:avLst/>
+          </a:prstGeom>
+          <a:solidFill>
+            <a:schemeClr val="accent1">
+              <a:lumMod val="75000"/>
+            </a:schemeClr>
+          </a:solidFill>
+          <a:ln>
+            <a:noFill/>
+          </a:ln>
+        </p:spPr>
+        <p:txBody>
+          <a:bodyPr lIns="68569" tIns="34275" rIns="68569" bIns="34275" anchor="t" anchorCtr="0">
+            <a:noAutofit/>
+          </a:bodyPr>
+          <a:lstStyle/>
+          <a:p>
+            <a:pPr>
+              <a:buClr>
+                <a:srgbClr val="FF0000"/>
+              </a:buClr>
+              <a:buSzPct val="25000"/>
+            </a:pPr>
+            <a:r>
+              <a:rPr lang="en-US" sz="3000" b="1" dirty="0">
+                <a:solidFill>
+                  <a:schemeClr val="bg1"/>
+                </a:solidFill>
+                <a:latin typeface="Calibri"/>
+                <a:ea typeface="Calibri"/>
+                <a:cs typeface="Calibri"/>
+                <a:sym typeface="Calibri"/>
+              </a:rPr>
+              <a:t>(0(10)*1)|(01)* == (01)* ?</a:t>
+            </a:r>
+          </a:p>
+        </p:txBody>
+      </p:sp>
+      <p:pic>
+        <p:nvPicPr>
+          <p:cNvPr id="9" name="Picture 8" descr="A close up of a device&#10;&#10;Description automatically generated">
+            <a:extLst>
+              <a:ext uri="{FF2B5EF4-FFF2-40B4-BE49-F238E27FC236}">
+                <a16:creationId xmlns:a16="http://schemas.microsoft.com/office/drawing/2014/main" id="{60CF5B05-3E7F-4140-87D6-45A9D0D9F681}"/>
+              </a:ext>
+            </a:extLst>
+          </p:cNvPr>
+          <p:cNvPicPr>
+            <a:picLocks noChangeAspect="1"/>
+          </p:cNvPicPr>
+          <p:nvPr/>
+        </p:nvPicPr>
+        <p:blipFill>
+          <a:blip r:embed="rId3"/>
+          <a:stretch>
+            <a:fillRect/>
+          </a:stretch>
+        </p:blipFill>
+        <p:spPr>
+          <a:xfrm>
+            <a:off x="2649980" y="1178003"/>
+            <a:ext cx="3844036" cy="2782148"/>
+          </a:xfrm>
+          <a:prstGeom prst="rect">
+            <a:avLst/>
+          </a:prstGeom>
+        </p:spPr>
+      </p:pic>
+      <p:sp>
+        <p:nvSpPr>
+          <p:cNvPr id="10" name="TextBox 9">
+            <a:extLst>
+              <a:ext uri="{FF2B5EF4-FFF2-40B4-BE49-F238E27FC236}">
+                <a16:creationId xmlns:a16="http://schemas.microsoft.com/office/drawing/2014/main" id="{7EF95D70-BB9C-AE49-97B7-61C9255787A0}"/>
+              </a:ext>
+            </a:extLst>
+          </p:cNvPr>
+          <p:cNvSpPr txBox="1"/>
+          <p:nvPr/>
+        </p:nvSpPr>
+        <p:spPr>
+          <a:xfrm>
+            <a:off x="7138050" y="617041"/>
+            <a:ext cx="1377300" cy="307777"/>
+          </a:xfrm>
+          <a:prstGeom prst="rect">
+            <a:avLst/>
+          </a:prstGeom>
+          <a:noFill/>
+        </p:spPr>
+        <p:txBody>
+          <a:bodyPr wrap="none" rtlCol="0">
+            <a:spAutoFit/>
+          </a:bodyPr>
+          <a:lstStyle/>
+          <a:p>
+            <a:r>
+              <a:rPr lang="en-US" dirty="0" err="1">
+                <a:latin typeface="Consolas" panose="020B0609020204030204" pitchFamily="49" charset="0"/>
+                <a:cs typeface="Consolas" panose="020B0609020204030204" pitchFamily="49" charset="0"/>
+              </a:rPr>
+              <a:t>debuggex.com</a:t>
+            </a:r>
+            <a:endParaRPr lang="en-US" dirty="0">
+              <a:latin typeface="Consolas" panose="020B0609020204030204" pitchFamily="49" charset="0"/>
+              <a:cs typeface="Consolas" panose="020B0609020204030204" pitchFamily="49" charset="0"/>
+            </a:endParaRPr>
+          </a:p>
+        </p:txBody>
+      </p:sp>
+    </p:spTree>
+    <p:extLst>
+      <p:ext uri="{BB962C8B-B14F-4D97-AF65-F5344CB8AC3E}">
+        <p14:creationId xmlns:p14="http://schemas.microsoft.com/office/powerpoint/2010/main" val="1923128138"/>
+      </p:ext>
+    </p:extLst>
+  </p:cSld>
+  <p:clrMapOvr>
+    <a:masterClrMapping/>
+  </p:clrMapOvr>
+</p:sld>
+</file>
+
+<file path=ppt/slides/slide9.xml><?xml version="1.0" encoding="utf-8"?>
+<p:sld xmlns:a="http://schemas.openxmlformats.org/drawingml/2006/main" xmlns:r="http://schemas.openxmlformats.org/officeDocument/2006/relationships" xmlns:p="http://schemas.openxmlformats.org/presentationml/2006/main">
+  <p:cSld>
+    <p:spTree>
+      <p:nvGrpSpPr>
         <p:cNvPr id="1" name="Shape 216"/>
         <p:cNvGrpSpPr/>
         <p:nvPr/>
@@ -12811,7 +13304,7 @@
               <a:pPr algn="r">
                 <a:buSzPct val="25000"/>
               </a:pPr>
-              <a:t>8</a:t>
+              <a:t>9</a:t>
             </a:fld>
             <a:endParaRPr lang="en-US" sz="1050">
               <a:solidFill>

--- a/assets/ppt/lex/lex3-regexps-are-trees.pptx
+++ b/assets/ppt/lex/lex3-regexps-are-trees.pptx
@@ -2232,7 +2232,7 @@
           <a:p>
             <a:fld id="{1B6DC762-1116-2146-A47C-D79A5A5DBAFD}" type="datetime1">
               <a:rPr lang="en-CA" smtClean="0"/>
-              <a:t>2020-09-18</a:t>
+              <a:t>2020-09-19</a:t>
             </a:fld>
             <a:endParaRPr lang="en-US"/>
           </a:p>
@@ -2430,7 +2430,7 @@
           <a:p>
             <a:fld id="{725FEDD1-5A1B-2342-BAF0-F7C5511A73CE}" type="datetime1">
               <a:rPr lang="en-CA" smtClean="0"/>
-              <a:t>2020-09-18</a:t>
+              <a:t>2020-09-19</a:t>
             </a:fld>
             <a:endParaRPr lang="en-US"/>
           </a:p>
@@ -2638,7 +2638,7 @@
           <a:p>
             <a:fld id="{F09E59AE-0AE1-4048-8BD6-D39FC0EBB194}" type="datetime1">
               <a:rPr lang="en-CA" smtClean="0"/>
-              <a:t>2020-09-18</a:t>
+              <a:t>2020-09-19</a:t>
             </a:fld>
             <a:endParaRPr lang="en-US"/>
           </a:p>
@@ -4113,7 +4113,7 @@
           <a:p>
             <a:fld id="{A2849525-9B7D-5945-A782-775278635E42}" type="datetime1">
               <a:rPr lang="en-CA" smtClean="0"/>
-              <a:t>2020-09-18</a:t>
+              <a:t>2020-09-19</a:t>
             </a:fld>
             <a:endParaRPr lang="en-US"/>
           </a:p>
@@ -4388,7 +4388,7 @@
           <a:p>
             <a:fld id="{D05E1499-BDD1-6940-8C79-13A8B8E63D57}" type="datetime1">
               <a:rPr lang="en-CA" smtClean="0"/>
-              <a:t>2020-09-18</a:t>
+              <a:t>2020-09-19</a:t>
             </a:fld>
             <a:endParaRPr lang="en-US"/>
           </a:p>
@@ -4653,7 +4653,7 @@
           <a:p>
             <a:fld id="{17E70EF3-18A7-4644-8DA2-1EB9CA66C736}" type="datetime1">
               <a:rPr lang="en-CA" smtClean="0"/>
-              <a:t>2020-09-18</a:t>
+              <a:t>2020-09-19</a:t>
             </a:fld>
             <a:endParaRPr lang="en-US"/>
           </a:p>
@@ -5065,7 +5065,7 @@
           <a:p>
             <a:fld id="{54538FC1-2481-FB4A-91E5-87F3422DE2D5}" type="datetime1">
               <a:rPr lang="en-CA" smtClean="0"/>
-              <a:t>2020-09-18</a:t>
+              <a:t>2020-09-19</a:t>
             </a:fld>
             <a:endParaRPr lang="en-US"/>
           </a:p>
@@ -5206,7 +5206,7 @@
           <a:p>
             <a:fld id="{93D5C515-1622-C840-89B2-A4A55D34866A}" type="datetime1">
               <a:rPr lang="en-CA" smtClean="0"/>
-              <a:t>2020-09-18</a:t>
+              <a:t>2020-09-19</a:t>
             </a:fld>
             <a:endParaRPr lang="en-US"/>
           </a:p>
@@ -5319,7 +5319,7 @@
           <a:p>
             <a:fld id="{B9077E75-6C88-BB47-AC6F-0DCA859E7113}" type="datetime1">
               <a:rPr lang="en-CA" smtClean="0"/>
-              <a:t>2020-09-18</a:t>
+              <a:t>2020-09-19</a:t>
             </a:fld>
             <a:endParaRPr lang="en-US"/>
           </a:p>
@@ -5630,7 +5630,7 @@
           <a:p>
             <a:fld id="{1AD12F8B-7E05-A047-BAC3-EE71BEBBE5BE}" type="datetime1">
               <a:rPr lang="en-CA" smtClean="0"/>
-              <a:t>2020-09-18</a:t>
+              <a:t>2020-09-19</a:t>
             </a:fld>
             <a:endParaRPr lang="en-US"/>
           </a:p>
@@ -5918,7 +5918,7 @@
           <a:p>
             <a:fld id="{C1D9F72A-E93E-B546-8268-6408A6E1DA62}" type="datetime1">
               <a:rPr lang="en-CA" smtClean="0"/>
-              <a:t>2020-09-18</a:t>
+              <a:t>2020-09-19</a:t>
             </a:fld>
             <a:endParaRPr lang="en-US"/>
           </a:p>
@@ -6159,7 +6159,7 @@
           <a:p>
             <a:fld id="{97DF4AC7-DB73-7444-A2A7-FD79FE1A2B2B}" type="datetime1">
               <a:rPr lang="en-CA" smtClean="0"/>
-              <a:t>2020-09-18</a:t>
+              <a:t>2020-09-19</a:t>
             </a:fld>
             <a:endParaRPr lang="en-US"/>
           </a:p>
@@ -6971,67 +6971,6 @@
           </a:prstGeom>
         </p:spPr>
       </p:pic>
-      <p:sp>
-        <p:nvSpPr>
-          <p:cNvPr id="11" name="Rounded Rectangular Callout 10">
-            <a:extLst>
-              <a:ext uri="{FF2B5EF4-FFF2-40B4-BE49-F238E27FC236}">
-                <a16:creationId xmlns:a16="http://schemas.microsoft.com/office/drawing/2014/main" id="{CC34415E-E634-4645-BD9B-D1AE448D0D84}"/>
-              </a:ext>
-            </a:extLst>
-          </p:cNvPr>
-          <p:cNvSpPr/>
-          <p:nvPr/>
-        </p:nvSpPr>
-        <p:spPr>
-          <a:xfrm>
-            <a:off x="7296912" y="493776"/>
-            <a:ext cx="1682496" cy="530352"/>
-          </a:xfrm>
-          <a:prstGeom prst="wedgeRoundRectCallout">
-            <a:avLst>
-              <a:gd name="adj1" fmla="val 39570"/>
-              <a:gd name="adj2" fmla="val 75223"/>
-              <a:gd name="adj3" fmla="val 16667"/>
-            </a:avLst>
-          </a:prstGeom>
-        </p:spPr>
-        <p:style>
-          <a:lnRef idx="2">
-            <a:schemeClr val="accent1">
-              <a:shade val="50000"/>
-            </a:schemeClr>
-          </a:lnRef>
-          <a:fillRef idx="1">
-            <a:schemeClr val="accent1"/>
-          </a:fillRef>
-          <a:effectRef idx="0">
-            <a:schemeClr val="accent1"/>
-          </a:effectRef>
-          <a:fontRef idx="minor">
-            <a:schemeClr val="lt1"/>
-          </a:fontRef>
-        </p:style>
-        <p:txBody>
-          <a:bodyPr rtlCol="0" anchor="ctr"/>
-          <a:lstStyle/>
-          <a:p>
-            <a:pPr algn="ctr"/>
-            <a:r>
-              <a:rPr lang="en-US" dirty="0"/>
-              <a:t>Nope! You don’t know </a:t>
-            </a:r>
-            <a:r>
-              <a:rPr lang="en-US" dirty="0" err="1"/>
-              <a:t>regexps</a:t>
-            </a:r>
-            <a:r>
-              <a:rPr lang="en-US" dirty="0"/>
-              <a:t> (yet)!</a:t>
-            </a:r>
-          </a:p>
-        </p:txBody>
-      </p:sp>
     </p:spTree>
     <p:extLst>
       <p:ext uri="{BB962C8B-B14F-4D97-AF65-F5344CB8AC3E}">
@@ -7185,51 +7124,6 @@
                       </p:childTnLst>
                     </p:cTn>
                   </p:par>
-                  <p:par>
-                    <p:cTn id="15" fill="hold">
-                      <p:stCondLst>
-                        <p:cond delay="indefinite"/>
-                      </p:stCondLst>
-                      <p:childTnLst>
-                        <p:par>
-                          <p:cTn id="16" fill="hold">
-                            <p:stCondLst>
-                              <p:cond delay="0"/>
-                            </p:stCondLst>
-                            <p:childTnLst>
-                              <p:par>
-                                <p:cTn id="17" presetID="1" presetClass="entr" presetSubtype="0" fill="hold" grpId="0" nodeType="clickEffect">
-                                  <p:stCondLst>
-                                    <p:cond delay="0"/>
-                                  </p:stCondLst>
-                                  <p:childTnLst>
-                                    <p:set>
-                                      <p:cBhvr>
-                                        <p:cTn id="18" dur="1" fill="hold">
-                                          <p:stCondLst>
-                                            <p:cond delay="0"/>
-                                          </p:stCondLst>
-                                        </p:cTn>
-                                        <p:tgtEl>
-                                          <p:spTgt spid="11"/>
-                                        </p:tgtEl>
-                                        <p:attrNameLst>
-                                          <p:attrName>style.visibility</p:attrName>
-                                        </p:attrNameLst>
-                                      </p:cBhvr>
-                                      <p:to>
-                                        <p:strVal val="visible"/>
-                                      </p:to>
-                                    </p:set>
-                                  </p:childTnLst>
-                                </p:cTn>
-                              </p:par>
-                            </p:childTnLst>
-                          </p:cTn>
-                        </p:par>
-                      </p:childTnLst>
-                    </p:cTn>
-                  </p:par>
                 </p:childTnLst>
               </p:cTn>
               <p:prevCondLst>
@@ -7251,9 +7145,6 @@
         </p:cTn>
       </p:par>
     </p:tnLst>
-    <p:bldLst>
-      <p:bldP spid="11" grpId="0" animBg="1"/>
-    </p:bldLst>
   </p:timing>
 </p:sld>
 </file>
@@ -8243,8 +8134,8 @@
         </p:nvSpPr>
         <p:spPr>
           <a:xfrm>
-            <a:off x="5425821" y="3830775"/>
-            <a:ext cx="3307842" cy="699971"/>
+            <a:off x="5425821" y="3830776"/>
+            <a:ext cx="3307842" cy="548720"/>
           </a:xfrm>
           <a:prstGeom prst="rect">
             <a:avLst/>
@@ -8276,41 +8167,41 @@
           <a:lstStyle/>
           <a:p>
             <a:r>
-              <a:rPr lang="en-US" dirty="0"/>
+              <a:rPr lang="en-US" sz="1200" dirty="0"/>
               <a:t>Hint: Compare the matching on input strings between the original </a:t>
             </a:r>
             <a:r>
-              <a:rPr lang="en-US" dirty="0" err="1"/>
+              <a:rPr lang="en-US" sz="1200" dirty="0" err="1"/>
               <a:t>regexp</a:t>
             </a:r>
             <a:r>
-              <a:rPr lang="en-US" dirty="0"/>
+              <a:rPr lang="en-US" sz="1200" dirty="0"/>
               <a:t> </a:t>
             </a:r>
             <a:r>
-              <a:rPr lang="en-US" dirty="0" err="1">
+              <a:rPr lang="en-US" sz="1200" dirty="0" err="1">
                 <a:latin typeface="Consolas" panose="020B0609020204030204" pitchFamily="49" charset="0"/>
                 <a:cs typeface="Consolas" panose="020B0609020204030204" pitchFamily="49" charset="0"/>
               </a:rPr>
               <a:t>ac|bc</a:t>
             </a:r>
             <a:r>
-              <a:rPr lang="en-US" dirty="0">
+              <a:rPr lang="en-US" sz="1200" dirty="0">
                 <a:latin typeface="Consolas" panose="020B0609020204030204" pitchFamily="49" charset="0"/>
                 <a:cs typeface="Consolas" panose="020B0609020204030204" pitchFamily="49" charset="0"/>
               </a:rPr>
               <a:t> </a:t>
             </a:r>
             <a:r>
-              <a:rPr lang="en-US" dirty="0"/>
+              <a:rPr lang="en-US" sz="1200" dirty="0"/>
               <a:t>and the 5 unambiguous </a:t>
             </a:r>
             <a:r>
-              <a:rPr lang="en-US" dirty="0" err="1"/>
+              <a:rPr lang="en-US" sz="1200" dirty="0" err="1"/>
               <a:t>regexps</a:t>
             </a:r>
             <a:r>
-              <a:rPr lang="en-US" dirty="0"/>
+              <a:rPr lang="en-US" sz="1200" dirty="0"/>
               <a:t>.</a:t>
             </a:r>
           </a:p>
@@ -8379,6 +8270,98 @@
               </a:rPr>
               <a:t>ab*|c*</a:t>
             </a:r>
+          </a:p>
+        </p:txBody>
+      </p:sp>
+      <p:sp>
+        <p:nvSpPr>
+          <p:cNvPr id="2" name="Right Triangle 1">
+            <a:extLst>
+              <a:ext uri="{FF2B5EF4-FFF2-40B4-BE49-F238E27FC236}">
+                <a16:creationId xmlns:a16="http://schemas.microsoft.com/office/drawing/2014/main" id="{B4BF9D43-1AC9-4D4F-9899-C14EEC116833}"/>
+              </a:ext>
+            </a:extLst>
+          </p:cNvPr>
+          <p:cNvSpPr/>
+          <p:nvPr/>
+        </p:nvSpPr>
+        <p:spPr>
+          <a:xfrm rot="5400000">
+            <a:off x="2799641" y="1934068"/>
+            <a:ext cx="173736" cy="205846"/>
+          </a:xfrm>
+          <a:prstGeom prst="rtTriangle">
+            <a:avLst/>
+          </a:prstGeom>
+        </p:spPr>
+        <p:style>
+          <a:lnRef idx="2">
+            <a:schemeClr val="accent1">
+              <a:shade val="50000"/>
+            </a:schemeClr>
+          </a:lnRef>
+          <a:fillRef idx="1">
+            <a:schemeClr val="accent1"/>
+          </a:fillRef>
+          <a:effectRef idx="0">
+            <a:schemeClr val="accent1"/>
+          </a:effectRef>
+          <a:fontRef idx="minor">
+            <a:schemeClr val="lt1"/>
+          </a:fontRef>
+        </p:style>
+        <p:txBody>
+          <a:bodyPr rtlCol="0" anchor="ctr"/>
+          <a:lstStyle/>
+          <a:p>
+            <a:pPr algn="ctr"/>
+            <a:endParaRPr lang="en-US"/>
+          </a:p>
+        </p:txBody>
+      </p:sp>
+      <p:sp>
+        <p:nvSpPr>
+          <p:cNvPr id="22" name="Right Triangle 21">
+            <a:extLst>
+              <a:ext uri="{FF2B5EF4-FFF2-40B4-BE49-F238E27FC236}">
+                <a16:creationId xmlns:a16="http://schemas.microsoft.com/office/drawing/2014/main" id="{D499B071-DB16-0E48-AB52-197E376F37F2}"/>
+              </a:ext>
+            </a:extLst>
+          </p:cNvPr>
+          <p:cNvSpPr/>
+          <p:nvPr/>
+        </p:nvSpPr>
+        <p:spPr>
+          <a:xfrm rot="5400000">
+            <a:off x="2799641" y="3504386"/>
+            <a:ext cx="173736" cy="205846"/>
+          </a:xfrm>
+          <a:prstGeom prst="rtTriangle">
+            <a:avLst/>
+          </a:prstGeom>
+        </p:spPr>
+        <p:style>
+          <a:lnRef idx="2">
+            <a:schemeClr val="accent1">
+              <a:shade val="50000"/>
+            </a:schemeClr>
+          </a:lnRef>
+          <a:fillRef idx="1">
+            <a:schemeClr val="accent1"/>
+          </a:fillRef>
+          <a:effectRef idx="0">
+            <a:schemeClr val="accent1"/>
+          </a:effectRef>
+          <a:fontRef idx="minor">
+            <a:schemeClr val="lt1"/>
+          </a:fontRef>
+        </p:style>
+        <p:txBody>
+          <a:bodyPr rtlCol="0" anchor="ctr"/>
+          <a:lstStyle/>
+          <a:p>
+            <a:pPr algn="ctr"/>
+            <a:endParaRPr lang="en-US"/>
           </a:p>
         </p:txBody>
       </p:sp>
@@ -8871,7 +8854,7 @@
                                           </p:stCondLst>
                                         </p:cTn>
                                         <p:tgtEl>
-                                          <p:spTgt spid="25"/>
+                                          <p:spTgt spid="2"/>
                                         </p:tgtEl>
                                         <p:attrNameLst>
                                           <p:attrName>style.visibility</p:attrName>
@@ -8916,7 +8899,7 @@
                                           </p:stCondLst>
                                         </p:cTn>
                                         <p:tgtEl>
-                                          <p:spTgt spid="27"/>
+                                          <p:spTgt spid="22"/>
                                         </p:tgtEl>
                                         <p:attrNameLst>
                                           <p:attrName>style.visibility</p:attrName>
@@ -8961,7 +8944,7 @@
                                           </p:stCondLst>
                                         </p:cTn>
                                         <p:tgtEl>
-                                          <p:spTgt spid="28"/>
+                                          <p:spTgt spid="25"/>
                                         </p:tgtEl>
                                         <p:attrNameLst>
                                           <p:attrName>style.visibility</p:attrName>
@@ -8993,7 +8976,7 @@
                             </p:stCondLst>
                             <p:childTnLst>
                               <p:par>
-                                <p:cTn id="57" presetID="1" presetClass="entr" presetSubtype="0" fill="hold" grpId="1" nodeType="clickEffect">
+                                <p:cTn id="57" presetID="1" presetClass="entr" presetSubtype="0" fill="hold" grpId="0" nodeType="clickEffect">
                                   <p:stCondLst>
                                     <p:cond delay="0"/>
                                   </p:stCondLst>
@@ -9006,7 +8989,7 @@
                                           </p:stCondLst>
                                         </p:cTn>
                                         <p:tgtEl>
-                                          <p:spTgt spid="28"/>
+                                          <p:spTgt spid="27"/>
                                         </p:tgtEl>
                                         <p:attrNameLst>
                                           <p:attrName>style.visibility</p:attrName>
@@ -9051,7 +9034,7 @@
                                           </p:stCondLst>
                                         </p:cTn>
                                         <p:tgtEl>
-                                          <p:spTgt spid="29"/>
+                                          <p:spTgt spid="28"/>
                                         </p:tgtEl>
                                         <p:attrNameLst>
                                           <p:attrName>style.visibility</p:attrName>
@@ -9083,7 +9066,7 @@
                             </p:stCondLst>
                             <p:childTnLst>
                               <p:par>
-                                <p:cTn id="65" presetID="1" presetClass="entr" presetSubtype="0" fill="hold" grpId="0" nodeType="clickEffect">
+                                <p:cTn id="65" presetID="1" presetClass="entr" presetSubtype="0" fill="hold" grpId="1" nodeType="clickEffect">
                                   <p:stCondLst>
                                     <p:cond delay="0"/>
                                   </p:stCondLst>
@@ -9096,7 +9079,7 @@
                                           </p:stCondLst>
                                         </p:cTn>
                                         <p:tgtEl>
-                                          <p:spTgt spid="30"/>
+                                          <p:spTgt spid="28"/>
                                         </p:tgtEl>
                                         <p:attrNameLst>
                                           <p:attrName>style.visibility</p:attrName>
@@ -9136,6 +9119,96 @@
                                     <p:set>
                                       <p:cBhvr>
                                         <p:cTn id="70" dur="1" fill="hold">
+                                          <p:stCondLst>
+                                            <p:cond delay="0"/>
+                                          </p:stCondLst>
+                                        </p:cTn>
+                                        <p:tgtEl>
+                                          <p:spTgt spid="29"/>
+                                        </p:tgtEl>
+                                        <p:attrNameLst>
+                                          <p:attrName>style.visibility</p:attrName>
+                                        </p:attrNameLst>
+                                      </p:cBhvr>
+                                      <p:to>
+                                        <p:strVal val="visible"/>
+                                      </p:to>
+                                    </p:set>
+                                  </p:childTnLst>
+                                </p:cTn>
+                              </p:par>
+                            </p:childTnLst>
+                          </p:cTn>
+                        </p:par>
+                      </p:childTnLst>
+                    </p:cTn>
+                  </p:par>
+                  <p:par>
+                    <p:cTn id="71" fill="hold">
+                      <p:stCondLst>
+                        <p:cond delay="indefinite"/>
+                      </p:stCondLst>
+                      <p:childTnLst>
+                        <p:par>
+                          <p:cTn id="72" fill="hold">
+                            <p:stCondLst>
+                              <p:cond delay="0"/>
+                            </p:stCondLst>
+                            <p:childTnLst>
+                              <p:par>
+                                <p:cTn id="73" presetID="1" presetClass="entr" presetSubtype="0" fill="hold" grpId="0" nodeType="clickEffect">
+                                  <p:stCondLst>
+                                    <p:cond delay="0"/>
+                                  </p:stCondLst>
+                                  <p:childTnLst>
+                                    <p:set>
+                                      <p:cBhvr>
+                                        <p:cTn id="74" dur="1" fill="hold">
+                                          <p:stCondLst>
+                                            <p:cond delay="0"/>
+                                          </p:stCondLst>
+                                        </p:cTn>
+                                        <p:tgtEl>
+                                          <p:spTgt spid="30"/>
+                                        </p:tgtEl>
+                                        <p:attrNameLst>
+                                          <p:attrName>style.visibility</p:attrName>
+                                        </p:attrNameLst>
+                                      </p:cBhvr>
+                                      <p:to>
+                                        <p:strVal val="visible"/>
+                                      </p:to>
+                                    </p:set>
+                                  </p:childTnLst>
+                                </p:cTn>
+                              </p:par>
+                            </p:childTnLst>
+                          </p:cTn>
+                        </p:par>
+                      </p:childTnLst>
+                    </p:cTn>
+                  </p:par>
+                  <p:par>
+                    <p:cTn id="75" fill="hold">
+                      <p:stCondLst>
+                        <p:cond delay="indefinite"/>
+                      </p:stCondLst>
+                      <p:childTnLst>
+                        <p:par>
+                          <p:cTn id="76" fill="hold">
+                            <p:stCondLst>
+                              <p:cond delay="0"/>
+                            </p:stCondLst>
+                            <p:childTnLst>
+                              <p:par>
+                                <p:cTn id="77" presetID="1" presetClass="entr" presetSubtype="0" fill="hold" grpId="0" nodeType="clickEffect">
+                                  <p:stCondLst>
+                                    <p:cond delay="0"/>
+                                  </p:stCondLst>
+                                  <p:childTnLst>
+                                    <p:set>
+                                      <p:cBhvr>
+                                        <p:cTn id="78" dur="1" fill="hold">
                                           <p:stCondLst>
                                             <p:cond delay="0"/>
                                           </p:stCondLst>
@@ -9194,6 +9267,8 @@
       <p:bldP spid="29" grpId="0" animBg="1"/>
       <p:bldP spid="30" grpId="0" animBg="1"/>
       <p:bldP spid="20" grpId="0" animBg="1"/>
+      <p:bldP spid="2" grpId="0" animBg="1"/>
+      <p:bldP spid="22" grpId="0" animBg="1"/>
     </p:bldLst>
   </p:timing>
 </p:sld>
@@ -11493,7 +11568,7 @@
             </a:pPr>
             <a:r>
               <a:rPr lang="en-US" dirty="0"/>
-              <a:t>(R|S)|T == R|(S|T) </a:t>
+              <a:t>(RS)T == R(ST)</a:t>
             </a:r>
           </a:p>
           <a:p>
@@ -11507,7 +11582,7 @@
             </a:pPr>
             <a:r>
               <a:rPr lang="en-US" dirty="0"/>
-              <a:t>R|(S|T) == R|S|T</a:t>
+              <a:t>(R|S)|T == R|(S|T) </a:t>
             </a:r>
           </a:p>
           <a:p>
@@ -11521,7 +11596,7 @@
             </a:pPr>
             <a:r>
               <a:rPr lang="en-US" dirty="0"/>
-              <a:t>(RS)T == R(ST)</a:t>
+              <a:t>(R|S) == (S|R)</a:t>
             </a:r>
           </a:p>
           <a:p>
@@ -11535,7 +11610,7 @@
             </a:pPr>
             <a:r>
               <a:rPr lang="en-US" dirty="0"/>
-              <a:t>(R|S) == (S|R)</a:t>
+              <a:t>(R|S)T == (RT|ST)</a:t>
             </a:r>
           </a:p>
           <a:p>
@@ -11549,7 +11624,7 @@
             </a:pPr>
             <a:r>
               <a:rPr lang="en-US" dirty="0"/>
-              <a:t>R*R* == (R*)*</a:t>
+              <a:t>R(S|T) == RS | RT</a:t>
             </a:r>
           </a:p>
           <a:p>
@@ -11563,7 +11638,7 @@
             </a:pPr>
             <a:r>
               <a:rPr lang="en-US" dirty="0"/>
-              <a:t>(R*)* == R*</a:t>
+              <a:t>R == R|R </a:t>
             </a:r>
           </a:p>
           <a:p>
@@ -11577,41 +11652,13 @@
             </a:pPr>
             <a:r>
               <a:rPr lang="en-US" dirty="0"/>
-              <a:t>R* == RR*| </a:t>
+              <a:t>R|R == </a:t>
             </a:r>
             <a:r>
               <a:rPr lang="en-US" dirty="0" err="1"/>
-              <a:t>ε</a:t>
+              <a:t>Rε</a:t>
             </a:r>
             <a:endParaRPr lang="en-US" dirty="0"/>
-          </a:p>
-          <a:p>
-            <a:pPr indent="-257175">
-              <a:lnSpc>
-                <a:spcPct val="100000"/>
-              </a:lnSpc>
-              <a:spcBef>
-                <a:spcPts val="600"/>
-              </a:spcBef>
-            </a:pPr>
-            <a:r>
-              <a:rPr lang="en-US" dirty="0"/>
-              <a:t>R** == R*</a:t>
-            </a:r>
-          </a:p>
-          <a:p>
-            <a:pPr indent="-257175">
-              <a:lnSpc>
-                <a:spcPct val="100000"/>
-              </a:lnSpc>
-              <a:spcBef>
-                <a:spcPts val="600"/>
-              </a:spcBef>
-            </a:pPr>
-            <a:r>
-              <a:rPr lang="en-US" dirty="0"/>
-              <a:t>(R|S)T = (RT|ST)</a:t>
-            </a:r>
           </a:p>
         </p:txBody>
       </p:sp>
@@ -11627,8 +11674,8 @@
         </p:nvSpPr>
         <p:spPr>
           <a:xfrm>
-            <a:off x="4629150" y="1369219"/>
-            <a:ext cx="3886200" cy="3250536"/>
+            <a:off x="4629150" y="1369218"/>
+            <a:ext cx="3886200" cy="3595813"/>
           </a:xfrm>
           <a:prstGeom prst="rect">
             <a:avLst/>
@@ -11654,8 +11701,13 @@
             </a:pPr>
             <a:r>
               <a:rPr lang="en-US" dirty="0"/>
-              <a:t>R(S|T) == RS | RT</a:t>
-            </a:r>
+              <a:t>R* == RR*| </a:t>
+            </a:r>
+            <a:r>
+              <a:rPr lang="en-US" dirty="0" err="1"/>
+              <a:t>ε</a:t>
+            </a:r>
+            <a:endParaRPr lang="en-US" dirty="0"/>
           </a:p>
           <a:p>
             <a:pPr indent="-257175">
@@ -11668,7 +11720,7 @@
             </a:pPr>
             <a:r>
               <a:rPr lang="en-US" dirty="0"/>
-              <a:t>(R|S)* == (R*S*)* </a:t>
+              <a:t>R*R* == (R*)*</a:t>
             </a:r>
           </a:p>
           <a:p>
@@ -11682,7 +11734,7 @@
             </a:pPr>
             <a:r>
               <a:rPr lang="en-US" dirty="0"/>
-              <a:t>(R*S*)* == (R*S)*R* </a:t>
+              <a:t>(R*)* == R*</a:t>
             </a:r>
           </a:p>
           <a:p>
@@ -11696,7 +11748,7 @@
             </a:pPr>
             <a:r>
               <a:rPr lang="en-US" dirty="0"/>
-              <a:t>(R*S)*R* == (R*|S*)*</a:t>
+              <a:t>RR* == R*R</a:t>
             </a:r>
           </a:p>
           <a:p>
@@ -11710,7 +11762,7 @@
             </a:pPr>
             <a:r>
               <a:rPr lang="en-US" dirty="0"/>
-              <a:t>RR* == R*R</a:t>
+              <a:t>(RS)*R == R(SR)*</a:t>
             </a:r>
           </a:p>
           <a:p>
@@ -11724,7 +11776,7 @@
             </a:pPr>
             <a:r>
               <a:rPr lang="en-US" dirty="0"/>
-              <a:t>(RS)*R == R(SR)*</a:t>
+              <a:t>(R|S)* == (R*S*)* </a:t>
             </a:r>
           </a:p>
           <a:p>
@@ -11738,7 +11790,7 @@
             </a:pPr>
             <a:r>
               <a:rPr lang="en-US" dirty="0"/>
-              <a:t>R == R|R </a:t>
+              <a:t>(R*S*)* == (R*S)*R* </a:t>
             </a:r>
           </a:p>
           <a:p>
@@ -11752,13 +11804,8 @@
             </a:pPr>
             <a:r>
               <a:rPr lang="en-US" dirty="0"/>
-              <a:t>R|R = </a:t>
-            </a:r>
-            <a:r>
-              <a:rPr lang="en-US" dirty="0" err="1"/>
-              <a:t>Rε</a:t>
-            </a:r>
-            <a:endParaRPr lang="en-US" dirty="0"/>
+              <a:t>(R*S)*R* == (R*|S*)*</a:t>
+            </a:r>
           </a:p>
         </p:txBody>
       </p:sp>
@@ -11853,7 +11900,7 @@
               <a:buSzPct val="25000"/>
             </a:pPr>
             <a:r>
-              <a:rPr lang="en-US" sz="3000" b="1" dirty="0">
+              <a:rPr lang="en-US" sz="3000" dirty="0">
                 <a:solidFill>
                   <a:schemeClr val="bg1"/>
                 </a:solidFill>
@@ -11863,6 +11910,541 @@
                 <a:sym typeface="Calibri"/>
               </a:rPr>
               <a:t>(0(10)*1)|(01)* == (01)* ?</a:t>
+            </a:r>
+          </a:p>
+        </p:txBody>
+      </p:sp>
+      <p:sp>
+        <p:nvSpPr>
+          <p:cNvPr id="2" name="Rectangle 1">
+            <a:extLst>
+              <a:ext uri="{FF2B5EF4-FFF2-40B4-BE49-F238E27FC236}">
+                <a16:creationId xmlns:a16="http://schemas.microsoft.com/office/drawing/2014/main" id="{F3B7243C-F769-CE47-A3AF-B717C9E4F445}"/>
+              </a:ext>
+            </a:extLst>
+          </p:cNvPr>
+          <p:cNvSpPr/>
+          <p:nvPr/>
+        </p:nvSpPr>
+        <p:spPr>
+          <a:xfrm>
+            <a:off x="628649" y="1435768"/>
+            <a:ext cx="3686678" cy="1074821"/>
+          </a:xfrm>
+          <a:prstGeom prst="rect">
+            <a:avLst/>
+          </a:prstGeom>
+          <a:solidFill>
+            <a:schemeClr val="accent1">
+              <a:lumMod val="20000"/>
+              <a:lumOff val="80000"/>
+              <a:alpha val="20000"/>
+            </a:schemeClr>
+          </a:solidFill>
+          <a:ln>
+            <a:solidFill>
+              <a:schemeClr val="tx1"/>
+            </a:solidFill>
+          </a:ln>
+        </p:spPr>
+        <p:style>
+          <a:lnRef idx="2">
+            <a:schemeClr val="accent1">
+              <a:shade val="50000"/>
+            </a:schemeClr>
+          </a:lnRef>
+          <a:fillRef idx="1">
+            <a:schemeClr val="accent1"/>
+          </a:fillRef>
+          <a:effectRef idx="0">
+            <a:schemeClr val="accent1"/>
+          </a:effectRef>
+          <a:fontRef idx="minor">
+            <a:schemeClr val="lt1"/>
+          </a:fontRef>
+        </p:style>
+        <p:txBody>
+          <a:bodyPr rtlCol="0" anchor="ctr"/>
+          <a:lstStyle/>
+          <a:p>
+            <a:pPr algn="ctr"/>
+            <a:endParaRPr lang="en-US"/>
+          </a:p>
+        </p:txBody>
+      </p:sp>
+      <p:sp>
+        <p:nvSpPr>
+          <p:cNvPr id="8" name="Rectangle 7">
+            <a:extLst>
+              <a:ext uri="{FF2B5EF4-FFF2-40B4-BE49-F238E27FC236}">
+                <a16:creationId xmlns:a16="http://schemas.microsoft.com/office/drawing/2014/main" id="{C34F521F-D5CC-2342-BE49-5C0EA327140A}"/>
+              </a:ext>
+            </a:extLst>
+          </p:cNvPr>
+          <p:cNvSpPr/>
+          <p:nvPr/>
+        </p:nvSpPr>
+        <p:spPr>
+          <a:xfrm>
+            <a:off x="628649" y="2571751"/>
+            <a:ext cx="3686678" cy="765008"/>
+          </a:xfrm>
+          <a:prstGeom prst="rect">
+            <a:avLst/>
+          </a:prstGeom>
+          <a:solidFill>
+            <a:schemeClr val="accent1">
+              <a:lumMod val="20000"/>
+              <a:lumOff val="80000"/>
+              <a:alpha val="20000"/>
+            </a:schemeClr>
+          </a:solidFill>
+          <a:ln>
+            <a:solidFill>
+              <a:schemeClr val="tx1"/>
+            </a:solidFill>
+          </a:ln>
+        </p:spPr>
+        <p:style>
+          <a:lnRef idx="2">
+            <a:schemeClr val="accent1">
+              <a:shade val="50000"/>
+            </a:schemeClr>
+          </a:lnRef>
+          <a:fillRef idx="1">
+            <a:schemeClr val="accent1"/>
+          </a:fillRef>
+          <a:effectRef idx="0">
+            <a:schemeClr val="accent1"/>
+          </a:effectRef>
+          <a:fontRef idx="minor">
+            <a:schemeClr val="lt1"/>
+          </a:fontRef>
+        </p:style>
+        <p:txBody>
+          <a:bodyPr rtlCol="0" anchor="ctr"/>
+          <a:lstStyle/>
+          <a:p>
+            <a:pPr algn="ctr"/>
+            <a:endParaRPr lang="en-US"/>
+          </a:p>
+        </p:txBody>
+      </p:sp>
+      <p:sp>
+        <p:nvSpPr>
+          <p:cNvPr id="9" name="Rectangle 8">
+            <a:extLst>
+              <a:ext uri="{FF2B5EF4-FFF2-40B4-BE49-F238E27FC236}">
+                <a16:creationId xmlns:a16="http://schemas.microsoft.com/office/drawing/2014/main" id="{907610FC-1761-B145-A94A-322DDC9F6018}"/>
+              </a:ext>
+            </a:extLst>
+          </p:cNvPr>
+          <p:cNvSpPr/>
+          <p:nvPr/>
+        </p:nvSpPr>
+        <p:spPr>
+          <a:xfrm>
+            <a:off x="628649" y="3397921"/>
+            <a:ext cx="3686678" cy="708858"/>
+          </a:xfrm>
+          <a:prstGeom prst="rect">
+            <a:avLst/>
+          </a:prstGeom>
+          <a:solidFill>
+            <a:schemeClr val="accent1">
+              <a:lumMod val="20000"/>
+              <a:lumOff val="80000"/>
+              <a:alpha val="20000"/>
+            </a:schemeClr>
+          </a:solidFill>
+          <a:ln>
+            <a:solidFill>
+              <a:schemeClr val="tx1"/>
+            </a:solidFill>
+          </a:ln>
+        </p:spPr>
+        <p:style>
+          <a:lnRef idx="2">
+            <a:schemeClr val="accent1">
+              <a:shade val="50000"/>
+            </a:schemeClr>
+          </a:lnRef>
+          <a:fillRef idx="1">
+            <a:schemeClr val="accent1"/>
+          </a:fillRef>
+          <a:effectRef idx="0">
+            <a:schemeClr val="accent1"/>
+          </a:effectRef>
+          <a:fontRef idx="minor">
+            <a:schemeClr val="lt1"/>
+          </a:fontRef>
+        </p:style>
+        <p:txBody>
+          <a:bodyPr rtlCol="0" anchor="ctr"/>
+          <a:lstStyle/>
+          <a:p>
+            <a:pPr algn="ctr"/>
+            <a:endParaRPr lang="en-US"/>
+          </a:p>
+        </p:txBody>
+      </p:sp>
+      <p:sp>
+        <p:nvSpPr>
+          <p:cNvPr id="3" name="Rounded Rectangle 2">
+            <a:extLst>
+              <a:ext uri="{FF2B5EF4-FFF2-40B4-BE49-F238E27FC236}">
+                <a16:creationId xmlns:a16="http://schemas.microsoft.com/office/drawing/2014/main" id="{1FDE0A5D-6D47-C847-83F5-3FE6047B4649}"/>
+              </a:ext>
+            </a:extLst>
+          </p:cNvPr>
+          <p:cNvSpPr/>
+          <p:nvPr/>
+        </p:nvSpPr>
+        <p:spPr>
+          <a:xfrm>
+            <a:off x="3003887" y="1516668"/>
+            <a:ext cx="1195136" cy="241509"/>
+          </a:xfrm>
+          <a:prstGeom prst="roundRect">
+            <a:avLst/>
+          </a:prstGeom>
+        </p:spPr>
+        <p:style>
+          <a:lnRef idx="2">
+            <a:schemeClr val="accent1">
+              <a:shade val="50000"/>
+            </a:schemeClr>
+          </a:lnRef>
+          <a:fillRef idx="1">
+            <a:schemeClr val="accent1"/>
+          </a:fillRef>
+          <a:effectRef idx="0">
+            <a:schemeClr val="accent1"/>
+          </a:effectRef>
+          <a:fontRef idx="minor">
+            <a:schemeClr val="lt1"/>
+          </a:fontRef>
+        </p:style>
+        <p:txBody>
+          <a:bodyPr rtlCol="0" anchor="ctr"/>
+          <a:lstStyle/>
+          <a:p>
+            <a:pPr algn="ctr"/>
+            <a:r>
+              <a:rPr lang="en-US" dirty="0"/>
+              <a:t>Commutative</a:t>
+            </a:r>
+          </a:p>
+        </p:txBody>
+      </p:sp>
+      <p:sp>
+        <p:nvSpPr>
+          <p:cNvPr id="11" name="Rounded Rectangle 10">
+            <a:extLst>
+              <a:ext uri="{FF2B5EF4-FFF2-40B4-BE49-F238E27FC236}">
+                <a16:creationId xmlns:a16="http://schemas.microsoft.com/office/drawing/2014/main" id="{7AA472C9-EA71-434B-9596-A2FB0460666F}"/>
+              </a:ext>
+            </a:extLst>
+          </p:cNvPr>
+          <p:cNvSpPr/>
+          <p:nvPr/>
+        </p:nvSpPr>
+        <p:spPr>
+          <a:xfrm>
+            <a:off x="3003887" y="2645285"/>
+            <a:ext cx="1195136" cy="241509"/>
+          </a:xfrm>
+          <a:prstGeom prst="roundRect">
+            <a:avLst/>
+          </a:prstGeom>
+        </p:spPr>
+        <p:style>
+          <a:lnRef idx="2">
+            <a:schemeClr val="accent1">
+              <a:shade val="50000"/>
+            </a:schemeClr>
+          </a:lnRef>
+          <a:fillRef idx="1">
+            <a:schemeClr val="accent1"/>
+          </a:fillRef>
+          <a:effectRef idx="0">
+            <a:schemeClr val="accent1"/>
+          </a:effectRef>
+          <a:fontRef idx="minor">
+            <a:schemeClr val="lt1"/>
+          </a:fontRef>
+        </p:style>
+        <p:txBody>
+          <a:bodyPr rtlCol="0" anchor="ctr"/>
+          <a:lstStyle/>
+          <a:p>
+            <a:pPr algn="ctr"/>
+            <a:r>
+              <a:rPr lang="en-US" dirty="0"/>
+              <a:t>Factor</a:t>
+            </a:r>
+          </a:p>
+        </p:txBody>
+      </p:sp>
+      <p:sp>
+        <p:nvSpPr>
+          <p:cNvPr id="12" name="Rounded Rectangle 11">
+            <a:extLst>
+              <a:ext uri="{FF2B5EF4-FFF2-40B4-BE49-F238E27FC236}">
+                <a16:creationId xmlns:a16="http://schemas.microsoft.com/office/drawing/2014/main" id="{5083AA01-A2D2-834B-8173-3CF70A41151B}"/>
+              </a:ext>
+            </a:extLst>
+          </p:cNvPr>
+          <p:cNvSpPr/>
+          <p:nvPr/>
+        </p:nvSpPr>
+        <p:spPr>
+          <a:xfrm>
+            <a:off x="3003887" y="3458074"/>
+            <a:ext cx="1195136" cy="241509"/>
+          </a:xfrm>
+          <a:prstGeom prst="roundRect">
+            <a:avLst/>
+          </a:prstGeom>
+        </p:spPr>
+        <p:style>
+          <a:lnRef idx="2">
+            <a:schemeClr val="accent1">
+              <a:shade val="50000"/>
+            </a:schemeClr>
+          </a:lnRef>
+          <a:fillRef idx="1">
+            <a:schemeClr val="accent1"/>
+          </a:fillRef>
+          <a:effectRef idx="0">
+            <a:schemeClr val="accent1"/>
+          </a:effectRef>
+          <a:fontRef idx="minor">
+            <a:schemeClr val="lt1"/>
+          </a:fontRef>
+        </p:style>
+        <p:txBody>
+          <a:bodyPr rtlCol="0" anchor="ctr"/>
+          <a:lstStyle/>
+          <a:p>
+            <a:pPr algn="ctr"/>
+            <a:r>
+              <a:rPr lang="en-US" dirty="0"/>
+              <a:t>Redundant</a:t>
+            </a:r>
+          </a:p>
+        </p:txBody>
+      </p:sp>
+      <p:sp>
+        <p:nvSpPr>
+          <p:cNvPr id="13" name="Rectangle 12">
+            <a:extLst>
+              <a:ext uri="{FF2B5EF4-FFF2-40B4-BE49-F238E27FC236}">
+                <a16:creationId xmlns:a16="http://schemas.microsoft.com/office/drawing/2014/main" id="{7EAE4D27-784C-2246-9E17-C5A1C642FAC9}"/>
+              </a:ext>
+            </a:extLst>
+          </p:cNvPr>
+          <p:cNvSpPr/>
+          <p:nvPr/>
+        </p:nvSpPr>
+        <p:spPr>
+          <a:xfrm>
+            <a:off x="4629150" y="1435768"/>
+            <a:ext cx="3686678" cy="1098661"/>
+          </a:xfrm>
+          <a:prstGeom prst="rect">
+            <a:avLst/>
+          </a:prstGeom>
+          <a:solidFill>
+            <a:schemeClr val="accent1">
+              <a:lumMod val="20000"/>
+              <a:lumOff val="80000"/>
+              <a:alpha val="20000"/>
+            </a:schemeClr>
+          </a:solidFill>
+          <a:ln>
+            <a:solidFill>
+              <a:schemeClr val="tx1"/>
+            </a:solidFill>
+          </a:ln>
+        </p:spPr>
+        <p:style>
+          <a:lnRef idx="2">
+            <a:schemeClr val="accent1">
+              <a:shade val="50000"/>
+            </a:schemeClr>
+          </a:lnRef>
+          <a:fillRef idx="1">
+            <a:schemeClr val="accent1"/>
+          </a:fillRef>
+          <a:effectRef idx="0">
+            <a:schemeClr val="accent1"/>
+          </a:effectRef>
+          <a:fontRef idx="minor">
+            <a:schemeClr val="lt1"/>
+          </a:fontRef>
+        </p:style>
+        <p:txBody>
+          <a:bodyPr rtlCol="0" anchor="ctr"/>
+          <a:lstStyle/>
+          <a:p>
+            <a:pPr algn="ctr"/>
+            <a:endParaRPr lang="en-US"/>
+          </a:p>
+        </p:txBody>
+      </p:sp>
+      <p:sp>
+        <p:nvSpPr>
+          <p:cNvPr id="14" name="Rounded Rectangle 13">
+            <a:extLst>
+              <a:ext uri="{FF2B5EF4-FFF2-40B4-BE49-F238E27FC236}">
+                <a16:creationId xmlns:a16="http://schemas.microsoft.com/office/drawing/2014/main" id="{88E09129-F2A1-314D-80F9-3B0B042742ED}"/>
+              </a:ext>
+            </a:extLst>
+          </p:cNvPr>
+          <p:cNvSpPr/>
+          <p:nvPr/>
+        </p:nvSpPr>
+        <p:spPr>
+          <a:xfrm>
+            <a:off x="6978316" y="1486745"/>
+            <a:ext cx="1195136" cy="241509"/>
+          </a:xfrm>
+          <a:prstGeom prst="roundRect">
+            <a:avLst/>
+          </a:prstGeom>
+        </p:spPr>
+        <p:style>
+          <a:lnRef idx="2">
+            <a:schemeClr val="accent1">
+              <a:shade val="50000"/>
+            </a:schemeClr>
+          </a:lnRef>
+          <a:fillRef idx="1">
+            <a:schemeClr val="accent1"/>
+          </a:fillRef>
+          <a:effectRef idx="0">
+            <a:schemeClr val="accent1"/>
+          </a:effectRef>
+          <a:fontRef idx="minor">
+            <a:schemeClr val="lt1"/>
+          </a:fontRef>
+        </p:style>
+        <p:txBody>
+          <a:bodyPr rtlCol="0" anchor="ctr"/>
+          <a:lstStyle/>
+          <a:p>
+            <a:pPr algn="ctr"/>
+            <a:r>
+              <a:rPr lang="en-US" dirty="0"/>
+              <a:t>Closure</a:t>
+            </a:r>
+          </a:p>
+        </p:txBody>
+      </p:sp>
+      <p:sp>
+        <p:nvSpPr>
+          <p:cNvPr id="15" name="Rectangle 14">
+            <a:extLst>
+              <a:ext uri="{FF2B5EF4-FFF2-40B4-BE49-F238E27FC236}">
+                <a16:creationId xmlns:a16="http://schemas.microsoft.com/office/drawing/2014/main" id="{1187B107-462E-E045-AAA0-3C655086D1EB}"/>
+              </a:ext>
+            </a:extLst>
+          </p:cNvPr>
+          <p:cNvSpPr/>
+          <p:nvPr/>
+        </p:nvSpPr>
+        <p:spPr>
+          <a:xfrm>
+            <a:off x="4629150" y="2600979"/>
+            <a:ext cx="3686678" cy="1885637"/>
+          </a:xfrm>
+          <a:prstGeom prst="rect">
+            <a:avLst/>
+          </a:prstGeom>
+          <a:solidFill>
+            <a:schemeClr val="accent1">
+              <a:lumMod val="20000"/>
+              <a:lumOff val="80000"/>
+              <a:alpha val="20000"/>
+            </a:schemeClr>
+          </a:solidFill>
+          <a:ln>
+            <a:solidFill>
+              <a:schemeClr val="tx1"/>
+            </a:solidFill>
+          </a:ln>
+        </p:spPr>
+        <p:style>
+          <a:lnRef idx="2">
+            <a:schemeClr val="accent1">
+              <a:shade val="50000"/>
+            </a:schemeClr>
+          </a:lnRef>
+          <a:fillRef idx="1">
+            <a:schemeClr val="accent1"/>
+          </a:fillRef>
+          <a:effectRef idx="0">
+            <a:schemeClr val="accent1"/>
+          </a:effectRef>
+          <a:fontRef idx="minor">
+            <a:schemeClr val="lt1"/>
+          </a:fontRef>
+        </p:style>
+        <p:txBody>
+          <a:bodyPr rtlCol="0" anchor="ctr"/>
+          <a:lstStyle/>
+          <a:p>
+            <a:pPr algn="ctr"/>
+            <a:endParaRPr lang="en-US"/>
+          </a:p>
+        </p:txBody>
+      </p:sp>
+      <p:sp>
+        <p:nvSpPr>
+          <p:cNvPr id="16" name="Rounded Rectangle 15">
+            <a:extLst>
+              <a:ext uri="{FF2B5EF4-FFF2-40B4-BE49-F238E27FC236}">
+                <a16:creationId xmlns:a16="http://schemas.microsoft.com/office/drawing/2014/main" id="{5533F072-692F-A34F-9D44-A99E817C26AA}"/>
+              </a:ext>
+            </a:extLst>
+          </p:cNvPr>
+          <p:cNvSpPr/>
+          <p:nvPr/>
+        </p:nvSpPr>
+        <p:spPr>
+          <a:xfrm>
+            <a:off x="6978316" y="2660027"/>
+            <a:ext cx="1195136" cy="241509"/>
+          </a:xfrm>
+          <a:prstGeom prst="roundRect">
+            <a:avLst/>
+          </a:prstGeom>
+        </p:spPr>
+        <p:style>
+          <a:lnRef idx="2">
+            <a:schemeClr val="accent1">
+              <a:shade val="50000"/>
+            </a:schemeClr>
+          </a:lnRef>
+          <a:fillRef idx="1">
+            <a:schemeClr val="accent1"/>
+          </a:fillRef>
+          <a:effectRef idx="0">
+            <a:schemeClr val="accent1"/>
+          </a:effectRef>
+          <a:fontRef idx="minor">
+            <a:schemeClr val="lt1"/>
+          </a:fontRef>
+        </p:style>
+        <p:txBody>
+          <a:bodyPr rtlCol="0" anchor="ctr"/>
+          <a:lstStyle/>
+          <a:p>
+            <a:pPr algn="ctr"/>
+            <a:r>
+              <a:rPr lang="en-US" dirty="0"/>
+              <a:t>Reorder</a:t>
             </a:r>
           </a:p>
         </p:txBody>
@@ -12053,11 +12635,7 @@
                                           </p:stCondLst>
                                         </p:cTn>
                                         <p:tgtEl>
-                                          <p:spTgt spid="209">
-                                            <p:txEl>
-                                              <p:pRg st="3" end="3"/>
-                                            </p:txEl>
-                                          </p:spTgt>
+                                          <p:spTgt spid="2"/>
                                         </p:tgtEl>
                                         <p:attrNameLst>
                                           <p:attrName>style.visibility</p:attrName>
@@ -12102,11 +12680,7 @@
                                           </p:stCondLst>
                                         </p:cTn>
                                         <p:tgtEl>
-                                          <p:spTgt spid="209">
-                                            <p:txEl>
-                                              <p:pRg st="4" end="4"/>
-                                            </p:txEl>
-                                          </p:spTgt>
+                                          <p:spTgt spid="3"/>
                                         </p:tgtEl>
                                         <p:attrNameLst>
                                           <p:attrName>style.visibility</p:attrName>
@@ -12153,7 +12727,7 @@
                                         <p:tgtEl>
                                           <p:spTgt spid="209">
                                             <p:txEl>
-                                              <p:pRg st="5" end="5"/>
+                                              <p:pRg st="3" end="3"/>
                                             </p:txEl>
                                           </p:spTgt>
                                         </p:tgtEl>
@@ -12202,7 +12776,7 @@
                                         <p:tgtEl>
                                           <p:spTgt spid="209">
                                             <p:txEl>
-                                              <p:pRg st="6" end="6"/>
+                                              <p:pRg st="4" end="4"/>
                                             </p:txEl>
                                           </p:spTgt>
                                         </p:tgtEl>
@@ -12249,11 +12823,7 @@
                                           </p:stCondLst>
                                         </p:cTn>
                                         <p:tgtEl>
-                                          <p:spTgt spid="209">
-                                            <p:txEl>
-                                              <p:pRg st="7" end="7"/>
-                                            </p:txEl>
-                                          </p:spTgt>
+                                          <p:spTgt spid="8"/>
                                         </p:tgtEl>
                                         <p:attrNameLst>
                                           <p:attrName>style.visibility</p:attrName>
@@ -12298,11 +12868,7 @@
                                           </p:stCondLst>
                                         </p:cTn>
                                         <p:tgtEl>
-                                          <p:spTgt spid="209">
-                                            <p:txEl>
-                                              <p:pRg st="8" end="8"/>
-                                            </p:txEl>
-                                          </p:spTgt>
+                                          <p:spTgt spid="11"/>
                                         </p:tgtEl>
                                         <p:attrNameLst>
                                           <p:attrName>style.visibility</p:attrName>
@@ -12347,9 +12913,9 @@
                                           </p:stCondLst>
                                         </p:cTn>
                                         <p:tgtEl>
-                                          <p:spTgt spid="210">
+                                          <p:spTgt spid="209">
                                             <p:txEl>
-                                              <p:pRg st="0" end="0"/>
+                                              <p:pRg st="5" end="5"/>
                                             </p:txEl>
                                           </p:spTgt>
                                         </p:tgtEl>
@@ -12396,9 +12962,9 @@
                                           </p:stCondLst>
                                         </p:cTn>
                                         <p:tgtEl>
-                                          <p:spTgt spid="210">
+                                          <p:spTgt spid="209">
                                             <p:txEl>
-                                              <p:pRg st="1" end="1"/>
+                                              <p:pRg st="6" end="6"/>
                                             </p:txEl>
                                           </p:spTgt>
                                         </p:tgtEl>
@@ -12445,11 +13011,7 @@
                                           </p:stCondLst>
                                         </p:cTn>
                                         <p:tgtEl>
-                                          <p:spTgt spid="210">
-                                            <p:txEl>
-                                              <p:pRg st="2" end="2"/>
-                                            </p:txEl>
-                                          </p:spTgt>
+                                          <p:spTgt spid="9"/>
                                         </p:tgtEl>
                                         <p:attrNameLst>
                                           <p:attrName>style.visibility</p:attrName>
@@ -12494,11 +13056,7 @@
                                           </p:stCondLst>
                                         </p:cTn>
                                         <p:tgtEl>
-                                          <p:spTgt spid="210">
-                                            <p:txEl>
-                                              <p:pRg st="3" end="3"/>
-                                            </p:txEl>
-                                          </p:spTgt>
+                                          <p:spTgt spid="12"/>
                                         </p:tgtEl>
                                         <p:attrNameLst>
                                           <p:attrName>style.visibility</p:attrName>
@@ -12545,7 +13103,7 @@
                                         <p:tgtEl>
                                           <p:spTgt spid="210">
                                             <p:txEl>
-                                              <p:pRg st="4" end="4"/>
+                                              <p:pRg st="0" end="0"/>
                                             </p:txEl>
                                           </p:spTgt>
                                         </p:tgtEl>
@@ -12594,7 +13152,7 @@
                                         <p:tgtEl>
                                           <p:spTgt spid="210">
                                             <p:txEl>
-                                              <p:pRg st="5" end="5"/>
+                                              <p:pRg st="1" end="1"/>
                                             </p:txEl>
                                           </p:spTgt>
                                         </p:tgtEl>
@@ -12643,7 +13201,7 @@
                                         <p:tgtEl>
                                           <p:spTgt spid="210">
                                             <p:txEl>
-                                              <p:pRg st="6" end="6"/>
+                                              <p:pRg st="2" end="2"/>
                                             </p:txEl>
                                           </p:spTgt>
                                         </p:tgtEl>
@@ -12690,11 +13248,387 @@
                                           </p:stCondLst>
                                         </p:cTn>
                                         <p:tgtEl>
+                                          <p:spTgt spid="13"/>
+                                        </p:tgtEl>
+                                        <p:attrNameLst>
+                                          <p:attrName>style.visibility</p:attrName>
+                                        </p:attrNameLst>
+                                      </p:cBhvr>
+                                      <p:to>
+                                        <p:strVal val="visible"/>
+                                      </p:to>
+                                    </p:set>
+                                  </p:childTnLst>
+                                </p:cTn>
+                              </p:par>
+                            </p:childTnLst>
+                          </p:cTn>
+                        </p:par>
+                      </p:childTnLst>
+                    </p:cTn>
+                  </p:par>
+                  <p:par>
+                    <p:cTn id="71" fill="hold">
+                      <p:stCondLst>
+                        <p:cond delay="indefinite"/>
+                      </p:stCondLst>
+                      <p:childTnLst>
+                        <p:par>
+                          <p:cTn id="72" fill="hold">
+                            <p:stCondLst>
+                              <p:cond delay="0"/>
+                            </p:stCondLst>
+                            <p:childTnLst>
+                              <p:par>
+                                <p:cTn id="73" presetID="1" presetClass="entr" presetSubtype="0" fill="hold" grpId="0" nodeType="clickEffect">
+                                  <p:stCondLst>
+                                    <p:cond delay="0"/>
+                                  </p:stCondLst>
+                                  <p:childTnLst>
+                                    <p:set>
+                                      <p:cBhvr>
+                                        <p:cTn id="74" dur="1" fill="hold">
+                                          <p:stCondLst>
+                                            <p:cond delay="0"/>
+                                          </p:stCondLst>
+                                        </p:cTn>
+                                        <p:tgtEl>
+                                          <p:spTgt spid="14"/>
+                                        </p:tgtEl>
+                                        <p:attrNameLst>
+                                          <p:attrName>style.visibility</p:attrName>
+                                        </p:attrNameLst>
+                                      </p:cBhvr>
+                                      <p:to>
+                                        <p:strVal val="visible"/>
+                                      </p:to>
+                                    </p:set>
+                                  </p:childTnLst>
+                                </p:cTn>
+                              </p:par>
+                            </p:childTnLst>
+                          </p:cTn>
+                        </p:par>
+                      </p:childTnLst>
+                    </p:cTn>
+                  </p:par>
+                  <p:par>
+                    <p:cTn id="75" fill="hold">
+                      <p:stCondLst>
+                        <p:cond delay="indefinite"/>
+                      </p:stCondLst>
+                      <p:childTnLst>
+                        <p:par>
+                          <p:cTn id="76" fill="hold">
+                            <p:stCondLst>
+                              <p:cond delay="0"/>
+                            </p:stCondLst>
+                            <p:childTnLst>
+                              <p:par>
+                                <p:cTn id="77" presetID="1" presetClass="entr" presetSubtype="0" fill="hold" grpId="0" nodeType="clickEffect">
+                                  <p:stCondLst>
+                                    <p:cond delay="0"/>
+                                  </p:stCondLst>
+                                  <p:childTnLst>
+                                    <p:set>
+                                      <p:cBhvr>
+                                        <p:cTn id="78" dur="1" fill="hold">
+                                          <p:stCondLst>
+                                            <p:cond delay="0"/>
+                                          </p:stCondLst>
+                                        </p:cTn>
+                                        <p:tgtEl>
+                                          <p:spTgt spid="210">
+                                            <p:txEl>
+                                              <p:pRg st="3" end="3"/>
+                                            </p:txEl>
+                                          </p:spTgt>
+                                        </p:tgtEl>
+                                        <p:attrNameLst>
+                                          <p:attrName>style.visibility</p:attrName>
+                                        </p:attrNameLst>
+                                      </p:cBhvr>
+                                      <p:to>
+                                        <p:strVal val="visible"/>
+                                      </p:to>
+                                    </p:set>
+                                  </p:childTnLst>
+                                </p:cTn>
+                              </p:par>
+                            </p:childTnLst>
+                          </p:cTn>
+                        </p:par>
+                      </p:childTnLst>
+                    </p:cTn>
+                  </p:par>
+                  <p:par>
+                    <p:cTn id="79" fill="hold">
+                      <p:stCondLst>
+                        <p:cond delay="indefinite"/>
+                      </p:stCondLst>
+                      <p:childTnLst>
+                        <p:par>
+                          <p:cTn id="80" fill="hold">
+                            <p:stCondLst>
+                              <p:cond delay="0"/>
+                            </p:stCondLst>
+                            <p:childTnLst>
+                              <p:par>
+                                <p:cTn id="81" presetID="1" presetClass="entr" presetSubtype="0" fill="hold" grpId="0" nodeType="clickEffect">
+                                  <p:stCondLst>
+                                    <p:cond delay="0"/>
+                                  </p:stCondLst>
+                                  <p:childTnLst>
+                                    <p:set>
+                                      <p:cBhvr>
+                                        <p:cTn id="82" dur="1" fill="hold">
+                                          <p:stCondLst>
+                                            <p:cond delay="0"/>
+                                          </p:stCondLst>
+                                        </p:cTn>
+                                        <p:tgtEl>
+                                          <p:spTgt spid="210">
+                                            <p:txEl>
+                                              <p:pRg st="4" end="4"/>
+                                            </p:txEl>
+                                          </p:spTgt>
+                                        </p:tgtEl>
+                                        <p:attrNameLst>
+                                          <p:attrName>style.visibility</p:attrName>
+                                        </p:attrNameLst>
+                                      </p:cBhvr>
+                                      <p:to>
+                                        <p:strVal val="visible"/>
+                                      </p:to>
+                                    </p:set>
+                                  </p:childTnLst>
+                                </p:cTn>
+                              </p:par>
+                            </p:childTnLst>
+                          </p:cTn>
+                        </p:par>
+                      </p:childTnLst>
+                    </p:cTn>
+                  </p:par>
+                  <p:par>
+                    <p:cTn id="83" fill="hold">
+                      <p:stCondLst>
+                        <p:cond delay="indefinite"/>
+                      </p:stCondLst>
+                      <p:childTnLst>
+                        <p:par>
+                          <p:cTn id="84" fill="hold">
+                            <p:stCondLst>
+                              <p:cond delay="0"/>
+                            </p:stCondLst>
+                            <p:childTnLst>
+                              <p:par>
+                                <p:cTn id="85" presetID="1" presetClass="entr" presetSubtype="0" fill="hold" grpId="0" nodeType="clickEffect">
+                                  <p:stCondLst>
+                                    <p:cond delay="0"/>
+                                  </p:stCondLst>
+                                  <p:childTnLst>
+                                    <p:set>
+                                      <p:cBhvr>
+                                        <p:cTn id="86" dur="1" fill="hold">
+                                          <p:stCondLst>
+                                            <p:cond delay="0"/>
+                                          </p:stCondLst>
+                                        </p:cTn>
+                                        <p:tgtEl>
+                                          <p:spTgt spid="210">
+                                            <p:txEl>
+                                              <p:pRg st="5" end="5"/>
+                                            </p:txEl>
+                                          </p:spTgt>
+                                        </p:tgtEl>
+                                        <p:attrNameLst>
+                                          <p:attrName>style.visibility</p:attrName>
+                                        </p:attrNameLst>
+                                      </p:cBhvr>
+                                      <p:to>
+                                        <p:strVal val="visible"/>
+                                      </p:to>
+                                    </p:set>
+                                  </p:childTnLst>
+                                </p:cTn>
+                              </p:par>
+                            </p:childTnLst>
+                          </p:cTn>
+                        </p:par>
+                      </p:childTnLst>
+                    </p:cTn>
+                  </p:par>
+                  <p:par>
+                    <p:cTn id="87" fill="hold">
+                      <p:stCondLst>
+                        <p:cond delay="indefinite"/>
+                      </p:stCondLst>
+                      <p:childTnLst>
+                        <p:par>
+                          <p:cTn id="88" fill="hold">
+                            <p:stCondLst>
+                              <p:cond delay="0"/>
+                            </p:stCondLst>
+                            <p:childTnLst>
+                              <p:par>
+                                <p:cTn id="89" presetID="1" presetClass="entr" presetSubtype="0" fill="hold" grpId="0" nodeType="clickEffect">
+                                  <p:stCondLst>
+                                    <p:cond delay="0"/>
+                                  </p:stCondLst>
+                                  <p:childTnLst>
+                                    <p:set>
+                                      <p:cBhvr>
+                                        <p:cTn id="90" dur="1" fill="hold">
+                                          <p:stCondLst>
+                                            <p:cond delay="0"/>
+                                          </p:stCondLst>
+                                        </p:cTn>
+                                        <p:tgtEl>
+                                          <p:spTgt spid="210">
+                                            <p:txEl>
+                                              <p:pRg st="6" end="6"/>
+                                            </p:txEl>
+                                          </p:spTgt>
+                                        </p:tgtEl>
+                                        <p:attrNameLst>
+                                          <p:attrName>style.visibility</p:attrName>
+                                        </p:attrNameLst>
+                                      </p:cBhvr>
+                                      <p:to>
+                                        <p:strVal val="visible"/>
+                                      </p:to>
+                                    </p:set>
+                                  </p:childTnLst>
+                                </p:cTn>
+                              </p:par>
+                            </p:childTnLst>
+                          </p:cTn>
+                        </p:par>
+                      </p:childTnLst>
+                    </p:cTn>
+                  </p:par>
+                  <p:par>
+                    <p:cTn id="91" fill="hold">
+                      <p:stCondLst>
+                        <p:cond delay="indefinite"/>
+                      </p:stCondLst>
+                      <p:childTnLst>
+                        <p:par>
+                          <p:cTn id="92" fill="hold">
+                            <p:stCondLst>
+                              <p:cond delay="0"/>
+                            </p:stCondLst>
+                            <p:childTnLst>
+                              <p:par>
+                                <p:cTn id="93" presetID="1" presetClass="entr" presetSubtype="0" fill="hold" grpId="0" nodeType="clickEffect">
+                                  <p:stCondLst>
+                                    <p:cond delay="0"/>
+                                  </p:stCondLst>
+                                  <p:childTnLst>
+                                    <p:set>
+                                      <p:cBhvr>
+                                        <p:cTn id="94" dur="1" fill="hold">
+                                          <p:stCondLst>
+                                            <p:cond delay="0"/>
+                                          </p:stCondLst>
+                                        </p:cTn>
+                                        <p:tgtEl>
                                           <p:spTgt spid="210">
                                             <p:txEl>
                                               <p:pRg st="7" end="7"/>
                                             </p:txEl>
                                           </p:spTgt>
+                                        </p:tgtEl>
+                                        <p:attrNameLst>
+                                          <p:attrName>style.visibility</p:attrName>
+                                        </p:attrNameLst>
+                                      </p:cBhvr>
+                                      <p:to>
+                                        <p:strVal val="visible"/>
+                                      </p:to>
+                                    </p:set>
+                                  </p:childTnLst>
+                                </p:cTn>
+                              </p:par>
+                            </p:childTnLst>
+                          </p:cTn>
+                        </p:par>
+                      </p:childTnLst>
+                    </p:cTn>
+                  </p:par>
+                  <p:par>
+                    <p:cTn id="95" fill="hold">
+                      <p:stCondLst>
+                        <p:cond delay="indefinite"/>
+                      </p:stCondLst>
+                      <p:childTnLst>
+                        <p:par>
+                          <p:cTn id="96" fill="hold">
+                            <p:stCondLst>
+                              <p:cond delay="0"/>
+                            </p:stCondLst>
+                            <p:childTnLst>
+                              <p:par>
+                                <p:cTn id="97" presetID="1" presetClass="entr" presetSubtype="0" fill="hold" grpId="0" nodeType="clickEffect">
+                                  <p:stCondLst>
+                                    <p:cond delay="0"/>
+                                  </p:stCondLst>
+                                  <p:childTnLst>
+                                    <p:set>
+                                      <p:cBhvr>
+                                        <p:cTn id="98" dur="1" fill="hold">
+                                          <p:stCondLst>
+                                            <p:cond delay="0"/>
+                                          </p:stCondLst>
+                                        </p:cTn>
+                                        <p:tgtEl>
+                                          <p:spTgt spid="15"/>
+                                        </p:tgtEl>
+                                        <p:attrNameLst>
+                                          <p:attrName>style.visibility</p:attrName>
+                                        </p:attrNameLst>
+                                      </p:cBhvr>
+                                      <p:to>
+                                        <p:strVal val="visible"/>
+                                      </p:to>
+                                    </p:set>
+                                  </p:childTnLst>
+                                </p:cTn>
+                              </p:par>
+                            </p:childTnLst>
+                          </p:cTn>
+                        </p:par>
+                      </p:childTnLst>
+                    </p:cTn>
+                  </p:par>
+                  <p:par>
+                    <p:cTn id="99" fill="hold">
+                      <p:stCondLst>
+                        <p:cond delay="indefinite"/>
+                      </p:stCondLst>
+                      <p:childTnLst>
+                        <p:par>
+                          <p:cTn id="100" fill="hold">
+                            <p:stCondLst>
+                              <p:cond delay="0"/>
+                            </p:stCondLst>
+                            <p:childTnLst>
+                              <p:par>
+                                <p:cTn id="101" presetID="1" presetClass="entr" presetSubtype="0" fill="hold" grpId="0" nodeType="clickEffect">
+                                  <p:stCondLst>
+                                    <p:cond delay="0"/>
+                                  </p:stCondLst>
+                                  <p:childTnLst>
+                                    <p:set>
+                                      <p:cBhvr>
+                                        <p:cTn id="102" dur="1" fill="hold">
+                                          <p:stCondLst>
+                                            <p:cond delay="0"/>
+                                          </p:stCondLst>
+                                        </p:cTn>
+                                        <p:tgtEl>
+                                          <p:spTgt spid="16"/>
                                         </p:tgtEl>
                                         <p:attrNameLst>
                                           <p:attrName>style.visibility</p:attrName>
@@ -12736,7 +13670,17 @@
     </p:tnLst>
     <p:bldLst>
       <p:bldP spid="209" grpId="0" build="p"/>
-      <p:bldP spid="210" grpId="0" build="p"/>
+      <p:bldP spid="210" grpId="0" uiExpand="1" build="p"/>
+      <p:bldP spid="2" grpId="0" animBg="1"/>
+      <p:bldP spid="8" grpId="0" animBg="1"/>
+      <p:bldP spid="9" grpId="0" animBg="1"/>
+      <p:bldP spid="3" grpId="0" animBg="1"/>
+      <p:bldP spid="11" grpId="0" animBg="1"/>
+      <p:bldP spid="12" grpId="0" animBg="1"/>
+      <p:bldP spid="13" grpId="0" animBg="1"/>
+      <p:bldP spid="14" grpId="0" animBg="1"/>
+      <p:bldP spid="15" grpId="0" animBg="1"/>
+      <p:bldP spid="16" grpId="0" animBg="1"/>
     </p:bldLst>
   </p:timing>
 </p:sld>
@@ -12885,7 +13829,7 @@
               <a:buSzPct val="25000"/>
             </a:pPr>
             <a:r>
-              <a:rPr lang="en-US" sz="3000" b="1" dirty="0">
+              <a:rPr lang="en-US" sz="3000" dirty="0">
                 <a:solidFill>
                   <a:schemeClr val="bg1"/>
                 </a:solidFill>
@@ -13365,22 +14309,22 @@
             <a:r>
               <a:rPr lang="en-US" sz="2400" dirty="0">
                 <a:solidFill>
-                  <a:srgbClr val="C00000"/>
-                </a:solidFill>
-              </a:rPr>
-              <a:t>(RS)*R </a:t>
-            </a:r>
-            <a:r>
-              <a:rPr lang="en-US" sz="2400" dirty="0"/>
-              <a:t>== </a:t>
-            </a:r>
-            <a:r>
-              <a:rPr lang="en-US" sz="2400" dirty="0">
-                <a:solidFill>
                   <a:schemeClr val="accent2">
                     <a:lumMod val="60000"/>
                     <a:lumOff val="40000"/>
                   </a:schemeClr>
+                </a:solidFill>
+              </a:rPr>
+              <a:t>(RS)*R </a:t>
+            </a:r>
+            <a:r>
+              <a:rPr lang="en-US" sz="2400" dirty="0"/>
+              <a:t>== </a:t>
+            </a:r>
+            <a:r>
+              <a:rPr lang="en-US" sz="2400" dirty="0">
+                <a:solidFill>
+                  <a:srgbClr val="C00000"/>
                 </a:solidFill>
               </a:rPr>
               <a:t>R(SR)*</a:t>
@@ -14189,11 +15133,7 @@
                                           </p:stCondLst>
                                         </p:cTn>
                                         <p:tgtEl>
-                                          <p:spTgt spid="219">
-                                            <p:txEl>
-                                              <p:pRg st="7" end="7"/>
-                                            </p:txEl>
-                                          </p:spTgt>
+                                          <p:spTgt spid="11"/>
                                         </p:tgtEl>
                                         <p:attrNameLst>
                                           <p:attrName>style.visibility</p:attrName>
@@ -14233,6 +15173,55 @@
                                     <p:set>
                                       <p:cBhvr>
                                         <p:cTn id="50" dur="1" fill="hold">
+                                          <p:stCondLst>
+                                            <p:cond delay="0"/>
+                                          </p:stCondLst>
+                                        </p:cTn>
+                                        <p:tgtEl>
+                                          <p:spTgt spid="219">
+                                            <p:txEl>
+                                              <p:pRg st="7" end="7"/>
+                                            </p:txEl>
+                                          </p:spTgt>
+                                        </p:tgtEl>
+                                        <p:attrNameLst>
+                                          <p:attrName>style.visibility</p:attrName>
+                                        </p:attrNameLst>
+                                      </p:cBhvr>
+                                      <p:to>
+                                        <p:strVal val="visible"/>
+                                      </p:to>
+                                    </p:set>
+                                  </p:childTnLst>
+                                </p:cTn>
+                              </p:par>
+                            </p:childTnLst>
+                          </p:cTn>
+                        </p:par>
+                      </p:childTnLst>
+                    </p:cTn>
+                  </p:par>
+                  <p:par>
+                    <p:cTn id="51" fill="hold">
+                      <p:stCondLst>
+                        <p:cond delay="indefinite"/>
+                      </p:stCondLst>
+                      <p:childTnLst>
+                        <p:par>
+                          <p:cTn id="52" fill="hold">
+                            <p:stCondLst>
+                              <p:cond delay="0"/>
+                            </p:stCondLst>
+                            <p:childTnLst>
+                              <p:par>
+                                <p:cTn id="53" presetID="1" presetClass="entr" presetSubtype="0" fill="hold" grpId="0" nodeType="clickEffect">
+                                  <p:stCondLst>
+                                    <p:cond delay="0"/>
+                                  </p:stCondLst>
+                                  <p:childTnLst>
+                                    <p:set>
+                                      <p:cBhvr>
+                                        <p:cTn id="54" dur="1" fill="hold">
                                           <p:stCondLst>
                                             <p:cond delay="0"/>
                                           </p:stCondLst>
@@ -14283,6 +15272,7 @@
       <p:bldP spid="3" grpId="0" animBg="1"/>
       <p:bldP spid="9" grpId="0" animBg="1"/>
       <p:bldP spid="10" grpId="0" animBg="1"/>
+      <p:bldP spid="11" grpId="0" animBg="1"/>
       <p:bldP spid="12" grpId="0" animBg="1"/>
     </p:bldLst>
   </p:timing>
